--- a/2017/10/net core and linux in production.pptx
+++ b/2017/10/net core and linux in production.pptx
@@ -5,47 +5,49 @@
     <p:sldMasterId id="2147483648" r:id="rId1"/>
   </p:sldMasterIdLst>
   <p:notesMasterIdLst>
-    <p:notesMasterId r:id="rId40"/>
+    <p:notesMasterId r:id="rId42"/>
   </p:notesMasterIdLst>
   <p:sldIdLst>
     <p:sldId id="256" r:id="rId2"/>
     <p:sldId id="257" r:id="rId3"/>
-    <p:sldId id="260" r:id="rId4"/>
-    <p:sldId id="258" r:id="rId5"/>
-    <p:sldId id="259" r:id="rId6"/>
-    <p:sldId id="261" r:id="rId7"/>
-    <p:sldId id="262" r:id="rId8"/>
-    <p:sldId id="263" r:id="rId9"/>
-    <p:sldId id="264" r:id="rId10"/>
-    <p:sldId id="266" r:id="rId11"/>
-    <p:sldId id="280" r:id="rId12"/>
-    <p:sldId id="275" r:id="rId13"/>
-    <p:sldId id="267" r:id="rId14"/>
-    <p:sldId id="276" r:id="rId15"/>
-    <p:sldId id="278" r:id="rId16"/>
-    <p:sldId id="268" r:id="rId17"/>
-    <p:sldId id="269" r:id="rId18"/>
-    <p:sldId id="272" r:id="rId19"/>
-    <p:sldId id="273" r:id="rId20"/>
-    <p:sldId id="274" r:id="rId21"/>
-    <p:sldId id="277" r:id="rId22"/>
-    <p:sldId id="285" r:id="rId23"/>
-    <p:sldId id="281" r:id="rId24"/>
-    <p:sldId id="282" r:id="rId25"/>
-    <p:sldId id="283" r:id="rId26"/>
-    <p:sldId id="284" r:id="rId27"/>
-    <p:sldId id="287" r:id="rId28"/>
-    <p:sldId id="288" r:id="rId29"/>
-    <p:sldId id="297" r:id="rId30"/>
-    <p:sldId id="289" r:id="rId31"/>
-    <p:sldId id="290" r:id="rId32"/>
-    <p:sldId id="291" r:id="rId33"/>
-    <p:sldId id="292" r:id="rId34"/>
-    <p:sldId id="293" r:id="rId35"/>
-    <p:sldId id="294" r:id="rId36"/>
-    <p:sldId id="295" r:id="rId37"/>
-    <p:sldId id="296" r:id="rId38"/>
-    <p:sldId id="286" r:id="rId39"/>
+    <p:sldId id="261" r:id="rId4"/>
+    <p:sldId id="300" r:id="rId5"/>
+    <p:sldId id="299" r:id="rId6"/>
+    <p:sldId id="258" r:id="rId7"/>
+    <p:sldId id="298" r:id="rId8"/>
+    <p:sldId id="259" r:id="rId9"/>
+    <p:sldId id="262" r:id="rId10"/>
+    <p:sldId id="260" r:id="rId11"/>
+    <p:sldId id="264" r:id="rId12"/>
+    <p:sldId id="263" r:id="rId13"/>
+    <p:sldId id="266" r:id="rId14"/>
+    <p:sldId id="280" r:id="rId15"/>
+    <p:sldId id="275" r:id="rId16"/>
+    <p:sldId id="267" r:id="rId17"/>
+    <p:sldId id="276" r:id="rId18"/>
+    <p:sldId id="278" r:id="rId19"/>
+    <p:sldId id="268" r:id="rId20"/>
+    <p:sldId id="269" r:id="rId21"/>
+    <p:sldId id="272" r:id="rId22"/>
+    <p:sldId id="273" r:id="rId23"/>
+    <p:sldId id="274" r:id="rId24"/>
+    <p:sldId id="285" r:id="rId25"/>
+    <p:sldId id="281" r:id="rId26"/>
+    <p:sldId id="282" r:id="rId27"/>
+    <p:sldId id="283" r:id="rId28"/>
+    <p:sldId id="284" r:id="rId29"/>
+    <p:sldId id="287" r:id="rId30"/>
+    <p:sldId id="288" r:id="rId31"/>
+    <p:sldId id="297" r:id="rId32"/>
+    <p:sldId id="289" r:id="rId33"/>
+    <p:sldId id="290" r:id="rId34"/>
+    <p:sldId id="291" r:id="rId35"/>
+    <p:sldId id="292" r:id="rId36"/>
+    <p:sldId id="293" r:id="rId37"/>
+    <p:sldId id="294" r:id="rId38"/>
+    <p:sldId id="295" r:id="rId39"/>
+    <p:sldId id="296" r:id="rId40"/>
+    <p:sldId id="286" r:id="rId41"/>
   </p:sldIdLst>
   <p:sldSz cx="12192000" cy="6858000"/>
   <p:notesSz cx="6858000" cy="9144000"/>
@@ -155,13 +157,16 @@
         </p14:section>
         <p14:section name=".net core" id="{E33DC0E5-3F4E-E04C-AAB0-EB5C27FEAE09}">
           <p14:sldIdLst>
+            <p14:sldId id="261"/>
+            <p14:sldId id="300"/>
+            <p14:sldId id="299"/>
+            <p14:sldId id="258"/>
+            <p14:sldId id="298"/>
+            <p14:sldId id="259"/>
+            <p14:sldId id="262"/>
             <p14:sldId id="260"/>
-            <p14:sldId id="258"/>
-            <p14:sldId id="259"/>
-            <p14:sldId id="261"/>
-            <p14:sldId id="262"/>
+            <p14:sldId id="264"/>
             <p14:sldId id="263"/>
-            <p14:sldId id="264"/>
           </p14:sldIdLst>
         </p14:section>
         <p14:section name="Containers" id="{60C653FC-A7E2-9947-AFD4-802CBD5AB1D9}">
@@ -181,7 +186,6 @@
             <p14:sldId id="272"/>
             <p14:sldId id="273"/>
             <p14:sldId id="274"/>
-            <p14:sldId id="277"/>
             <p14:sldId id="285"/>
           </p14:sldIdLst>
         </p14:section>
@@ -201,15 +205,18 @@
             <p14:sldId id="293"/>
             <p14:sldId id="294"/>
             <p14:sldId id="295"/>
-            <p14:sldId id="296"/>
           </p14:sldIdLst>
         </p14:section>
         <p14:section name="Outro" id="{E3855D63-F31F-6B4C-A934-DD9D81D8A809}">
           <p14:sldIdLst>
+            <p14:sldId id="296"/>
             <p14:sldId id="286"/>
           </p14:sldIdLst>
         </p14:section>
       </p14:sectionLst>
+    </p:ext>
+    <p:ext uri="{EFAFB233-063F-42B5-8137-9DF3F51BA10A}">
+      <p15:sldGuideLst xmlns:p15="http://schemas.microsoft.com/office/powerpoint/2012/main"/>
     </p:ext>
   </p:extLst>
 </p:presentation>
@@ -694,7 +701,7 @@
           <a:p>
             <a:fld id="{2C4E26C2-1CCB-1B4E-9F60-F75E774EED06}" type="slidenum">
               <a:rPr lang="en-US" smtClean="0"/>
-              <a:t>23</a:t>
+              <a:t>25</a:t>
             </a:fld>
             <a:endParaRPr lang="en-US"/>
           </a:p>
@@ -798,7 +805,7 @@
           <a:p>
             <a:fld id="{2C4E26C2-1CCB-1B4E-9F60-F75E774EED06}" type="slidenum">
               <a:rPr lang="en-US" smtClean="0"/>
-              <a:t>32</a:t>
+              <a:t>34</a:t>
             </a:fld>
             <a:endParaRPr lang="en-US"/>
           </a:p>
@@ -954,7 +961,7 @@
           <a:p>
             <a:fld id="{2C4E26C2-1CCB-1B4E-9F60-F75E774EED06}" type="slidenum">
               <a:rPr lang="en-US" smtClean="0"/>
-              <a:t>33</a:t>
+              <a:t>35</a:t>
             </a:fld>
             <a:endParaRPr lang="en-US"/>
           </a:p>
@@ -1066,7 +1073,7 @@
           <a:p>
             <a:fld id="{2C4E26C2-1CCB-1B4E-9F60-F75E774EED06}" type="slidenum">
               <a:rPr lang="en-US" smtClean="0"/>
-              <a:t>34</a:t>
+              <a:t>36</a:t>
             </a:fld>
             <a:endParaRPr lang="en-US"/>
           </a:p>
@@ -1226,7 +1233,7 @@
           <a:p>
             <a:fld id="{2C4E26C2-1CCB-1B4E-9F60-F75E774EED06}" type="slidenum">
               <a:rPr lang="en-US" smtClean="0"/>
-              <a:t>35</a:t>
+              <a:t>37</a:t>
             </a:fld>
             <a:endParaRPr lang="en-US"/>
           </a:p>
@@ -1406,7 +1413,7 @@
           <a:p>
             <a:fld id="{2C4E26C2-1CCB-1B4E-9F60-F75E774EED06}" type="slidenum">
               <a:rPr lang="en-US" smtClean="0"/>
-              <a:t>36</a:t>
+              <a:t>38</a:t>
             </a:fld>
             <a:endParaRPr lang="en-US"/>
           </a:p>
@@ -1594,7 +1601,7 @@
           <a:p>
             <a:fld id="{2C4E26C2-1CCB-1B4E-9F60-F75E774EED06}" type="slidenum">
               <a:rPr lang="en-US" smtClean="0"/>
-              <a:t>37</a:t>
+              <a:t>39</a:t>
             </a:fld>
             <a:endParaRPr lang="en-US"/>
           </a:p>
@@ -1686,7 +1693,7 @@
           <a:p>
             <a:fld id="{2C4E26C2-1CCB-1B4E-9F60-F75E774EED06}" type="slidenum">
               <a:rPr lang="en-US" smtClean="0"/>
-              <a:t>38</a:t>
+              <a:t>40</a:t>
             </a:fld>
             <a:endParaRPr lang="en-US"/>
           </a:p>
@@ -1814,7 +1821,7 @@
           <a:p>
             <a:fld id="{2C4E26C2-1CCB-1B4E-9F60-F75E774EED06}" type="slidenum">
               <a:rPr lang="en-US" smtClean="0"/>
-              <a:t>24</a:t>
+              <a:t>26</a:t>
             </a:fld>
             <a:endParaRPr lang="en-US"/>
           </a:p>
@@ -1914,7 +1921,7 @@
           <a:p>
             <a:fld id="{2C4E26C2-1CCB-1B4E-9F60-F75E774EED06}" type="slidenum">
               <a:rPr lang="en-US" smtClean="0"/>
-              <a:t>25</a:t>
+              <a:t>27</a:t>
             </a:fld>
             <a:endParaRPr lang="en-US"/>
           </a:p>
@@ -2038,7 +2045,7 @@
           <a:p>
             <a:fld id="{2C4E26C2-1CCB-1B4E-9F60-F75E774EED06}" type="slidenum">
               <a:rPr lang="en-US" smtClean="0"/>
-              <a:t>26</a:t>
+              <a:t>28</a:t>
             </a:fld>
             <a:endParaRPr lang="en-US"/>
           </a:p>
@@ -2626,7 +2633,7 @@
           <a:p>
             <a:fld id="{2C4E26C2-1CCB-1B4E-9F60-F75E774EED06}" type="slidenum">
               <a:rPr lang="en-US" smtClean="0"/>
-              <a:t>27</a:t>
+              <a:t>29</a:t>
             </a:fld>
             <a:endParaRPr lang="en-US"/>
           </a:p>
@@ -2770,7 +2777,7 @@
           <a:p>
             <a:fld id="{2C4E26C2-1CCB-1B4E-9F60-F75E774EED06}" type="slidenum">
               <a:rPr lang="en-US" smtClean="0"/>
-              <a:t>28</a:t>
+              <a:t>30</a:t>
             </a:fld>
             <a:endParaRPr lang="en-US"/>
           </a:p>
@@ -2914,7 +2921,7 @@
           <a:p>
             <a:fld id="{2C4E26C2-1CCB-1B4E-9F60-F75E774EED06}" type="slidenum">
               <a:rPr lang="en-US" smtClean="0"/>
-              <a:t>29</a:t>
+              <a:t>31</a:t>
             </a:fld>
             <a:endParaRPr lang="en-US"/>
           </a:p>
@@ -3067,7 +3074,7 @@
           <a:p>
             <a:fld id="{2C4E26C2-1CCB-1B4E-9F60-F75E774EED06}" type="slidenum">
               <a:rPr lang="en-US" smtClean="0"/>
-              <a:t>30</a:t>
+              <a:t>32</a:t>
             </a:fld>
             <a:endParaRPr lang="en-US"/>
           </a:p>
@@ -3239,7 +3246,7 @@
           <a:p>
             <a:fld id="{2C4E26C2-1CCB-1B4E-9F60-F75E774EED06}" type="slidenum">
               <a:rPr lang="en-US" smtClean="0"/>
-              <a:t>31</a:t>
+              <a:t>33</a:t>
             </a:fld>
             <a:endParaRPr lang="en-US"/>
           </a:p>
@@ -3389,7 +3396,7 @@
           <a:p>
             <a:fld id="{03007FF4-4A58-3F48-9511-38849423F5EA}" type="datetimeFigureOut">
               <a:rPr lang="en-US" smtClean="0"/>
-              <a:t>10/10/17</a:t>
+              <a:t>10/11/17</a:t>
             </a:fld>
             <a:endParaRPr lang="en-US"/>
           </a:p>
@@ -3559,7 +3566,7 @@
           <a:p>
             <a:fld id="{03007FF4-4A58-3F48-9511-38849423F5EA}" type="datetimeFigureOut">
               <a:rPr lang="en-US" smtClean="0"/>
-              <a:t>10/10/17</a:t>
+              <a:t>10/11/17</a:t>
             </a:fld>
             <a:endParaRPr lang="en-US"/>
           </a:p>
@@ -3739,7 +3746,7 @@
           <a:p>
             <a:fld id="{03007FF4-4A58-3F48-9511-38849423F5EA}" type="datetimeFigureOut">
               <a:rPr lang="en-US" smtClean="0"/>
-              <a:t>10/10/17</a:t>
+              <a:t>10/11/17</a:t>
             </a:fld>
             <a:endParaRPr lang="en-US"/>
           </a:p>
@@ -3909,7 +3916,7 @@
           <a:p>
             <a:fld id="{03007FF4-4A58-3F48-9511-38849423F5EA}" type="datetimeFigureOut">
               <a:rPr lang="en-US" smtClean="0"/>
-              <a:t>10/10/17</a:t>
+              <a:t>10/11/17</a:t>
             </a:fld>
             <a:endParaRPr lang="en-US"/>
           </a:p>
@@ -4155,7 +4162,7 @@
           <a:p>
             <a:fld id="{03007FF4-4A58-3F48-9511-38849423F5EA}" type="datetimeFigureOut">
               <a:rPr lang="en-US" smtClean="0"/>
-              <a:t>10/10/17</a:t>
+              <a:t>10/11/17</a:t>
             </a:fld>
             <a:endParaRPr lang="en-US"/>
           </a:p>
@@ -4387,7 +4394,7 @@
           <a:p>
             <a:fld id="{03007FF4-4A58-3F48-9511-38849423F5EA}" type="datetimeFigureOut">
               <a:rPr lang="en-US" smtClean="0"/>
-              <a:t>10/10/17</a:t>
+              <a:t>10/11/17</a:t>
             </a:fld>
             <a:endParaRPr lang="en-US"/>
           </a:p>
@@ -4754,7 +4761,7 @@
           <a:p>
             <a:fld id="{03007FF4-4A58-3F48-9511-38849423F5EA}" type="datetimeFigureOut">
               <a:rPr lang="en-US" smtClean="0"/>
-              <a:t>10/10/17</a:t>
+              <a:t>10/11/17</a:t>
             </a:fld>
             <a:endParaRPr lang="en-US"/>
           </a:p>
@@ -4872,7 +4879,7 @@
           <a:p>
             <a:fld id="{03007FF4-4A58-3F48-9511-38849423F5EA}" type="datetimeFigureOut">
               <a:rPr lang="en-US" smtClean="0"/>
-              <a:t>10/10/17</a:t>
+              <a:t>10/11/17</a:t>
             </a:fld>
             <a:endParaRPr lang="en-US"/>
           </a:p>
@@ -4967,7 +4974,7 @@
           <a:p>
             <a:fld id="{03007FF4-4A58-3F48-9511-38849423F5EA}" type="datetimeFigureOut">
               <a:rPr lang="en-US" smtClean="0"/>
-              <a:t>10/10/17</a:t>
+              <a:t>10/11/17</a:t>
             </a:fld>
             <a:endParaRPr lang="en-US"/>
           </a:p>
@@ -5244,7 +5251,7 @@
           <a:p>
             <a:fld id="{03007FF4-4A58-3F48-9511-38849423F5EA}" type="datetimeFigureOut">
               <a:rPr lang="en-US" smtClean="0"/>
-              <a:t>10/10/17</a:t>
+              <a:t>10/11/17</a:t>
             </a:fld>
             <a:endParaRPr lang="en-US"/>
           </a:p>
@@ -5497,7 +5504,7 @@
           <a:p>
             <a:fld id="{03007FF4-4A58-3F48-9511-38849423F5EA}" type="datetimeFigureOut">
               <a:rPr lang="en-US" smtClean="0"/>
-              <a:t>10/10/17</a:t>
+              <a:t>10/11/17</a:t>
             </a:fld>
             <a:endParaRPr lang="en-US"/>
           </a:p>
@@ -5710,7 +5717,7 @@
           <a:p>
             <a:fld id="{03007FF4-4A58-3F48-9511-38849423F5EA}" type="datetimeFigureOut">
               <a:rPr lang="en-US" smtClean="0"/>
-              <a:t>10/10/17</a:t>
+              <a:t>10/11/17</a:t>
             </a:fld>
             <a:endParaRPr lang="en-US"/>
           </a:p>
@@ -6294,7 +6301,7 @@
           <a:p>
             <a:r>
               <a:rPr lang="ru-RU" dirty="0" smtClean="0"/>
-              <a:t>Контейнеры</a:t>
+              <a:t>А когда релиз?</a:t>
             </a:r>
             <a:endParaRPr lang="en-US" dirty="0"/>
           </a:p>
@@ -6316,33 +6323,12 @@
           <a:lstStyle/>
           <a:p>
             <a:r>
-              <a:rPr lang="ru-RU" dirty="0" smtClean="0"/>
-              <a:t>Они с нами давно (</a:t>
-            </a:r>
-            <a:r>
               <a:rPr lang="en-US" dirty="0" smtClean="0"/>
-              <a:t>Jails, LXC, Solaris zones)</a:t>
-            </a:r>
-          </a:p>
-          <a:p>
-            <a:endParaRPr lang="ru-RU" dirty="0"/>
-          </a:p>
-          <a:p>
-            <a:r>
-              <a:rPr lang="ru-RU" dirty="0" smtClean="0"/>
-              <a:t>Наиболее популярная сейчас </a:t>
-            </a:r>
-            <a:r>
-              <a:rPr lang="mr-IN" dirty="0" smtClean="0"/>
-              <a:t>–</a:t>
-            </a:r>
-            <a:r>
-              <a:rPr lang="ru-RU" dirty="0" smtClean="0"/>
-              <a:t> </a:t>
+              <a:t>Release </a:t>
             </a:r>
             <a:r>
               <a:rPr lang="en-US" dirty="0" smtClean="0"/>
-              <a:t>Docker</a:t>
+              <a:t>1.0: 27.06.2016</a:t>
             </a:r>
           </a:p>
           <a:p>
@@ -6351,24 +6337,7 @@
           <a:p>
             <a:r>
               <a:rPr lang="en-US" dirty="0" smtClean="0"/>
-              <a:t>Docker for Windows/Mac </a:t>
-            </a:r>
-            <a:r>
-              <a:rPr lang="mr-IN" dirty="0" smtClean="0"/>
-              <a:t>–</a:t>
-            </a:r>
-            <a:r>
-              <a:rPr lang="en-US" dirty="0" smtClean="0"/>
-              <a:t> VM</a:t>
-            </a:r>
-          </a:p>
-          <a:p>
-            <a:endParaRPr lang="en-US" dirty="0"/>
-          </a:p>
-          <a:p>
-            <a:r>
-              <a:rPr lang="en-US" dirty="0" smtClean="0"/>
-              <a:t>Windows containers</a:t>
+              <a:t>Release 2.0: 14.08.2017</a:t>
             </a:r>
             <a:endParaRPr lang="en-US" dirty="0"/>
           </a:p>
@@ -6377,7 +6346,7 @@
     </p:spTree>
     <p:extLst>
       <p:ext uri="{BB962C8B-B14F-4D97-AF65-F5344CB8AC3E}">
-        <p14:creationId xmlns:p14="http://schemas.microsoft.com/office/powerpoint/2010/main" val="1516264036"/>
+        <p14:creationId xmlns:p14="http://schemas.microsoft.com/office/powerpoint/2010/main" val="2107978881"/>
       </p:ext>
     </p:extLst>
   </p:cSld>
@@ -6387,9 +6356,133 @@
   <p:timing>
     <p:tnLst>
       <p:par>
-        <p:cTn id="1" dur="indefinite" restart="never" nodeType="tmRoot"/>
+        <p:cTn id="1" dur="indefinite" restart="never" nodeType="tmRoot">
+          <p:childTnLst>
+            <p:seq concurrent="1" nextAc="seek">
+              <p:cTn id="2" dur="indefinite" nodeType="mainSeq">
+                <p:childTnLst>
+                  <p:par>
+                    <p:cTn id="3" fill="hold">
+                      <p:stCondLst>
+                        <p:cond delay="indefinite"/>
+                      </p:stCondLst>
+                      <p:childTnLst>
+                        <p:par>
+                          <p:cTn id="4" fill="hold">
+                            <p:stCondLst>
+                              <p:cond delay="0"/>
+                            </p:stCondLst>
+                            <p:childTnLst>
+                              <p:par>
+                                <p:cTn id="5" presetID="1" presetClass="entr" presetSubtype="0" fill="hold" grpId="0" nodeType="clickEffect">
+                                  <p:stCondLst>
+                                    <p:cond delay="0"/>
+                                  </p:stCondLst>
+                                  <p:childTnLst>
+                                    <p:set>
+                                      <p:cBhvr>
+                                        <p:cTn id="6" dur="1" fill="hold">
+                                          <p:stCondLst>
+                                            <p:cond delay="0"/>
+                                          </p:stCondLst>
+                                        </p:cTn>
+                                        <p:tgtEl>
+                                          <p:spTgt spid="3">
+                                            <p:txEl>
+                                              <p:pRg st="0" end="0"/>
+                                            </p:txEl>
+                                          </p:spTgt>
+                                        </p:tgtEl>
+                                        <p:attrNameLst>
+                                          <p:attrName>style.visibility</p:attrName>
+                                        </p:attrNameLst>
+                                      </p:cBhvr>
+                                      <p:to>
+                                        <p:strVal val="visible"/>
+                                      </p:to>
+                                    </p:set>
+                                  </p:childTnLst>
+                                </p:cTn>
+                              </p:par>
+                            </p:childTnLst>
+                          </p:cTn>
+                        </p:par>
+                      </p:childTnLst>
+                    </p:cTn>
+                  </p:par>
+                  <p:par>
+                    <p:cTn id="7" fill="hold">
+                      <p:stCondLst>
+                        <p:cond delay="indefinite"/>
+                      </p:stCondLst>
+                      <p:childTnLst>
+                        <p:par>
+                          <p:cTn id="8" fill="hold">
+                            <p:stCondLst>
+                              <p:cond delay="0"/>
+                            </p:stCondLst>
+                            <p:childTnLst>
+                              <p:par>
+                                <p:cTn id="9" presetID="1" presetClass="entr" presetSubtype="0" fill="hold" grpId="0" nodeType="clickEffect">
+                                  <p:stCondLst>
+                                    <p:cond delay="0"/>
+                                  </p:stCondLst>
+                                  <p:childTnLst>
+                                    <p:set>
+                                      <p:cBhvr>
+                                        <p:cTn id="10" dur="1" fill="hold">
+                                          <p:stCondLst>
+                                            <p:cond delay="0"/>
+                                          </p:stCondLst>
+                                        </p:cTn>
+                                        <p:tgtEl>
+                                          <p:spTgt spid="3">
+                                            <p:txEl>
+                                              <p:pRg st="2" end="2"/>
+                                            </p:txEl>
+                                          </p:spTgt>
+                                        </p:tgtEl>
+                                        <p:attrNameLst>
+                                          <p:attrName>style.visibility</p:attrName>
+                                        </p:attrNameLst>
+                                      </p:cBhvr>
+                                      <p:to>
+                                        <p:strVal val="visible"/>
+                                      </p:to>
+                                    </p:set>
+                                  </p:childTnLst>
+                                </p:cTn>
+                              </p:par>
+                            </p:childTnLst>
+                          </p:cTn>
+                        </p:par>
+                      </p:childTnLst>
+                    </p:cTn>
+                  </p:par>
+                </p:childTnLst>
+              </p:cTn>
+              <p:prevCondLst>
+                <p:cond evt="onPrev" delay="0">
+                  <p:tgtEl>
+                    <p:sldTgt/>
+                  </p:tgtEl>
+                </p:cond>
+              </p:prevCondLst>
+              <p:nextCondLst>
+                <p:cond evt="onNext" delay="0">
+                  <p:tgtEl>
+                    <p:sldTgt/>
+                  </p:tgtEl>
+                </p:cond>
+              </p:nextCondLst>
+            </p:seq>
+          </p:childTnLst>
+        </p:cTn>
       </p:par>
     </p:tnLst>
+    <p:bldLst>
+      <p:bldP spid="3" grpId="0" uiExpand="1" build="p"/>
+    </p:bldLst>
   </p:timing>
 </p:sld>
 </file>
@@ -6428,90 +6521,68 @@
           <a:p>
             <a:r>
               <a:rPr lang="ru-RU" dirty="0" smtClean="0"/>
-              <a:t>Что такое </a:t>
+              <a:t>Поддержка</a:t>
+            </a:r>
+            <a:endParaRPr lang="en-US" dirty="0"/>
+          </a:p>
+        </p:txBody>
+      </p:sp>
+      <p:sp>
+        <p:nvSpPr>
+          <p:cNvPr id="3" name="Content Placeholder 2"/>
+          <p:cNvSpPr>
+            <a:spLocks noGrp="1"/>
+          </p:cNvSpPr>
+          <p:nvPr>
+            <p:ph idx="1"/>
+          </p:nvPr>
+        </p:nvSpPr>
+        <p:spPr/>
+        <p:txBody>
+          <a:bodyPr/>
+          <a:lstStyle/>
+          <a:p>
+            <a:r>
+              <a:rPr lang="en-US" dirty="0" err="1" smtClean="0"/>
+              <a:t>.net</a:t>
             </a:r>
             <a:r>
               <a:rPr lang="en-US" dirty="0" smtClean="0"/>
-              <a:t>Docker?</a:t>
-            </a:r>
+              <a:t> core 1.1, 1.0 </a:t>
+            </a:r>
+            <a:r>
+              <a:rPr lang="mr-IN" dirty="0" smtClean="0"/>
+              <a:t>–</a:t>
+            </a:r>
+            <a:r>
+              <a:rPr lang="en-US" dirty="0" smtClean="0"/>
+              <a:t> up to </a:t>
+            </a:r>
+            <a:r>
+              <a:rPr lang="ru-RU" dirty="0" smtClean="0"/>
+              <a:t>27.06.2019</a:t>
+            </a:r>
+            <a:endParaRPr lang="en-US" dirty="0" smtClean="0"/>
+          </a:p>
+          <a:p>
             <a:endParaRPr lang="en-US" dirty="0"/>
           </a:p>
-        </p:txBody>
-      </p:sp>
-      <p:pic>
-        <p:nvPicPr>
-          <p:cNvPr id="4" name="Content Placeholder 3"/>
-          <p:cNvPicPr>
-            <a:picLocks noGrp="1" noChangeAspect="1"/>
-          </p:cNvPicPr>
-          <p:nvPr>
-            <p:ph idx="1"/>
-          </p:nvPr>
-        </p:nvPicPr>
-        <p:blipFill>
-          <a:blip r:embed="rId2">
-            <a:extLst>
-              <a:ext uri="{28A0092B-C50C-407E-A947-70E740481C1C}">
-                <a14:useLocalDpi xmlns:a14="http://schemas.microsoft.com/office/drawing/2010/main" val="0"/>
-              </a:ext>
-            </a:extLst>
-          </a:blip>
-          <a:stretch>
-            <a:fillRect/>
-          </a:stretch>
-        </p:blipFill>
-        <p:spPr>
-          <a:xfrm>
-            <a:off x="838200" y="1554162"/>
-            <a:ext cx="7730170" cy="4351338"/>
-          </a:xfrm>
-        </p:spPr>
-      </p:pic>
-      <p:sp>
-        <p:nvSpPr>
-          <p:cNvPr id="5" name="TextBox 4"/>
-          <p:cNvSpPr txBox="1"/>
-          <p:nvPr/>
-        </p:nvSpPr>
-        <p:spPr>
-          <a:xfrm>
-            <a:off x="3929063" y="6115050"/>
-            <a:ext cx="7990585" cy="369332"/>
-          </a:xfrm>
-          <a:prstGeom prst="rect">
-            <a:avLst/>
-          </a:prstGeom>
-          <a:noFill/>
-        </p:spPr>
-        <p:txBody>
-          <a:bodyPr wrap="none" rtlCol="0">
-            <a:spAutoFit/>
-          </a:bodyPr>
-          <a:lstStyle/>
-          <a:p>
-            <a:r>
-              <a:rPr lang="en-US" smtClean="0"/>
-              <a:t>https://</a:t>
-            </a:r>
+          <a:p>
             <a:r>
               <a:rPr lang="en-US" dirty="0" err="1" smtClean="0"/>
-              <a:t>stackoverflow.com</a:t>
+              <a:t>.net</a:t>
             </a:r>
             <a:r>
               <a:rPr lang="en-US" dirty="0" smtClean="0"/>
-              <a:t>/questions/41645665/how-</a:t>
-            </a:r>
-            <a:r>
-              <a:rPr lang="en-US" dirty="0" err="1" smtClean="0"/>
-              <a:t>containerd</a:t>
+              <a:t> core 2.0 </a:t>
+            </a:r>
+            <a:r>
+              <a:rPr lang="mr-IN" dirty="0" smtClean="0"/>
+              <a:t>–</a:t>
             </a:r>
             <a:r>
               <a:rPr lang="en-US" dirty="0" smtClean="0"/>
-              <a:t>-compares-to-</a:t>
-            </a:r>
-            <a:r>
-              <a:rPr lang="en-US" dirty="0" err="1" smtClean="0"/>
-              <a:t>runc</a:t>
+              <a:t> up to 14.08.2020</a:t>
             </a:r>
             <a:endParaRPr lang="en-US" dirty="0"/>
           </a:p>
@@ -6520,7 +6591,7 @@
     </p:spTree>
     <p:extLst>
       <p:ext uri="{BB962C8B-B14F-4D97-AF65-F5344CB8AC3E}">
-        <p14:creationId xmlns:p14="http://schemas.microsoft.com/office/powerpoint/2010/main" val="1926949530"/>
+        <p14:creationId xmlns:p14="http://schemas.microsoft.com/office/powerpoint/2010/main" val="1294549974"/>
       </p:ext>
     </p:extLst>
   </p:cSld>
@@ -6530,9 +6601,133 @@
   <p:timing>
     <p:tnLst>
       <p:par>
-        <p:cTn id="1" dur="indefinite" restart="never" nodeType="tmRoot"/>
+        <p:cTn id="1" dur="indefinite" restart="never" nodeType="tmRoot">
+          <p:childTnLst>
+            <p:seq concurrent="1" nextAc="seek">
+              <p:cTn id="2" dur="indefinite" nodeType="mainSeq">
+                <p:childTnLst>
+                  <p:par>
+                    <p:cTn id="3" fill="hold">
+                      <p:stCondLst>
+                        <p:cond delay="indefinite"/>
+                      </p:stCondLst>
+                      <p:childTnLst>
+                        <p:par>
+                          <p:cTn id="4" fill="hold">
+                            <p:stCondLst>
+                              <p:cond delay="0"/>
+                            </p:stCondLst>
+                            <p:childTnLst>
+                              <p:par>
+                                <p:cTn id="5" presetID="1" presetClass="entr" presetSubtype="0" fill="hold" grpId="0" nodeType="clickEffect">
+                                  <p:stCondLst>
+                                    <p:cond delay="0"/>
+                                  </p:stCondLst>
+                                  <p:childTnLst>
+                                    <p:set>
+                                      <p:cBhvr>
+                                        <p:cTn id="6" dur="1" fill="hold">
+                                          <p:stCondLst>
+                                            <p:cond delay="0"/>
+                                          </p:stCondLst>
+                                        </p:cTn>
+                                        <p:tgtEl>
+                                          <p:spTgt spid="3">
+                                            <p:txEl>
+                                              <p:pRg st="0" end="0"/>
+                                            </p:txEl>
+                                          </p:spTgt>
+                                        </p:tgtEl>
+                                        <p:attrNameLst>
+                                          <p:attrName>style.visibility</p:attrName>
+                                        </p:attrNameLst>
+                                      </p:cBhvr>
+                                      <p:to>
+                                        <p:strVal val="visible"/>
+                                      </p:to>
+                                    </p:set>
+                                  </p:childTnLst>
+                                </p:cTn>
+                              </p:par>
+                            </p:childTnLst>
+                          </p:cTn>
+                        </p:par>
+                      </p:childTnLst>
+                    </p:cTn>
+                  </p:par>
+                  <p:par>
+                    <p:cTn id="7" fill="hold">
+                      <p:stCondLst>
+                        <p:cond delay="indefinite"/>
+                      </p:stCondLst>
+                      <p:childTnLst>
+                        <p:par>
+                          <p:cTn id="8" fill="hold">
+                            <p:stCondLst>
+                              <p:cond delay="0"/>
+                            </p:stCondLst>
+                            <p:childTnLst>
+                              <p:par>
+                                <p:cTn id="9" presetID="1" presetClass="entr" presetSubtype="0" fill="hold" grpId="0" nodeType="clickEffect">
+                                  <p:stCondLst>
+                                    <p:cond delay="0"/>
+                                  </p:stCondLst>
+                                  <p:childTnLst>
+                                    <p:set>
+                                      <p:cBhvr>
+                                        <p:cTn id="10" dur="1" fill="hold">
+                                          <p:stCondLst>
+                                            <p:cond delay="0"/>
+                                          </p:stCondLst>
+                                        </p:cTn>
+                                        <p:tgtEl>
+                                          <p:spTgt spid="3">
+                                            <p:txEl>
+                                              <p:pRg st="2" end="2"/>
+                                            </p:txEl>
+                                          </p:spTgt>
+                                        </p:tgtEl>
+                                        <p:attrNameLst>
+                                          <p:attrName>style.visibility</p:attrName>
+                                        </p:attrNameLst>
+                                      </p:cBhvr>
+                                      <p:to>
+                                        <p:strVal val="visible"/>
+                                      </p:to>
+                                    </p:set>
+                                  </p:childTnLst>
+                                </p:cTn>
+                              </p:par>
+                            </p:childTnLst>
+                          </p:cTn>
+                        </p:par>
+                      </p:childTnLst>
+                    </p:cTn>
+                  </p:par>
+                </p:childTnLst>
+              </p:cTn>
+              <p:prevCondLst>
+                <p:cond evt="onPrev" delay="0">
+                  <p:tgtEl>
+                    <p:sldTgt/>
+                  </p:tgtEl>
+                </p:cond>
+              </p:prevCondLst>
+              <p:nextCondLst>
+                <p:cond evt="onNext" delay="0">
+                  <p:tgtEl>
+                    <p:sldTgt/>
+                  </p:tgtEl>
+                </p:cond>
+              </p:nextCondLst>
+            </p:seq>
+          </p:childTnLst>
+        </p:cTn>
       </p:par>
     </p:tnLst>
+    <p:bldLst>
+      <p:bldP spid="3" grpId="0" build="p"/>
+    </p:bldLst>
   </p:timing>
 </p:sld>
 </file>
@@ -6570,8 +6765,20 @@
           <a:lstStyle/>
           <a:p>
             <a:r>
-              <a:rPr lang="ru-RU" dirty="0" smtClean="0"/>
-              <a:t>Разрушим мифы</a:t>
+              <a:rPr lang="en-US" dirty="0" smtClean="0"/>
+              <a:t>Demo: </a:t>
+            </a:r>
+            <a:r>
+              <a:rPr lang="en-US" dirty="0" err="1" smtClean="0"/>
+              <a:t>docker</a:t>
+            </a:r>
+            <a:r>
+              <a:rPr lang="en-US" dirty="0" smtClean="0"/>
+              <a:t> </a:t>
+            </a:r>
+            <a:r>
+              <a:rPr lang="en-US" dirty="0" smtClean="0"/>
+              <a:t>debug</a:t>
             </a:r>
             <a:endParaRPr lang="en-US" dirty="0"/>
           </a:p>
@@ -6592,127 +6799,14 @@
           <a:bodyPr/>
           <a:lstStyle/>
           <a:p>
-            <a:r>
-              <a:rPr lang="ru-RU" dirty="0" smtClean="0"/>
-              <a:t>Практически никакого </a:t>
-            </a:r>
-            <a:r>
-              <a:rPr lang="ru-RU" dirty="0" err="1" smtClean="0"/>
-              <a:t>оверхеда</a:t>
-            </a:r>
-            <a:r>
-              <a:rPr lang="ru-RU" dirty="0" smtClean="0"/>
-              <a:t> по </a:t>
-            </a:r>
-            <a:r>
-              <a:rPr lang="en-US" dirty="0" smtClean="0"/>
-              <a:t>CPU </a:t>
-            </a:r>
-            <a:r>
-              <a:rPr lang="ru-RU" dirty="0" smtClean="0"/>
-              <a:t>и памяти</a:t>
-            </a:r>
-          </a:p>
-          <a:p>
-            <a:endParaRPr lang="ru-RU" dirty="0"/>
-          </a:p>
-          <a:p>
-            <a:r>
-              <a:rPr lang="ru-RU" dirty="0" smtClean="0"/>
-              <a:t>Практически никакого </a:t>
-            </a:r>
-            <a:r>
-              <a:rPr lang="ru-RU" dirty="0" err="1" smtClean="0"/>
-              <a:t>оверхеда</a:t>
-            </a:r>
-            <a:r>
-              <a:rPr lang="ru-RU" dirty="0" smtClean="0"/>
-              <a:t> по </a:t>
-            </a:r>
-            <a:r>
-              <a:rPr lang="en-US" dirty="0" smtClean="0"/>
-              <a:t>IO, </a:t>
-            </a:r>
-            <a:r>
-              <a:rPr lang="ru-RU" dirty="0" smtClean="0"/>
-              <a:t>если использовать </a:t>
-            </a:r>
-            <a:r>
-              <a:rPr lang="en-US" dirty="0" smtClean="0"/>
-              <a:t>volume</a:t>
-            </a:r>
-          </a:p>
-          <a:p>
             <a:endParaRPr lang="en-US" dirty="0"/>
-          </a:p>
-          <a:p>
-            <a:r>
-              <a:rPr lang="ru-RU" dirty="0" smtClean="0"/>
-              <a:t>Достаточно серьёзный </a:t>
-            </a:r>
-            <a:r>
-              <a:rPr lang="ru-RU" dirty="0" err="1" smtClean="0"/>
-              <a:t>оверхед</a:t>
-            </a:r>
-            <a:r>
-              <a:rPr lang="ru-RU" dirty="0" smtClean="0"/>
-              <a:t> по сети (</a:t>
-            </a:r>
-            <a:r>
-              <a:rPr lang="en-US" dirty="0" smtClean="0"/>
-              <a:t>Project Calico)</a:t>
-            </a:r>
-          </a:p>
-          <a:p>
-            <a:endParaRPr lang="en-US" dirty="0"/>
-          </a:p>
-          <a:p>
-            <a:pPr marL="0" indent="0" algn="r">
-              <a:buNone/>
-            </a:pPr>
-            <a:r>
-              <a:rPr lang="ru-RU" sz="1400" dirty="0" smtClean="0"/>
-              <a:t>Источник: </a:t>
-            </a:r>
-            <a:r>
-              <a:rPr lang="en-US" sz="1400" dirty="0" smtClean="0"/>
-              <a:t>IBM Research Report </a:t>
-            </a:r>
-            <a:r>
-              <a:rPr lang="en-US" sz="1400" dirty="0"/>
-              <a:t>An Updated Performance Comparison of Virtual </a:t>
-            </a:r>
-            <a:r>
-              <a:rPr lang="en-US" sz="1400" dirty="0" smtClean="0"/>
-              <a:t>Machines and </a:t>
-            </a:r>
-            <a:r>
-              <a:rPr lang="en-US" sz="1400" dirty="0"/>
-              <a:t>Linux Containers</a:t>
-            </a:r>
-          </a:p>
-          <a:p>
-            <a:pPr marL="0" indent="0" algn="r">
-              <a:buNone/>
-            </a:pPr>
-            <a:r>
-              <a:rPr lang="en-US" sz="1400" dirty="0" smtClean="0"/>
-              <a:t> </a:t>
-            </a:r>
-            <a:r>
-              <a:rPr lang="en-US" sz="1400" dirty="0" smtClean="0">
-                <a:hlinkClick r:id="rId2"/>
-              </a:rPr>
-              <a:t>https://domino.research.ibm.com/library/cyberdig.nsf/papers/0929052195DD819C85257D2300681E7B/$File/rc25482.pdf</a:t>
-            </a:r>
-            <a:endParaRPr lang="en-US" sz="1400" dirty="0"/>
           </a:p>
         </p:txBody>
       </p:sp>
     </p:spTree>
     <p:extLst>
       <p:ext uri="{BB962C8B-B14F-4D97-AF65-F5344CB8AC3E}">
-        <p14:creationId xmlns:p14="http://schemas.microsoft.com/office/powerpoint/2010/main" val="82338811"/>
+        <p14:creationId xmlns:p14="http://schemas.microsoft.com/office/powerpoint/2010/main" val="459547956"/>
       </p:ext>
     </p:extLst>
   </p:cSld>
@@ -6762,12 +6856,8 @@
           <a:lstStyle/>
           <a:p>
             <a:r>
-              <a:rPr lang="en-US" dirty="0" smtClean="0"/>
-              <a:t>Docker-</a:t>
-            </a:r>
-            <a:r>
-              <a:rPr lang="ru-RU" dirty="0" smtClean="0"/>
-              <a:t>образ</a:t>
+              <a:rPr lang="ru-RU" dirty="0" smtClean="0"/>
+              <a:t>Контейнеры</a:t>
             </a:r>
             <a:endParaRPr lang="en-US" dirty="0"/>
           </a:p>
@@ -6790,30 +6880,74 @@
           <a:p>
             <a:r>
               <a:rPr lang="ru-RU" dirty="0" smtClean="0"/>
-              <a:t>Самое важное во всей экосистеме </a:t>
+              <a:t>Они с нами давно (</a:t>
+            </a:r>
+            <a:r>
+              <a:rPr lang="en-US" dirty="0" smtClean="0"/>
+              <a:t>Jails, LXC, Solaris zones)</a:t>
+            </a:r>
+          </a:p>
+          <a:p>
+            <a:endParaRPr lang="ru-RU" dirty="0"/>
+          </a:p>
+          <a:p>
+            <a:r>
+              <a:rPr lang="ru-RU" dirty="0" smtClean="0"/>
+              <a:t>Наиболее </a:t>
+            </a:r>
+            <a:r>
+              <a:rPr lang="ru-RU" dirty="0" smtClean="0"/>
+              <a:t>популярн</a:t>
+            </a:r>
+            <a:r>
+              <a:rPr lang="ru-RU" dirty="0" smtClean="0"/>
+              <a:t>ый вариант</a:t>
+            </a:r>
+            <a:r>
+              <a:rPr lang="ru-RU" dirty="0" smtClean="0"/>
+              <a:t> </a:t>
+            </a:r>
+            <a:r>
+              <a:rPr lang="ru-RU" dirty="0" smtClean="0"/>
+              <a:t>сейчас </a:t>
+            </a:r>
+            <a:r>
+              <a:rPr lang="mr-IN" dirty="0" smtClean="0"/>
+              <a:t>–</a:t>
+            </a:r>
+            <a:r>
+              <a:rPr lang="ru-RU" dirty="0" smtClean="0"/>
+              <a:t> </a:t>
             </a:r>
             <a:r>
               <a:rPr lang="en-US" dirty="0" smtClean="0"/>
               <a:t>Docker</a:t>
             </a:r>
-            <a:endParaRPr lang="ru-RU" dirty="0"/>
-          </a:p>
-          <a:p>
-            <a:endParaRPr lang="ru-RU" dirty="0" smtClean="0"/>
-          </a:p>
-          <a:p>
-            <a:r>
-              <a:rPr lang="ru-RU" dirty="0" smtClean="0"/>
-              <a:t>Инкапсулирует в себе все зависимости</a:t>
-            </a:r>
-          </a:p>
-          <a:p>
-            <a:endParaRPr lang="ru-RU" dirty="0"/>
-          </a:p>
-          <a:p>
-            <a:r>
-              <a:rPr lang="ru-RU" dirty="0" smtClean="0"/>
-              <a:t>Подписывается после сборки и неизменен</a:t>
+          </a:p>
+          <a:p>
+            <a:endParaRPr lang="en-US" dirty="0"/>
+          </a:p>
+          <a:p>
+            <a:r>
+              <a:rPr lang="en-US" dirty="0" smtClean="0"/>
+              <a:t>Docker for Windows/Mac </a:t>
+            </a:r>
+            <a:r>
+              <a:rPr lang="mr-IN" dirty="0" smtClean="0"/>
+              <a:t>–</a:t>
+            </a:r>
+            <a:r>
+              <a:rPr lang="en-US" dirty="0" smtClean="0"/>
+              <a:t> VM</a:t>
+            </a:r>
+          </a:p>
+          <a:p>
+            <a:endParaRPr lang="en-US" dirty="0"/>
+          </a:p>
+          <a:p>
+            <a:r>
+              <a:rPr lang="en-US" dirty="0" smtClean="0"/>
+              <a:t>Windows containers</a:t>
             </a:r>
             <a:endParaRPr lang="en-US" dirty="0"/>
           </a:p>
@@ -6822,7 +6956,7 @@
     </p:spTree>
     <p:extLst>
       <p:ext uri="{BB962C8B-B14F-4D97-AF65-F5344CB8AC3E}">
-        <p14:creationId xmlns:p14="http://schemas.microsoft.com/office/powerpoint/2010/main" val="1831194821"/>
+        <p14:creationId xmlns:p14="http://schemas.microsoft.com/office/powerpoint/2010/main" val="1516264036"/>
       </p:ext>
     </p:extLst>
   </p:cSld>
@@ -6832,9 +6966,231 @@
   <p:timing>
     <p:tnLst>
       <p:par>
-        <p:cTn id="1" dur="indefinite" restart="never" nodeType="tmRoot"/>
+        <p:cTn id="1" dur="indefinite" restart="never" nodeType="tmRoot">
+          <p:childTnLst>
+            <p:seq concurrent="1" nextAc="seek">
+              <p:cTn id="2" dur="indefinite" nodeType="mainSeq">
+                <p:childTnLst>
+                  <p:par>
+                    <p:cTn id="3" fill="hold">
+                      <p:stCondLst>
+                        <p:cond delay="indefinite"/>
+                      </p:stCondLst>
+                      <p:childTnLst>
+                        <p:par>
+                          <p:cTn id="4" fill="hold">
+                            <p:stCondLst>
+                              <p:cond delay="0"/>
+                            </p:stCondLst>
+                            <p:childTnLst>
+                              <p:par>
+                                <p:cTn id="5" presetID="1" presetClass="entr" presetSubtype="0" fill="hold" grpId="0" nodeType="clickEffect">
+                                  <p:stCondLst>
+                                    <p:cond delay="0"/>
+                                  </p:stCondLst>
+                                  <p:childTnLst>
+                                    <p:set>
+                                      <p:cBhvr>
+                                        <p:cTn id="6" dur="1" fill="hold">
+                                          <p:stCondLst>
+                                            <p:cond delay="0"/>
+                                          </p:stCondLst>
+                                        </p:cTn>
+                                        <p:tgtEl>
+                                          <p:spTgt spid="3">
+                                            <p:txEl>
+                                              <p:pRg st="0" end="0"/>
+                                            </p:txEl>
+                                          </p:spTgt>
+                                        </p:tgtEl>
+                                        <p:attrNameLst>
+                                          <p:attrName>style.visibility</p:attrName>
+                                        </p:attrNameLst>
+                                      </p:cBhvr>
+                                      <p:to>
+                                        <p:strVal val="visible"/>
+                                      </p:to>
+                                    </p:set>
+                                  </p:childTnLst>
+                                </p:cTn>
+                              </p:par>
+                            </p:childTnLst>
+                          </p:cTn>
+                        </p:par>
+                      </p:childTnLst>
+                    </p:cTn>
+                  </p:par>
+                  <p:par>
+                    <p:cTn id="7" fill="hold">
+                      <p:stCondLst>
+                        <p:cond delay="indefinite"/>
+                      </p:stCondLst>
+                      <p:childTnLst>
+                        <p:par>
+                          <p:cTn id="8" fill="hold">
+                            <p:stCondLst>
+                              <p:cond delay="0"/>
+                            </p:stCondLst>
+                            <p:childTnLst>
+                              <p:par>
+                                <p:cTn id="9" presetID="1" presetClass="entr" presetSubtype="0" fill="hold" grpId="0" nodeType="clickEffect">
+                                  <p:stCondLst>
+                                    <p:cond delay="0"/>
+                                  </p:stCondLst>
+                                  <p:childTnLst>
+                                    <p:set>
+                                      <p:cBhvr>
+                                        <p:cTn id="10" dur="1" fill="hold">
+                                          <p:stCondLst>
+                                            <p:cond delay="0"/>
+                                          </p:stCondLst>
+                                        </p:cTn>
+                                        <p:tgtEl>
+                                          <p:spTgt spid="3">
+                                            <p:txEl>
+                                              <p:pRg st="2" end="2"/>
+                                            </p:txEl>
+                                          </p:spTgt>
+                                        </p:tgtEl>
+                                        <p:attrNameLst>
+                                          <p:attrName>style.visibility</p:attrName>
+                                        </p:attrNameLst>
+                                      </p:cBhvr>
+                                      <p:to>
+                                        <p:strVal val="visible"/>
+                                      </p:to>
+                                    </p:set>
+                                  </p:childTnLst>
+                                </p:cTn>
+                              </p:par>
+                            </p:childTnLst>
+                          </p:cTn>
+                        </p:par>
+                      </p:childTnLst>
+                    </p:cTn>
+                  </p:par>
+                  <p:par>
+                    <p:cTn id="11" fill="hold">
+                      <p:stCondLst>
+                        <p:cond delay="indefinite"/>
+                      </p:stCondLst>
+                      <p:childTnLst>
+                        <p:par>
+                          <p:cTn id="12" fill="hold">
+                            <p:stCondLst>
+                              <p:cond delay="0"/>
+                            </p:stCondLst>
+                            <p:childTnLst>
+                              <p:par>
+                                <p:cTn id="13" presetID="1" presetClass="entr" presetSubtype="0" fill="hold" grpId="0" nodeType="clickEffect">
+                                  <p:stCondLst>
+                                    <p:cond delay="0"/>
+                                  </p:stCondLst>
+                                  <p:childTnLst>
+                                    <p:set>
+                                      <p:cBhvr>
+                                        <p:cTn id="14" dur="1" fill="hold">
+                                          <p:stCondLst>
+                                            <p:cond delay="0"/>
+                                          </p:stCondLst>
+                                        </p:cTn>
+                                        <p:tgtEl>
+                                          <p:spTgt spid="3">
+                                            <p:txEl>
+                                              <p:pRg st="4" end="4"/>
+                                            </p:txEl>
+                                          </p:spTgt>
+                                        </p:tgtEl>
+                                        <p:attrNameLst>
+                                          <p:attrName>style.visibility</p:attrName>
+                                        </p:attrNameLst>
+                                      </p:cBhvr>
+                                      <p:to>
+                                        <p:strVal val="visible"/>
+                                      </p:to>
+                                    </p:set>
+                                  </p:childTnLst>
+                                </p:cTn>
+                              </p:par>
+                            </p:childTnLst>
+                          </p:cTn>
+                        </p:par>
+                      </p:childTnLst>
+                    </p:cTn>
+                  </p:par>
+                  <p:par>
+                    <p:cTn id="15" fill="hold">
+                      <p:stCondLst>
+                        <p:cond delay="indefinite"/>
+                      </p:stCondLst>
+                      <p:childTnLst>
+                        <p:par>
+                          <p:cTn id="16" fill="hold">
+                            <p:stCondLst>
+                              <p:cond delay="0"/>
+                            </p:stCondLst>
+                            <p:childTnLst>
+                              <p:par>
+                                <p:cTn id="17" presetID="1" presetClass="entr" presetSubtype="0" fill="hold" grpId="0" nodeType="clickEffect">
+                                  <p:stCondLst>
+                                    <p:cond delay="0"/>
+                                  </p:stCondLst>
+                                  <p:childTnLst>
+                                    <p:set>
+                                      <p:cBhvr>
+                                        <p:cTn id="18" dur="1" fill="hold">
+                                          <p:stCondLst>
+                                            <p:cond delay="0"/>
+                                          </p:stCondLst>
+                                        </p:cTn>
+                                        <p:tgtEl>
+                                          <p:spTgt spid="3">
+                                            <p:txEl>
+                                              <p:pRg st="6" end="6"/>
+                                            </p:txEl>
+                                          </p:spTgt>
+                                        </p:tgtEl>
+                                        <p:attrNameLst>
+                                          <p:attrName>style.visibility</p:attrName>
+                                        </p:attrNameLst>
+                                      </p:cBhvr>
+                                      <p:to>
+                                        <p:strVal val="visible"/>
+                                      </p:to>
+                                    </p:set>
+                                  </p:childTnLst>
+                                </p:cTn>
+                              </p:par>
+                            </p:childTnLst>
+                          </p:cTn>
+                        </p:par>
+                      </p:childTnLst>
+                    </p:cTn>
+                  </p:par>
+                </p:childTnLst>
+              </p:cTn>
+              <p:prevCondLst>
+                <p:cond evt="onPrev" delay="0">
+                  <p:tgtEl>
+                    <p:sldTgt/>
+                  </p:tgtEl>
+                </p:cond>
+              </p:prevCondLst>
+              <p:nextCondLst>
+                <p:cond evt="onNext" delay="0">
+                  <p:tgtEl>
+                    <p:sldTgt/>
+                  </p:tgtEl>
+                </p:cond>
+              </p:nextCondLst>
+            </p:seq>
+          </p:childTnLst>
+        </p:cTn>
       </p:par>
     </p:tnLst>
+    <p:bldLst>
+      <p:bldP spid="3" grpId="0" build="p"/>
+    </p:bldLst>
   </p:timing>
 </p:sld>
 </file>
@@ -6873,123 +7229,90 @@
           <a:p>
             <a:r>
               <a:rPr lang="ru-RU" dirty="0" smtClean="0"/>
-              <a:t>Официальные образы для </a:t>
+              <a:t>Что такое </a:t>
+            </a:r>
+            <a:r>
+              <a:rPr lang="en-US" dirty="0" smtClean="0"/>
+              <a:t>Docker?</a:t>
+            </a:r>
+            <a:endParaRPr lang="en-US" dirty="0"/>
+          </a:p>
+        </p:txBody>
+      </p:sp>
+      <p:pic>
+        <p:nvPicPr>
+          <p:cNvPr id="4" name="Content Placeholder 3"/>
+          <p:cNvPicPr>
+            <a:picLocks noGrp="1" noChangeAspect="1"/>
+          </p:cNvPicPr>
+          <p:nvPr>
+            <p:ph idx="1"/>
+          </p:nvPr>
+        </p:nvPicPr>
+        <p:blipFill>
+          <a:blip r:embed="rId2">
+            <a:extLst>
+              <a:ext uri="{28A0092B-C50C-407E-A947-70E740481C1C}">
+                <a14:useLocalDpi xmlns:a14="http://schemas.microsoft.com/office/drawing/2010/main" val="0"/>
+              </a:ext>
+            </a:extLst>
+          </a:blip>
+          <a:stretch>
+            <a:fillRect/>
+          </a:stretch>
+        </p:blipFill>
+        <p:spPr>
+          <a:xfrm>
+            <a:off x="838200" y="1554162"/>
+            <a:ext cx="7730170" cy="4351338"/>
+          </a:xfrm>
+        </p:spPr>
+      </p:pic>
+      <p:sp>
+        <p:nvSpPr>
+          <p:cNvPr id="5" name="TextBox 4"/>
+          <p:cNvSpPr txBox="1"/>
+          <p:nvPr/>
+        </p:nvSpPr>
+        <p:spPr>
+          <a:xfrm>
+            <a:off x="3929063" y="6115050"/>
+            <a:ext cx="7990585" cy="369332"/>
+          </a:xfrm>
+          <a:prstGeom prst="rect">
+            <a:avLst/>
+          </a:prstGeom>
+          <a:noFill/>
+        </p:spPr>
+        <p:txBody>
+          <a:bodyPr wrap="none" rtlCol="0">
+            <a:spAutoFit/>
+          </a:bodyPr>
+          <a:lstStyle/>
+          <a:p>
+            <a:r>
+              <a:rPr lang="en-US" smtClean="0"/>
+              <a:t>https://</a:t>
             </a:r>
             <a:r>
               <a:rPr lang="en-US" dirty="0" err="1" smtClean="0"/>
-              <a:t>.net</a:t>
-            </a:r>
-            <a:endParaRPr lang="en-US" dirty="0"/>
-          </a:p>
-        </p:txBody>
-      </p:sp>
-      <p:sp>
-        <p:nvSpPr>
-          <p:cNvPr id="4" name="Content Placeholder 3"/>
-          <p:cNvSpPr>
-            <a:spLocks noGrp="1"/>
-          </p:cNvSpPr>
-          <p:nvPr>
-            <p:ph sz="half" idx="1"/>
-          </p:nvPr>
-        </p:nvSpPr>
-        <p:spPr/>
-        <p:txBody>
-          <a:bodyPr/>
-          <a:lstStyle/>
-          <a:p>
+              <a:t>stackoverflow.com</a:t>
+            </a:r>
             <a:r>
               <a:rPr lang="en-US" dirty="0" smtClean="0"/>
-              <a:t>1.0 &amp; 1.1 </a:t>
-            </a:r>
-            <a:r>
-              <a:rPr lang="en-US" dirty="0" smtClean="0">
-                <a:sym typeface="Wingdings"/>
-              </a:rPr>
-              <a:t> </a:t>
-            </a:r>
-            <a:r>
-              <a:rPr lang="en-US" dirty="0" err="1" smtClean="0">
-                <a:sym typeface="Wingdings"/>
-              </a:rPr>
-              <a:t>jessie</a:t>
-            </a:r>
-            <a:r>
-              <a:rPr lang="en-US" dirty="0" smtClean="0">
-                <a:sym typeface="Wingdings"/>
-              </a:rPr>
-              <a:t>-based</a:t>
-            </a:r>
-          </a:p>
-          <a:p>
-            <a:endParaRPr lang="en-US" dirty="0" smtClean="0">
-              <a:sym typeface="Wingdings"/>
-            </a:endParaRPr>
-          </a:p>
-          <a:p>
-            <a:r>
-              <a:rPr lang="en-US" dirty="0" smtClean="0">
-                <a:sym typeface="Wingdings"/>
-              </a:rPr>
-              <a:t>2.0  stretch-based</a:t>
-            </a:r>
-            <a:endParaRPr lang="en-US" dirty="0" smtClean="0"/>
-          </a:p>
-          <a:p>
-            <a:endParaRPr lang="en-US" dirty="0"/>
-          </a:p>
-        </p:txBody>
-      </p:sp>
-      <p:sp>
-        <p:nvSpPr>
-          <p:cNvPr id="5" name="Content Placeholder 4"/>
-          <p:cNvSpPr>
-            <a:spLocks noGrp="1"/>
-          </p:cNvSpPr>
-          <p:nvPr>
-            <p:ph sz="half" idx="2"/>
-          </p:nvPr>
-        </p:nvSpPr>
-        <p:spPr/>
-        <p:txBody>
-          <a:bodyPr/>
-          <a:lstStyle/>
-          <a:p>
+              <a:t>/questions/41645665/how-</a:t>
+            </a:r>
             <a:r>
               <a:rPr lang="en-US" dirty="0" err="1" smtClean="0"/>
-              <a:t>sdk</a:t>
-            </a:r>
-            <a:r>
-              <a:rPr lang="ru-RU" dirty="0" smtClean="0"/>
-              <a:t> (539 МБ)</a:t>
-            </a:r>
-            <a:endParaRPr lang="en-US" dirty="0" smtClean="0"/>
-          </a:p>
-          <a:p>
-            <a:endParaRPr lang="en-US" dirty="0" smtClean="0"/>
-          </a:p>
-          <a:p>
+              <a:t>containerd</a:t>
+            </a:r>
             <a:r>
               <a:rPr lang="en-US" dirty="0" smtClean="0"/>
-              <a:t>runtime</a:t>
-            </a:r>
-            <a:r>
-              <a:rPr lang="ru-RU" dirty="0" smtClean="0"/>
-              <a:t> (95 МБ)</a:t>
-            </a:r>
-            <a:endParaRPr lang="en-US" dirty="0" smtClean="0"/>
-          </a:p>
-          <a:p>
-            <a:endParaRPr lang="en-US" dirty="0" smtClean="0"/>
-          </a:p>
-          <a:p>
-            <a:r>
-              <a:rPr lang="en-US" dirty="0" smtClean="0"/>
-              <a:t>runtime-deps</a:t>
-            </a:r>
-            <a:r>
-              <a:rPr lang="ru-RU" dirty="0" smtClean="0"/>
-              <a:t> (68 МБ)</a:t>
+              <a:t>-compares-to-</a:t>
+            </a:r>
+            <a:r>
+              <a:rPr lang="en-US" dirty="0" err="1" smtClean="0"/>
+              <a:t>runc</a:t>
             </a:r>
             <a:endParaRPr lang="en-US" dirty="0"/>
           </a:p>
@@ -6998,7 +7321,7 @@
     </p:spTree>
     <p:extLst>
       <p:ext uri="{BB962C8B-B14F-4D97-AF65-F5344CB8AC3E}">
-        <p14:creationId xmlns:p14="http://schemas.microsoft.com/office/powerpoint/2010/main" val="112313133"/>
+        <p14:creationId xmlns:p14="http://schemas.microsoft.com/office/powerpoint/2010/main" val="1926949530"/>
       </p:ext>
     </p:extLst>
   </p:cSld>
@@ -7034,7 +7357,7 @@
       </p:grpSpPr>
       <p:sp>
         <p:nvSpPr>
-          <p:cNvPr id="5" name="Title 4"/>
+          <p:cNvPr id="2" name="Title 1"/>
           <p:cNvSpPr>
             <a:spLocks noGrp="1"/>
           </p:cNvSpPr>
@@ -7049,7 +7372,7 @@
           <a:p>
             <a:r>
               <a:rPr lang="ru-RU" dirty="0" smtClean="0"/>
-              <a:t>Что используем мы?</a:t>
+              <a:t>Разрушим мифы</a:t>
             </a:r>
             <a:endParaRPr lang="en-US" dirty="0"/>
           </a:p>
@@ -7057,7 +7380,7 @@
       </p:sp>
       <p:sp>
         <p:nvSpPr>
-          <p:cNvPr id="6" name="Content Placeholder 5"/>
+          <p:cNvPr id="3" name="Content Placeholder 2"/>
           <p:cNvSpPr>
             <a:spLocks noGrp="1"/>
           </p:cNvSpPr>
@@ -7071,50 +7394,126 @@
           <a:lstStyle/>
           <a:p>
             <a:r>
-              <a:rPr lang="ru-RU" dirty="0"/>
-              <a:t>2</a:t>
-            </a:r>
-            <a:r>
-              <a:rPr lang="mr-IN" dirty="0" smtClean="0"/>
-              <a:t>.0.0-img7.0.6-9-nodejs-6-sdk</a:t>
-            </a:r>
-            <a:r>
-              <a:rPr lang="ru-RU" dirty="0" smtClean="0"/>
+              <a:rPr lang="ru-RU" dirty="0" smtClean="0"/>
+              <a:t>Практически никакого </a:t>
+            </a:r>
+            <a:r>
+              <a:rPr lang="ru-RU" dirty="0" err="1" smtClean="0"/>
+              <a:t>оверхеда</a:t>
+            </a:r>
+            <a:r>
+              <a:rPr lang="ru-RU" dirty="0" smtClean="0"/>
+              <a:t> по </a:t>
+            </a:r>
+            <a:r>
+              <a:rPr lang="en-US" dirty="0" smtClean="0"/>
+              <a:t>CPU </a:t>
+            </a:r>
+            <a:r>
+              <a:rPr lang="ru-RU" dirty="0" smtClean="0"/>
+              <a:t>и памяти</a:t>
+            </a:r>
+          </a:p>
+          <a:p>
+            <a:endParaRPr lang="ru-RU" dirty="0"/>
+          </a:p>
+          <a:p>
+            <a:r>
+              <a:rPr lang="ru-RU" dirty="0" smtClean="0"/>
+              <a:t>Практически никакого </a:t>
+            </a:r>
+            <a:r>
+              <a:rPr lang="ru-RU" dirty="0" err="1" smtClean="0"/>
+              <a:t>оверхеда</a:t>
+            </a:r>
+            <a:r>
+              <a:rPr lang="ru-RU" dirty="0" smtClean="0"/>
+              <a:t> по </a:t>
+            </a:r>
+            <a:r>
+              <a:rPr lang="en-US" dirty="0" smtClean="0"/>
+              <a:t>IO, </a:t>
+            </a:r>
+            <a:r>
+              <a:rPr lang="ru-RU" dirty="0" smtClean="0"/>
+              <a:t>если использовать </a:t>
+            </a:r>
+            <a:r>
+              <a:rPr lang="en-US" dirty="0" smtClean="0"/>
+              <a:t>volume</a:t>
+            </a:r>
+          </a:p>
+          <a:p>
+            <a:endParaRPr lang="en-US" dirty="0"/>
+          </a:p>
+          <a:p>
+            <a:r>
+              <a:rPr lang="ru-RU" dirty="0" smtClean="0"/>
+              <a:t>Достаточно серьёзный </a:t>
+            </a:r>
+            <a:r>
+              <a:rPr lang="ru-RU" dirty="0" err="1" smtClean="0"/>
+              <a:t>оверхед</a:t>
+            </a:r>
+            <a:r>
+              <a:rPr lang="ru-RU" dirty="0" smtClean="0"/>
+              <a:t> по сети (</a:t>
+            </a:r>
+            <a:r>
+              <a:rPr lang="en-US" dirty="0" smtClean="0"/>
+              <a:t>Project Calico)</a:t>
+            </a:r>
+          </a:p>
+          <a:p>
+            <a:endParaRPr lang="en-US" dirty="0"/>
+          </a:p>
+          <a:p>
+            <a:pPr marL="0" indent="0" algn="r">
+              <a:buNone/>
+            </a:pPr>
+            <a:r>
+              <a:rPr lang="ru-RU" sz="1400" dirty="0" smtClean="0"/>
+              <a:t>Источник: </a:t>
+            </a:r>
+            <a:r>
+              <a:rPr lang="en-US" sz="1400" dirty="0" smtClean="0"/>
+              <a:t>IBM Research Report </a:t>
+            </a:r>
+            <a:r>
+              <a:rPr lang="en-US" sz="1400" dirty="0"/>
+              <a:t>An Updated Performance Comparison of Virtual </a:t>
+            </a:r>
+            <a:r>
+              <a:rPr lang="en-US" sz="1400" dirty="0" smtClean="0"/>
+              <a:t>Machines and </a:t>
+            </a:r>
+            <a:r>
+              <a:rPr lang="en-US" sz="1400" dirty="0"/>
+              <a:t>Linux Containers</a:t>
+            </a:r>
+          </a:p>
+          <a:p>
+            <a:pPr marL="0" indent="0" algn="r">
+              <a:buNone/>
+            </a:pPr>
+            <a:r>
+              <a:rPr lang="en-US" sz="1400" dirty="0" smtClean="0"/>
               <a:t> </a:t>
             </a:r>
             <a:r>
-              <a:rPr lang="mr-IN" dirty="0" smtClean="0"/>
-              <a:t>–</a:t>
-            </a:r>
-            <a:r>
-              <a:rPr lang="ru-RU" dirty="0" smtClean="0"/>
-              <a:t> 773 МБ</a:t>
-            </a:r>
-          </a:p>
-          <a:p>
-            <a:endParaRPr lang="ru-RU" dirty="0"/>
-          </a:p>
-          <a:p>
-            <a:r>
-              <a:rPr lang="ru-RU" dirty="0"/>
-              <a:t>2</a:t>
-            </a:r>
-            <a:r>
-              <a:rPr lang="mr-IN" dirty="0" smtClean="0"/>
-              <a:t>.0.0-img7.0.6-9-runtime</a:t>
-            </a:r>
-            <a:r>
-              <a:rPr lang="ru-RU" dirty="0" smtClean="0"/>
-              <a:t> - 337 МБ</a:t>
-            </a:r>
-            <a:endParaRPr lang="en-US" dirty="0"/>
+              <a:rPr lang="en-US" sz="1400" dirty="0" smtClean="0">
+                <a:hlinkClick r:id="rId2"/>
+              </a:rPr>
+              <a:t>https://domino.research.ibm.com/library/cyberdig.nsf/papers/0929052195DD819C85257D2300681E7B/$File/rc25482.pdf</a:t>
+            </a:r>
+            <a:endParaRPr lang="en-US" sz="1400" dirty="0"/>
           </a:p>
         </p:txBody>
       </p:sp>
     </p:spTree>
     <p:extLst>
       <p:ext uri="{BB962C8B-B14F-4D97-AF65-F5344CB8AC3E}">
-        <p14:creationId xmlns:p14="http://schemas.microsoft.com/office/powerpoint/2010/main" val="1277630957"/>
+        <p14:creationId xmlns:p14="http://schemas.microsoft.com/office/powerpoint/2010/main" val="82338811"/>
       </p:ext>
     </p:extLst>
   </p:cSld>
@@ -7124,9 +7523,244 @@
   <p:timing>
     <p:tnLst>
       <p:par>
-        <p:cTn id="1" dur="indefinite" restart="never" nodeType="tmRoot"/>
+        <p:cTn id="1" dur="indefinite" restart="never" nodeType="tmRoot">
+          <p:childTnLst>
+            <p:seq concurrent="1" nextAc="seek">
+              <p:cTn id="2" dur="indefinite" nodeType="mainSeq">
+                <p:childTnLst>
+                  <p:par>
+                    <p:cTn id="3" fill="hold">
+                      <p:stCondLst>
+                        <p:cond delay="indefinite"/>
+                      </p:stCondLst>
+                      <p:childTnLst>
+                        <p:par>
+                          <p:cTn id="4" fill="hold">
+                            <p:stCondLst>
+                              <p:cond delay="0"/>
+                            </p:stCondLst>
+                            <p:childTnLst>
+                              <p:par>
+                                <p:cTn id="5" presetID="1" presetClass="entr" presetSubtype="0" fill="hold" grpId="0" nodeType="clickEffect">
+                                  <p:stCondLst>
+                                    <p:cond delay="0"/>
+                                  </p:stCondLst>
+                                  <p:childTnLst>
+                                    <p:set>
+                                      <p:cBhvr>
+                                        <p:cTn id="6" dur="1" fill="hold">
+                                          <p:stCondLst>
+                                            <p:cond delay="0"/>
+                                          </p:stCondLst>
+                                        </p:cTn>
+                                        <p:tgtEl>
+                                          <p:spTgt spid="3">
+                                            <p:txEl>
+                                              <p:pRg st="0" end="0"/>
+                                            </p:txEl>
+                                          </p:spTgt>
+                                        </p:tgtEl>
+                                        <p:attrNameLst>
+                                          <p:attrName>style.visibility</p:attrName>
+                                        </p:attrNameLst>
+                                      </p:cBhvr>
+                                      <p:to>
+                                        <p:strVal val="visible"/>
+                                      </p:to>
+                                    </p:set>
+                                  </p:childTnLst>
+                                </p:cTn>
+                              </p:par>
+                            </p:childTnLst>
+                          </p:cTn>
+                        </p:par>
+                      </p:childTnLst>
+                    </p:cTn>
+                  </p:par>
+                  <p:par>
+                    <p:cTn id="7" fill="hold">
+                      <p:stCondLst>
+                        <p:cond delay="indefinite"/>
+                      </p:stCondLst>
+                      <p:childTnLst>
+                        <p:par>
+                          <p:cTn id="8" fill="hold">
+                            <p:stCondLst>
+                              <p:cond delay="0"/>
+                            </p:stCondLst>
+                            <p:childTnLst>
+                              <p:par>
+                                <p:cTn id="9" presetID="1" presetClass="entr" presetSubtype="0" fill="hold" grpId="0" nodeType="clickEffect">
+                                  <p:stCondLst>
+                                    <p:cond delay="0"/>
+                                  </p:stCondLst>
+                                  <p:childTnLst>
+                                    <p:set>
+                                      <p:cBhvr>
+                                        <p:cTn id="10" dur="1" fill="hold">
+                                          <p:stCondLst>
+                                            <p:cond delay="0"/>
+                                          </p:stCondLst>
+                                        </p:cTn>
+                                        <p:tgtEl>
+                                          <p:spTgt spid="3">
+                                            <p:txEl>
+                                              <p:pRg st="2" end="2"/>
+                                            </p:txEl>
+                                          </p:spTgt>
+                                        </p:tgtEl>
+                                        <p:attrNameLst>
+                                          <p:attrName>style.visibility</p:attrName>
+                                        </p:attrNameLst>
+                                      </p:cBhvr>
+                                      <p:to>
+                                        <p:strVal val="visible"/>
+                                      </p:to>
+                                    </p:set>
+                                  </p:childTnLst>
+                                </p:cTn>
+                              </p:par>
+                            </p:childTnLst>
+                          </p:cTn>
+                        </p:par>
+                      </p:childTnLst>
+                    </p:cTn>
+                  </p:par>
+                  <p:par>
+                    <p:cTn id="11" fill="hold">
+                      <p:stCondLst>
+                        <p:cond delay="indefinite"/>
+                      </p:stCondLst>
+                      <p:childTnLst>
+                        <p:par>
+                          <p:cTn id="12" fill="hold">
+                            <p:stCondLst>
+                              <p:cond delay="0"/>
+                            </p:stCondLst>
+                            <p:childTnLst>
+                              <p:par>
+                                <p:cTn id="13" presetID="1" presetClass="entr" presetSubtype="0" fill="hold" grpId="0" nodeType="clickEffect">
+                                  <p:stCondLst>
+                                    <p:cond delay="0"/>
+                                  </p:stCondLst>
+                                  <p:childTnLst>
+                                    <p:set>
+                                      <p:cBhvr>
+                                        <p:cTn id="14" dur="1" fill="hold">
+                                          <p:stCondLst>
+                                            <p:cond delay="0"/>
+                                          </p:stCondLst>
+                                        </p:cTn>
+                                        <p:tgtEl>
+                                          <p:spTgt spid="3">
+                                            <p:txEl>
+                                              <p:pRg st="4" end="4"/>
+                                            </p:txEl>
+                                          </p:spTgt>
+                                        </p:tgtEl>
+                                        <p:attrNameLst>
+                                          <p:attrName>style.visibility</p:attrName>
+                                        </p:attrNameLst>
+                                      </p:cBhvr>
+                                      <p:to>
+                                        <p:strVal val="visible"/>
+                                      </p:to>
+                                    </p:set>
+                                  </p:childTnLst>
+                                </p:cTn>
+                              </p:par>
+                              <p:par>
+                                <p:cTn id="15" presetID="1" presetClass="entr" presetSubtype="0" fill="hold" grpId="0" nodeType="withEffect">
+                                  <p:stCondLst>
+                                    <p:cond delay="0"/>
+                                  </p:stCondLst>
+                                  <p:childTnLst>
+                                    <p:set>
+                                      <p:cBhvr>
+                                        <p:cTn id="16" dur="1" fill="hold">
+                                          <p:stCondLst>
+                                            <p:cond delay="0"/>
+                                          </p:stCondLst>
+                                        </p:cTn>
+                                        <p:tgtEl>
+                                          <p:spTgt spid="3">
+                                            <p:txEl>
+                                              <p:pRg st="6" end="6"/>
+                                            </p:txEl>
+                                          </p:spTgt>
+                                        </p:tgtEl>
+                                        <p:attrNameLst>
+                                          <p:attrName>style.visibility</p:attrName>
+                                        </p:attrNameLst>
+                                      </p:cBhvr>
+                                      <p:to>
+                                        <p:strVal val="visible"/>
+                                      </p:to>
+                                    </p:set>
+                                  </p:childTnLst>
+                                </p:cTn>
+                              </p:par>
+                              <p:par>
+                                <p:cTn id="17" presetID="1" presetClass="entr" presetSubtype="0" fill="hold" grpId="0" nodeType="withEffect">
+                                  <p:stCondLst>
+                                    <p:cond delay="0"/>
+                                  </p:stCondLst>
+                                  <p:childTnLst>
+                                    <p:set>
+                                      <p:cBhvr>
+                                        <p:cTn id="18" dur="1" fill="hold">
+                                          <p:stCondLst>
+                                            <p:cond delay="0"/>
+                                          </p:stCondLst>
+                                        </p:cTn>
+                                        <p:tgtEl>
+                                          <p:spTgt spid="3">
+                                            <p:txEl>
+                                              <p:pRg st="7" end="7"/>
+                                            </p:txEl>
+                                          </p:spTgt>
+                                        </p:tgtEl>
+                                        <p:attrNameLst>
+                                          <p:attrName>style.visibility</p:attrName>
+                                        </p:attrNameLst>
+                                      </p:cBhvr>
+                                      <p:to>
+                                        <p:strVal val="visible"/>
+                                      </p:to>
+                                    </p:set>
+                                  </p:childTnLst>
+                                </p:cTn>
+                              </p:par>
+                            </p:childTnLst>
+                          </p:cTn>
+                        </p:par>
+                      </p:childTnLst>
+                    </p:cTn>
+                  </p:par>
+                </p:childTnLst>
+              </p:cTn>
+              <p:prevCondLst>
+                <p:cond evt="onPrev" delay="0">
+                  <p:tgtEl>
+                    <p:sldTgt/>
+                  </p:tgtEl>
+                </p:cond>
+              </p:prevCondLst>
+              <p:nextCondLst>
+                <p:cond evt="onNext" delay="0">
+                  <p:tgtEl>
+                    <p:sldTgt/>
+                  </p:tgtEl>
+                </p:cond>
+              </p:nextCondLst>
+            </p:seq>
+          </p:childTnLst>
+        </p:cTn>
       </p:par>
     </p:tnLst>
+    <p:bldLst>
+      <p:bldP spid="3" grpId="0" uiExpand="1" build="p"/>
+    </p:bldLst>
   </p:timing>
 </p:sld>
 </file>
@@ -7164,8 +7798,12 @@
           <a:lstStyle/>
           <a:p>
             <a:r>
-              <a:rPr lang="ru-RU" dirty="0" smtClean="0"/>
-              <a:t>Что мигрируем?</a:t>
+              <a:rPr lang="en-US" dirty="0" smtClean="0"/>
+              <a:t>Docker-</a:t>
+            </a:r>
+            <a:r>
+              <a:rPr lang="ru-RU" dirty="0" smtClean="0"/>
+              <a:t>образ</a:t>
             </a:r>
             <a:endParaRPr lang="en-US" dirty="0"/>
           </a:p>
@@ -7187,33 +7825,22 @@
           <a:lstStyle/>
           <a:p>
             <a:r>
+              <a:rPr lang="ru-RU" dirty="0" smtClean="0"/>
+              <a:t>Самое важное во всей экосистеме </a:t>
+            </a:r>
+            <a:r>
               <a:rPr lang="en-US" dirty="0" smtClean="0"/>
-              <a:t>Solution &gt; 70 </a:t>
-            </a:r>
-            <a:r>
-              <a:rPr lang="ru-RU" dirty="0" smtClean="0"/>
-              <a:t>проектов</a:t>
-            </a:r>
-          </a:p>
-          <a:p>
+              <a:t>Docker</a:t>
+            </a:r>
             <a:endParaRPr lang="ru-RU" dirty="0"/>
           </a:p>
           <a:p>
-            <a:r>
-              <a:rPr lang="ru-RU" dirty="0" smtClean="0"/>
-              <a:t>1 </a:t>
-            </a:r>
-            <a:r>
-              <a:rPr lang="en-US" dirty="0" err="1" smtClean="0"/>
-              <a:t>iis</a:t>
-            </a:r>
-            <a:r>
-              <a:rPr lang="en-US" dirty="0" smtClean="0"/>
-              <a:t> </a:t>
-            </a:r>
-            <a:r>
-              <a:rPr lang="ru-RU" dirty="0" smtClean="0"/>
-              <a:t>приложение</a:t>
+            <a:endParaRPr lang="ru-RU" dirty="0" smtClean="0"/>
+          </a:p>
+          <a:p>
+            <a:r>
+              <a:rPr lang="ru-RU" dirty="0" smtClean="0"/>
+              <a:t>Инкапсулирует в себе все зависимости</a:t>
             </a:r>
           </a:p>
           <a:p>
@@ -7222,16 +7849,7 @@
           <a:p>
             <a:r>
               <a:rPr lang="ru-RU" dirty="0" smtClean="0"/>
-              <a:t>2 службы</a:t>
-            </a:r>
-          </a:p>
-          <a:p>
-            <a:endParaRPr lang="ru-RU" dirty="0"/>
-          </a:p>
-          <a:p>
-            <a:r>
-              <a:rPr lang="ru-RU" dirty="0" smtClean="0"/>
-              <a:t>Несколько утилит</a:t>
+              <a:t>Подписывается после сборки и неизменен</a:t>
             </a:r>
             <a:endParaRPr lang="en-US" dirty="0"/>
           </a:p>
@@ -7240,7 +7858,7 @@
     </p:spTree>
     <p:extLst>
       <p:ext uri="{BB962C8B-B14F-4D97-AF65-F5344CB8AC3E}">
-        <p14:creationId xmlns:p14="http://schemas.microsoft.com/office/powerpoint/2010/main" val="1108007514"/>
+        <p14:creationId xmlns:p14="http://schemas.microsoft.com/office/powerpoint/2010/main" val="1831194821"/>
       </p:ext>
     </p:extLst>
   </p:cSld>
@@ -7250,9 +7868,182 @@
   <p:timing>
     <p:tnLst>
       <p:par>
-        <p:cTn id="1" dur="indefinite" restart="never" nodeType="tmRoot"/>
+        <p:cTn id="1" dur="indefinite" restart="never" nodeType="tmRoot">
+          <p:childTnLst>
+            <p:seq concurrent="1" nextAc="seek">
+              <p:cTn id="2" dur="indefinite" nodeType="mainSeq">
+                <p:childTnLst>
+                  <p:par>
+                    <p:cTn id="3" fill="hold">
+                      <p:stCondLst>
+                        <p:cond delay="indefinite"/>
+                      </p:stCondLst>
+                      <p:childTnLst>
+                        <p:par>
+                          <p:cTn id="4" fill="hold">
+                            <p:stCondLst>
+                              <p:cond delay="0"/>
+                            </p:stCondLst>
+                            <p:childTnLst>
+                              <p:par>
+                                <p:cTn id="5" presetID="1" presetClass="entr" presetSubtype="0" fill="hold" grpId="0" nodeType="clickEffect">
+                                  <p:stCondLst>
+                                    <p:cond delay="0"/>
+                                  </p:stCondLst>
+                                  <p:childTnLst>
+                                    <p:set>
+                                      <p:cBhvr>
+                                        <p:cTn id="6" dur="1" fill="hold">
+                                          <p:stCondLst>
+                                            <p:cond delay="0"/>
+                                          </p:stCondLst>
+                                        </p:cTn>
+                                        <p:tgtEl>
+                                          <p:spTgt spid="3">
+                                            <p:txEl>
+                                              <p:pRg st="0" end="0"/>
+                                            </p:txEl>
+                                          </p:spTgt>
+                                        </p:tgtEl>
+                                        <p:attrNameLst>
+                                          <p:attrName>style.visibility</p:attrName>
+                                        </p:attrNameLst>
+                                      </p:cBhvr>
+                                      <p:to>
+                                        <p:strVal val="visible"/>
+                                      </p:to>
+                                    </p:set>
+                                  </p:childTnLst>
+                                </p:cTn>
+                              </p:par>
+                            </p:childTnLst>
+                          </p:cTn>
+                        </p:par>
+                      </p:childTnLst>
+                    </p:cTn>
+                  </p:par>
+                  <p:par>
+                    <p:cTn id="7" fill="hold">
+                      <p:stCondLst>
+                        <p:cond delay="indefinite"/>
+                      </p:stCondLst>
+                      <p:childTnLst>
+                        <p:par>
+                          <p:cTn id="8" fill="hold">
+                            <p:stCondLst>
+                              <p:cond delay="0"/>
+                            </p:stCondLst>
+                            <p:childTnLst>
+                              <p:par>
+                                <p:cTn id="9" presetID="1" presetClass="entr" presetSubtype="0" fill="hold" grpId="0" nodeType="clickEffect">
+                                  <p:stCondLst>
+                                    <p:cond delay="0"/>
+                                  </p:stCondLst>
+                                  <p:childTnLst>
+                                    <p:set>
+                                      <p:cBhvr>
+                                        <p:cTn id="10" dur="1" fill="hold">
+                                          <p:stCondLst>
+                                            <p:cond delay="0"/>
+                                          </p:stCondLst>
+                                        </p:cTn>
+                                        <p:tgtEl>
+                                          <p:spTgt spid="3">
+                                            <p:txEl>
+                                              <p:pRg st="2" end="2"/>
+                                            </p:txEl>
+                                          </p:spTgt>
+                                        </p:tgtEl>
+                                        <p:attrNameLst>
+                                          <p:attrName>style.visibility</p:attrName>
+                                        </p:attrNameLst>
+                                      </p:cBhvr>
+                                      <p:to>
+                                        <p:strVal val="visible"/>
+                                      </p:to>
+                                    </p:set>
+                                  </p:childTnLst>
+                                </p:cTn>
+                              </p:par>
+                            </p:childTnLst>
+                          </p:cTn>
+                        </p:par>
+                      </p:childTnLst>
+                    </p:cTn>
+                  </p:par>
+                  <p:par>
+                    <p:cTn id="11" fill="hold">
+                      <p:stCondLst>
+                        <p:cond delay="indefinite"/>
+                      </p:stCondLst>
+                      <p:childTnLst>
+                        <p:par>
+                          <p:cTn id="12" fill="hold">
+                            <p:stCondLst>
+                              <p:cond delay="0"/>
+                            </p:stCondLst>
+                            <p:childTnLst>
+                              <p:par>
+                                <p:cTn id="13" presetID="1" presetClass="entr" presetSubtype="0" fill="hold" grpId="0" nodeType="clickEffect">
+                                  <p:stCondLst>
+                                    <p:cond delay="0"/>
+                                  </p:stCondLst>
+                                  <p:childTnLst>
+                                    <p:set>
+                                      <p:cBhvr>
+                                        <p:cTn id="14" dur="1" fill="hold">
+                                          <p:stCondLst>
+                                            <p:cond delay="0"/>
+                                          </p:stCondLst>
+                                        </p:cTn>
+                                        <p:tgtEl>
+                                          <p:spTgt spid="3">
+                                            <p:txEl>
+                                              <p:pRg st="4" end="4"/>
+                                            </p:txEl>
+                                          </p:spTgt>
+                                        </p:tgtEl>
+                                        <p:attrNameLst>
+                                          <p:attrName>style.visibility</p:attrName>
+                                        </p:attrNameLst>
+                                      </p:cBhvr>
+                                      <p:to>
+                                        <p:strVal val="visible"/>
+                                      </p:to>
+                                    </p:set>
+                                  </p:childTnLst>
+                                </p:cTn>
+                              </p:par>
+                            </p:childTnLst>
+                          </p:cTn>
+                        </p:par>
+                      </p:childTnLst>
+                    </p:cTn>
+                  </p:par>
+                </p:childTnLst>
+              </p:cTn>
+              <p:prevCondLst>
+                <p:cond evt="onPrev" delay="0">
+                  <p:tgtEl>
+                    <p:sldTgt/>
+                  </p:tgtEl>
+                </p:cond>
+              </p:prevCondLst>
+              <p:nextCondLst>
+                <p:cond evt="onNext" delay="0">
+                  <p:tgtEl>
+                    <p:sldTgt/>
+                  </p:tgtEl>
+                </p:cond>
+              </p:nextCondLst>
+            </p:seq>
+          </p:childTnLst>
+        </p:cTn>
       </p:par>
     </p:tnLst>
+    <p:bldLst>
+      <p:bldP spid="3" grpId="0" build="p"/>
+    </p:bldLst>
   </p:timing>
 </p:sld>
 </file>
@@ -7290,33 +8081,25 @@
           <a:lstStyle/>
           <a:p>
             <a:r>
+              <a:rPr lang="ru-RU" dirty="0" smtClean="0"/>
+              <a:t>Официальные образы для </a:t>
+            </a:r>
+            <a:r>
               <a:rPr lang="en-US" dirty="0" err="1" smtClean="0"/>
               <a:t>.net</a:t>
             </a:r>
-            <a:r>
-              <a:rPr lang="en-US" dirty="0" smtClean="0"/>
-              <a:t> 46 =&gt; </a:t>
-            </a:r>
-            <a:r>
-              <a:rPr lang="en-US" dirty="0" err="1" smtClean="0"/>
-              <a:t>.net</a:t>
-            </a:r>
-            <a:r>
-              <a:rPr lang="en-US" dirty="0" smtClean="0"/>
-              <a:t> core1.1</a:t>
-            </a:r>
             <a:endParaRPr lang="en-US" dirty="0"/>
           </a:p>
         </p:txBody>
       </p:sp>
       <p:sp>
         <p:nvSpPr>
-          <p:cNvPr id="3" name="Content Placeholder 2"/>
+          <p:cNvPr id="4" name="Content Placeholder 3"/>
           <p:cNvSpPr>
             <a:spLocks noGrp="1"/>
           </p:cNvSpPr>
           <p:nvPr>
-            <p:ph idx="1"/>
+            <p:ph sz="half" idx="1"/>
           </p:nvPr>
         </p:nvSpPr>
         <p:spPr/>
@@ -7325,60 +8108,97 @@
           <a:lstStyle/>
           <a:p>
             <a:r>
-              <a:rPr lang="ru-RU" dirty="0" smtClean="0"/>
-              <a:t>Несколько попыток, последняя </a:t>
-            </a:r>
-            <a:r>
-              <a:rPr lang="mr-IN" dirty="0" smtClean="0"/>
-              <a:t>–</a:t>
-            </a:r>
-            <a:r>
-              <a:rPr lang="ru-RU" dirty="0" smtClean="0"/>
-              <a:t> 3 месяца</a:t>
-            </a:r>
-          </a:p>
-          <a:p>
-            <a:endParaRPr lang="ru-RU" dirty="0"/>
-          </a:p>
-          <a:p>
-            <a:r>
-              <a:rPr lang="ru-RU" dirty="0" smtClean="0"/>
-              <a:t>Пришлось поддерживать несколько </a:t>
-            </a:r>
-            <a:r>
-              <a:rPr lang="ru-RU" dirty="0" err="1" smtClean="0"/>
-              <a:t>форков</a:t>
-            </a:r>
-            <a:r>
-              <a:rPr lang="ru-RU" dirty="0" smtClean="0"/>
-              <a:t> </a:t>
-            </a:r>
-            <a:r>
               <a:rPr lang="en-US" dirty="0" smtClean="0"/>
-              <a:t>OSS</a:t>
-            </a:r>
+              <a:t>1.0 &amp; 1.1 </a:t>
+            </a:r>
+            <a:r>
+              <a:rPr lang="en-US" dirty="0" smtClean="0">
+                <a:sym typeface="Wingdings"/>
+              </a:rPr>
+              <a:t> </a:t>
+            </a:r>
+            <a:r>
+              <a:rPr lang="en-US" dirty="0" err="1" smtClean="0">
+                <a:sym typeface="Wingdings"/>
+              </a:rPr>
+              <a:t>jessie</a:t>
+            </a:r>
+            <a:r>
+              <a:rPr lang="en-US" dirty="0" smtClean="0">
+                <a:sym typeface="Wingdings"/>
+              </a:rPr>
+              <a:t>-based</a:t>
+            </a:r>
+          </a:p>
+          <a:p>
+            <a:endParaRPr lang="en-US" dirty="0" smtClean="0">
+              <a:sym typeface="Wingdings"/>
+            </a:endParaRPr>
+          </a:p>
+          <a:p>
+            <a:r>
+              <a:rPr lang="en-US" dirty="0" smtClean="0">
+                <a:sym typeface="Wingdings"/>
+              </a:rPr>
+              <a:t>2.0  stretch-based</a:t>
+            </a:r>
+            <a:endParaRPr lang="en-US" dirty="0" smtClean="0"/>
           </a:p>
           <a:p>
             <a:endParaRPr lang="en-US" dirty="0"/>
           </a:p>
-          <a:p>
-            <a:r>
-              <a:rPr lang="ru-RU" dirty="0" smtClean="0"/>
-              <a:t>Невозможно работать с доменами</a:t>
+        </p:txBody>
+      </p:sp>
+      <p:sp>
+        <p:nvSpPr>
+          <p:cNvPr id="5" name="Content Placeholder 4"/>
+          <p:cNvSpPr>
+            <a:spLocks noGrp="1"/>
+          </p:cNvSpPr>
+          <p:nvPr>
+            <p:ph sz="half" idx="2"/>
+          </p:nvPr>
+        </p:nvSpPr>
+        <p:spPr/>
+        <p:txBody>
+          <a:bodyPr/>
+          <a:lstStyle/>
+          <a:p>
+            <a:r>
+              <a:rPr lang="en-US" dirty="0" err="1" smtClean="0"/>
+              <a:t>sdk</a:t>
+            </a:r>
+            <a:r>
+              <a:rPr lang="ru-RU" dirty="0" smtClean="0"/>
+              <a:t> (539 МБ)</a:t>
             </a:r>
             <a:endParaRPr lang="en-US" dirty="0" smtClean="0"/>
           </a:p>
           <a:p>
-            <a:endParaRPr lang="en-US" dirty="0"/>
-          </a:p>
-          <a:p>
-            <a:r>
-              <a:rPr lang="ru-RU" dirty="0" smtClean="0"/>
-              <a:t>Нет </a:t>
-            </a:r>
-            <a:r>
-              <a:rPr lang="en-US" dirty="0" err="1" smtClean="0"/>
-              <a:t>HttpContext</a:t>
+            <a:endParaRPr lang="en-US" dirty="0" smtClean="0"/>
+          </a:p>
+          <a:p>
+            <a:r>
+              <a:rPr lang="en-US" dirty="0" smtClean="0"/>
+              <a:t>runtime</a:t>
+            </a:r>
+            <a:r>
+              <a:rPr lang="ru-RU" dirty="0" smtClean="0"/>
+              <a:t> (95 МБ)</a:t>
+            </a:r>
+            <a:endParaRPr lang="en-US" dirty="0" smtClean="0"/>
+          </a:p>
+          <a:p>
+            <a:endParaRPr lang="en-US" dirty="0" smtClean="0"/>
+          </a:p>
+          <a:p>
+            <a:r>
+              <a:rPr lang="en-US" dirty="0" smtClean="0"/>
+              <a:t>runtime-deps</a:t>
+            </a:r>
+            <a:r>
+              <a:rPr lang="ru-RU" dirty="0" smtClean="0"/>
+              <a:t> (68 МБ)</a:t>
             </a:r>
             <a:endParaRPr lang="en-US" dirty="0"/>
           </a:p>
@@ -7387,7 +8207,7 @@
     </p:spTree>
     <p:extLst>
       <p:ext uri="{BB962C8B-B14F-4D97-AF65-F5344CB8AC3E}">
-        <p14:creationId xmlns:p14="http://schemas.microsoft.com/office/powerpoint/2010/main" val="999104723"/>
+        <p14:creationId xmlns:p14="http://schemas.microsoft.com/office/powerpoint/2010/main" val="112313133"/>
       </p:ext>
     </p:extLst>
   </p:cSld>
@@ -7397,9 +8217,227 @@
   <p:timing>
     <p:tnLst>
       <p:par>
-        <p:cTn id="1" dur="indefinite" restart="never" nodeType="tmRoot"/>
+        <p:cTn id="1" dur="indefinite" restart="never" nodeType="tmRoot">
+          <p:childTnLst>
+            <p:seq concurrent="1" nextAc="seek">
+              <p:cTn id="2" dur="indefinite" nodeType="mainSeq">
+                <p:childTnLst>
+                  <p:par>
+                    <p:cTn id="3" fill="hold">
+                      <p:stCondLst>
+                        <p:cond delay="indefinite"/>
+                      </p:stCondLst>
+                      <p:childTnLst>
+                        <p:par>
+                          <p:cTn id="4" fill="hold">
+                            <p:stCondLst>
+                              <p:cond delay="0"/>
+                            </p:stCondLst>
+                            <p:childTnLst>
+                              <p:par>
+                                <p:cTn id="5" presetID="1" presetClass="entr" presetSubtype="0" fill="hold" grpId="0" nodeType="clickEffect">
+                                  <p:stCondLst>
+                                    <p:cond delay="0"/>
+                                  </p:stCondLst>
+                                  <p:childTnLst>
+                                    <p:set>
+                                      <p:cBhvr>
+                                        <p:cTn id="6" dur="1" fill="hold">
+                                          <p:stCondLst>
+                                            <p:cond delay="0"/>
+                                          </p:stCondLst>
+                                        </p:cTn>
+                                        <p:tgtEl>
+                                          <p:spTgt spid="4">
+                                            <p:txEl>
+                                              <p:pRg st="0" end="0"/>
+                                            </p:txEl>
+                                          </p:spTgt>
+                                        </p:tgtEl>
+                                        <p:attrNameLst>
+                                          <p:attrName>style.visibility</p:attrName>
+                                        </p:attrNameLst>
+                                      </p:cBhvr>
+                                      <p:to>
+                                        <p:strVal val="visible"/>
+                                      </p:to>
+                                    </p:set>
+                                  </p:childTnLst>
+                                </p:cTn>
+                              </p:par>
+                              <p:par>
+                                <p:cTn id="7" presetID="1" presetClass="entr" presetSubtype="0" fill="hold" grpId="0" nodeType="withEffect">
+                                  <p:stCondLst>
+                                    <p:cond delay="0"/>
+                                  </p:stCondLst>
+                                  <p:childTnLst>
+                                    <p:set>
+                                      <p:cBhvr>
+                                        <p:cTn id="8" dur="1" fill="hold">
+                                          <p:stCondLst>
+                                            <p:cond delay="0"/>
+                                          </p:stCondLst>
+                                        </p:cTn>
+                                        <p:tgtEl>
+                                          <p:spTgt spid="4">
+                                            <p:txEl>
+                                              <p:pRg st="2" end="2"/>
+                                            </p:txEl>
+                                          </p:spTgt>
+                                        </p:tgtEl>
+                                        <p:attrNameLst>
+                                          <p:attrName>style.visibility</p:attrName>
+                                        </p:attrNameLst>
+                                      </p:cBhvr>
+                                      <p:to>
+                                        <p:strVal val="visible"/>
+                                      </p:to>
+                                    </p:set>
+                                  </p:childTnLst>
+                                </p:cTn>
+                              </p:par>
+                            </p:childTnLst>
+                          </p:cTn>
+                        </p:par>
+                      </p:childTnLst>
+                    </p:cTn>
+                  </p:par>
+                  <p:par>
+                    <p:cTn id="9" fill="hold">
+                      <p:stCondLst>
+                        <p:cond delay="indefinite"/>
+                      </p:stCondLst>
+                      <p:childTnLst>
+                        <p:par>
+                          <p:cTn id="10" fill="hold">
+                            <p:stCondLst>
+                              <p:cond delay="0"/>
+                            </p:stCondLst>
+                            <p:childTnLst>
+                              <p:par>
+                                <p:cTn id="11" presetID="1" presetClass="entr" presetSubtype="0" fill="hold" grpId="0" nodeType="clickEffect">
+                                  <p:stCondLst>
+                                    <p:cond delay="0"/>
+                                  </p:stCondLst>
+                                  <p:childTnLst>
+                                    <p:set>
+                                      <p:cBhvr>
+                                        <p:cTn id="12" dur="1" fill="hold">
+                                          <p:stCondLst>
+                                            <p:cond delay="0"/>
+                                          </p:stCondLst>
+                                        </p:cTn>
+                                        <p:tgtEl>
+                                          <p:spTgt spid="5">
+                                            <p:txEl>
+                                              <p:pRg st="0" end="0"/>
+                                            </p:txEl>
+                                          </p:spTgt>
+                                        </p:tgtEl>
+                                        <p:attrNameLst>
+                                          <p:attrName>style.visibility</p:attrName>
+                                        </p:attrNameLst>
+                                      </p:cBhvr>
+                                      <p:to>
+                                        <p:strVal val="visible"/>
+                                      </p:to>
+                                    </p:set>
+                                  </p:childTnLst>
+                                </p:cTn>
+                              </p:par>
+                              <p:par>
+                                <p:cTn id="13" presetID="1" presetClass="entr" presetSubtype="0" fill="hold" grpId="0" nodeType="withEffect">
+                                  <p:stCondLst>
+                                    <p:cond delay="0"/>
+                                  </p:stCondLst>
+                                  <p:childTnLst>
+                                    <p:set>
+                                      <p:cBhvr>
+                                        <p:cTn id="14" dur="1" fill="hold">
+                                          <p:stCondLst>
+                                            <p:cond delay="0"/>
+                                          </p:stCondLst>
+                                        </p:cTn>
+                                        <p:tgtEl>
+                                          <p:spTgt spid="5">
+                                            <p:txEl>
+                                              <p:pRg st="2" end="2"/>
+                                            </p:txEl>
+                                          </p:spTgt>
+                                        </p:tgtEl>
+                                        <p:attrNameLst>
+                                          <p:attrName>style.visibility</p:attrName>
+                                        </p:attrNameLst>
+                                      </p:cBhvr>
+                                      <p:to>
+                                        <p:strVal val="visible"/>
+                                      </p:to>
+                                    </p:set>
+                                  </p:childTnLst>
+                                </p:cTn>
+                              </p:par>
+                              <p:par>
+                                <p:cTn id="15" presetID="1" presetClass="entr" presetSubtype="0" fill="hold" grpId="0" nodeType="withEffect">
+                                  <p:stCondLst>
+                                    <p:cond delay="0"/>
+                                  </p:stCondLst>
+                                  <p:childTnLst>
+                                    <p:set>
+                                      <p:cBhvr>
+                                        <p:cTn id="16" dur="1" fill="hold">
+                                          <p:stCondLst>
+                                            <p:cond delay="0"/>
+                                          </p:stCondLst>
+                                        </p:cTn>
+                                        <p:tgtEl>
+                                          <p:spTgt spid="5">
+                                            <p:txEl>
+                                              <p:pRg st="4" end="4"/>
+                                            </p:txEl>
+                                          </p:spTgt>
+                                        </p:tgtEl>
+                                        <p:attrNameLst>
+                                          <p:attrName>style.visibility</p:attrName>
+                                        </p:attrNameLst>
+                                      </p:cBhvr>
+                                      <p:to>
+                                        <p:strVal val="visible"/>
+                                      </p:to>
+                                    </p:set>
+                                  </p:childTnLst>
+                                </p:cTn>
+                              </p:par>
+                            </p:childTnLst>
+                          </p:cTn>
+                        </p:par>
+                      </p:childTnLst>
+                    </p:cTn>
+                  </p:par>
+                </p:childTnLst>
+              </p:cTn>
+              <p:prevCondLst>
+                <p:cond evt="onPrev" delay="0">
+                  <p:tgtEl>
+                    <p:sldTgt/>
+                  </p:tgtEl>
+                </p:cond>
+              </p:prevCondLst>
+              <p:nextCondLst>
+                <p:cond evt="onNext" delay="0">
+                  <p:tgtEl>
+                    <p:sldTgt/>
+                  </p:tgtEl>
+                </p:cond>
+              </p:nextCondLst>
+            </p:seq>
+          </p:childTnLst>
+        </p:cTn>
       </p:par>
     </p:tnLst>
+    <p:bldLst>
+      <p:bldP spid="4" grpId="0" uiExpand="1" build="p"/>
+      <p:bldP spid="5" grpId="0" uiExpand="1" build="p"/>
+    </p:bldLst>
   </p:timing>
 </p:sld>
 </file>
@@ -7423,6 +8461,1326 @@
       </p:grpSpPr>
       <p:sp>
         <p:nvSpPr>
+          <p:cNvPr id="5" name="Title 4"/>
+          <p:cNvSpPr>
+            <a:spLocks noGrp="1"/>
+          </p:cNvSpPr>
+          <p:nvPr>
+            <p:ph type="title"/>
+          </p:nvPr>
+        </p:nvSpPr>
+        <p:spPr/>
+        <p:txBody>
+          <a:bodyPr/>
+          <a:lstStyle/>
+          <a:p>
+            <a:r>
+              <a:rPr lang="ru-RU" dirty="0" smtClean="0"/>
+              <a:t>Что используем мы?</a:t>
+            </a:r>
+            <a:endParaRPr lang="en-US" dirty="0"/>
+          </a:p>
+        </p:txBody>
+      </p:sp>
+      <p:sp>
+        <p:nvSpPr>
+          <p:cNvPr id="6" name="Content Placeholder 5"/>
+          <p:cNvSpPr>
+            <a:spLocks noGrp="1"/>
+          </p:cNvSpPr>
+          <p:nvPr>
+            <p:ph idx="1"/>
+          </p:nvPr>
+        </p:nvSpPr>
+        <p:spPr/>
+        <p:txBody>
+          <a:bodyPr/>
+          <a:lstStyle/>
+          <a:p>
+            <a:r>
+              <a:rPr lang="ru-RU" dirty="0"/>
+              <a:t>2</a:t>
+            </a:r>
+            <a:r>
+              <a:rPr lang="mr-IN" dirty="0" smtClean="0"/>
+              <a:t>.0.0-img7.0.6-9-nodejs-6-sdk</a:t>
+            </a:r>
+            <a:r>
+              <a:rPr lang="ru-RU" dirty="0" smtClean="0"/>
+              <a:t> </a:t>
+            </a:r>
+            <a:r>
+              <a:rPr lang="mr-IN" dirty="0" smtClean="0"/>
+              <a:t>–</a:t>
+            </a:r>
+            <a:r>
+              <a:rPr lang="ru-RU" dirty="0" smtClean="0"/>
+              <a:t> 773 МБ</a:t>
+            </a:r>
+          </a:p>
+          <a:p>
+            <a:endParaRPr lang="ru-RU" dirty="0"/>
+          </a:p>
+          <a:p>
+            <a:r>
+              <a:rPr lang="ru-RU" dirty="0"/>
+              <a:t>2</a:t>
+            </a:r>
+            <a:r>
+              <a:rPr lang="mr-IN" dirty="0" smtClean="0"/>
+              <a:t>.0.0-img7.0.6-9-runtime</a:t>
+            </a:r>
+            <a:r>
+              <a:rPr lang="ru-RU" dirty="0" smtClean="0"/>
+              <a:t> - 337 МБ</a:t>
+            </a:r>
+            <a:endParaRPr lang="en-US" dirty="0"/>
+          </a:p>
+        </p:txBody>
+      </p:sp>
+    </p:spTree>
+    <p:extLst>
+      <p:ext uri="{BB962C8B-B14F-4D97-AF65-F5344CB8AC3E}">
+        <p14:creationId xmlns:p14="http://schemas.microsoft.com/office/powerpoint/2010/main" val="1277630957"/>
+      </p:ext>
+    </p:extLst>
+  </p:cSld>
+  <p:clrMapOvr>
+    <a:masterClrMapping/>
+  </p:clrMapOvr>
+  <p:timing>
+    <p:tnLst>
+      <p:par>
+        <p:cTn id="1" dur="indefinite" restart="never" nodeType="tmRoot">
+          <p:childTnLst>
+            <p:seq concurrent="1" nextAc="seek">
+              <p:cTn id="2" dur="indefinite" nodeType="mainSeq">
+                <p:childTnLst>
+                  <p:par>
+                    <p:cTn id="3" fill="hold">
+                      <p:stCondLst>
+                        <p:cond delay="indefinite"/>
+                      </p:stCondLst>
+                      <p:childTnLst>
+                        <p:par>
+                          <p:cTn id="4" fill="hold">
+                            <p:stCondLst>
+                              <p:cond delay="0"/>
+                            </p:stCondLst>
+                            <p:childTnLst>
+                              <p:par>
+                                <p:cTn id="5" presetID="1" presetClass="entr" presetSubtype="0" fill="hold" grpId="0" nodeType="clickEffect">
+                                  <p:stCondLst>
+                                    <p:cond delay="0"/>
+                                  </p:stCondLst>
+                                  <p:childTnLst>
+                                    <p:set>
+                                      <p:cBhvr>
+                                        <p:cTn id="6" dur="1" fill="hold">
+                                          <p:stCondLst>
+                                            <p:cond delay="0"/>
+                                          </p:stCondLst>
+                                        </p:cTn>
+                                        <p:tgtEl>
+                                          <p:spTgt spid="6">
+                                            <p:txEl>
+                                              <p:pRg st="0" end="0"/>
+                                            </p:txEl>
+                                          </p:spTgt>
+                                        </p:tgtEl>
+                                        <p:attrNameLst>
+                                          <p:attrName>style.visibility</p:attrName>
+                                        </p:attrNameLst>
+                                      </p:cBhvr>
+                                      <p:to>
+                                        <p:strVal val="visible"/>
+                                      </p:to>
+                                    </p:set>
+                                  </p:childTnLst>
+                                </p:cTn>
+                              </p:par>
+                            </p:childTnLst>
+                          </p:cTn>
+                        </p:par>
+                      </p:childTnLst>
+                    </p:cTn>
+                  </p:par>
+                  <p:par>
+                    <p:cTn id="7" fill="hold">
+                      <p:stCondLst>
+                        <p:cond delay="indefinite"/>
+                      </p:stCondLst>
+                      <p:childTnLst>
+                        <p:par>
+                          <p:cTn id="8" fill="hold">
+                            <p:stCondLst>
+                              <p:cond delay="0"/>
+                            </p:stCondLst>
+                            <p:childTnLst>
+                              <p:par>
+                                <p:cTn id="9" presetID="1" presetClass="entr" presetSubtype="0" fill="hold" grpId="0" nodeType="clickEffect">
+                                  <p:stCondLst>
+                                    <p:cond delay="0"/>
+                                  </p:stCondLst>
+                                  <p:childTnLst>
+                                    <p:set>
+                                      <p:cBhvr>
+                                        <p:cTn id="10" dur="1" fill="hold">
+                                          <p:stCondLst>
+                                            <p:cond delay="0"/>
+                                          </p:stCondLst>
+                                        </p:cTn>
+                                        <p:tgtEl>
+                                          <p:spTgt spid="6">
+                                            <p:txEl>
+                                              <p:pRg st="2" end="2"/>
+                                            </p:txEl>
+                                          </p:spTgt>
+                                        </p:tgtEl>
+                                        <p:attrNameLst>
+                                          <p:attrName>style.visibility</p:attrName>
+                                        </p:attrNameLst>
+                                      </p:cBhvr>
+                                      <p:to>
+                                        <p:strVal val="visible"/>
+                                      </p:to>
+                                    </p:set>
+                                  </p:childTnLst>
+                                </p:cTn>
+                              </p:par>
+                            </p:childTnLst>
+                          </p:cTn>
+                        </p:par>
+                      </p:childTnLst>
+                    </p:cTn>
+                  </p:par>
+                </p:childTnLst>
+              </p:cTn>
+              <p:prevCondLst>
+                <p:cond evt="onPrev" delay="0">
+                  <p:tgtEl>
+                    <p:sldTgt/>
+                  </p:tgtEl>
+                </p:cond>
+              </p:prevCondLst>
+              <p:nextCondLst>
+                <p:cond evt="onNext" delay="0">
+                  <p:tgtEl>
+                    <p:sldTgt/>
+                  </p:tgtEl>
+                </p:cond>
+              </p:nextCondLst>
+            </p:seq>
+          </p:childTnLst>
+        </p:cTn>
+      </p:par>
+    </p:tnLst>
+    <p:bldLst>
+      <p:bldP spid="6" grpId="0" build="p"/>
+    </p:bldLst>
+  </p:timing>
+</p:sld>
+</file>
+
+<file path=ppt/slides/slide19.xml><?xml version="1.0" encoding="utf-8"?>
+<p:sld xmlns:a="http://schemas.openxmlformats.org/drawingml/2006/main" xmlns:r="http://schemas.openxmlformats.org/officeDocument/2006/relationships" xmlns:p="http://schemas.openxmlformats.org/presentationml/2006/main">
+  <p:cSld>
+    <p:spTree>
+      <p:nvGrpSpPr>
+        <p:cNvPr id="1" name=""/>
+        <p:cNvGrpSpPr/>
+        <p:nvPr/>
+      </p:nvGrpSpPr>
+      <p:grpSpPr>
+        <a:xfrm>
+          <a:off x="0" y="0"/>
+          <a:ext cx="0" cy="0"/>
+          <a:chOff x="0" y="0"/>
+          <a:chExt cx="0" cy="0"/>
+        </a:xfrm>
+      </p:grpSpPr>
+      <p:sp>
+        <p:nvSpPr>
+          <p:cNvPr id="2" name="Title 1"/>
+          <p:cNvSpPr>
+            <a:spLocks noGrp="1"/>
+          </p:cNvSpPr>
+          <p:nvPr>
+            <p:ph type="title"/>
+          </p:nvPr>
+        </p:nvSpPr>
+        <p:spPr/>
+        <p:txBody>
+          <a:bodyPr/>
+          <a:lstStyle/>
+          <a:p>
+            <a:r>
+              <a:rPr lang="ru-RU" dirty="0" smtClean="0"/>
+              <a:t>Что мигрируем?</a:t>
+            </a:r>
+            <a:endParaRPr lang="en-US" dirty="0"/>
+          </a:p>
+        </p:txBody>
+      </p:sp>
+      <p:sp>
+        <p:nvSpPr>
+          <p:cNvPr id="3" name="Content Placeholder 2"/>
+          <p:cNvSpPr>
+            <a:spLocks noGrp="1"/>
+          </p:cNvSpPr>
+          <p:nvPr>
+            <p:ph idx="1"/>
+          </p:nvPr>
+        </p:nvSpPr>
+        <p:spPr/>
+        <p:txBody>
+          <a:bodyPr/>
+          <a:lstStyle/>
+          <a:p>
+            <a:r>
+              <a:rPr lang="en-US" dirty="0" smtClean="0"/>
+              <a:t>Solution &gt; 70 </a:t>
+            </a:r>
+            <a:r>
+              <a:rPr lang="ru-RU" dirty="0" smtClean="0"/>
+              <a:t>проектов</a:t>
+            </a:r>
+          </a:p>
+          <a:p>
+            <a:endParaRPr lang="ru-RU" dirty="0"/>
+          </a:p>
+          <a:p>
+            <a:r>
+              <a:rPr lang="ru-RU" dirty="0" smtClean="0"/>
+              <a:t>1 </a:t>
+            </a:r>
+            <a:r>
+              <a:rPr lang="en-US" dirty="0" smtClean="0"/>
+              <a:t>IIS </a:t>
+            </a:r>
+            <a:r>
+              <a:rPr lang="ru-RU" dirty="0" smtClean="0"/>
+              <a:t>приложение</a:t>
+            </a:r>
+            <a:endParaRPr lang="ru-RU" dirty="0" smtClean="0"/>
+          </a:p>
+          <a:p>
+            <a:endParaRPr lang="ru-RU" dirty="0"/>
+          </a:p>
+          <a:p>
+            <a:r>
+              <a:rPr lang="ru-RU" dirty="0" smtClean="0"/>
+              <a:t>2 службы</a:t>
+            </a:r>
+          </a:p>
+          <a:p>
+            <a:endParaRPr lang="ru-RU" dirty="0"/>
+          </a:p>
+          <a:p>
+            <a:r>
+              <a:rPr lang="ru-RU" dirty="0" smtClean="0"/>
+              <a:t>Несколько утилит</a:t>
+            </a:r>
+            <a:endParaRPr lang="en-US" dirty="0"/>
+          </a:p>
+        </p:txBody>
+      </p:sp>
+    </p:spTree>
+    <p:extLst>
+      <p:ext uri="{BB962C8B-B14F-4D97-AF65-F5344CB8AC3E}">
+        <p14:creationId xmlns:p14="http://schemas.microsoft.com/office/powerpoint/2010/main" val="1108007514"/>
+      </p:ext>
+    </p:extLst>
+  </p:cSld>
+  <p:clrMapOvr>
+    <a:masterClrMapping/>
+  </p:clrMapOvr>
+  <p:timing>
+    <p:tnLst>
+      <p:par>
+        <p:cTn id="1" dur="indefinite" restart="never" nodeType="tmRoot">
+          <p:childTnLst>
+            <p:seq concurrent="1" nextAc="seek">
+              <p:cTn id="2" dur="indefinite" nodeType="mainSeq">
+                <p:childTnLst>
+                  <p:par>
+                    <p:cTn id="3" fill="hold">
+                      <p:stCondLst>
+                        <p:cond delay="indefinite"/>
+                      </p:stCondLst>
+                      <p:childTnLst>
+                        <p:par>
+                          <p:cTn id="4" fill="hold">
+                            <p:stCondLst>
+                              <p:cond delay="0"/>
+                            </p:stCondLst>
+                            <p:childTnLst>
+                              <p:par>
+                                <p:cTn id="5" presetID="1" presetClass="entr" presetSubtype="0" fill="hold" grpId="0" nodeType="clickEffect">
+                                  <p:stCondLst>
+                                    <p:cond delay="0"/>
+                                  </p:stCondLst>
+                                  <p:childTnLst>
+                                    <p:set>
+                                      <p:cBhvr>
+                                        <p:cTn id="6" dur="1" fill="hold">
+                                          <p:stCondLst>
+                                            <p:cond delay="0"/>
+                                          </p:stCondLst>
+                                        </p:cTn>
+                                        <p:tgtEl>
+                                          <p:spTgt spid="3">
+                                            <p:txEl>
+                                              <p:pRg st="0" end="0"/>
+                                            </p:txEl>
+                                          </p:spTgt>
+                                        </p:tgtEl>
+                                        <p:attrNameLst>
+                                          <p:attrName>style.visibility</p:attrName>
+                                        </p:attrNameLst>
+                                      </p:cBhvr>
+                                      <p:to>
+                                        <p:strVal val="visible"/>
+                                      </p:to>
+                                    </p:set>
+                                  </p:childTnLst>
+                                </p:cTn>
+                              </p:par>
+                            </p:childTnLst>
+                          </p:cTn>
+                        </p:par>
+                      </p:childTnLst>
+                    </p:cTn>
+                  </p:par>
+                  <p:par>
+                    <p:cTn id="7" fill="hold">
+                      <p:stCondLst>
+                        <p:cond delay="indefinite"/>
+                      </p:stCondLst>
+                      <p:childTnLst>
+                        <p:par>
+                          <p:cTn id="8" fill="hold">
+                            <p:stCondLst>
+                              <p:cond delay="0"/>
+                            </p:stCondLst>
+                            <p:childTnLst>
+                              <p:par>
+                                <p:cTn id="9" presetID="1" presetClass="entr" presetSubtype="0" fill="hold" grpId="0" nodeType="clickEffect">
+                                  <p:stCondLst>
+                                    <p:cond delay="0"/>
+                                  </p:stCondLst>
+                                  <p:childTnLst>
+                                    <p:set>
+                                      <p:cBhvr>
+                                        <p:cTn id="10" dur="1" fill="hold">
+                                          <p:stCondLst>
+                                            <p:cond delay="0"/>
+                                          </p:stCondLst>
+                                        </p:cTn>
+                                        <p:tgtEl>
+                                          <p:spTgt spid="3">
+                                            <p:txEl>
+                                              <p:pRg st="2" end="2"/>
+                                            </p:txEl>
+                                          </p:spTgt>
+                                        </p:tgtEl>
+                                        <p:attrNameLst>
+                                          <p:attrName>style.visibility</p:attrName>
+                                        </p:attrNameLst>
+                                      </p:cBhvr>
+                                      <p:to>
+                                        <p:strVal val="visible"/>
+                                      </p:to>
+                                    </p:set>
+                                  </p:childTnLst>
+                                </p:cTn>
+                              </p:par>
+                            </p:childTnLst>
+                          </p:cTn>
+                        </p:par>
+                      </p:childTnLst>
+                    </p:cTn>
+                  </p:par>
+                  <p:par>
+                    <p:cTn id="11" fill="hold">
+                      <p:stCondLst>
+                        <p:cond delay="indefinite"/>
+                      </p:stCondLst>
+                      <p:childTnLst>
+                        <p:par>
+                          <p:cTn id="12" fill="hold">
+                            <p:stCondLst>
+                              <p:cond delay="0"/>
+                            </p:stCondLst>
+                            <p:childTnLst>
+                              <p:par>
+                                <p:cTn id="13" presetID="1" presetClass="entr" presetSubtype="0" fill="hold" grpId="0" nodeType="clickEffect">
+                                  <p:stCondLst>
+                                    <p:cond delay="0"/>
+                                  </p:stCondLst>
+                                  <p:childTnLst>
+                                    <p:set>
+                                      <p:cBhvr>
+                                        <p:cTn id="14" dur="1" fill="hold">
+                                          <p:stCondLst>
+                                            <p:cond delay="0"/>
+                                          </p:stCondLst>
+                                        </p:cTn>
+                                        <p:tgtEl>
+                                          <p:spTgt spid="3">
+                                            <p:txEl>
+                                              <p:pRg st="4" end="4"/>
+                                            </p:txEl>
+                                          </p:spTgt>
+                                        </p:tgtEl>
+                                        <p:attrNameLst>
+                                          <p:attrName>style.visibility</p:attrName>
+                                        </p:attrNameLst>
+                                      </p:cBhvr>
+                                      <p:to>
+                                        <p:strVal val="visible"/>
+                                      </p:to>
+                                    </p:set>
+                                  </p:childTnLst>
+                                </p:cTn>
+                              </p:par>
+                            </p:childTnLst>
+                          </p:cTn>
+                        </p:par>
+                      </p:childTnLst>
+                    </p:cTn>
+                  </p:par>
+                  <p:par>
+                    <p:cTn id="15" fill="hold">
+                      <p:stCondLst>
+                        <p:cond delay="indefinite"/>
+                      </p:stCondLst>
+                      <p:childTnLst>
+                        <p:par>
+                          <p:cTn id="16" fill="hold">
+                            <p:stCondLst>
+                              <p:cond delay="0"/>
+                            </p:stCondLst>
+                            <p:childTnLst>
+                              <p:par>
+                                <p:cTn id="17" presetID="1" presetClass="entr" presetSubtype="0" fill="hold" grpId="0" nodeType="clickEffect">
+                                  <p:stCondLst>
+                                    <p:cond delay="0"/>
+                                  </p:stCondLst>
+                                  <p:childTnLst>
+                                    <p:set>
+                                      <p:cBhvr>
+                                        <p:cTn id="18" dur="1" fill="hold">
+                                          <p:stCondLst>
+                                            <p:cond delay="0"/>
+                                          </p:stCondLst>
+                                        </p:cTn>
+                                        <p:tgtEl>
+                                          <p:spTgt spid="3">
+                                            <p:txEl>
+                                              <p:pRg st="6" end="6"/>
+                                            </p:txEl>
+                                          </p:spTgt>
+                                        </p:tgtEl>
+                                        <p:attrNameLst>
+                                          <p:attrName>style.visibility</p:attrName>
+                                        </p:attrNameLst>
+                                      </p:cBhvr>
+                                      <p:to>
+                                        <p:strVal val="visible"/>
+                                      </p:to>
+                                    </p:set>
+                                  </p:childTnLst>
+                                </p:cTn>
+                              </p:par>
+                            </p:childTnLst>
+                          </p:cTn>
+                        </p:par>
+                      </p:childTnLst>
+                    </p:cTn>
+                  </p:par>
+                </p:childTnLst>
+              </p:cTn>
+              <p:prevCondLst>
+                <p:cond evt="onPrev" delay="0">
+                  <p:tgtEl>
+                    <p:sldTgt/>
+                  </p:tgtEl>
+                </p:cond>
+              </p:prevCondLst>
+              <p:nextCondLst>
+                <p:cond evt="onNext" delay="0">
+                  <p:tgtEl>
+                    <p:sldTgt/>
+                  </p:tgtEl>
+                </p:cond>
+              </p:nextCondLst>
+            </p:seq>
+          </p:childTnLst>
+        </p:cTn>
+      </p:par>
+    </p:tnLst>
+    <p:bldLst>
+      <p:bldP spid="3" grpId="0" build="p"/>
+    </p:bldLst>
+  </p:timing>
+</p:sld>
+</file>
+
+<file path=ppt/slides/slide2.xml><?xml version="1.0" encoding="utf-8"?>
+<p:sld xmlns:a="http://schemas.openxmlformats.org/drawingml/2006/main" xmlns:r="http://schemas.openxmlformats.org/officeDocument/2006/relationships" xmlns:p="http://schemas.openxmlformats.org/presentationml/2006/main">
+  <p:cSld>
+    <p:spTree>
+      <p:nvGrpSpPr>
+        <p:cNvPr id="1" name=""/>
+        <p:cNvGrpSpPr/>
+        <p:nvPr/>
+      </p:nvGrpSpPr>
+      <p:grpSpPr>
+        <a:xfrm>
+          <a:off x="0" y="0"/>
+          <a:ext cx="0" cy="0"/>
+          <a:chOff x="0" y="0"/>
+          <a:chExt cx="0" cy="0"/>
+        </a:xfrm>
+      </p:grpSpPr>
+      <p:sp>
+        <p:nvSpPr>
+          <p:cNvPr id="2" name="Title 1"/>
+          <p:cNvSpPr>
+            <a:spLocks noGrp="1"/>
+          </p:cNvSpPr>
+          <p:nvPr>
+            <p:ph type="title"/>
+          </p:nvPr>
+        </p:nvSpPr>
+        <p:spPr/>
+        <p:txBody>
+          <a:bodyPr/>
+          <a:lstStyle/>
+          <a:p>
+            <a:r>
+              <a:rPr lang="ru-RU" dirty="0" smtClean="0"/>
+              <a:t>О чём мы поговорим?</a:t>
+            </a:r>
+            <a:endParaRPr lang="en-US" dirty="0"/>
+          </a:p>
+        </p:txBody>
+      </p:sp>
+      <p:sp>
+        <p:nvSpPr>
+          <p:cNvPr id="3" name="Content Placeholder 2"/>
+          <p:cNvSpPr>
+            <a:spLocks noGrp="1"/>
+          </p:cNvSpPr>
+          <p:nvPr>
+            <p:ph idx="1"/>
+          </p:nvPr>
+        </p:nvSpPr>
+        <p:spPr/>
+        <p:txBody>
+          <a:bodyPr/>
+          <a:lstStyle/>
+          <a:p>
+            <a:r>
+              <a:rPr lang="en-US" dirty="0" err="1" smtClean="0"/>
+              <a:t>.net</a:t>
+            </a:r>
+            <a:r>
+              <a:rPr lang="en-US" dirty="0" smtClean="0"/>
+              <a:t> core</a:t>
+            </a:r>
+          </a:p>
+          <a:p>
+            <a:endParaRPr lang="ru-RU" dirty="0" smtClean="0"/>
+          </a:p>
+          <a:p>
+            <a:r>
+              <a:rPr lang="ru-RU" dirty="0" smtClean="0"/>
+              <a:t>контейнеризация приложений</a:t>
+            </a:r>
+            <a:endParaRPr lang="en-US" dirty="0" smtClean="0"/>
+          </a:p>
+          <a:p>
+            <a:endParaRPr lang="ru-RU" dirty="0"/>
+          </a:p>
+          <a:p>
+            <a:r>
+              <a:rPr lang="en-US" dirty="0" err="1" smtClean="0"/>
+              <a:t>linux</a:t>
+            </a:r>
+            <a:r>
+              <a:rPr lang="en-US" dirty="0" smtClean="0"/>
+              <a:t> </a:t>
+            </a:r>
+            <a:r>
+              <a:rPr lang="ru-RU" dirty="0" smtClean="0"/>
+              <a:t>в </a:t>
+            </a:r>
+            <a:r>
+              <a:rPr lang="en-US" dirty="0" err="1" smtClean="0"/>
+              <a:t>.net</a:t>
+            </a:r>
+            <a:r>
+              <a:rPr lang="en-US" dirty="0" smtClean="0"/>
+              <a:t> </a:t>
+            </a:r>
+            <a:r>
+              <a:rPr lang="ru-RU" dirty="0" smtClean="0"/>
+              <a:t>приложениях</a:t>
+            </a:r>
+            <a:endParaRPr lang="en-US" dirty="0" smtClean="0"/>
+          </a:p>
+          <a:p>
+            <a:endParaRPr lang="en-US" dirty="0"/>
+          </a:p>
+          <a:p>
+            <a:r>
+              <a:rPr lang="en-US" dirty="0" err="1" smtClean="0"/>
+              <a:t>Tarantool</a:t>
+            </a:r>
+            <a:r>
+              <a:rPr lang="en-US" dirty="0" smtClean="0"/>
+              <a:t>: </a:t>
+            </a:r>
+            <a:r>
+              <a:rPr lang="ru-RU" dirty="0" smtClean="0"/>
+              <a:t>зачем и почему?</a:t>
+            </a:r>
+            <a:endParaRPr lang="en-US" dirty="0"/>
+          </a:p>
+        </p:txBody>
+      </p:sp>
+    </p:spTree>
+    <p:extLst>
+      <p:ext uri="{BB962C8B-B14F-4D97-AF65-F5344CB8AC3E}">
+        <p14:creationId xmlns:p14="http://schemas.microsoft.com/office/powerpoint/2010/main" val="1440964893"/>
+      </p:ext>
+    </p:extLst>
+  </p:cSld>
+  <p:clrMapOvr>
+    <a:masterClrMapping/>
+  </p:clrMapOvr>
+  <p:timing>
+    <p:tnLst>
+      <p:par>
+        <p:cTn id="1" dur="indefinite" restart="never" nodeType="tmRoot">
+          <p:childTnLst>
+            <p:seq concurrent="1" nextAc="seek">
+              <p:cTn id="2" dur="indefinite" nodeType="mainSeq">
+                <p:childTnLst>
+                  <p:par>
+                    <p:cTn id="3" fill="hold">
+                      <p:stCondLst>
+                        <p:cond delay="indefinite"/>
+                      </p:stCondLst>
+                      <p:childTnLst>
+                        <p:par>
+                          <p:cTn id="4" fill="hold">
+                            <p:stCondLst>
+                              <p:cond delay="0"/>
+                            </p:stCondLst>
+                            <p:childTnLst>
+                              <p:par>
+                                <p:cTn id="5" presetID="1" presetClass="entr" presetSubtype="0" fill="hold" grpId="0" nodeType="clickEffect">
+                                  <p:stCondLst>
+                                    <p:cond delay="0"/>
+                                  </p:stCondLst>
+                                  <p:childTnLst>
+                                    <p:set>
+                                      <p:cBhvr>
+                                        <p:cTn id="6" dur="1" fill="hold">
+                                          <p:stCondLst>
+                                            <p:cond delay="0"/>
+                                          </p:stCondLst>
+                                        </p:cTn>
+                                        <p:tgtEl>
+                                          <p:spTgt spid="3">
+                                            <p:txEl>
+                                              <p:pRg st="0" end="0"/>
+                                            </p:txEl>
+                                          </p:spTgt>
+                                        </p:tgtEl>
+                                        <p:attrNameLst>
+                                          <p:attrName>style.visibility</p:attrName>
+                                        </p:attrNameLst>
+                                      </p:cBhvr>
+                                      <p:to>
+                                        <p:strVal val="visible"/>
+                                      </p:to>
+                                    </p:set>
+                                  </p:childTnLst>
+                                </p:cTn>
+                              </p:par>
+                            </p:childTnLst>
+                          </p:cTn>
+                        </p:par>
+                      </p:childTnLst>
+                    </p:cTn>
+                  </p:par>
+                  <p:par>
+                    <p:cTn id="7" fill="hold">
+                      <p:stCondLst>
+                        <p:cond delay="indefinite"/>
+                      </p:stCondLst>
+                      <p:childTnLst>
+                        <p:par>
+                          <p:cTn id="8" fill="hold">
+                            <p:stCondLst>
+                              <p:cond delay="0"/>
+                            </p:stCondLst>
+                            <p:childTnLst>
+                              <p:par>
+                                <p:cTn id="9" presetID="1" presetClass="entr" presetSubtype="0" fill="hold" grpId="0" nodeType="clickEffect">
+                                  <p:stCondLst>
+                                    <p:cond delay="0"/>
+                                  </p:stCondLst>
+                                  <p:childTnLst>
+                                    <p:set>
+                                      <p:cBhvr>
+                                        <p:cTn id="10" dur="1" fill="hold">
+                                          <p:stCondLst>
+                                            <p:cond delay="0"/>
+                                          </p:stCondLst>
+                                        </p:cTn>
+                                        <p:tgtEl>
+                                          <p:spTgt spid="3">
+                                            <p:txEl>
+                                              <p:pRg st="2" end="2"/>
+                                            </p:txEl>
+                                          </p:spTgt>
+                                        </p:tgtEl>
+                                        <p:attrNameLst>
+                                          <p:attrName>style.visibility</p:attrName>
+                                        </p:attrNameLst>
+                                      </p:cBhvr>
+                                      <p:to>
+                                        <p:strVal val="visible"/>
+                                      </p:to>
+                                    </p:set>
+                                  </p:childTnLst>
+                                </p:cTn>
+                              </p:par>
+                            </p:childTnLst>
+                          </p:cTn>
+                        </p:par>
+                      </p:childTnLst>
+                    </p:cTn>
+                  </p:par>
+                  <p:par>
+                    <p:cTn id="11" fill="hold">
+                      <p:stCondLst>
+                        <p:cond delay="indefinite"/>
+                      </p:stCondLst>
+                      <p:childTnLst>
+                        <p:par>
+                          <p:cTn id="12" fill="hold">
+                            <p:stCondLst>
+                              <p:cond delay="0"/>
+                            </p:stCondLst>
+                            <p:childTnLst>
+                              <p:par>
+                                <p:cTn id="13" presetID="1" presetClass="entr" presetSubtype="0" fill="hold" grpId="0" nodeType="clickEffect">
+                                  <p:stCondLst>
+                                    <p:cond delay="0"/>
+                                  </p:stCondLst>
+                                  <p:childTnLst>
+                                    <p:set>
+                                      <p:cBhvr>
+                                        <p:cTn id="14" dur="1" fill="hold">
+                                          <p:stCondLst>
+                                            <p:cond delay="0"/>
+                                          </p:stCondLst>
+                                        </p:cTn>
+                                        <p:tgtEl>
+                                          <p:spTgt spid="3">
+                                            <p:txEl>
+                                              <p:pRg st="4" end="4"/>
+                                            </p:txEl>
+                                          </p:spTgt>
+                                        </p:tgtEl>
+                                        <p:attrNameLst>
+                                          <p:attrName>style.visibility</p:attrName>
+                                        </p:attrNameLst>
+                                      </p:cBhvr>
+                                      <p:to>
+                                        <p:strVal val="visible"/>
+                                      </p:to>
+                                    </p:set>
+                                  </p:childTnLst>
+                                </p:cTn>
+                              </p:par>
+                            </p:childTnLst>
+                          </p:cTn>
+                        </p:par>
+                      </p:childTnLst>
+                    </p:cTn>
+                  </p:par>
+                  <p:par>
+                    <p:cTn id="15" fill="hold">
+                      <p:stCondLst>
+                        <p:cond delay="indefinite"/>
+                      </p:stCondLst>
+                      <p:childTnLst>
+                        <p:par>
+                          <p:cTn id="16" fill="hold">
+                            <p:stCondLst>
+                              <p:cond delay="0"/>
+                            </p:stCondLst>
+                            <p:childTnLst>
+                              <p:par>
+                                <p:cTn id="17" presetID="1" presetClass="entr" presetSubtype="0" fill="hold" grpId="0" nodeType="clickEffect">
+                                  <p:stCondLst>
+                                    <p:cond delay="0"/>
+                                  </p:stCondLst>
+                                  <p:childTnLst>
+                                    <p:set>
+                                      <p:cBhvr>
+                                        <p:cTn id="18" dur="1" fill="hold">
+                                          <p:stCondLst>
+                                            <p:cond delay="0"/>
+                                          </p:stCondLst>
+                                        </p:cTn>
+                                        <p:tgtEl>
+                                          <p:spTgt spid="3">
+                                            <p:txEl>
+                                              <p:pRg st="6" end="6"/>
+                                            </p:txEl>
+                                          </p:spTgt>
+                                        </p:tgtEl>
+                                        <p:attrNameLst>
+                                          <p:attrName>style.visibility</p:attrName>
+                                        </p:attrNameLst>
+                                      </p:cBhvr>
+                                      <p:to>
+                                        <p:strVal val="visible"/>
+                                      </p:to>
+                                    </p:set>
+                                  </p:childTnLst>
+                                </p:cTn>
+                              </p:par>
+                            </p:childTnLst>
+                          </p:cTn>
+                        </p:par>
+                      </p:childTnLst>
+                    </p:cTn>
+                  </p:par>
+                </p:childTnLst>
+              </p:cTn>
+              <p:prevCondLst>
+                <p:cond evt="onPrev" delay="0">
+                  <p:tgtEl>
+                    <p:sldTgt/>
+                  </p:tgtEl>
+                </p:cond>
+              </p:prevCondLst>
+              <p:nextCondLst>
+                <p:cond evt="onNext" delay="0">
+                  <p:tgtEl>
+                    <p:sldTgt/>
+                  </p:tgtEl>
+                </p:cond>
+              </p:nextCondLst>
+            </p:seq>
+          </p:childTnLst>
+        </p:cTn>
+      </p:par>
+    </p:tnLst>
+    <p:bldLst>
+      <p:bldP spid="3" grpId="0" uiExpand="1" build="p"/>
+    </p:bldLst>
+  </p:timing>
+</p:sld>
+</file>
+
+<file path=ppt/slides/slide20.xml><?xml version="1.0" encoding="utf-8"?>
+<p:sld xmlns:a="http://schemas.openxmlformats.org/drawingml/2006/main" xmlns:r="http://schemas.openxmlformats.org/officeDocument/2006/relationships" xmlns:p="http://schemas.openxmlformats.org/presentationml/2006/main">
+  <p:cSld>
+    <p:spTree>
+      <p:nvGrpSpPr>
+        <p:cNvPr id="1" name=""/>
+        <p:cNvGrpSpPr/>
+        <p:nvPr/>
+      </p:nvGrpSpPr>
+      <p:grpSpPr>
+        <a:xfrm>
+          <a:off x="0" y="0"/>
+          <a:ext cx="0" cy="0"/>
+          <a:chOff x="0" y="0"/>
+          <a:chExt cx="0" cy="0"/>
+        </a:xfrm>
+      </p:grpSpPr>
+      <p:sp>
+        <p:nvSpPr>
+          <p:cNvPr id="2" name="Title 1"/>
+          <p:cNvSpPr>
+            <a:spLocks noGrp="1"/>
+          </p:cNvSpPr>
+          <p:nvPr>
+            <p:ph type="title"/>
+          </p:nvPr>
+        </p:nvSpPr>
+        <p:spPr/>
+        <p:txBody>
+          <a:bodyPr/>
+          <a:lstStyle/>
+          <a:p>
+            <a:r>
+              <a:rPr lang="en-US" dirty="0" err="1" smtClean="0"/>
+              <a:t>.net</a:t>
+            </a:r>
+            <a:r>
+              <a:rPr lang="en-US" dirty="0" smtClean="0"/>
+              <a:t> 46 =&gt; </a:t>
+            </a:r>
+            <a:r>
+              <a:rPr lang="en-US" dirty="0" err="1" smtClean="0"/>
+              <a:t>.net</a:t>
+            </a:r>
+            <a:r>
+              <a:rPr lang="en-US" dirty="0" smtClean="0"/>
+              <a:t> core1.1</a:t>
+            </a:r>
+            <a:endParaRPr lang="en-US" dirty="0"/>
+          </a:p>
+        </p:txBody>
+      </p:sp>
+      <p:sp>
+        <p:nvSpPr>
+          <p:cNvPr id="3" name="Content Placeholder 2"/>
+          <p:cNvSpPr>
+            <a:spLocks noGrp="1"/>
+          </p:cNvSpPr>
+          <p:nvPr>
+            <p:ph idx="1"/>
+          </p:nvPr>
+        </p:nvSpPr>
+        <p:spPr/>
+        <p:txBody>
+          <a:bodyPr/>
+          <a:lstStyle/>
+          <a:p>
+            <a:r>
+              <a:rPr lang="ru-RU" dirty="0" smtClean="0"/>
+              <a:t>Несколько попыток, последняя </a:t>
+            </a:r>
+            <a:r>
+              <a:rPr lang="mr-IN" dirty="0" smtClean="0"/>
+              <a:t>–</a:t>
+            </a:r>
+            <a:r>
+              <a:rPr lang="ru-RU" dirty="0" smtClean="0"/>
+              <a:t> 3 месяца</a:t>
+            </a:r>
+          </a:p>
+          <a:p>
+            <a:endParaRPr lang="ru-RU" dirty="0"/>
+          </a:p>
+          <a:p>
+            <a:r>
+              <a:rPr lang="ru-RU" dirty="0" smtClean="0"/>
+              <a:t>Пришлось поддерживать несколько </a:t>
+            </a:r>
+            <a:r>
+              <a:rPr lang="ru-RU" dirty="0" err="1" smtClean="0"/>
+              <a:t>форков</a:t>
+            </a:r>
+            <a:r>
+              <a:rPr lang="ru-RU" dirty="0" smtClean="0"/>
+              <a:t> </a:t>
+            </a:r>
+            <a:r>
+              <a:rPr lang="en-US" dirty="0" smtClean="0"/>
+              <a:t>OSS</a:t>
+            </a:r>
+          </a:p>
+          <a:p>
+            <a:endParaRPr lang="en-US" dirty="0"/>
+          </a:p>
+          <a:p>
+            <a:r>
+              <a:rPr lang="ru-RU" dirty="0" smtClean="0"/>
+              <a:t>Невозможно работать с доменами</a:t>
+            </a:r>
+            <a:endParaRPr lang="en-US" dirty="0" smtClean="0"/>
+          </a:p>
+          <a:p>
+            <a:endParaRPr lang="en-US" dirty="0"/>
+          </a:p>
+          <a:p>
+            <a:r>
+              <a:rPr lang="ru-RU" dirty="0" smtClean="0"/>
+              <a:t>Нет </a:t>
+            </a:r>
+            <a:r>
+              <a:rPr lang="en-US" dirty="0" err="1" smtClean="0"/>
+              <a:t>HttpContext</a:t>
+            </a:r>
+            <a:endParaRPr lang="en-US" dirty="0"/>
+          </a:p>
+        </p:txBody>
+      </p:sp>
+    </p:spTree>
+    <p:extLst>
+      <p:ext uri="{BB962C8B-B14F-4D97-AF65-F5344CB8AC3E}">
+        <p14:creationId xmlns:p14="http://schemas.microsoft.com/office/powerpoint/2010/main" val="999104723"/>
+      </p:ext>
+    </p:extLst>
+  </p:cSld>
+  <p:clrMapOvr>
+    <a:masterClrMapping/>
+  </p:clrMapOvr>
+  <p:timing>
+    <p:tnLst>
+      <p:par>
+        <p:cTn id="1" dur="indefinite" restart="never" nodeType="tmRoot">
+          <p:childTnLst>
+            <p:seq concurrent="1" nextAc="seek">
+              <p:cTn id="2" dur="indefinite" nodeType="mainSeq">
+                <p:childTnLst>
+                  <p:par>
+                    <p:cTn id="3" fill="hold">
+                      <p:stCondLst>
+                        <p:cond delay="indefinite"/>
+                      </p:stCondLst>
+                      <p:childTnLst>
+                        <p:par>
+                          <p:cTn id="4" fill="hold">
+                            <p:stCondLst>
+                              <p:cond delay="0"/>
+                            </p:stCondLst>
+                            <p:childTnLst>
+                              <p:par>
+                                <p:cTn id="5" presetID="1" presetClass="entr" presetSubtype="0" fill="hold" grpId="0" nodeType="clickEffect">
+                                  <p:stCondLst>
+                                    <p:cond delay="0"/>
+                                  </p:stCondLst>
+                                  <p:childTnLst>
+                                    <p:set>
+                                      <p:cBhvr>
+                                        <p:cTn id="6" dur="1" fill="hold">
+                                          <p:stCondLst>
+                                            <p:cond delay="0"/>
+                                          </p:stCondLst>
+                                        </p:cTn>
+                                        <p:tgtEl>
+                                          <p:spTgt spid="3">
+                                            <p:txEl>
+                                              <p:pRg st="0" end="0"/>
+                                            </p:txEl>
+                                          </p:spTgt>
+                                        </p:tgtEl>
+                                        <p:attrNameLst>
+                                          <p:attrName>style.visibility</p:attrName>
+                                        </p:attrNameLst>
+                                      </p:cBhvr>
+                                      <p:to>
+                                        <p:strVal val="visible"/>
+                                      </p:to>
+                                    </p:set>
+                                  </p:childTnLst>
+                                </p:cTn>
+                              </p:par>
+                            </p:childTnLst>
+                          </p:cTn>
+                        </p:par>
+                      </p:childTnLst>
+                    </p:cTn>
+                  </p:par>
+                  <p:par>
+                    <p:cTn id="7" fill="hold">
+                      <p:stCondLst>
+                        <p:cond delay="indefinite"/>
+                      </p:stCondLst>
+                      <p:childTnLst>
+                        <p:par>
+                          <p:cTn id="8" fill="hold">
+                            <p:stCondLst>
+                              <p:cond delay="0"/>
+                            </p:stCondLst>
+                            <p:childTnLst>
+                              <p:par>
+                                <p:cTn id="9" presetID="1" presetClass="entr" presetSubtype="0" fill="hold" grpId="0" nodeType="clickEffect">
+                                  <p:stCondLst>
+                                    <p:cond delay="0"/>
+                                  </p:stCondLst>
+                                  <p:childTnLst>
+                                    <p:set>
+                                      <p:cBhvr>
+                                        <p:cTn id="10" dur="1" fill="hold">
+                                          <p:stCondLst>
+                                            <p:cond delay="0"/>
+                                          </p:stCondLst>
+                                        </p:cTn>
+                                        <p:tgtEl>
+                                          <p:spTgt spid="3">
+                                            <p:txEl>
+                                              <p:pRg st="2" end="2"/>
+                                            </p:txEl>
+                                          </p:spTgt>
+                                        </p:tgtEl>
+                                        <p:attrNameLst>
+                                          <p:attrName>style.visibility</p:attrName>
+                                        </p:attrNameLst>
+                                      </p:cBhvr>
+                                      <p:to>
+                                        <p:strVal val="visible"/>
+                                      </p:to>
+                                    </p:set>
+                                  </p:childTnLst>
+                                </p:cTn>
+                              </p:par>
+                            </p:childTnLst>
+                          </p:cTn>
+                        </p:par>
+                      </p:childTnLst>
+                    </p:cTn>
+                  </p:par>
+                  <p:par>
+                    <p:cTn id="11" fill="hold">
+                      <p:stCondLst>
+                        <p:cond delay="indefinite"/>
+                      </p:stCondLst>
+                      <p:childTnLst>
+                        <p:par>
+                          <p:cTn id="12" fill="hold">
+                            <p:stCondLst>
+                              <p:cond delay="0"/>
+                            </p:stCondLst>
+                            <p:childTnLst>
+                              <p:par>
+                                <p:cTn id="13" presetID="1" presetClass="entr" presetSubtype="0" fill="hold" grpId="0" nodeType="clickEffect">
+                                  <p:stCondLst>
+                                    <p:cond delay="0"/>
+                                  </p:stCondLst>
+                                  <p:childTnLst>
+                                    <p:set>
+                                      <p:cBhvr>
+                                        <p:cTn id="14" dur="1" fill="hold">
+                                          <p:stCondLst>
+                                            <p:cond delay="0"/>
+                                          </p:stCondLst>
+                                        </p:cTn>
+                                        <p:tgtEl>
+                                          <p:spTgt spid="3">
+                                            <p:txEl>
+                                              <p:pRg st="4" end="4"/>
+                                            </p:txEl>
+                                          </p:spTgt>
+                                        </p:tgtEl>
+                                        <p:attrNameLst>
+                                          <p:attrName>style.visibility</p:attrName>
+                                        </p:attrNameLst>
+                                      </p:cBhvr>
+                                      <p:to>
+                                        <p:strVal val="visible"/>
+                                      </p:to>
+                                    </p:set>
+                                  </p:childTnLst>
+                                </p:cTn>
+                              </p:par>
+                            </p:childTnLst>
+                          </p:cTn>
+                        </p:par>
+                      </p:childTnLst>
+                    </p:cTn>
+                  </p:par>
+                  <p:par>
+                    <p:cTn id="15" fill="hold">
+                      <p:stCondLst>
+                        <p:cond delay="indefinite"/>
+                      </p:stCondLst>
+                      <p:childTnLst>
+                        <p:par>
+                          <p:cTn id="16" fill="hold">
+                            <p:stCondLst>
+                              <p:cond delay="0"/>
+                            </p:stCondLst>
+                            <p:childTnLst>
+                              <p:par>
+                                <p:cTn id="17" presetID="1" presetClass="entr" presetSubtype="0" fill="hold" grpId="0" nodeType="clickEffect">
+                                  <p:stCondLst>
+                                    <p:cond delay="0"/>
+                                  </p:stCondLst>
+                                  <p:childTnLst>
+                                    <p:set>
+                                      <p:cBhvr>
+                                        <p:cTn id="18" dur="1" fill="hold">
+                                          <p:stCondLst>
+                                            <p:cond delay="0"/>
+                                          </p:stCondLst>
+                                        </p:cTn>
+                                        <p:tgtEl>
+                                          <p:spTgt spid="3">
+                                            <p:txEl>
+                                              <p:pRg st="6" end="6"/>
+                                            </p:txEl>
+                                          </p:spTgt>
+                                        </p:tgtEl>
+                                        <p:attrNameLst>
+                                          <p:attrName>style.visibility</p:attrName>
+                                        </p:attrNameLst>
+                                      </p:cBhvr>
+                                      <p:to>
+                                        <p:strVal val="visible"/>
+                                      </p:to>
+                                    </p:set>
+                                  </p:childTnLst>
+                                </p:cTn>
+                              </p:par>
+                            </p:childTnLst>
+                          </p:cTn>
+                        </p:par>
+                      </p:childTnLst>
+                    </p:cTn>
+                  </p:par>
+                </p:childTnLst>
+              </p:cTn>
+              <p:prevCondLst>
+                <p:cond evt="onPrev" delay="0">
+                  <p:tgtEl>
+                    <p:sldTgt/>
+                  </p:tgtEl>
+                </p:cond>
+              </p:prevCondLst>
+              <p:nextCondLst>
+                <p:cond evt="onNext" delay="0">
+                  <p:tgtEl>
+                    <p:sldTgt/>
+                  </p:tgtEl>
+                </p:cond>
+              </p:nextCondLst>
+            </p:seq>
+          </p:childTnLst>
+        </p:cTn>
+      </p:par>
+    </p:tnLst>
+    <p:bldLst>
+      <p:bldP spid="3" grpId="0" build="p"/>
+    </p:bldLst>
+  </p:timing>
+</p:sld>
+</file>
+
+<file path=ppt/slides/slide21.xml><?xml version="1.0" encoding="utf-8"?>
+<p:sld xmlns:a="http://schemas.openxmlformats.org/drawingml/2006/main" xmlns:r="http://schemas.openxmlformats.org/officeDocument/2006/relationships" xmlns:p="http://schemas.openxmlformats.org/presentationml/2006/main">
+  <p:cSld>
+    <p:spTree>
+      <p:nvGrpSpPr>
+        <p:cNvPr id="1" name=""/>
+        <p:cNvGrpSpPr/>
+        <p:nvPr/>
+      </p:nvGrpSpPr>
+      <p:grpSpPr>
+        <a:xfrm>
+          <a:off x="0" y="0"/>
+          <a:ext cx="0" cy="0"/>
+          <a:chOff x="0" y="0"/>
+          <a:chExt cx="0" cy="0"/>
+        </a:xfrm>
+      </p:grpSpPr>
+      <p:sp>
+        <p:nvSpPr>
           <p:cNvPr id="2" name="Title 1"/>
           <p:cNvSpPr>
             <a:spLocks noGrp="1"/>
@@ -7468,7 +9826,7 @@
         </p:blipFill>
         <p:spPr>
           <a:xfrm>
-            <a:off x="838200" y="2895682"/>
+            <a:off x="838200" y="2081294"/>
             <a:ext cx="10515600" cy="2211224"/>
           </a:xfrm>
         </p:spPr>
@@ -7493,7 +9851,7 @@
 </p:sld>
 </file>
 
-<file path=ppt/slides/slide19.xml><?xml version="1.0" encoding="utf-8"?>
+<file path=ppt/slides/slide22.xml><?xml version="1.0" encoding="utf-8"?>
 <p:sld xmlns:a="http://schemas.openxmlformats.org/drawingml/2006/main" xmlns:r="http://schemas.openxmlformats.org/officeDocument/2006/relationships" xmlns:p="http://schemas.openxmlformats.org/presentationml/2006/main">
   <p:cSld>
     <p:spTree>
@@ -7549,12 +9907,8 @@
           <a:lstStyle/>
           <a:p>
             <a:r>
-              <a:rPr lang="en-US" dirty="0" err="1" smtClean="0"/>
-              <a:t>Iis</a:t>
-            </a:r>
-            <a:r>
               <a:rPr lang="en-US" dirty="0" smtClean="0"/>
-              <a:t> </a:t>
+              <a:t>IIS </a:t>
             </a:r>
             <a:r>
               <a:rPr lang="ru-RU" dirty="0" smtClean="0"/>
@@ -7676,159 +10030,236 @@
   <p:timing>
     <p:tnLst>
       <p:par>
-        <p:cTn id="1" dur="indefinite" restart="never" nodeType="tmRoot"/>
+        <p:cTn id="1" dur="indefinite" restart="never" nodeType="tmRoot">
+          <p:childTnLst>
+            <p:seq concurrent="1" nextAc="seek">
+              <p:cTn id="2" dur="indefinite" nodeType="mainSeq">
+                <p:childTnLst>
+                  <p:par>
+                    <p:cTn id="3" fill="hold">
+                      <p:stCondLst>
+                        <p:cond delay="indefinite"/>
+                      </p:stCondLst>
+                      <p:childTnLst>
+                        <p:par>
+                          <p:cTn id="4" fill="hold">
+                            <p:stCondLst>
+                              <p:cond delay="0"/>
+                            </p:stCondLst>
+                            <p:childTnLst>
+                              <p:par>
+                                <p:cTn id="5" presetID="1" presetClass="entr" presetSubtype="0" fill="hold" grpId="0" nodeType="clickEffect">
+                                  <p:stCondLst>
+                                    <p:cond delay="0"/>
+                                  </p:stCondLst>
+                                  <p:childTnLst>
+                                    <p:set>
+                                      <p:cBhvr>
+                                        <p:cTn id="6" dur="1" fill="hold">
+                                          <p:stCondLst>
+                                            <p:cond delay="0"/>
+                                          </p:stCondLst>
+                                        </p:cTn>
+                                        <p:tgtEl>
+                                          <p:spTgt spid="3">
+                                            <p:txEl>
+                                              <p:pRg st="0" end="0"/>
+                                            </p:txEl>
+                                          </p:spTgt>
+                                        </p:tgtEl>
+                                        <p:attrNameLst>
+                                          <p:attrName>style.visibility</p:attrName>
+                                        </p:attrNameLst>
+                                      </p:cBhvr>
+                                      <p:to>
+                                        <p:strVal val="visible"/>
+                                      </p:to>
+                                    </p:set>
+                                  </p:childTnLst>
+                                </p:cTn>
+                              </p:par>
+                            </p:childTnLst>
+                          </p:cTn>
+                        </p:par>
+                      </p:childTnLst>
+                    </p:cTn>
+                  </p:par>
+                  <p:par>
+                    <p:cTn id="7" fill="hold">
+                      <p:stCondLst>
+                        <p:cond delay="indefinite"/>
+                      </p:stCondLst>
+                      <p:childTnLst>
+                        <p:par>
+                          <p:cTn id="8" fill="hold">
+                            <p:stCondLst>
+                              <p:cond delay="0"/>
+                            </p:stCondLst>
+                            <p:childTnLst>
+                              <p:par>
+                                <p:cTn id="9" presetID="1" presetClass="entr" presetSubtype="0" fill="hold" grpId="0" nodeType="clickEffect">
+                                  <p:stCondLst>
+                                    <p:cond delay="0"/>
+                                  </p:stCondLst>
+                                  <p:childTnLst>
+                                    <p:set>
+                                      <p:cBhvr>
+                                        <p:cTn id="10" dur="1" fill="hold">
+                                          <p:stCondLst>
+                                            <p:cond delay="0"/>
+                                          </p:stCondLst>
+                                        </p:cTn>
+                                        <p:tgtEl>
+                                          <p:spTgt spid="3">
+                                            <p:txEl>
+                                              <p:pRg st="2" end="2"/>
+                                            </p:txEl>
+                                          </p:spTgt>
+                                        </p:tgtEl>
+                                        <p:attrNameLst>
+                                          <p:attrName>style.visibility</p:attrName>
+                                        </p:attrNameLst>
+                                      </p:cBhvr>
+                                      <p:to>
+                                        <p:strVal val="visible"/>
+                                      </p:to>
+                                    </p:set>
+                                  </p:childTnLst>
+                                </p:cTn>
+                              </p:par>
+                            </p:childTnLst>
+                          </p:cTn>
+                        </p:par>
+                      </p:childTnLst>
+                    </p:cTn>
+                  </p:par>
+                  <p:par>
+                    <p:cTn id="11" fill="hold">
+                      <p:stCondLst>
+                        <p:cond delay="indefinite"/>
+                      </p:stCondLst>
+                      <p:childTnLst>
+                        <p:par>
+                          <p:cTn id="12" fill="hold">
+                            <p:stCondLst>
+                              <p:cond delay="0"/>
+                            </p:stCondLst>
+                            <p:childTnLst>
+                              <p:par>
+                                <p:cTn id="13" presetID="1" presetClass="entr" presetSubtype="0" fill="hold" grpId="0" nodeType="clickEffect">
+                                  <p:stCondLst>
+                                    <p:cond delay="0"/>
+                                  </p:stCondLst>
+                                  <p:childTnLst>
+                                    <p:set>
+                                      <p:cBhvr>
+                                        <p:cTn id="14" dur="1" fill="hold">
+                                          <p:stCondLst>
+                                            <p:cond delay="0"/>
+                                          </p:stCondLst>
+                                        </p:cTn>
+                                        <p:tgtEl>
+                                          <p:spTgt spid="3">
+                                            <p:txEl>
+                                              <p:pRg st="4" end="4"/>
+                                            </p:txEl>
+                                          </p:spTgt>
+                                        </p:tgtEl>
+                                        <p:attrNameLst>
+                                          <p:attrName>style.visibility</p:attrName>
+                                        </p:attrNameLst>
+                                      </p:cBhvr>
+                                      <p:to>
+                                        <p:strVal val="visible"/>
+                                      </p:to>
+                                    </p:set>
+                                  </p:childTnLst>
+                                </p:cTn>
+                              </p:par>
+                            </p:childTnLst>
+                          </p:cTn>
+                        </p:par>
+                      </p:childTnLst>
+                    </p:cTn>
+                  </p:par>
+                  <p:par>
+                    <p:cTn id="15" fill="hold">
+                      <p:stCondLst>
+                        <p:cond delay="indefinite"/>
+                      </p:stCondLst>
+                      <p:childTnLst>
+                        <p:par>
+                          <p:cTn id="16" fill="hold">
+                            <p:stCondLst>
+                              <p:cond delay="0"/>
+                            </p:stCondLst>
+                            <p:childTnLst>
+                              <p:par>
+                                <p:cTn id="17" presetID="1" presetClass="entr" presetSubtype="0" fill="hold" grpId="0" nodeType="clickEffect">
+                                  <p:stCondLst>
+                                    <p:cond delay="0"/>
+                                  </p:stCondLst>
+                                  <p:childTnLst>
+                                    <p:set>
+                                      <p:cBhvr>
+                                        <p:cTn id="18" dur="1" fill="hold">
+                                          <p:stCondLst>
+                                            <p:cond delay="0"/>
+                                          </p:stCondLst>
+                                        </p:cTn>
+                                        <p:tgtEl>
+                                          <p:spTgt spid="3">
+                                            <p:txEl>
+                                              <p:pRg st="6" end="6"/>
+                                            </p:txEl>
+                                          </p:spTgt>
+                                        </p:tgtEl>
+                                        <p:attrNameLst>
+                                          <p:attrName>style.visibility</p:attrName>
+                                        </p:attrNameLst>
+                                      </p:cBhvr>
+                                      <p:to>
+                                        <p:strVal val="visible"/>
+                                      </p:to>
+                                    </p:set>
+                                  </p:childTnLst>
+                                </p:cTn>
+                              </p:par>
+                            </p:childTnLst>
+                          </p:cTn>
+                        </p:par>
+                      </p:childTnLst>
+                    </p:cTn>
+                  </p:par>
+                </p:childTnLst>
+              </p:cTn>
+              <p:prevCondLst>
+                <p:cond evt="onPrev" delay="0">
+                  <p:tgtEl>
+                    <p:sldTgt/>
+                  </p:tgtEl>
+                </p:cond>
+              </p:prevCondLst>
+              <p:nextCondLst>
+                <p:cond evt="onNext" delay="0">
+                  <p:tgtEl>
+                    <p:sldTgt/>
+                  </p:tgtEl>
+                </p:cond>
+              </p:nextCondLst>
+            </p:seq>
+          </p:childTnLst>
+        </p:cTn>
       </p:par>
     </p:tnLst>
+    <p:bldLst>
+      <p:bldP spid="3" grpId="0" build="p"/>
+    </p:bldLst>
   </p:timing>
 </p:sld>
 </file>
 
-<file path=ppt/slides/slide2.xml><?xml version="1.0" encoding="utf-8"?>
-<p:sld xmlns:a="http://schemas.openxmlformats.org/drawingml/2006/main" xmlns:r="http://schemas.openxmlformats.org/officeDocument/2006/relationships" xmlns:p="http://schemas.openxmlformats.org/presentationml/2006/main">
-  <p:cSld>
-    <p:spTree>
-      <p:nvGrpSpPr>
-        <p:cNvPr id="1" name=""/>
-        <p:cNvGrpSpPr/>
-        <p:nvPr/>
-      </p:nvGrpSpPr>
-      <p:grpSpPr>
-        <a:xfrm>
-          <a:off x="0" y="0"/>
-          <a:ext cx="0" cy="0"/>
-          <a:chOff x="0" y="0"/>
-          <a:chExt cx="0" cy="0"/>
-        </a:xfrm>
-      </p:grpSpPr>
-      <p:sp>
-        <p:nvSpPr>
-          <p:cNvPr id="2" name="Title 1"/>
-          <p:cNvSpPr>
-            <a:spLocks noGrp="1"/>
-          </p:cNvSpPr>
-          <p:nvPr>
-            <p:ph type="title"/>
-          </p:nvPr>
-        </p:nvSpPr>
-        <p:spPr/>
-        <p:txBody>
-          <a:bodyPr/>
-          <a:lstStyle/>
-          <a:p>
-            <a:r>
-              <a:rPr lang="ru-RU" dirty="0" smtClean="0"/>
-              <a:t>О чём мы поговорим?</a:t>
-            </a:r>
-            <a:endParaRPr lang="en-US" dirty="0"/>
-          </a:p>
-        </p:txBody>
-      </p:sp>
-      <p:sp>
-        <p:nvSpPr>
-          <p:cNvPr id="3" name="Content Placeholder 2"/>
-          <p:cNvSpPr>
-            <a:spLocks noGrp="1"/>
-          </p:cNvSpPr>
-          <p:nvPr>
-            <p:ph idx="1"/>
-          </p:nvPr>
-        </p:nvSpPr>
-        <p:spPr/>
-        <p:txBody>
-          <a:bodyPr/>
-          <a:lstStyle/>
-          <a:p>
-            <a:r>
-              <a:rPr lang="en-US" dirty="0" err="1" smtClean="0"/>
-              <a:t>.net</a:t>
-            </a:r>
-            <a:r>
-              <a:rPr lang="en-US" dirty="0" smtClean="0"/>
-              <a:t> core</a:t>
-            </a:r>
-            <a:endParaRPr lang="en-US" dirty="0" smtClean="0"/>
-          </a:p>
-          <a:p>
-            <a:endParaRPr lang="ru-RU" dirty="0" smtClean="0"/>
-          </a:p>
-          <a:p>
-            <a:r>
-              <a:rPr lang="ru-RU" dirty="0" smtClean="0"/>
-              <a:t>контейнеризация приложений</a:t>
-            </a:r>
-            <a:endParaRPr lang="en-US" dirty="0" smtClean="0"/>
-          </a:p>
-          <a:p>
-            <a:endParaRPr lang="ru-RU" dirty="0"/>
-          </a:p>
-          <a:p>
-            <a:r>
-              <a:rPr lang="en-US" dirty="0" err="1" smtClean="0"/>
-              <a:t>linux</a:t>
-            </a:r>
-            <a:r>
-              <a:rPr lang="en-US" dirty="0" smtClean="0"/>
-              <a:t> </a:t>
-            </a:r>
-            <a:r>
-              <a:rPr lang="ru-RU" dirty="0" smtClean="0"/>
-              <a:t>в </a:t>
-            </a:r>
-            <a:r>
-              <a:rPr lang="en-US" dirty="0" err="1" smtClean="0"/>
-              <a:t>.net</a:t>
-            </a:r>
-            <a:r>
-              <a:rPr lang="en-US" dirty="0" smtClean="0"/>
-              <a:t> </a:t>
-            </a:r>
-            <a:r>
-              <a:rPr lang="ru-RU" dirty="0" smtClean="0"/>
-              <a:t>приложениях</a:t>
-            </a:r>
-            <a:endParaRPr lang="en-US" dirty="0" smtClean="0"/>
-          </a:p>
-          <a:p>
-            <a:endParaRPr lang="en-US" dirty="0"/>
-          </a:p>
-          <a:p>
-            <a:r>
-              <a:rPr lang="en-US" dirty="0" err="1" smtClean="0"/>
-              <a:t>Tarantool</a:t>
-            </a:r>
-            <a:r>
-              <a:rPr lang="en-US" dirty="0" smtClean="0"/>
-              <a:t>: </a:t>
-            </a:r>
-            <a:r>
-              <a:rPr lang="ru-RU" dirty="0" smtClean="0"/>
-              <a:t>зачем и почему?</a:t>
-            </a:r>
-            <a:endParaRPr lang="en-US" dirty="0"/>
-          </a:p>
-        </p:txBody>
-      </p:sp>
-    </p:spTree>
-    <p:extLst>
-      <p:ext uri="{BB962C8B-B14F-4D97-AF65-F5344CB8AC3E}">
-        <p14:creationId xmlns:p14="http://schemas.microsoft.com/office/powerpoint/2010/main" val="1440964893"/>
-      </p:ext>
-    </p:extLst>
-  </p:cSld>
-  <p:clrMapOvr>
-    <a:masterClrMapping/>
-  </p:clrMapOvr>
-  <p:timing>
-    <p:tnLst>
-      <p:par>
-        <p:cTn id="1" dur="indefinite" restart="never" nodeType="tmRoot"/>
-      </p:par>
-    </p:tnLst>
-  </p:timing>
-</p:sld>
-</file>
-
-<file path=ppt/slides/slide20.xml><?xml version="1.0" encoding="utf-8"?>
+<file path=ppt/slides/slide23.xml><?xml version="1.0" encoding="utf-8"?>
 <p:sld xmlns:a="http://schemas.openxmlformats.org/drawingml/2006/main" xmlns:r="http://schemas.openxmlformats.org/officeDocument/2006/relationships" xmlns:p="http://schemas.openxmlformats.org/presentationml/2006/main">
   <p:cSld>
     <p:spTree>
@@ -7939,7 +10370,7 @@
 </p:sld>
 </file>
 
-<file path=ppt/slides/slide21.xml><?xml version="1.0" encoding="utf-8"?>
+<file path=ppt/slides/slide24.xml><?xml version="1.0" encoding="utf-8"?>
 <p:sld xmlns:a="http://schemas.openxmlformats.org/drawingml/2006/main" xmlns:r="http://schemas.openxmlformats.org/officeDocument/2006/relationships" xmlns:p="http://schemas.openxmlformats.org/presentationml/2006/main">
   <p:cSld>
     <p:spTree>
@@ -7973,7 +10404,7 @@
           <a:p>
             <a:r>
               <a:rPr lang="ru-RU" dirty="0" smtClean="0"/>
-              <a:t>Что на выходе?</a:t>
+              <a:t>А зачем всё это?</a:t>
             </a:r>
             <a:endParaRPr lang="en-US" dirty="0"/>
           </a:p>
@@ -7995,156 +10426,6 @@
           <a:lstStyle/>
           <a:p>
             <a:r>
-              <a:rPr lang="en-US" dirty="0" err="1" smtClean="0"/>
-              <a:t>xcopy</a:t>
-            </a:r>
-            <a:r>
-              <a:rPr lang="en-US" dirty="0" smtClean="0"/>
-              <a:t>—</a:t>
-            </a:r>
-            <a:r>
-              <a:rPr lang="ru-RU" dirty="0" smtClean="0"/>
-              <a:t>совместимая публикация приложений</a:t>
-            </a:r>
-          </a:p>
-          <a:p>
-            <a:pPr lvl="1"/>
-            <a:r>
-              <a:rPr lang="ru-RU" dirty="0" smtClean="0"/>
-              <a:t>Пока не поддерживает </a:t>
-            </a:r>
-            <a:r>
-              <a:rPr lang="mr-IN" dirty="0" smtClean="0"/>
-              <a:t>–</a:t>
-            </a:r>
-            <a:r>
-              <a:rPr lang="en-US" dirty="0" smtClean="0"/>
-              <a:t>no-build, </a:t>
-            </a:r>
-            <a:r>
-              <a:rPr lang="ru-RU" dirty="0" smtClean="0"/>
-              <a:t>будет в </a:t>
-            </a:r>
-            <a:r>
-              <a:rPr lang="en-US" dirty="0" err="1" smtClean="0"/>
-              <a:t>sdk</a:t>
-            </a:r>
-            <a:r>
-              <a:rPr lang="ru-RU" dirty="0" smtClean="0"/>
-              <a:t> 2.1</a:t>
-            </a:r>
-          </a:p>
-          <a:p>
-            <a:pPr lvl="1"/>
-            <a:endParaRPr lang="ru-RU" dirty="0"/>
-          </a:p>
-          <a:p>
-            <a:r>
-              <a:rPr lang="en-US" dirty="0" err="1" smtClean="0"/>
-              <a:t>Nodejs</a:t>
-            </a:r>
-            <a:r>
-              <a:rPr lang="en-US" dirty="0" smtClean="0"/>
-              <a:t> dependencies </a:t>
-            </a:r>
-            <a:r>
-              <a:rPr lang="mr-IN" dirty="0" smtClean="0"/>
-              <a:t>–</a:t>
-            </a:r>
-            <a:r>
-              <a:rPr lang="en-US" dirty="0" smtClean="0"/>
-              <a:t> </a:t>
-            </a:r>
-            <a:r>
-              <a:rPr lang="ru-RU" dirty="0" smtClean="0"/>
-              <a:t>придётся переделать</a:t>
-            </a:r>
-            <a:endParaRPr lang="en-US" dirty="0" smtClean="0"/>
-          </a:p>
-          <a:p>
-            <a:endParaRPr lang="en-US" dirty="0"/>
-          </a:p>
-          <a:p>
-            <a:endParaRPr lang="ru-RU" dirty="0"/>
-          </a:p>
-        </p:txBody>
-      </p:sp>
-    </p:spTree>
-    <p:extLst>
-      <p:ext uri="{BB962C8B-B14F-4D97-AF65-F5344CB8AC3E}">
-        <p14:creationId xmlns:p14="http://schemas.microsoft.com/office/powerpoint/2010/main" val="1168545698"/>
-      </p:ext>
-    </p:extLst>
-  </p:cSld>
-  <p:clrMapOvr>
-    <a:masterClrMapping/>
-  </p:clrMapOvr>
-  <p:timing>
-    <p:tnLst>
-      <p:par>
-        <p:cTn id="1" dur="indefinite" restart="never" nodeType="tmRoot"/>
-      </p:par>
-    </p:tnLst>
-  </p:timing>
-</p:sld>
-</file>
-
-<file path=ppt/slides/slide22.xml><?xml version="1.0" encoding="utf-8"?>
-<p:sld xmlns:a="http://schemas.openxmlformats.org/drawingml/2006/main" xmlns:r="http://schemas.openxmlformats.org/officeDocument/2006/relationships" xmlns:p="http://schemas.openxmlformats.org/presentationml/2006/main">
-  <p:cSld>
-    <p:spTree>
-      <p:nvGrpSpPr>
-        <p:cNvPr id="1" name=""/>
-        <p:cNvGrpSpPr/>
-        <p:nvPr/>
-      </p:nvGrpSpPr>
-      <p:grpSpPr>
-        <a:xfrm>
-          <a:off x="0" y="0"/>
-          <a:ext cx="0" cy="0"/>
-          <a:chOff x="0" y="0"/>
-          <a:chExt cx="0" cy="0"/>
-        </a:xfrm>
-      </p:grpSpPr>
-      <p:sp>
-        <p:nvSpPr>
-          <p:cNvPr id="2" name="Title 1"/>
-          <p:cNvSpPr>
-            <a:spLocks noGrp="1"/>
-          </p:cNvSpPr>
-          <p:nvPr>
-            <p:ph type="title"/>
-          </p:nvPr>
-        </p:nvSpPr>
-        <p:spPr/>
-        <p:txBody>
-          <a:bodyPr/>
-          <a:lstStyle/>
-          <a:p>
-            <a:r>
-              <a:rPr lang="ru-RU" dirty="0" smtClean="0"/>
-              <a:t>А зачем всё это?</a:t>
-            </a:r>
-            <a:endParaRPr lang="en-US" dirty="0"/>
-          </a:p>
-        </p:txBody>
-      </p:sp>
-      <p:sp>
-        <p:nvSpPr>
-          <p:cNvPr id="3" name="Content Placeholder 2"/>
-          <p:cNvSpPr>
-            <a:spLocks noGrp="1"/>
-          </p:cNvSpPr>
-          <p:nvPr>
-            <p:ph idx="1"/>
-          </p:nvPr>
-        </p:nvSpPr>
-        <p:spPr/>
-        <p:txBody>
-          <a:bodyPr/>
-          <a:lstStyle/>
-          <a:p>
-            <a:r>
               <a:rPr lang="en-US" dirty="0" smtClean="0"/>
               <a:t>Linux-native </a:t>
             </a:r>
@@ -8204,7 +10485,53 @@
               <a:rPr lang="en-US" dirty="0" smtClean="0">
                 <a:sym typeface="Wingdings"/>
               </a:rPr>
-              <a:t>Ops </a:t>
+              <a:t>Ops</a:t>
+            </a:r>
+            <a:endParaRPr lang="ru-RU" dirty="0" smtClean="0">
+              <a:sym typeface="Wingdings"/>
+            </a:endParaRPr>
+          </a:p>
+          <a:p>
+            <a:endParaRPr lang="ru-RU" dirty="0">
+              <a:sym typeface="Wingdings"/>
+            </a:endParaRPr>
+          </a:p>
+          <a:p>
+            <a:r>
+              <a:rPr lang="en-US" dirty="0" smtClean="0">
+                <a:sym typeface="Wingdings"/>
+              </a:rPr>
+              <a:t>Docker containers </a:t>
+            </a:r>
+            <a:r>
+              <a:rPr lang="ru-RU" dirty="0" smtClean="0">
+                <a:sym typeface="Wingdings"/>
+              </a:rPr>
+              <a:t>можно скачать и посмотреть (</a:t>
+            </a:r>
+            <a:r>
+              <a:rPr lang="en-US" dirty="0" smtClean="0">
+                <a:sym typeface="Wingdings"/>
+              </a:rPr>
+              <a:t>.</a:t>
+            </a:r>
+            <a:r>
+              <a:rPr lang="en-US" dirty="0" err="1" smtClean="0">
+                <a:sym typeface="Wingdings"/>
+              </a:rPr>
+              <a:t>env</a:t>
+            </a:r>
+            <a:r>
+              <a:rPr lang="en-US" dirty="0" smtClean="0">
+                <a:sym typeface="Wingdings"/>
+              </a:rPr>
+              <a:t>)</a:t>
+            </a:r>
+            <a:r>
+              <a:rPr lang="en-US" dirty="0" smtClean="0">
+                <a:sym typeface="Wingdings"/>
+              </a:rPr>
+              <a:t> </a:t>
             </a:r>
             <a:endParaRPr lang="en-US" dirty="0" smtClean="0"/>
           </a:p>
@@ -8236,7 +10563,7 @@
 </p:sld>
 </file>
 
-<file path=ppt/slides/slide23.xml><?xml version="1.0" encoding="utf-8"?>
+<file path=ppt/slides/slide25.xml><?xml version="1.0" encoding="utf-8"?>
 <p:sld xmlns:a="http://schemas.openxmlformats.org/drawingml/2006/main" xmlns:r="http://schemas.openxmlformats.org/officeDocument/2006/relationships" xmlns:p="http://schemas.openxmlformats.org/presentationml/2006/main">
   <p:cSld>
     <p:spTree>
@@ -8332,7 +10659,6 @@
               <a:rPr lang="en-US" dirty="0" smtClean="0"/>
               <a:t> server</a:t>
             </a:r>
-            <a:endParaRPr lang="en-US" dirty="0" smtClean="0"/>
           </a:p>
         </p:txBody>
       </p:sp>
@@ -8627,7 +10953,7 @@
 </p:sld>
 </file>
 
-<file path=ppt/slides/slide24.xml><?xml version="1.0" encoding="utf-8"?>
+<file path=ppt/slides/slide26.xml><?xml version="1.0" encoding="utf-8"?>
 <p:sld xmlns:a="http://schemas.openxmlformats.org/drawingml/2006/main" xmlns:r="http://schemas.openxmlformats.org/officeDocument/2006/relationships" xmlns:p="http://schemas.openxmlformats.org/presentationml/2006/main">
   <p:cSld>
     <p:spTree>
@@ -9027,7 +11353,7 @@
 </p:sld>
 </file>
 
-<file path=ppt/slides/slide25.xml><?xml version="1.0" encoding="utf-8"?>
+<file path=ppt/slides/slide27.xml><?xml version="1.0" encoding="utf-8"?>
 <p:sld xmlns:a="http://schemas.openxmlformats.org/drawingml/2006/main" xmlns:r="http://schemas.openxmlformats.org/officeDocument/2006/relationships" xmlns:p="http://schemas.openxmlformats.org/presentationml/2006/main">
   <p:cSld>
     <p:spTree>
@@ -9437,7 +11763,7 @@
 </p:sld>
 </file>
 
-<file path=ppt/slides/slide26.xml><?xml version="1.0" encoding="utf-8"?>
+<file path=ppt/slides/slide28.xml><?xml version="1.0" encoding="utf-8"?>
 <p:sld xmlns:a="http://schemas.openxmlformats.org/drawingml/2006/main" xmlns:r="http://schemas.openxmlformats.org/officeDocument/2006/relationships" xmlns:p="http://schemas.openxmlformats.org/presentationml/2006/main">
   <p:cSld>
     <p:spTree>
@@ -9822,7 +12148,7 @@
 </p:sld>
 </file>
 
-<file path=ppt/slides/slide27.xml><?xml version="1.0" encoding="utf-8"?>
+<file path=ppt/slides/slide29.xml><?xml version="1.0" encoding="utf-8"?>
 <p:sld xmlns:a="http://schemas.openxmlformats.org/drawingml/2006/main" xmlns:r="http://schemas.openxmlformats.org/officeDocument/2006/relationships" xmlns:p="http://schemas.openxmlformats.org/presentationml/2006/main">
   <p:cSld>
     <p:spTree>
@@ -9891,8 +12217,14 @@
             </a:r>
             <a:r>
               <a:rPr lang="en-US" dirty="0" smtClean="0"/>
-              <a:t>netstandard1.4, netstandard2.0</a:t>
-            </a:r>
+              <a:t>netstandard1.4, </a:t>
+            </a:r>
+            <a:r>
+              <a:rPr lang="en-US" dirty="0" smtClean="0"/>
+              <a:t>netstandard2.0</a:t>
+            </a:r>
+          </a:p>
+          <a:p>
             <a:endParaRPr lang="en-US" dirty="0" smtClean="0"/>
           </a:p>
           <a:p>
@@ -9914,9 +12246,16 @@
             </a:r>
           </a:p>
           <a:p>
-            <a:r>
-              <a:rPr lang="ru-RU" dirty="0" smtClean="0"/>
-              <a:t>Поддерживаем почти полностью </a:t>
+            <a:endParaRPr lang="en-US" dirty="0" smtClean="0"/>
+          </a:p>
+          <a:p>
+            <a:r>
+              <a:rPr lang="ru-RU" dirty="0" smtClean="0"/>
+              <a:t>Поддерживаем </a:t>
+            </a:r>
+            <a:r>
+              <a:rPr lang="ru-RU" dirty="0" smtClean="0"/>
+              <a:t>почти полностью </a:t>
             </a:r>
             <a:r>
               <a:rPr lang="en-US" dirty="0" err="1" smtClean="0"/>
@@ -9951,9 +12290,28 @@
             <a:endParaRPr lang="en-US" dirty="0"/>
           </a:p>
           <a:p>
-            <a:r>
-              <a:rPr lang="ru-RU" dirty="0" smtClean="0"/>
-              <a:t>Соединение держим только в первой </a:t>
+            <a:endParaRPr lang="en-US" dirty="0" smtClean="0"/>
+          </a:p>
+          <a:p>
+            <a:r>
+              <a:rPr lang="ru-RU" dirty="0" smtClean="0"/>
+              <a:t>Соединение </a:t>
+            </a:r>
+            <a:r>
+              <a:rPr lang="ru-RU" dirty="0" smtClean="0"/>
+              <a:t>держим только </a:t>
+            </a:r>
+            <a:r>
+              <a:rPr lang="en-US" dirty="0" smtClean="0"/>
+              <a:t>c</a:t>
+            </a:r>
+            <a:r>
+              <a:rPr lang="ru-RU" dirty="0" smtClean="0"/>
+              <a:t> </a:t>
+            </a:r>
+            <a:r>
+              <a:rPr lang="ru-RU" dirty="0" smtClean="0"/>
+              <a:t>одной </a:t>
             </a:r>
             <a:r>
               <a:rPr lang="ru-RU" dirty="0" err="1" smtClean="0"/>
@@ -10069,7 +12427,7 @@
                                         <p:tgtEl>
                                           <p:spTgt spid="3">
                                             <p:txEl>
-                                              <p:pRg st="1" end="1"/>
+                                              <p:pRg st="2" end="2"/>
                                             </p:txEl>
                                           </p:spTgt>
                                         </p:tgtEl>
@@ -10118,7 +12476,7 @@
                                         <p:tgtEl>
                                           <p:spTgt spid="3">
                                             <p:txEl>
-                                              <p:pRg st="2" end="2"/>
+                                              <p:pRg st="4" end="4"/>
                                             </p:txEl>
                                           </p:spTgt>
                                         </p:tgtEl>
@@ -10167,7 +12525,7 @@
                                         <p:tgtEl>
                                           <p:spTgt spid="3">
                                             <p:txEl>
-                                              <p:pRg st="3" end="3"/>
+                                              <p:pRg st="5" end="5"/>
                                             </p:txEl>
                                           </p:spTgt>
                                         </p:tgtEl>
@@ -10198,7 +12556,7 @@
                                         <p:tgtEl>
                                           <p:spTgt spid="3">
                                             <p:txEl>
-                                              <p:pRg st="4" end="4"/>
+                                              <p:pRg st="6" end="6"/>
                                             </p:txEl>
                                           </p:spTgt>
                                         </p:tgtEl>
@@ -10247,7 +12605,7 @@
                                         <p:tgtEl>
                                           <p:spTgt spid="3">
                                             <p:txEl>
-                                              <p:pRg st="5" end="5"/>
+                                              <p:pRg st="8" end="8"/>
                                             </p:txEl>
                                           </p:spTgt>
                                         </p:tgtEl>
@@ -10293,7 +12651,7 @@
 </p:sld>
 </file>
 
-<file path=ppt/slides/slide28.xml><?xml version="1.0" encoding="utf-8"?>
+<file path=ppt/slides/slide3.xml><?xml version="1.0" encoding="utf-8"?>
 <p:sld xmlns:a="http://schemas.openxmlformats.org/drawingml/2006/main" xmlns:r="http://schemas.openxmlformats.org/officeDocument/2006/relationships" xmlns:p="http://schemas.openxmlformats.org/presentationml/2006/main">
   <p:cSld>
     <p:spTree>
@@ -10327,15 +12685,23 @@
           <a:p>
             <a:r>
               <a:rPr lang="ru-RU" dirty="0" smtClean="0"/>
-              <a:t>Коннектор: </a:t>
-            </a:r>
-            <a:r>
-              <a:rPr lang="ru-RU" dirty="0" smtClean="0"/>
-              <a:t>план</a:t>
-            </a:r>
-            <a:r>
-              <a:rPr lang="ru-RU" dirty="0" smtClean="0"/>
-              <a:t>ы старые</a:t>
+              <a:t>Новая структура </a:t>
+            </a:r>
+            <a:r>
+              <a:rPr lang="en-US" dirty="0" err="1" smtClean="0"/>
+              <a:t>.</a:t>
+            </a:r>
+            <a:r>
+              <a:rPr lang="en-US" dirty="0" err="1" smtClean="0"/>
+              <a:t>ne</a:t>
+            </a:r>
+            <a:r>
+              <a:rPr lang="en-US" dirty="0" err="1" smtClean="0"/>
+              <a:t>t</a:t>
+            </a:r>
+            <a:r>
+              <a:rPr lang="ru-RU" dirty="0" smtClean="0"/>
+              <a:t> и версии</a:t>
             </a:r>
             <a:endParaRPr lang="en-US" dirty="0"/>
           </a:p>
@@ -10357,6 +12723,348 @@
           <a:lstStyle/>
           <a:p>
             <a:r>
+              <a:rPr lang="en-US" dirty="0" err="1" smtClean="0"/>
+              <a:t>Netstandard</a:t>
+            </a:r>
+            <a:r>
+              <a:rPr lang="en-US" dirty="0" smtClean="0"/>
+              <a:t> </a:t>
+            </a:r>
+            <a:r>
+              <a:rPr lang="mr-IN" dirty="0" smtClean="0"/>
+              <a:t>–</a:t>
+            </a:r>
+            <a:r>
+              <a:rPr lang="en-US" dirty="0" smtClean="0"/>
+              <a:t> </a:t>
+            </a:r>
+            <a:r>
+              <a:rPr lang="ru-RU" dirty="0" smtClean="0"/>
+              <a:t>интерфейс</a:t>
+            </a:r>
+          </a:p>
+          <a:p>
+            <a:endParaRPr lang="ru-RU" dirty="0"/>
+          </a:p>
+          <a:p>
+            <a:r>
+              <a:rPr lang="en-US" dirty="0" err="1" smtClean="0"/>
+              <a:t>.net</a:t>
+            </a:r>
+            <a:r>
+              <a:rPr lang="en-US" dirty="0" smtClean="0"/>
+              <a:t> core </a:t>
+            </a:r>
+            <a:r>
+              <a:rPr lang="ru-RU" dirty="0" smtClean="0"/>
+              <a:t>и </a:t>
+            </a:r>
+            <a:r>
+              <a:rPr lang="en-US" dirty="0" err="1" smtClean="0"/>
+              <a:t>.net</a:t>
+            </a:r>
+            <a:r>
+              <a:rPr lang="en-US" dirty="0" smtClean="0"/>
+              <a:t> framework </a:t>
+            </a:r>
+            <a:r>
+              <a:rPr lang="mr-IN" dirty="0" smtClean="0"/>
+              <a:t>–</a:t>
+            </a:r>
+            <a:r>
+              <a:rPr lang="en-US" dirty="0" smtClean="0"/>
+              <a:t> </a:t>
+            </a:r>
+            <a:r>
+              <a:rPr lang="ru-RU" dirty="0" smtClean="0"/>
+              <a:t>реализации</a:t>
+            </a:r>
+          </a:p>
+          <a:p>
+            <a:endParaRPr lang="ru-RU" dirty="0"/>
+          </a:p>
+          <a:p>
+            <a:r>
+              <a:rPr lang="en-US" dirty="0" err="1" smtClean="0"/>
+              <a:t>.net</a:t>
+            </a:r>
+            <a:r>
+              <a:rPr lang="en-US" dirty="0" smtClean="0"/>
+              <a:t> core </a:t>
+            </a:r>
+            <a:r>
+              <a:rPr lang="en-US" dirty="0" err="1" smtClean="0"/>
+              <a:t>sdk</a:t>
+            </a:r>
+            <a:r>
+              <a:rPr lang="en-US" dirty="0" smtClean="0"/>
+              <a:t> </a:t>
+            </a:r>
+            <a:r>
+              <a:rPr lang="mr-IN" dirty="0" smtClean="0"/>
+              <a:t>–</a:t>
+            </a:r>
+            <a:r>
+              <a:rPr lang="en-US" dirty="0" smtClean="0"/>
+              <a:t> SDK </a:t>
+            </a:r>
+            <a:r>
+              <a:rPr lang="ru-RU" dirty="0" smtClean="0"/>
+              <a:t>для разработки</a:t>
+            </a:r>
+            <a:endParaRPr lang="en-US" dirty="0"/>
+          </a:p>
+        </p:txBody>
+      </p:sp>
+    </p:spTree>
+    <p:extLst>
+      <p:ext uri="{BB962C8B-B14F-4D97-AF65-F5344CB8AC3E}">
+        <p14:creationId xmlns:p14="http://schemas.microsoft.com/office/powerpoint/2010/main" val="249405874"/>
+      </p:ext>
+    </p:extLst>
+  </p:cSld>
+  <p:clrMapOvr>
+    <a:masterClrMapping/>
+  </p:clrMapOvr>
+  <p:timing>
+    <p:tnLst>
+      <p:par>
+        <p:cTn id="1" dur="indefinite" restart="never" nodeType="tmRoot">
+          <p:childTnLst>
+            <p:seq concurrent="1" nextAc="seek">
+              <p:cTn id="2" dur="indefinite" nodeType="mainSeq">
+                <p:childTnLst>
+                  <p:par>
+                    <p:cTn id="3" fill="hold">
+                      <p:stCondLst>
+                        <p:cond delay="indefinite"/>
+                      </p:stCondLst>
+                      <p:childTnLst>
+                        <p:par>
+                          <p:cTn id="4" fill="hold">
+                            <p:stCondLst>
+                              <p:cond delay="0"/>
+                            </p:stCondLst>
+                            <p:childTnLst>
+                              <p:par>
+                                <p:cTn id="5" presetID="1" presetClass="entr" presetSubtype="0" fill="hold" grpId="0" nodeType="clickEffect">
+                                  <p:stCondLst>
+                                    <p:cond delay="0"/>
+                                  </p:stCondLst>
+                                  <p:childTnLst>
+                                    <p:set>
+                                      <p:cBhvr>
+                                        <p:cTn id="6" dur="1" fill="hold">
+                                          <p:stCondLst>
+                                            <p:cond delay="0"/>
+                                          </p:stCondLst>
+                                        </p:cTn>
+                                        <p:tgtEl>
+                                          <p:spTgt spid="3">
+                                            <p:txEl>
+                                              <p:pRg st="0" end="0"/>
+                                            </p:txEl>
+                                          </p:spTgt>
+                                        </p:tgtEl>
+                                        <p:attrNameLst>
+                                          <p:attrName>style.visibility</p:attrName>
+                                        </p:attrNameLst>
+                                      </p:cBhvr>
+                                      <p:to>
+                                        <p:strVal val="visible"/>
+                                      </p:to>
+                                    </p:set>
+                                  </p:childTnLst>
+                                </p:cTn>
+                              </p:par>
+                            </p:childTnLst>
+                          </p:cTn>
+                        </p:par>
+                      </p:childTnLst>
+                    </p:cTn>
+                  </p:par>
+                  <p:par>
+                    <p:cTn id="7" fill="hold">
+                      <p:stCondLst>
+                        <p:cond delay="indefinite"/>
+                      </p:stCondLst>
+                      <p:childTnLst>
+                        <p:par>
+                          <p:cTn id="8" fill="hold">
+                            <p:stCondLst>
+                              <p:cond delay="0"/>
+                            </p:stCondLst>
+                            <p:childTnLst>
+                              <p:par>
+                                <p:cTn id="9" presetID="1" presetClass="entr" presetSubtype="0" fill="hold" grpId="0" nodeType="clickEffect">
+                                  <p:stCondLst>
+                                    <p:cond delay="0"/>
+                                  </p:stCondLst>
+                                  <p:childTnLst>
+                                    <p:set>
+                                      <p:cBhvr>
+                                        <p:cTn id="10" dur="1" fill="hold">
+                                          <p:stCondLst>
+                                            <p:cond delay="0"/>
+                                          </p:stCondLst>
+                                        </p:cTn>
+                                        <p:tgtEl>
+                                          <p:spTgt spid="3">
+                                            <p:txEl>
+                                              <p:pRg st="2" end="2"/>
+                                            </p:txEl>
+                                          </p:spTgt>
+                                        </p:tgtEl>
+                                        <p:attrNameLst>
+                                          <p:attrName>style.visibility</p:attrName>
+                                        </p:attrNameLst>
+                                      </p:cBhvr>
+                                      <p:to>
+                                        <p:strVal val="visible"/>
+                                      </p:to>
+                                    </p:set>
+                                  </p:childTnLst>
+                                </p:cTn>
+                              </p:par>
+                            </p:childTnLst>
+                          </p:cTn>
+                        </p:par>
+                      </p:childTnLst>
+                    </p:cTn>
+                  </p:par>
+                  <p:par>
+                    <p:cTn id="11" fill="hold">
+                      <p:stCondLst>
+                        <p:cond delay="indefinite"/>
+                      </p:stCondLst>
+                      <p:childTnLst>
+                        <p:par>
+                          <p:cTn id="12" fill="hold">
+                            <p:stCondLst>
+                              <p:cond delay="0"/>
+                            </p:stCondLst>
+                            <p:childTnLst>
+                              <p:par>
+                                <p:cTn id="13" presetID="1" presetClass="entr" presetSubtype="0" fill="hold" grpId="0" nodeType="clickEffect">
+                                  <p:stCondLst>
+                                    <p:cond delay="0"/>
+                                  </p:stCondLst>
+                                  <p:childTnLst>
+                                    <p:set>
+                                      <p:cBhvr>
+                                        <p:cTn id="14" dur="1" fill="hold">
+                                          <p:stCondLst>
+                                            <p:cond delay="0"/>
+                                          </p:stCondLst>
+                                        </p:cTn>
+                                        <p:tgtEl>
+                                          <p:spTgt spid="3">
+                                            <p:txEl>
+                                              <p:pRg st="4" end="4"/>
+                                            </p:txEl>
+                                          </p:spTgt>
+                                        </p:tgtEl>
+                                        <p:attrNameLst>
+                                          <p:attrName>style.visibility</p:attrName>
+                                        </p:attrNameLst>
+                                      </p:cBhvr>
+                                      <p:to>
+                                        <p:strVal val="visible"/>
+                                      </p:to>
+                                    </p:set>
+                                  </p:childTnLst>
+                                </p:cTn>
+                              </p:par>
+                            </p:childTnLst>
+                          </p:cTn>
+                        </p:par>
+                      </p:childTnLst>
+                    </p:cTn>
+                  </p:par>
+                </p:childTnLst>
+              </p:cTn>
+              <p:prevCondLst>
+                <p:cond evt="onPrev" delay="0">
+                  <p:tgtEl>
+                    <p:sldTgt/>
+                  </p:tgtEl>
+                </p:cond>
+              </p:prevCondLst>
+              <p:nextCondLst>
+                <p:cond evt="onNext" delay="0">
+                  <p:tgtEl>
+                    <p:sldTgt/>
+                  </p:tgtEl>
+                </p:cond>
+              </p:nextCondLst>
+            </p:seq>
+          </p:childTnLst>
+        </p:cTn>
+      </p:par>
+    </p:tnLst>
+    <p:bldLst>
+      <p:bldP spid="3" grpId="0" uiExpand="1" build="p"/>
+    </p:bldLst>
+  </p:timing>
+</p:sld>
+</file>
+
+<file path=ppt/slides/slide30.xml><?xml version="1.0" encoding="utf-8"?>
+<p:sld xmlns:a="http://schemas.openxmlformats.org/drawingml/2006/main" xmlns:r="http://schemas.openxmlformats.org/officeDocument/2006/relationships" xmlns:p="http://schemas.openxmlformats.org/presentationml/2006/main">
+  <p:cSld>
+    <p:spTree>
+      <p:nvGrpSpPr>
+        <p:cNvPr id="1" name=""/>
+        <p:cNvGrpSpPr/>
+        <p:nvPr/>
+      </p:nvGrpSpPr>
+      <p:grpSpPr>
+        <a:xfrm>
+          <a:off x="0" y="0"/>
+          <a:ext cx="0" cy="0"/>
+          <a:chOff x="0" y="0"/>
+          <a:chExt cx="0" cy="0"/>
+        </a:xfrm>
+      </p:grpSpPr>
+      <p:sp>
+        <p:nvSpPr>
+          <p:cNvPr id="2" name="Title 1"/>
+          <p:cNvSpPr>
+            <a:spLocks noGrp="1"/>
+          </p:cNvSpPr>
+          <p:nvPr>
+            <p:ph type="title"/>
+          </p:nvPr>
+        </p:nvSpPr>
+        <p:spPr/>
+        <p:txBody>
+          <a:bodyPr/>
+          <a:lstStyle/>
+          <a:p>
+            <a:r>
+              <a:rPr lang="ru-RU" dirty="0" smtClean="0"/>
+              <a:t>Коннектор: планы старые</a:t>
+            </a:r>
+            <a:endParaRPr lang="en-US" dirty="0"/>
+          </a:p>
+        </p:txBody>
+      </p:sp>
+      <p:sp>
+        <p:nvSpPr>
+          <p:cNvPr id="3" name="Content Placeholder 2"/>
+          <p:cNvSpPr>
+            <a:spLocks noGrp="1"/>
+          </p:cNvSpPr>
+          <p:nvPr>
+            <p:ph idx="1"/>
+          </p:nvPr>
+        </p:nvSpPr>
+        <p:spPr/>
+        <p:txBody>
+          <a:bodyPr/>
+          <a:lstStyle/>
+          <a:p>
+            <a:r>
               <a:rPr lang="ru-RU" dirty="0" smtClean="0"/>
               <a:t>Переименовать пакет</a:t>
             </a:r>
@@ -10372,6 +13080,10 @@
             <a:r>
               <a:rPr lang="en-US" dirty="0" err="1" smtClean="0"/>
               <a:t>MsgPackValue</a:t>
+            </a:r>
+            <a:r>
+              <a:rPr lang="ru-RU" dirty="0" smtClean="0"/>
+              <a:t> (непрозрачный контейнер)</a:t>
             </a:r>
             <a:endParaRPr lang="en-US" dirty="0" smtClean="0"/>
           </a:p>
@@ -10607,7 +13319,7 @@
 </p:sld>
 </file>
 
-<file path=ppt/slides/slide29.xml><?xml version="1.0" encoding="utf-8"?>
+<file path=ppt/slides/slide31.xml><?xml version="1.0" encoding="utf-8"?>
 <p:sld xmlns:a="http://schemas.openxmlformats.org/drawingml/2006/main" xmlns:r="http://schemas.openxmlformats.org/officeDocument/2006/relationships" xmlns:p="http://schemas.openxmlformats.org/presentationml/2006/main">
   <p:cSld>
     <p:spTree>
@@ -10641,15 +13353,7 @@
           <a:p>
             <a:r>
               <a:rPr lang="ru-RU" dirty="0" smtClean="0"/>
-              <a:t>Коннектор: </a:t>
-            </a:r>
-            <a:r>
-              <a:rPr lang="ru-RU" dirty="0" smtClean="0"/>
-              <a:t>план</a:t>
-            </a:r>
-            <a:r>
-              <a:rPr lang="ru-RU" dirty="0" smtClean="0"/>
-              <a:t>ы новые</a:t>
+              <a:t>Коннектор: планы новые</a:t>
             </a:r>
             <a:endParaRPr lang="en-US" dirty="0"/>
           </a:p>
@@ -10674,7 +13378,6 @@
               <a:rPr lang="ru-RU" dirty="0" smtClean="0"/>
               <a:t>Распилить пакет на два</a:t>
             </a:r>
-            <a:endParaRPr lang="ru-RU" dirty="0" smtClean="0"/>
           </a:p>
           <a:p>
             <a:endParaRPr lang="ru-RU" dirty="0"/>
@@ -10902,7 +13605,7 @@
 </p:sld>
 </file>
 
-<file path=ppt/slides/slide3.xml><?xml version="1.0" encoding="utf-8"?>
+<file path=ppt/slides/slide32.xml><?xml version="1.0" encoding="utf-8"?>
 <p:sld xmlns:a="http://schemas.openxmlformats.org/drawingml/2006/main" xmlns:r="http://schemas.openxmlformats.org/officeDocument/2006/relationships" xmlns:p="http://schemas.openxmlformats.org/presentationml/2006/main">
   <p:cSld>
     <p:spTree>
@@ -10935,111 +13638,6 @@
           <a:lstStyle/>
           <a:p>
             <a:r>
-              <a:rPr lang="en-US" dirty="0" err="1" smtClean="0"/>
-              <a:t>.net</a:t>
-            </a:r>
-            <a:r>
-              <a:rPr lang="en-US" dirty="0" smtClean="0"/>
-              <a:t> core</a:t>
-            </a:r>
-            <a:endParaRPr lang="en-US" dirty="0"/>
-          </a:p>
-        </p:txBody>
-      </p:sp>
-      <p:sp>
-        <p:nvSpPr>
-          <p:cNvPr id="3" name="Content Placeholder 2"/>
-          <p:cNvSpPr>
-            <a:spLocks noGrp="1"/>
-          </p:cNvSpPr>
-          <p:nvPr>
-            <p:ph idx="1"/>
-          </p:nvPr>
-        </p:nvSpPr>
-        <p:spPr/>
-        <p:txBody>
-          <a:bodyPr/>
-          <a:lstStyle/>
-          <a:p>
-            <a:r>
-              <a:rPr lang="ru-RU" dirty="0" smtClean="0"/>
-              <a:t>Кроссплатформенная и с открытым кодом</a:t>
-            </a:r>
-          </a:p>
-          <a:p>
-            <a:endParaRPr lang="ru-RU" dirty="0"/>
-          </a:p>
-          <a:p>
-            <a:r>
-              <a:rPr lang="en-US" dirty="0" smtClean="0"/>
-              <a:t>Release 1.0: 27.06.2016</a:t>
-            </a:r>
-          </a:p>
-          <a:p>
-            <a:endParaRPr lang="en-US" dirty="0"/>
-          </a:p>
-          <a:p>
-            <a:r>
-              <a:rPr lang="en-US" dirty="0" smtClean="0"/>
-              <a:t>Release 2.0: 14.08.2017</a:t>
-            </a:r>
-            <a:endParaRPr lang="en-US" dirty="0"/>
-          </a:p>
-        </p:txBody>
-      </p:sp>
-    </p:spTree>
-    <p:extLst>
-      <p:ext uri="{BB962C8B-B14F-4D97-AF65-F5344CB8AC3E}">
-        <p14:creationId xmlns:p14="http://schemas.microsoft.com/office/powerpoint/2010/main" val="2107978881"/>
-      </p:ext>
-    </p:extLst>
-  </p:cSld>
-  <p:clrMapOvr>
-    <a:masterClrMapping/>
-  </p:clrMapOvr>
-  <p:timing>
-    <p:tnLst>
-      <p:par>
-        <p:cTn id="1" dur="indefinite" restart="never" nodeType="tmRoot"/>
-      </p:par>
-    </p:tnLst>
-  </p:timing>
-</p:sld>
-</file>
-
-<file path=ppt/slides/slide30.xml><?xml version="1.0" encoding="utf-8"?>
-<p:sld xmlns:a="http://schemas.openxmlformats.org/drawingml/2006/main" xmlns:r="http://schemas.openxmlformats.org/officeDocument/2006/relationships" xmlns:p="http://schemas.openxmlformats.org/presentationml/2006/main">
-  <p:cSld>
-    <p:spTree>
-      <p:nvGrpSpPr>
-        <p:cNvPr id="1" name=""/>
-        <p:cNvGrpSpPr/>
-        <p:nvPr/>
-      </p:nvGrpSpPr>
-      <p:grpSpPr>
-        <a:xfrm>
-          <a:off x="0" y="0"/>
-          <a:ext cx="0" cy="0"/>
-          <a:chOff x="0" y="0"/>
-          <a:chExt cx="0" cy="0"/>
-        </a:xfrm>
-      </p:grpSpPr>
-      <p:sp>
-        <p:nvSpPr>
-          <p:cNvPr id="2" name="Title 1"/>
-          <p:cNvSpPr>
-            <a:spLocks noGrp="1"/>
-          </p:cNvSpPr>
-          <p:nvPr>
-            <p:ph type="title"/>
-          </p:nvPr>
-        </p:nvSpPr>
-        <p:spPr/>
-        <p:txBody>
-          <a:bodyPr/>
-          <a:lstStyle/>
-          <a:p>
-            <a:r>
               <a:rPr lang="ru-RU" dirty="0" smtClean="0"/>
               <a:t>Коннектор: </a:t>
             </a:r>
@@ -11100,14 +13698,138 @@
   <p:timing>
     <p:tnLst>
       <p:par>
-        <p:cTn id="1" dur="indefinite" restart="never" nodeType="tmRoot"/>
+        <p:cTn id="1" dur="indefinite" restart="never" nodeType="tmRoot">
+          <p:childTnLst>
+            <p:seq concurrent="1" nextAc="seek">
+              <p:cTn id="2" dur="indefinite" nodeType="mainSeq">
+                <p:childTnLst>
+                  <p:par>
+                    <p:cTn id="3" fill="hold">
+                      <p:stCondLst>
+                        <p:cond delay="indefinite"/>
+                      </p:stCondLst>
+                      <p:childTnLst>
+                        <p:par>
+                          <p:cTn id="4" fill="hold">
+                            <p:stCondLst>
+                              <p:cond delay="0"/>
+                            </p:stCondLst>
+                            <p:childTnLst>
+                              <p:par>
+                                <p:cTn id="5" presetID="1" presetClass="entr" presetSubtype="0" fill="hold" grpId="0" nodeType="clickEffect">
+                                  <p:stCondLst>
+                                    <p:cond delay="0"/>
+                                  </p:stCondLst>
+                                  <p:childTnLst>
+                                    <p:set>
+                                      <p:cBhvr>
+                                        <p:cTn id="6" dur="1" fill="hold">
+                                          <p:stCondLst>
+                                            <p:cond delay="0"/>
+                                          </p:stCondLst>
+                                        </p:cTn>
+                                        <p:tgtEl>
+                                          <p:spTgt spid="3">
+                                            <p:txEl>
+                                              <p:pRg st="0" end="0"/>
+                                            </p:txEl>
+                                          </p:spTgt>
+                                        </p:tgtEl>
+                                        <p:attrNameLst>
+                                          <p:attrName>style.visibility</p:attrName>
+                                        </p:attrNameLst>
+                                      </p:cBhvr>
+                                      <p:to>
+                                        <p:strVal val="visible"/>
+                                      </p:to>
+                                    </p:set>
+                                  </p:childTnLst>
+                                </p:cTn>
+                              </p:par>
+                            </p:childTnLst>
+                          </p:cTn>
+                        </p:par>
+                      </p:childTnLst>
+                    </p:cTn>
+                  </p:par>
+                  <p:par>
+                    <p:cTn id="7" fill="hold">
+                      <p:stCondLst>
+                        <p:cond delay="indefinite"/>
+                      </p:stCondLst>
+                      <p:childTnLst>
+                        <p:par>
+                          <p:cTn id="8" fill="hold">
+                            <p:stCondLst>
+                              <p:cond delay="0"/>
+                            </p:stCondLst>
+                            <p:childTnLst>
+                              <p:par>
+                                <p:cTn id="9" presetID="1" presetClass="entr" presetSubtype="0" fill="hold" grpId="0" nodeType="clickEffect">
+                                  <p:stCondLst>
+                                    <p:cond delay="0"/>
+                                  </p:stCondLst>
+                                  <p:childTnLst>
+                                    <p:set>
+                                      <p:cBhvr>
+                                        <p:cTn id="10" dur="1" fill="hold">
+                                          <p:stCondLst>
+                                            <p:cond delay="0"/>
+                                          </p:stCondLst>
+                                        </p:cTn>
+                                        <p:tgtEl>
+                                          <p:spTgt spid="3">
+                                            <p:txEl>
+                                              <p:pRg st="2" end="2"/>
+                                            </p:txEl>
+                                          </p:spTgt>
+                                        </p:tgtEl>
+                                        <p:attrNameLst>
+                                          <p:attrName>style.visibility</p:attrName>
+                                        </p:attrNameLst>
+                                      </p:cBhvr>
+                                      <p:to>
+                                        <p:strVal val="visible"/>
+                                      </p:to>
+                                    </p:set>
+                                  </p:childTnLst>
+                                </p:cTn>
+                              </p:par>
+                            </p:childTnLst>
+                          </p:cTn>
+                        </p:par>
+                      </p:childTnLst>
+                    </p:cTn>
+                  </p:par>
+                </p:childTnLst>
+              </p:cTn>
+              <p:prevCondLst>
+                <p:cond evt="onPrev" delay="0">
+                  <p:tgtEl>
+                    <p:sldTgt/>
+                  </p:tgtEl>
+                </p:cond>
+              </p:prevCondLst>
+              <p:nextCondLst>
+                <p:cond evt="onNext" delay="0">
+                  <p:tgtEl>
+                    <p:sldTgt/>
+                  </p:tgtEl>
+                </p:cond>
+              </p:nextCondLst>
+            </p:seq>
+          </p:childTnLst>
+        </p:cTn>
       </p:par>
     </p:tnLst>
+    <p:bldLst>
+      <p:bldP spid="3" grpId="0" build="p"/>
+    </p:bldLst>
   </p:timing>
 </p:sld>
 </file>
 
-<file path=ppt/slides/slide31.xml><?xml version="1.0" encoding="utf-8"?>
+<file path=ppt/slides/slide33.xml><?xml version="1.0" encoding="utf-8"?>
 <p:sld xmlns:a="http://schemas.openxmlformats.org/drawingml/2006/main" xmlns:r="http://schemas.openxmlformats.org/officeDocument/2006/relationships" xmlns:p="http://schemas.openxmlformats.org/presentationml/2006/main">
   <p:cSld>
     <p:spTree>
@@ -11412,7 +14134,7 @@
 </p:sld>
 </file>
 
-<file path=ppt/slides/slide32.xml><?xml version="1.0" encoding="utf-8"?>
+<file path=ppt/slides/slide34.xml><?xml version="1.0" encoding="utf-8"?>
 <p:sld xmlns:a="http://schemas.openxmlformats.org/drawingml/2006/main" xmlns:r="http://schemas.openxmlformats.org/officeDocument/2006/relationships" xmlns:p="http://schemas.openxmlformats.org/presentationml/2006/main">
   <p:cSld>
     <p:spTree>
@@ -11641,7 +14363,7 @@
 </p:sld>
 </file>
 
-<file path=ppt/slides/slide33.xml><?xml version="1.0" encoding="utf-8"?>
+<file path=ppt/slides/slide35.xml><?xml version="1.0" encoding="utf-8"?>
 <p:sld xmlns:a="http://schemas.openxmlformats.org/drawingml/2006/main" xmlns:r="http://schemas.openxmlformats.org/officeDocument/2006/relationships" xmlns:p="http://schemas.openxmlformats.org/presentationml/2006/main">
   <p:cSld>
     <p:spTree>
@@ -11826,6 +14548,51 @@
                       </p:childTnLst>
                     </p:cTn>
                   </p:par>
+                  <p:par>
+                    <p:cTn id="7" fill="hold">
+                      <p:stCondLst>
+                        <p:cond delay="indefinite"/>
+                      </p:stCondLst>
+                      <p:childTnLst>
+                        <p:par>
+                          <p:cTn id="8" fill="hold">
+                            <p:stCondLst>
+                              <p:cond delay="0"/>
+                            </p:stCondLst>
+                            <p:childTnLst>
+                              <p:par>
+                                <p:cTn id="9" presetID="1" presetClass="entr" presetSubtype="0" fill="hold" nodeType="clickEffect">
+                                  <p:stCondLst>
+                                    <p:cond delay="0"/>
+                                  </p:stCondLst>
+                                  <p:childTnLst>
+                                    <p:set>
+                                      <p:cBhvr>
+                                        <p:cTn id="10" dur="1" fill="hold">
+                                          <p:stCondLst>
+                                            <p:cond delay="0"/>
+                                          </p:stCondLst>
+                                        </p:cTn>
+                                        <p:tgtEl>
+                                          <p:spTgt spid="7"/>
+                                        </p:tgtEl>
+                                        <p:attrNameLst>
+                                          <p:attrName>style.visibility</p:attrName>
+                                        </p:attrNameLst>
+                                      </p:cBhvr>
+                                      <p:to>
+                                        <p:strVal val="visible"/>
+                                      </p:to>
+                                    </p:set>
+                                  </p:childTnLst>
+                                </p:cTn>
+                              </p:par>
+                            </p:childTnLst>
+                          </p:cTn>
+                        </p:par>
+                      </p:childTnLst>
+                    </p:cTn>
+                  </p:par>
                 </p:childTnLst>
               </p:cTn>
               <p:prevCondLst>
@@ -11851,7 +14618,7 @@
 </p:sld>
 </file>
 
-<file path=ppt/slides/slide34.xml><?xml version="1.0" encoding="utf-8"?>
+<file path=ppt/slides/slide36.xml><?xml version="1.0" encoding="utf-8"?>
 <p:sld xmlns:a="http://schemas.openxmlformats.org/drawingml/2006/main" xmlns:r="http://schemas.openxmlformats.org/officeDocument/2006/relationships" xmlns:p="http://schemas.openxmlformats.org/presentationml/2006/main">
   <p:cSld>
     <p:spTree>
@@ -12167,7 +14934,7 @@
 </p:sld>
 </file>
 
-<file path=ppt/slides/slide35.xml><?xml version="1.0" encoding="utf-8"?>
+<file path=ppt/slides/slide37.xml><?xml version="1.0" encoding="utf-8"?>
 <p:sld xmlns:a="http://schemas.openxmlformats.org/drawingml/2006/main" xmlns:r="http://schemas.openxmlformats.org/officeDocument/2006/relationships" xmlns:p="http://schemas.openxmlformats.org/presentationml/2006/main">
   <p:cSld>
     <p:spTree>
@@ -12422,7 +15189,7 @@
 </p:sld>
 </file>
 
-<file path=ppt/slides/slide36.xml><?xml version="1.0" encoding="utf-8"?>
+<file path=ppt/slides/slide38.xml><?xml version="1.0" encoding="utf-8"?>
 <p:sld xmlns:a="http://schemas.openxmlformats.org/drawingml/2006/main" xmlns:r="http://schemas.openxmlformats.org/officeDocument/2006/relationships" xmlns:p="http://schemas.openxmlformats.org/presentationml/2006/main">
   <p:cSld>
     <p:spTree>
@@ -12539,14 +15306,138 @@
   <p:timing>
     <p:tnLst>
       <p:par>
-        <p:cTn id="1" dur="indefinite" restart="never" nodeType="tmRoot"/>
+        <p:cTn id="1" dur="indefinite" restart="never" nodeType="tmRoot">
+          <p:childTnLst>
+            <p:seq concurrent="1" nextAc="seek">
+              <p:cTn id="2" dur="indefinite" nodeType="mainSeq">
+                <p:childTnLst>
+                  <p:par>
+                    <p:cTn id="3" fill="hold">
+                      <p:stCondLst>
+                        <p:cond delay="indefinite"/>
+                      </p:stCondLst>
+                      <p:childTnLst>
+                        <p:par>
+                          <p:cTn id="4" fill="hold">
+                            <p:stCondLst>
+                              <p:cond delay="0"/>
+                            </p:stCondLst>
+                            <p:childTnLst>
+                              <p:par>
+                                <p:cTn id="5" presetID="1" presetClass="entr" presetSubtype="0" fill="hold" grpId="0" nodeType="clickEffect">
+                                  <p:stCondLst>
+                                    <p:cond delay="0"/>
+                                  </p:stCondLst>
+                                  <p:childTnLst>
+                                    <p:set>
+                                      <p:cBhvr>
+                                        <p:cTn id="6" dur="1" fill="hold">
+                                          <p:stCondLst>
+                                            <p:cond delay="0"/>
+                                          </p:stCondLst>
+                                        </p:cTn>
+                                        <p:tgtEl>
+                                          <p:spTgt spid="3">
+                                            <p:txEl>
+                                              <p:pRg st="0" end="0"/>
+                                            </p:txEl>
+                                          </p:spTgt>
+                                        </p:tgtEl>
+                                        <p:attrNameLst>
+                                          <p:attrName>style.visibility</p:attrName>
+                                        </p:attrNameLst>
+                                      </p:cBhvr>
+                                      <p:to>
+                                        <p:strVal val="visible"/>
+                                      </p:to>
+                                    </p:set>
+                                  </p:childTnLst>
+                                </p:cTn>
+                              </p:par>
+                            </p:childTnLst>
+                          </p:cTn>
+                        </p:par>
+                      </p:childTnLst>
+                    </p:cTn>
+                  </p:par>
+                  <p:par>
+                    <p:cTn id="7" fill="hold">
+                      <p:stCondLst>
+                        <p:cond delay="indefinite"/>
+                      </p:stCondLst>
+                      <p:childTnLst>
+                        <p:par>
+                          <p:cTn id="8" fill="hold">
+                            <p:stCondLst>
+                              <p:cond delay="0"/>
+                            </p:stCondLst>
+                            <p:childTnLst>
+                              <p:par>
+                                <p:cTn id="9" presetID="1" presetClass="entr" presetSubtype="0" fill="hold" grpId="0" nodeType="clickEffect">
+                                  <p:stCondLst>
+                                    <p:cond delay="0"/>
+                                  </p:stCondLst>
+                                  <p:childTnLst>
+                                    <p:set>
+                                      <p:cBhvr>
+                                        <p:cTn id="10" dur="1" fill="hold">
+                                          <p:stCondLst>
+                                            <p:cond delay="0"/>
+                                          </p:stCondLst>
+                                        </p:cTn>
+                                        <p:tgtEl>
+                                          <p:spTgt spid="3">
+                                            <p:txEl>
+                                              <p:pRg st="2" end="2"/>
+                                            </p:txEl>
+                                          </p:spTgt>
+                                        </p:tgtEl>
+                                        <p:attrNameLst>
+                                          <p:attrName>style.visibility</p:attrName>
+                                        </p:attrNameLst>
+                                      </p:cBhvr>
+                                      <p:to>
+                                        <p:strVal val="visible"/>
+                                      </p:to>
+                                    </p:set>
+                                  </p:childTnLst>
+                                </p:cTn>
+                              </p:par>
+                            </p:childTnLst>
+                          </p:cTn>
+                        </p:par>
+                      </p:childTnLst>
+                    </p:cTn>
+                  </p:par>
+                </p:childTnLst>
+              </p:cTn>
+              <p:prevCondLst>
+                <p:cond evt="onPrev" delay="0">
+                  <p:tgtEl>
+                    <p:sldTgt/>
+                  </p:tgtEl>
+                </p:cond>
+              </p:prevCondLst>
+              <p:nextCondLst>
+                <p:cond evt="onNext" delay="0">
+                  <p:tgtEl>
+                    <p:sldTgt/>
+                  </p:tgtEl>
+                </p:cond>
+              </p:nextCondLst>
+            </p:seq>
+          </p:childTnLst>
+        </p:cTn>
       </p:par>
     </p:tnLst>
+    <p:bldLst>
+      <p:bldP spid="3" grpId="0" uiExpand="1" build="p"/>
+    </p:bldLst>
   </p:timing>
 </p:sld>
 </file>
 
-<file path=ppt/slides/slide37.xml><?xml version="1.0" encoding="utf-8"?>
+<file path=ppt/slides/slide39.xml><?xml version="1.0" encoding="utf-8"?>
 <p:sld xmlns:a="http://schemas.openxmlformats.org/drawingml/2006/main" xmlns:r="http://schemas.openxmlformats.org/officeDocument/2006/relationships" xmlns:p="http://schemas.openxmlformats.org/presentationml/2006/main">
   <p:cSld>
     <p:spTree>
@@ -12907,7 +15798,133 @@
 </p:sld>
 </file>
 
-<file path=ppt/slides/slide38.xml><?xml version="1.0" encoding="utf-8"?>
+<file path=ppt/slides/slide4.xml><?xml version="1.0" encoding="utf-8"?>
+<p:sld xmlns:a="http://schemas.openxmlformats.org/drawingml/2006/main" xmlns:r="http://schemas.openxmlformats.org/officeDocument/2006/relationships" xmlns:p="http://schemas.openxmlformats.org/presentationml/2006/main">
+  <p:cSld>
+    <p:spTree>
+      <p:nvGrpSpPr>
+        <p:cNvPr id="1" name=""/>
+        <p:cNvGrpSpPr/>
+        <p:nvPr/>
+      </p:nvGrpSpPr>
+      <p:grpSpPr>
+        <a:xfrm>
+          <a:off x="0" y="0"/>
+          <a:ext cx="0" cy="0"/>
+          <a:chOff x="0" y="0"/>
+          <a:chExt cx="0" cy="0"/>
+        </a:xfrm>
+      </p:grpSpPr>
+      <p:sp>
+        <p:nvSpPr>
+          <p:cNvPr id="2" name="Title 1"/>
+          <p:cNvSpPr>
+            <a:spLocks noGrp="1"/>
+          </p:cNvSpPr>
+          <p:nvPr>
+            <p:ph type="title"/>
+          </p:nvPr>
+        </p:nvSpPr>
+        <p:spPr/>
+        <p:txBody>
+          <a:bodyPr/>
+          <a:lstStyle/>
+          <a:p>
+            <a:r>
+              <a:rPr lang="en-US" dirty="0" err="1" smtClean="0"/>
+              <a:t>Netstandard</a:t>
+            </a:r>
+            <a:r>
+              <a:rPr lang="en-US" dirty="0" smtClean="0"/>
+              <a:t> implementation</a:t>
+            </a:r>
+            <a:endParaRPr lang="en-US" dirty="0"/>
+          </a:p>
+        </p:txBody>
+      </p:sp>
+      <p:pic>
+        <p:nvPicPr>
+          <p:cNvPr id="4" name="Content Placeholder 3"/>
+          <p:cNvPicPr>
+            <a:picLocks noGrp="1" noChangeAspect="1"/>
+          </p:cNvPicPr>
+          <p:nvPr>
+            <p:ph idx="1"/>
+          </p:nvPr>
+        </p:nvPicPr>
+        <p:blipFill>
+          <a:blip r:embed="rId2">
+            <a:extLst>
+              <a:ext uri="{28A0092B-C50C-407E-A947-70E740481C1C}">
+                <a14:useLocalDpi xmlns:a14="http://schemas.microsoft.com/office/drawing/2010/main" val="0"/>
+              </a:ext>
+            </a:extLst>
+          </a:blip>
+          <a:stretch>
+            <a:fillRect/>
+          </a:stretch>
+        </p:blipFill>
+        <p:spPr>
+          <a:xfrm>
+            <a:off x="838200" y="1690688"/>
+            <a:ext cx="5667483" cy="4351338"/>
+          </a:xfrm>
+        </p:spPr>
+      </p:pic>
+      <p:sp>
+        <p:nvSpPr>
+          <p:cNvPr id="5" name="TextBox 4"/>
+          <p:cNvSpPr txBox="1"/>
+          <p:nvPr/>
+        </p:nvSpPr>
+        <p:spPr>
+          <a:xfrm>
+            <a:off x="6505683" y="5395695"/>
+            <a:ext cx="4848117" cy="276999"/>
+          </a:xfrm>
+          <a:prstGeom prst="rect">
+            <a:avLst/>
+          </a:prstGeom>
+          <a:noFill/>
+        </p:spPr>
+        <p:txBody>
+          <a:bodyPr wrap="square" rtlCol="0">
+            <a:spAutoFit/>
+          </a:bodyPr>
+          <a:lstStyle/>
+          <a:p>
+            <a:pPr algn="r"/>
+            <a:r>
+              <a:rPr lang="en-US" sz="1200" dirty="0" smtClean="0">
+                <a:hlinkClick r:id="rId3"/>
+              </a:rPr>
+              <a:t>https://docs.microsoft.com/en-us/dotnet/standard/net-standard</a:t>
+            </a:r>
+            <a:endParaRPr lang="en-US" sz="1200" dirty="0"/>
+          </a:p>
+        </p:txBody>
+      </p:sp>
+    </p:spTree>
+    <p:extLst>
+      <p:ext uri="{BB962C8B-B14F-4D97-AF65-F5344CB8AC3E}">
+        <p14:creationId xmlns:p14="http://schemas.microsoft.com/office/powerpoint/2010/main" val="245411161"/>
+      </p:ext>
+    </p:extLst>
+  </p:cSld>
+  <p:clrMapOvr>
+    <a:masterClrMapping/>
+  </p:clrMapOvr>
+  <p:timing>
+    <p:tnLst>
+      <p:par>
+        <p:cTn id="1" dur="indefinite" restart="never" nodeType="tmRoot"/>
+      </p:par>
+    </p:tnLst>
+  </p:timing>
+</p:sld>
+</file>
+
+<file path=ppt/slides/slide40.xml><?xml version="1.0" encoding="utf-8"?>
 <p:sld xmlns:a="http://schemas.openxmlformats.org/drawingml/2006/main" xmlns:r="http://schemas.openxmlformats.org/officeDocument/2006/relationships" xmlns:p="http://schemas.openxmlformats.org/presentationml/2006/main">
   <p:cSld>
     <p:spTree>
@@ -13057,127 +16074,6 @@
 </p:sld>
 </file>
 
-<file path=ppt/slides/slide4.xml><?xml version="1.0" encoding="utf-8"?>
-<p:sld xmlns:a="http://schemas.openxmlformats.org/drawingml/2006/main" xmlns:r="http://schemas.openxmlformats.org/officeDocument/2006/relationships" xmlns:p="http://schemas.openxmlformats.org/presentationml/2006/main">
-  <p:cSld>
-    <p:spTree>
-      <p:nvGrpSpPr>
-        <p:cNvPr id="1" name=""/>
-        <p:cNvGrpSpPr/>
-        <p:nvPr/>
-      </p:nvGrpSpPr>
-      <p:grpSpPr>
-        <a:xfrm>
-          <a:off x="0" y="0"/>
-          <a:ext cx="0" cy="0"/>
-          <a:chOff x="0" y="0"/>
-          <a:chExt cx="0" cy="0"/>
-        </a:xfrm>
-      </p:grpSpPr>
-      <p:sp>
-        <p:nvSpPr>
-          <p:cNvPr id="2" name="Title 1"/>
-          <p:cNvSpPr>
-            <a:spLocks noGrp="1"/>
-          </p:cNvSpPr>
-          <p:nvPr>
-            <p:ph type="title"/>
-          </p:nvPr>
-        </p:nvSpPr>
-        <p:spPr/>
-        <p:txBody>
-          <a:bodyPr/>
-          <a:lstStyle/>
-          <a:p>
-            <a:r>
-              <a:rPr lang="ru-RU" dirty="0" smtClean="0"/>
-              <a:t>Кроссплатформенность</a:t>
-            </a:r>
-            <a:endParaRPr lang="en-US" dirty="0"/>
-          </a:p>
-        </p:txBody>
-      </p:sp>
-      <p:sp>
-        <p:nvSpPr>
-          <p:cNvPr id="3" name="Content Placeholder 2"/>
-          <p:cNvSpPr>
-            <a:spLocks noGrp="1"/>
-          </p:cNvSpPr>
-          <p:nvPr>
-            <p:ph idx="1"/>
-          </p:nvPr>
-        </p:nvSpPr>
-        <p:spPr/>
-        <p:txBody>
-          <a:bodyPr/>
-          <a:lstStyle/>
-          <a:p>
-            <a:r>
-              <a:rPr lang="ru-RU" dirty="0" smtClean="0"/>
-              <a:t>Можно использовать </a:t>
-            </a:r>
-            <a:r>
-              <a:rPr lang="en-US" dirty="0" smtClean="0"/>
-              <a:t>VS2017</a:t>
-            </a:r>
-            <a:endParaRPr lang="ru-RU" dirty="0" smtClean="0"/>
-          </a:p>
-          <a:p>
-            <a:endParaRPr lang="ru-RU" dirty="0"/>
-          </a:p>
-          <a:p>
-            <a:r>
-              <a:rPr lang="en-US" dirty="0" smtClean="0"/>
-              <a:t>Production ready: </a:t>
-            </a:r>
-            <a:r>
-              <a:rPr lang="en-US" dirty="0" smtClean="0">
-                <a:hlinkClick r:id="rId2"/>
-              </a:rPr>
-              <a:t>https://evote.com</a:t>
-            </a:r>
-            <a:r>
-              <a:rPr lang="en-US" dirty="0" smtClean="0"/>
-              <a:t> </a:t>
-            </a:r>
-          </a:p>
-          <a:p>
-            <a:endParaRPr lang="en-US" dirty="0"/>
-          </a:p>
-          <a:p>
-            <a:r>
-              <a:rPr lang="ru-RU" dirty="0" smtClean="0"/>
-              <a:t>Можно разрабатывать на маках: </a:t>
-            </a:r>
-            <a:r>
-              <a:rPr lang="en-US" dirty="0" smtClean="0">
-                <a:hlinkClick r:id="rId3"/>
-              </a:rPr>
-              <a:t>https://dev.evote.work:8080</a:t>
-            </a:r>
-            <a:endParaRPr lang="ru-RU" dirty="0" smtClean="0"/>
-          </a:p>
-          <a:p>
-            <a:endParaRPr lang="ru-RU" dirty="0"/>
-          </a:p>
-          <a:p>
-            <a:endParaRPr lang="en-US" dirty="0"/>
-          </a:p>
-        </p:txBody>
-      </p:sp>
-    </p:spTree>
-    <p:extLst>
-      <p:ext uri="{BB962C8B-B14F-4D97-AF65-F5344CB8AC3E}">
-        <p14:creationId xmlns:p14="http://schemas.microsoft.com/office/powerpoint/2010/main" val="522015628"/>
-      </p:ext>
-    </p:extLst>
-  </p:cSld>
-  <p:clrMapOvr>
-    <a:masterClrMapping/>
-  </p:clrMapOvr>
-</p:sld>
-</file>
-
 <file path=ppt/slides/slide5.xml><?xml version="1.0" encoding="utf-8"?>
 <p:sld xmlns:a="http://schemas.openxmlformats.org/drawingml/2006/main" xmlns:r="http://schemas.openxmlformats.org/officeDocument/2006/relationships" xmlns:p="http://schemas.openxmlformats.org/presentationml/2006/main">
   <p:cSld>
@@ -13212,7 +16108,7 @@
           <a:p>
             <a:r>
               <a:rPr lang="ru-RU" dirty="0" smtClean="0"/>
-              <a:t>Ограничения</a:t>
+              <a:t>Преимущества</a:t>
             </a:r>
             <a:endParaRPr lang="en-US" dirty="0"/>
           </a:p>
@@ -13235,11 +16131,16 @@
           <a:p>
             <a:r>
               <a:rPr lang="ru-RU" dirty="0" smtClean="0"/>
-              <a:t>Нет </a:t>
-            </a:r>
+              <a:t>Кроссплатформенный</a:t>
+            </a:r>
+          </a:p>
+          <a:p>
+            <a:endParaRPr lang="ru-RU" dirty="0"/>
+          </a:p>
+          <a:p>
             <a:r>
               <a:rPr lang="en-US" dirty="0" smtClean="0"/>
-              <a:t>WinForms, WPF, etc.</a:t>
+              <a:t>Open source</a:t>
             </a:r>
           </a:p>
           <a:p>
@@ -13247,92 +16148,52 @@
           </a:p>
           <a:p>
             <a:r>
-              <a:rPr lang="ru-RU" dirty="0" smtClean="0"/>
-              <a:t>Не все библиотеки доступны</a:t>
+              <a:rPr lang="en-US" dirty="0" err="1"/>
+              <a:t>xcopy</a:t>
+            </a:r>
+            <a:r>
+              <a:rPr lang="en-US" dirty="0"/>
+              <a:t>—</a:t>
+            </a:r>
+            <a:r>
+              <a:rPr lang="ru-RU" dirty="0"/>
+              <a:t>совместимая публикация приложений</a:t>
             </a:r>
           </a:p>
           <a:p>
             <a:pPr lvl="1"/>
             <a:r>
-              <a:rPr lang="ru-RU" dirty="0" smtClean="0"/>
-              <a:t>с </a:t>
-            </a:r>
-            <a:r>
-              <a:rPr lang="en-US" dirty="0" smtClean="0"/>
-              <a:t>.</a:t>
-            </a:r>
-            <a:r>
-              <a:rPr lang="en-US" dirty="0" err="1" smtClean="0"/>
-              <a:t>netstandard</a:t>
-            </a:r>
-            <a:r>
-              <a:rPr lang="en-US" dirty="0" smtClean="0"/>
-              <a:t> 2.0 </a:t>
-            </a:r>
-            <a:r>
-              <a:rPr lang="ru-RU" dirty="0" smtClean="0"/>
-              <a:t>стало сильно лучше</a:t>
-            </a:r>
-          </a:p>
-          <a:p>
-            <a:pPr lvl="1"/>
-            <a:endParaRPr lang="ru-RU" dirty="0" smtClean="0"/>
-          </a:p>
-          <a:p>
-            <a:r>
-              <a:rPr lang="ru-RU" dirty="0" smtClean="0"/>
-              <a:t>Необходимо </a:t>
-            </a:r>
-            <a:r>
-              <a:rPr lang="en-US" dirty="0" smtClean="0"/>
-              <a:t>VS2015+</a:t>
-            </a:r>
-            <a:r>
-              <a:rPr lang="ru-RU" dirty="0" smtClean="0"/>
-              <a:t>, последний </a:t>
-            </a:r>
-            <a:r>
-              <a:rPr lang="ru-RU" dirty="0" err="1" smtClean="0"/>
-              <a:t>апдейт</a:t>
-            </a:r>
-            <a:r>
-              <a:rPr lang="ru-RU" dirty="0" smtClean="0"/>
-              <a:t>, </a:t>
-            </a:r>
-            <a:r>
-              <a:rPr lang="en-US" dirty="0" smtClean="0"/>
-              <a:t>.net461+</a:t>
-            </a:r>
-            <a:endParaRPr lang="ru-RU" dirty="0" smtClean="0"/>
-          </a:p>
-          <a:p>
-            <a:endParaRPr lang="ru-RU" dirty="0"/>
-          </a:p>
-          <a:p>
-            <a:r>
-              <a:rPr lang="ru-RU" dirty="0" smtClean="0"/>
-              <a:t>Обёртки типа </a:t>
-            </a:r>
-            <a:r>
-              <a:rPr lang="en-US" dirty="0" err="1" smtClean="0"/>
-              <a:t>imagemagick</a:t>
-            </a:r>
-            <a:r>
-              <a:rPr lang="en-US" dirty="0" smtClean="0"/>
-              <a:t> </a:t>
-            </a:r>
-            <a:r>
-              <a:rPr lang="ru-RU" dirty="0" smtClean="0"/>
-              <a:t>пишем сами</a:t>
-            </a:r>
-            <a:endParaRPr lang="ru-RU" dirty="0"/>
+              <a:rPr lang="ru-RU" dirty="0"/>
+              <a:t>Пока не поддерживает </a:t>
+            </a:r>
+            <a:r>
+              <a:rPr lang="mr-IN" dirty="0"/>
+              <a:t>–</a:t>
+            </a:r>
+            <a:r>
+              <a:rPr lang="en-US" dirty="0"/>
+              <a:t>no-build, </a:t>
+            </a:r>
+            <a:r>
+              <a:rPr lang="ru-RU" dirty="0"/>
+              <a:t>будет в </a:t>
+            </a:r>
+            <a:r>
+              <a:rPr lang="en-US" dirty="0" err="1"/>
+              <a:t>sdk</a:t>
+            </a:r>
+            <a:r>
+              <a:rPr lang="ru-RU" dirty="0"/>
+              <a:t> 2.1</a:t>
+            </a:r>
+            <a:endParaRPr lang="en-US" dirty="0"/>
           </a:p>
         </p:txBody>
       </p:sp>
     </p:spTree>
     <p:extLst>
       <p:ext uri="{BB962C8B-B14F-4D97-AF65-F5344CB8AC3E}">
-        <p14:creationId xmlns:p14="http://schemas.microsoft.com/office/powerpoint/2010/main" val="1961258402"/>
+        <p14:creationId xmlns:p14="http://schemas.microsoft.com/office/powerpoint/2010/main" val="284025742"/>
       </p:ext>
     </p:extLst>
   </p:cSld>
@@ -13342,9 +16203,213 @@
   <p:timing>
     <p:tnLst>
       <p:par>
-        <p:cTn id="1" dur="indefinite" restart="never" nodeType="tmRoot"/>
+        <p:cTn id="1" dur="indefinite" restart="never" nodeType="tmRoot">
+          <p:childTnLst>
+            <p:seq concurrent="1" nextAc="seek">
+              <p:cTn id="2" dur="indefinite" nodeType="mainSeq">
+                <p:childTnLst>
+                  <p:par>
+                    <p:cTn id="3" fill="hold">
+                      <p:stCondLst>
+                        <p:cond delay="indefinite"/>
+                      </p:stCondLst>
+                      <p:childTnLst>
+                        <p:par>
+                          <p:cTn id="4" fill="hold">
+                            <p:stCondLst>
+                              <p:cond delay="0"/>
+                            </p:stCondLst>
+                            <p:childTnLst>
+                              <p:par>
+                                <p:cTn id="5" presetID="1" presetClass="entr" presetSubtype="0" fill="hold" grpId="0" nodeType="clickEffect">
+                                  <p:stCondLst>
+                                    <p:cond delay="0"/>
+                                  </p:stCondLst>
+                                  <p:childTnLst>
+                                    <p:set>
+                                      <p:cBhvr>
+                                        <p:cTn id="6" dur="1" fill="hold">
+                                          <p:stCondLst>
+                                            <p:cond delay="0"/>
+                                          </p:stCondLst>
+                                        </p:cTn>
+                                        <p:tgtEl>
+                                          <p:spTgt spid="3">
+                                            <p:txEl>
+                                              <p:pRg st="0" end="0"/>
+                                            </p:txEl>
+                                          </p:spTgt>
+                                        </p:tgtEl>
+                                        <p:attrNameLst>
+                                          <p:attrName>style.visibility</p:attrName>
+                                        </p:attrNameLst>
+                                      </p:cBhvr>
+                                      <p:to>
+                                        <p:strVal val="visible"/>
+                                      </p:to>
+                                    </p:set>
+                                  </p:childTnLst>
+                                </p:cTn>
+                              </p:par>
+                            </p:childTnLst>
+                          </p:cTn>
+                        </p:par>
+                      </p:childTnLst>
+                    </p:cTn>
+                  </p:par>
+                  <p:par>
+                    <p:cTn id="7" fill="hold">
+                      <p:stCondLst>
+                        <p:cond delay="indefinite"/>
+                      </p:stCondLst>
+                      <p:childTnLst>
+                        <p:par>
+                          <p:cTn id="8" fill="hold">
+                            <p:stCondLst>
+                              <p:cond delay="0"/>
+                            </p:stCondLst>
+                            <p:childTnLst>
+                              <p:par>
+                                <p:cTn id="9" presetID="1" presetClass="entr" presetSubtype="0" fill="hold" grpId="0" nodeType="clickEffect">
+                                  <p:stCondLst>
+                                    <p:cond delay="0"/>
+                                  </p:stCondLst>
+                                  <p:childTnLst>
+                                    <p:set>
+                                      <p:cBhvr>
+                                        <p:cTn id="10" dur="1" fill="hold">
+                                          <p:stCondLst>
+                                            <p:cond delay="0"/>
+                                          </p:stCondLst>
+                                        </p:cTn>
+                                        <p:tgtEl>
+                                          <p:spTgt spid="3">
+                                            <p:txEl>
+                                              <p:pRg st="2" end="2"/>
+                                            </p:txEl>
+                                          </p:spTgt>
+                                        </p:tgtEl>
+                                        <p:attrNameLst>
+                                          <p:attrName>style.visibility</p:attrName>
+                                        </p:attrNameLst>
+                                      </p:cBhvr>
+                                      <p:to>
+                                        <p:strVal val="visible"/>
+                                      </p:to>
+                                    </p:set>
+                                  </p:childTnLst>
+                                </p:cTn>
+                              </p:par>
+                            </p:childTnLst>
+                          </p:cTn>
+                        </p:par>
+                      </p:childTnLst>
+                    </p:cTn>
+                  </p:par>
+                  <p:par>
+                    <p:cTn id="11" fill="hold">
+                      <p:stCondLst>
+                        <p:cond delay="indefinite"/>
+                      </p:stCondLst>
+                      <p:childTnLst>
+                        <p:par>
+                          <p:cTn id="12" fill="hold">
+                            <p:stCondLst>
+                              <p:cond delay="0"/>
+                            </p:stCondLst>
+                            <p:childTnLst>
+                              <p:par>
+                                <p:cTn id="13" presetID="1" presetClass="entr" presetSubtype="0" fill="hold" grpId="0" nodeType="clickEffect">
+                                  <p:stCondLst>
+                                    <p:cond delay="0"/>
+                                  </p:stCondLst>
+                                  <p:childTnLst>
+                                    <p:set>
+                                      <p:cBhvr>
+                                        <p:cTn id="14" dur="1" fill="hold">
+                                          <p:stCondLst>
+                                            <p:cond delay="0"/>
+                                          </p:stCondLst>
+                                        </p:cTn>
+                                        <p:tgtEl>
+                                          <p:spTgt spid="3">
+                                            <p:txEl>
+                                              <p:pRg st="4" end="4"/>
+                                            </p:txEl>
+                                          </p:spTgt>
+                                        </p:tgtEl>
+                                        <p:attrNameLst>
+                                          <p:attrName>style.visibility</p:attrName>
+                                        </p:attrNameLst>
+                                      </p:cBhvr>
+                                      <p:to>
+                                        <p:strVal val="visible"/>
+                                      </p:to>
+                                    </p:set>
+                                  </p:childTnLst>
+                                </p:cTn>
+                              </p:par>
+                              <p:par>
+                                <p:cTn id="15" presetID="1" presetClass="entr" presetSubtype="0" fill="hold" grpId="0" nodeType="withEffect">
+                                  <p:stCondLst>
+                                    <p:cond delay="0"/>
+                                  </p:stCondLst>
+                                  <p:childTnLst>
+                                    <p:set>
+                                      <p:cBhvr>
+                                        <p:cTn id="16" dur="1" fill="hold">
+                                          <p:stCondLst>
+                                            <p:cond delay="0"/>
+                                          </p:stCondLst>
+                                        </p:cTn>
+                                        <p:tgtEl>
+                                          <p:spTgt spid="3">
+                                            <p:txEl>
+                                              <p:pRg st="5" end="5"/>
+                                            </p:txEl>
+                                          </p:spTgt>
+                                        </p:tgtEl>
+                                        <p:attrNameLst>
+                                          <p:attrName>style.visibility</p:attrName>
+                                        </p:attrNameLst>
+                                      </p:cBhvr>
+                                      <p:to>
+                                        <p:strVal val="visible"/>
+                                      </p:to>
+                                    </p:set>
+                                  </p:childTnLst>
+                                </p:cTn>
+                              </p:par>
+                            </p:childTnLst>
+                          </p:cTn>
+                        </p:par>
+                      </p:childTnLst>
+                    </p:cTn>
+                  </p:par>
+                </p:childTnLst>
+              </p:cTn>
+              <p:prevCondLst>
+                <p:cond evt="onPrev" delay="0">
+                  <p:tgtEl>
+                    <p:sldTgt/>
+                  </p:tgtEl>
+                </p:cond>
+              </p:prevCondLst>
+              <p:nextCondLst>
+                <p:cond evt="onNext" delay="0">
+                  <p:tgtEl>
+                    <p:sldTgt/>
+                  </p:tgtEl>
+                </p:cond>
+              </p:nextCondLst>
+            </p:seq>
+          </p:childTnLst>
+        </p:cTn>
       </p:par>
     </p:tnLst>
+    <p:bldLst>
+      <p:bldP spid="3" grpId="0" build="p"/>
+    </p:bldLst>
   </p:timing>
 </p:sld>
 </file>
@@ -13383,92 +16448,270 @@
           <a:p>
             <a:r>
               <a:rPr lang="ru-RU" dirty="0" smtClean="0"/>
-              <a:t>Структура </a:t>
-            </a:r>
-            <a:r>
-              <a:rPr lang="en-US" dirty="0" err="1" smtClean="0"/>
-              <a:t>.net</a:t>
+              <a:t>Кроссплатформенность</a:t>
+            </a:r>
+            <a:endParaRPr lang="en-US" dirty="0"/>
+          </a:p>
+        </p:txBody>
+      </p:sp>
+      <p:sp>
+        <p:nvSpPr>
+          <p:cNvPr id="3" name="Content Placeholder 2"/>
+          <p:cNvSpPr>
+            <a:spLocks noGrp="1"/>
+          </p:cNvSpPr>
+          <p:nvPr>
+            <p:ph idx="1"/>
+          </p:nvPr>
+        </p:nvSpPr>
+        <p:spPr/>
+        <p:txBody>
+          <a:bodyPr/>
+          <a:lstStyle/>
+          <a:p>
+            <a:r>
+              <a:rPr lang="ru-RU" dirty="0" smtClean="0"/>
+              <a:t>Можно использовать </a:t>
             </a:r>
             <a:r>
               <a:rPr lang="en-US" dirty="0" smtClean="0"/>
-              <a:t> core</a:t>
-            </a:r>
+              <a:t>VS2017</a:t>
+            </a:r>
+            <a:endParaRPr lang="ru-RU" dirty="0" smtClean="0"/>
+          </a:p>
+          <a:p>
+            <a:endParaRPr lang="ru-RU" dirty="0"/>
+          </a:p>
+          <a:p>
+            <a:r>
+              <a:rPr lang="en-US" dirty="0" smtClean="0"/>
+              <a:t>Production ready: </a:t>
+            </a:r>
+            <a:r>
+              <a:rPr lang="en-US" dirty="0" smtClean="0">
+                <a:hlinkClick r:id="rId2"/>
+              </a:rPr>
+              <a:t>https://evote.com</a:t>
+            </a:r>
+            <a:r>
+              <a:rPr lang="en-US" dirty="0" smtClean="0"/>
+              <a:t> </a:t>
+            </a:r>
+          </a:p>
+          <a:p>
             <a:endParaRPr lang="en-US" dirty="0"/>
           </a:p>
-        </p:txBody>
-      </p:sp>
-      <p:pic>
-        <p:nvPicPr>
-          <p:cNvPr id="4" name="Content Placeholder 3"/>
-          <p:cNvPicPr>
-            <a:picLocks noGrp="1" noChangeAspect="1"/>
-          </p:cNvPicPr>
-          <p:nvPr>
-            <p:ph idx="1"/>
-          </p:nvPr>
-        </p:nvPicPr>
-        <p:blipFill>
-          <a:blip r:embed="rId2">
-            <a:extLst>
-              <a:ext uri="{28A0092B-C50C-407E-A947-70E740481C1C}">
-                <a14:useLocalDpi xmlns:a14="http://schemas.microsoft.com/office/drawing/2010/main" val="0"/>
-              </a:ext>
-            </a:extLst>
-          </a:blip>
-          <a:stretch>
-            <a:fillRect/>
-          </a:stretch>
-        </p:blipFill>
-        <p:spPr>
-          <a:xfrm>
-            <a:off x="838200" y="1690688"/>
-            <a:ext cx="5667483" cy="4351338"/>
-          </a:xfrm>
-        </p:spPr>
-      </p:pic>
-      <p:sp>
-        <p:nvSpPr>
-          <p:cNvPr id="5" name="TextBox 4"/>
-          <p:cNvSpPr txBox="1"/>
-          <p:nvPr/>
-        </p:nvSpPr>
-        <p:spPr>
-          <a:xfrm>
-            <a:off x="6505683" y="5395695"/>
-            <a:ext cx="4848117" cy="276999"/>
-          </a:xfrm>
-          <a:prstGeom prst="rect">
-            <a:avLst/>
-          </a:prstGeom>
-          <a:noFill/>
-        </p:spPr>
-        <p:txBody>
-          <a:bodyPr wrap="square" rtlCol="0">
-            <a:spAutoFit/>
-          </a:bodyPr>
-          <a:lstStyle/>
-          <a:p>
-            <a:pPr algn="r"/>
-            <a:r>
-              <a:rPr lang="en-US" sz="1200" dirty="0" smtClean="0">
+          <a:p>
+            <a:r>
+              <a:rPr lang="ru-RU" dirty="0" smtClean="0"/>
+              <a:t>Можно разрабатывать на маках: </a:t>
+            </a:r>
+            <a:r>
+              <a:rPr lang="en-US" dirty="0" smtClean="0">
                 <a:hlinkClick r:id="rId3"/>
               </a:rPr>
-              <a:t>https://docs.microsoft.com/en-us/dotnet/standard/net-standard</a:t>
-            </a:r>
-            <a:endParaRPr lang="en-US" sz="1200" dirty="0"/>
+              <a:t>https://dev.evote.work:8080</a:t>
+            </a:r>
+            <a:endParaRPr lang="ru-RU" dirty="0" smtClean="0"/>
+          </a:p>
+          <a:p>
+            <a:endParaRPr lang="ru-RU" dirty="0"/>
+          </a:p>
+          <a:p>
+            <a:endParaRPr lang="en-US" dirty="0"/>
           </a:p>
         </p:txBody>
       </p:sp>
     </p:spTree>
     <p:extLst>
       <p:ext uri="{BB962C8B-B14F-4D97-AF65-F5344CB8AC3E}">
-        <p14:creationId xmlns:p14="http://schemas.microsoft.com/office/powerpoint/2010/main" val="249405874"/>
+        <p14:creationId xmlns:p14="http://schemas.microsoft.com/office/powerpoint/2010/main" val="522015628"/>
       </p:ext>
     </p:extLst>
   </p:cSld>
   <p:clrMapOvr>
     <a:masterClrMapping/>
   </p:clrMapOvr>
+  <p:timing>
+    <p:tnLst>
+      <p:par>
+        <p:cTn id="1" dur="indefinite" restart="never" nodeType="tmRoot">
+          <p:childTnLst>
+            <p:seq concurrent="1" nextAc="seek">
+              <p:cTn id="2" dur="indefinite" nodeType="mainSeq">
+                <p:childTnLst>
+                  <p:par>
+                    <p:cTn id="3" fill="hold">
+                      <p:stCondLst>
+                        <p:cond delay="indefinite"/>
+                      </p:stCondLst>
+                      <p:childTnLst>
+                        <p:par>
+                          <p:cTn id="4" fill="hold">
+                            <p:stCondLst>
+                              <p:cond delay="0"/>
+                            </p:stCondLst>
+                            <p:childTnLst>
+                              <p:par>
+                                <p:cTn id="5" presetID="1" presetClass="entr" presetSubtype="0" fill="hold" grpId="0" nodeType="clickEffect">
+                                  <p:stCondLst>
+                                    <p:cond delay="0"/>
+                                  </p:stCondLst>
+                                  <p:childTnLst>
+                                    <p:set>
+                                      <p:cBhvr>
+                                        <p:cTn id="6" dur="1" fill="hold">
+                                          <p:stCondLst>
+                                            <p:cond delay="0"/>
+                                          </p:stCondLst>
+                                        </p:cTn>
+                                        <p:tgtEl>
+                                          <p:spTgt spid="3">
+                                            <p:txEl>
+                                              <p:pRg st="0" end="0"/>
+                                            </p:txEl>
+                                          </p:spTgt>
+                                        </p:tgtEl>
+                                        <p:attrNameLst>
+                                          <p:attrName>style.visibility</p:attrName>
+                                        </p:attrNameLst>
+                                      </p:cBhvr>
+                                      <p:to>
+                                        <p:strVal val="visible"/>
+                                      </p:to>
+                                    </p:set>
+                                  </p:childTnLst>
+                                </p:cTn>
+                              </p:par>
+                            </p:childTnLst>
+                          </p:cTn>
+                        </p:par>
+                      </p:childTnLst>
+                    </p:cTn>
+                  </p:par>
+                  <p:par>
+                    <p:cTn id="7" fill="hold">
+                      <p:stCondLst>
+                        <p:cond delay="indefinite"/>
+                      </p:stCondLst>
+                      <p:childTnLst>
+                        <p:par>
+                          <p:cTn id="8" fill="hold">
+                            <p:stCondLst>
+                              <p:cond delay="0"/>
+                            </p:stCondLst>
+                            <p:childTnLst>
+                              <p:par>
+                                <p:cTn id="9" presetID="1" presetClass="entr" presetSubtype="0" fill="hold" grpId="0" nodeType="clickEffect">
+                                  <p:stCondLst>
+                                    <p:cond delay="0"/>
+                                  </p:stCondLst>
+                                  <p:childTnLst>
+                                    <p:set>
+                                      <p:cBhvr>
+                                        <p:cTn id="10" dur="1" fill="hold">
+                                          <p:stCondLst>
+                                            <p:cond delay="0"/>
+                                          </p:stCondLst>
+                                        </p:cTn>
+                                        <p:tgtEl>
+                                          <p:spTgt spid="3">
+                                            <p:txEl>
+                                              <p:pRg st="2" end="2"/>
+                                            </p:txEl>
+                                          </p:spTgt>
+                                        </p:tgtEl>
+                                        <p:attrNameLst>
+                                          <p:attrName>style.visibility</p:attrName>
+                                        </p:attrNameLst>
+                                      </p:cBhvr>
+                                      <p:to>
+                                        <p:strVal val="visible"/>
+                                      </p:to>
+                                    </p:set>
+                                  </p:childTnLst>
+                                </p:cTn>
+                              </p:par>
+                            </p:childTnLst>
+                          </p:cTn>
+                        </p:par>
+                      </p:childTnLst>
+                    </p:cTn>
+                  </p:par>
+                  <p:par>
+                    <p:cTn id="11" fill="hold">
+                      <p:stCondLst>
+                        <p:cond delay="indefinite"/>
+                      </p:stCondLst>
+                      <p:childTnLst>
+                        <p:par>
+                          <p:cTn id="12" fill="hold">
+                            <p:stCondLst>
+                              <p:cond delay="0"/>
+                            </p:stCondLst>
+                            <p:childTnLst>
+                              <p:par>
+                                <p:cTn id="13" presetID="1" presetClass="entr" presetSubtype="0" fill="hold" grpId="0" nodeType="clickEffect">
+                                  <p:stCondLst>
+                                    <p:cond delay="0"/>
+                                  </p:stCondLst>
+                                  <p:childTnLst>
+                                    <p:set>
+                                      <p:cBhvr>
+                                        <p:cTn id="14" dur="1" fill="hold">
+                                          <p:stCondLst>
+                                            <p:cond delay="0"/>
+                                          </p:stCondLst>
+                                        </p:cTn>
+                                        <p:tgtEl>
+                                          <p:spTgt spid="3">
+                                            <p:txEl>
+                                              <p:pRg st="4" end="4"/>
+                                            </p:txEl>
+                                          </p:spTgt>
+                                        </p:tgtEl>
+                                        <p:attrNameLst>
+                                          <p:attrName>style.visibility</p:attrName>
+                                        </p:attrNameLst>
+                                      </p:cBhvr>
+                                      <p:to>
+                                        <p:strVal val="visible"/>
+                                      </p:to>
+                                    </p:set>
+                                  </p:childTnLst>
+                                </p:cTn>
+                              </p:par>
+                            </p:childTnLst>
+                          </p:cTn>
+                        </p:par>
+                      </p:childTnLst>
+                    </p:cTn>
+                  </p:par>
+                </p:childTnLst>
+              </p:cTn>
+              <p:prevCondLst>
+                <p:cond evt="onPrev" delay="0">
+                  <p:tgtEl>
+                    <p:sldTgt/>
+                  </p:tgtEl>
+                </p:cond>
+              </p:prevCondLst>
+              <p:nextCondLst>
+                <p:cond evt="onNext" delay="0">
+                  <p:tgtEl>
+                    <p:sldTgt/>
+                  </p:tgtEl>
+                </p:cond>
+              </p:nextCondLst>
+            </p:seq>
+          </p:childTnLst>
+        </p:cTn>
+      </p:par>
+    </p:tnLst>
+    <p:bldLst>
+      <p:bldP spid="3" grpId="0" build="p"/>
+    </p:bldLst>
+  </p:timing>
 </p:sld>
 </file>
 
@@ -13505,8 +16748,8 @@
           <a:lstStyle/>
           <a:p>
             <a:r>
-              <a:rPr lang="ru-RU" dirty="0" smtClean="0"/>
-              <a:t>Инструменты</a:t>
+              <a:rPr lang="en-US" dirty="0" smtClean="0"/>
+              <a:t>Open source</a:t>
             </a:r>
             <a:endParaRPr lang="en-US" dirty="0"/>
           </a:p>
@@ -13528,35 +16771,89 @@
           <a:lstStyle/>
           <a:p>
             <a:r>
+              <a:rPr lang="en-US" dirty="0" smtClean="0">
+                <a:hlinkClick r:id="rId2"/>
+              </a:rPr>
+              <a:t>https</a:t>
+            </a:r>
+            <a:r>
+              <a:rPr lang="en-US" dirty="0">
+                <a:hlinkClick r:id="rId2"/>
+              </a:rPr>
+              <a:t>://github.com/dotnet</a:t>
+            </a:r>
+            <a:r>
+              <a:rPr lang="en-US" dirty="0" smtClean="0">
+                <a:hlinkClick r:id="rId2"/>
+              </a:rPr>
+              <a:t>/</a:t>
+            </a:r>
+            <a:endParaRPr lang="en-US" dirty="0" smtClean="0"/>
+          </a:p>
+          <a:p>
+            <a:endParaRPr lang="ru-RU" dirty="0"/>
+          </a:p>
+          <a:p>
+            <a:r>
+              <a:rPr lang="en-US" dirty="0">
+                <a:hlinkClick r:id="rId3"/>
+              </a:rPr>
+              <a:t>https://</a:t>
+            </a:r>
+            <a:r>
+              <a:rPr lang="en-US" dirty="0" smtClean="0">
+                <a:hlinkClick r:id="rId3"/>
+              </a:rPr>
+              <a:t>github.com/dotnet/corefxlab</a:t>
+            </a:r>
+            <a:endParaRPr lang="en-US" dirty="0" smtClean="0"/>
+          </a:p>
+          <a:p>
+            <a:endParaRPr lang="en-US" dirty="0"/>
+          </a:p>
+          <a:p>
+            <a:r>
+              <a:rPr lang="ru-RU" dirty="0" smtClean="0"/>
+              <a:t>Можно быстрее итерировать: </a:t>
+            </a:r>
+          </a:p>
+          <a:p>
+            <a:pPr lvl="1"/>
+            <a:r>
               <a:rPr lang="en-US" dirty="0" smtClean="0"/>
-              <a:t>Microsoft IDE: VS2015, VS2017, VS for mac</a:t>
-            </a:r>
-          </a:p>
-          <a:p>
-            <a:endParaRPr lang="en-US" dirty="0"/>
-          </a:p>
-          <a:p>
-            <a:r>
-              <a:rPr lang="en-US" dirty="0" err="1" smtClean="0"/>
-              <a:t>Jetbrains</a:t>
-            </a:r>
-            <a:r>
-              <a:rPr lang="en-US" dirty="0" smtClean="0"/>
-              <a:t> Rider</a:t>
-            </a:r>
-          </a:p>
-          <a:p>
-            <a:endParaRPr lang="en-US" dirty="0"/>
-          </a:p>
-          <a:p>
-            <a:r>
-              <a:rPr lang="en-US" dirty="0" smtClean="0"/>
-              <a:t>Editors: vs code, atom, etc. + </a:t>
-            </a:r>
-            <a:r>
-              <a:rPr lang="en-US" dirty="0" err="1" smtClean="0"/>
-              <a:t>OmniSharp</a:t>
-            </a:r>
+              <a:t>Span&lt;T&gt;</a:t>
+            </a:r>
+            <a:endParaRPr lang="ru-RU" dirty="0"/>
+          </a:p>
+          <a:p>
+            <a:pPr lvl="1"/>
+            <a:r>
+              <a:rPr lang="ru-RU" dirty="0" smtClean="0"/>
+              <a:t>Скорость коллекций: </a:t>
+            </a:r>
+            <a:r>
+              <a:rPr lang="en-US" dirty="0"/>
+              <a:t>https://</a:t>
+            </a:r>
+            <a:r>
+              <a:rPr lang="en-US" dirty="0" err="1"/>
+              <a:t>blogs.msdn.microsoft.com</a:t>
+            </a:r>
+            <a:r>
+              <a:rPr lang="en-US" dirty="0"/>
+              <a:t>/</a:t>
+            </a:r>
+            <a:r>
+              <a:rPr lang="en-US" dirty="0" err="1"/>
+              <a:t>dotnet</a:t>
+            </a:r>
+            <a:r>
+              <a:rPr lang="en-US" dirty="0"/>
+              <a:t>/2017/06/07/performance-improvements-in-net-core/</a:t>
+            </a:r>
+            <a:endParaRPr lang="ru-RU" dirty="0"/>
+          </a:p>
+          <a:p>
             <a:endParaRPr lang="en-US" dirty="0"/>
           </a:p>
         </p:txBody>
@@ -13564,13 +16861,255 @@
     </p:spTree>
     <p:extLst>
       <p:ext uri="{BB962C8B-B14F-4D97-AF65-F5344CB8AC3E}">
-        <p14:creationId xmlns:p14="http://schemas.microsoft.com/office/powerpoint/2010/main" val="151910089"/>
+        <p14:creationId xmlns:p14="http://schemas.microsoft.com/office/powerpoint/2010/main" val="649431939"/>
       </p:ext>
     </p:extLst>
   </p:cSld>
   <p:clrMapOvr>
     <a:masterClrMapping/>
   </p:clrMapOvr>
+  <p:timing>
+    <p:tnLst>
+      <p:par>
+        <p:cTn id="1" dur="indefinite" restart="never" nodeType="tmRoot">
+          <p:childTnLst>
+            <p:seq concurrent="1" nextAc="seek">
+              <p:cTn id="2" dur="indefinite" nodeType="mainSeq">
+                <p:childTnLst>
+                  <p:par>
+                    <p:cTn id="3" fill="hold">
+                      <p:stCondLst>
+                        <p:cond delay="indefinite"/>
+                      </p:stCondLst>
+                      <p:childTnLst>
+                        <p:par>
+                          <p:cTn id="4" fill="hold">
+                            <p:stCondLst>
+                              <p:cond delay="0"/>
+                            </p:stCondLst>
+                            <p:childTnLst>
+                              <p:par>
+                                <p:cTn id="5" presetID="1" presetClass="entr" presetSubtype="0" fill="hold" grpId="0" nodeType="clickEffect">
+                                  <p:stCondLst>
+                                    <p:cond delay="0"/>
+                                  </p:stCondLst>
+                                  <p:childTnLst>
+                                    <p:set>
+                                      <p:cBhvr>
+                                        <p:cTn id="6" dur="1" fill="hold">
+                                          <p:stCondLst>
+                                            <p:cond delay="0"/>
+                                          </p:stCondLst>
+                                        </p:cTn>
+                                        <p:tgtEl>
+                                          <p:spTgt spid="3">
+                                            <p:txEl>
+                                              <p:pRg st="0" end="0"/>
+                                            </p:txEl>
+                                          </p:spTgt>
+                                        </p:tgtEl>
+                                        <p:attrNameLst>
+                                          <p:attrName>style.visibility</p:attrName>
+                                        </p:attrNameLst>
+                                      </p:cBhvr>
+                                      <p:to>
+                                        <p:strVal val="visible"/>
+                                      </p:to>
+                                    </p:set>
+                                  </p:childTnLst>
+                                </p:cTn>
+                              </p:par>
+                            </p:childTnLst>
+                          </p:cTn>
+                        </p:par>
+                      </p:childTnLst>
+                    </p:cTn>
+                  </p:par>
+                  <p:par>
+                    <p:cTn id="7" fill="hold">
+                      <p:stCondLst>
+                        <p:cond delay="indefinite"/>
+                      </p:stCondLst>
+                      <p:childTnLst>
+                        <p:par>
+                          <p:cTn id="8" fill="hold">
+                            <p:stCondLst>
+                              <p:cond delay="0"/>
+                            </p:stCondLst>
+                            <p:childTnLst>
+                              <p:par>
+                                <p:cTn id="9" presetID="1" presetClass="entr" presetSubtype="0" fill="hold" grpId="0" nodeType="clickEffect">
+                                  <p:stCondLst>
+                                    <p:cond delay="0"/>
+                                  </p:stCondLst>
+                                  <p:childTnLst>
+                                    <p:set>
+                                      <p:cBhvr>
+                                        <p:cTn id="10" dur="1" fill="hold">
+                                          <p:stCondLst>
+                                            <p:cond delay="0"/>
+                                          </p:stCondLst>
+                                        </p:cTn>
+                                        <p:tgtEl>
+                                          <p:spTgt spid="3">
+                                            <p:txEl>
+                                              <p:pRg st="2" end="2"/>
+                                            </p:txEl>
+                                          </p:spTgt>
+                                        </p:tgtEl>
+                                        <p:attrNameLst>
+                                          <p:attrName>style.visibility</p:attrName>
+                                        </p:attrNameLst>
+                                      </p:cBhvr>
+                                      <p:to>
+                                        <p:strVal val="visible"/>
+                                      </p:to>
+                                    </p:set>
+                                  </p:childTnLst>
+                                </p:cTn>
+                              </p:par>
+                            </p:childTnLst>
+                          </p:cTn>
+                        </p:par>
+                      </p:childTnLst>
+                    </p:cTn>
+                  </p:par>
+                  <p:par>
+                    <p:cTn id="11" fill="hold">
+                      <p:stCondLst>
+                        <p:cond delay="indefinite"/>
+                      </p:stCondLst>
+                      <p:childTnLst>
+                        <p:par>
+                          <p:cTn id="12" fill="hold">
+                            <p:stCondLst>
+                              <p:cond delay="0"/>
+                            </p:stCondLst>
+                            <p:childTnLst>
+                              <p:par>
+                                <p:cTn id="13" presetID="1" presetClass="entr" presetSubtype="0" fill="hold" grpId="0" nodeType="clickEffect">
+                                  <p:stCondLst>
+                                    <p:cond delay="0"/>
+                                  </p:stCondLst>
+                                  <p:childTnLst>
+                                    <p:set>
+                                      <p:cBhvr>
+                                        <p:cTn id="14" dur="1" fill="hold">
+                                          <p:stCondLst>
+                                            <p:cond delay="0"/>
+                                          </p:stCondLst>
+                                        </p:cTn>
+                                        <p:tgtEl>
+                                          <p:spTgt spid="3">
+                                            <p:txEl>
+                                              <p:pRg st="4" end="4"/>
+                                            </p:txEl>
+                                          </p:spTgt>
+                                        </p:tgtEl>
+                                        <p:attrNameLst>
+                                          <p:attrName>style.visibility</p:attrName>
+                                        </p:attrNameLst>
+                                      </p:cBhvr>
+                                      <p:to>
+                                        <p:strVal val="visible"/>
+                                      </p:to>
+                                    </p:set>
+                                  </p:childTnLst>
+                                </p:cTn>
+                              </p:par>
+                              <p:par>
+                                <p:cTn id="15" presetID="1" presetClass="entr" presetSubtype="0" fill="hold" grpId="0" nodeType="withEffect">
+                                  <p:stCondLst>
+                                    <p:cond delay="0"/>
+                                  </p:stCondLst>
+                                  <p:childTnLst>
+                                    <p:set>
+                                      <p:cBhvr>
+                                        <p:cTn id="16" dur="1" fill="hold">
+                                          <p:stCondLst>
+                                            <p:cond delay="0"/>
+                                          </p:stCondLst>
+                                        </p:cTn>
+                                        <p:tgtEl>
+                                          <p:spTgt spid="3">
+                                            <p:txEl>
+                                              <p:pRg st="5" end="5"/>
+                                            </p:txEl>
+                                          </p:spTgt>
+                                        </p:tgtEl>
+                                        <p:attrNameLst>
+                                          <p:attrName>style.visibility</p:attrName>
+                                        </p:attrNameLst>
+                                      </p:cBhvr>
+                                      <p:to>
+                                        <p:strVal val="visible"/>
+                                      </p:to>
+                                    </p:set>
+                                  </p:childTnLst>
+                                </p:cTn>
+                              </p:par>
+                              <p:par>
+                                <p:cTn id="17" presetID="1" presetClass="entr" presetSubtype="0" fill="hold" grpId="0" nodeType="withEffect">
+                                  <p:stCondLst>
+                                    <p:cond delay="0"/>
+                                  </p:stCondLst>
+                                  <p:childTnLst>
+                                    <p:set>
+                                      <p:cBhvr>
+                                        <p:cTn id="18" dur="1" fill="hold">
+                                          <p:stCondLst>
+                                            <p:cond delay="0"/>
+                                          </p:stCondLst>
+                                        </p:cTn>
+                                        <p:tgtEl>
+                                          <p:spTgt spid="3">
+                                            <p:txEl>
+                                              <p:pRg st="6" end="6"/>
+                                            </p:txEl>
+                                          </p:spTgt>
+                                        </p:tgtEl>
+                                        <p:attrNameLst>
+                                          <p:attrName>style.visibility</p:attrName>
+                                        </p:attrNameLst>
+                                      </p:cBhvr>
+                                      <p:to>
+                                        <p:strVal val="visible"/>
+                                      </p:to>
+                                    </p:set>
+                                  </p:childTnLst>
+                                </p:cTn>
+                              </p:par>
+                            </p:childTnLst>
+                          </p:cTn>
+                        </p:par>
+                      </p:childTnLst>
+                    </p:cTn>
+                  </p:par>
+                </p:childTnLst>
+              </p:cTn>
+              <p:prevCondLst>
+                <p:cond evt="onPrev" delay="0">
+                  <p:tgtEl>
+                    <p:sldTgt/>
+                  </p:tgtEl>
+                </p:cond>
+              </p:prevCondLst>
+              <p:nextCondLst>
+                <p:cond evt="onNext" delay="0">
+                  <p:tgtEl>
+                    <p:sldTgt/>
+                  </p:tgtEl>
+                </p:cond>
+              </p:nextCondLst>
+            </p:seq>
+          </p:childTnLst>
+        </p:cTn>
+      </p:par>
+    </p:tnLst>
+    <p:bldLst>
+      <p:bldP spid="3" grpId="0" build="p"/>
+    </p:bldLst>
+  </p:timing>
 </p:sld>
 </file>
 
@@ -13607,8 +17146,8 @@
           <a:lstStyle/>
           <a:p>
             <a:r>
-              <a:rPr lang="en-US" dirty="0" smtClean="0"/>
-              <a:t>Demo: debug</a:t>
+              <a:rPr lang="ru-RU" dirty="0" smtClean="0"/>
+              <a:t>Ограничения</a:t>
             </a:r>
             <a:endParaRPr lang="en-US" dirty="0"/>
           </a:p>
@@ -13629,20 +17168,372 @@
           <a:bodyPr/>
           <a:lstStyle/>
           <a:p>
+            <a:r>
+              <a:rPr lang="ru-RU" dirty="0" smtClean="0"/>
+              <a:t>Нет </a:t>
+            </a:r>
+            <a:r>
+              <a:rPr lang="en-US" dirty="0" smtClean="0"/>
+              <a:t>WinForms, WPF, etc.</a:t>
+            </a:r>
+          </a:p>
+          <a:p>
             <a:endParaRPr lang="en-US" dirty="0"/>
+          </a:p>
+          <a:p>
+            <a:r>
+              <a:rPr lang="ru-RU" dirty="0" smtClean="0"/>
+              <a:t>Не все библиотеки доступны</a:t>
+            </a:r>
+          </a:p>
+          <a:p>
+            <a:pPr lvl="1"/>
+            <a:r>
+              <a:rPr lang="ru-RU" dirty="0" smtClean="0"/>
+              <a:t>с </a:t>
+            </a:r>
+            <a:r>
+              <a:rPr lang="en-US" dirty="0" smtClean="0"/>
+              <a:t>.</a:t>
+            </a:r>
+            <a:r>
+              <a:rPr lang="en-US" dirty="0" err="1" smtClean="0"/>
+              <a:t>netstandard</a:t>
+            </a:r>
+            <a:r>
+              <a:rPr lang="en-US" dirty="0" smtClean="0"/>
+              <a:t> 2.0 </a:t>
+            </a:r>
+            <a:r>
+              <a:rPr lang="ru-RU" dirty="0" smtClean="0"/>
+              <a:t>стало сильно лучше</a:t>
+            </a:r>
+          </a:p>
+          <a:p>
+            <a:pPr lvl="1"/>
+            <a:endParaRPr lang="ru-RU" dirty="0" smtClean="0"/>
+          </a:p>
+          <a:p>
+            <a:r>
+              <a:rPr lang="ru-RU" dirty="0" smtClean="0"/>
+              <a:t>Необходимо </a:t>
+            </a:r>
+            <a:r>
+              <a:rPr lang="en-US" dirty="0" smtClean="0"/>
+              <a:t>VS2015+</a:t>
+            </a:r>
+            <a:r>
+              <a:rPr lang="ru-RU" dirty="0" smtClean="0"/>
+              <a:t>, последний </a:t>
+            </a:r>
+            <a:r>
+              <a:rPr lang="ru-RU" dirty="0" err="1" smtClean="0"/>
+              <a:t>апдейт</a:t>
+            </a:r>
+            <a:r>
+              <a:rPr lang="ru-RU" dirty="0" smtClean="0"/>
+              <a:t>, </a:t>
+            </a:r>
+            <a:r>
+              <a:rPr lang="en-US" dirty="0" smtClean="0"/>
+              <a:t>.net461+</a:t>
+            </a:r>
+            <a:endParaRPr lang="ru-RU" dirty="0" smtClean="0"/>
+          </a:p>
+          <a:p>
+            <a:endParaRPr lang="ru-RU" dirty="0"/>
+          </a:p>
+          <a:p>
+            <a:r>
+              <a:rPr lang="ru-RU" dirty="0" smtClean="0"/>
+              <a:t>Обёртки типа </a:t>
+            </a:r>
+            <a:r>
+              <a:rPr lang="en-US" dirty="0" err="1" smtClean="0"/>
+              <a:t>imagemagick</a:t>
+            </a:r>
+            <a:r>
+              <a:rPr lang="en-US" dirty="0" smtClean="0"/>
+              <a:t> </a:t>
+            </a:r>
+            <a:r>
+              <a:rPr lang="ru-RU" dirty="0" smtClean="0"/>
+              <a:t>пишем сами</a:t>
+            </a:r>
+            <a:endParaRPr lang="ru-RU" dirty="0"/>
           </a:p>
         </p:txBody>
       </p:sp>
     </p:spTree>
     <p:extLst>
       <p:ext uri="{BB962C8B-B14F-4D97-AF65-F5344CB8AC3E}">
-        <p14:creationId xmlns:p14="http://schemas.microsoft.com/office/powerpoint/2010/main" val="459547956"/>
+        <p14:creationId xmlns:p14="http://schemas.microsoft.com/office/powerpoint/2010/main" val="1961258402"/>
       </p:ext>
     </p:extLst>
   </p:cSld>
   <p:clrMapOvr>
     <a:masterClrMapping/>
   </p:clrMapOvr>
+  <p:timing>
+    <p:tnLst>
+      <p:par>
+        <p:cTn id="1" dur="indefinite" restart="never" nodeType="tmRoot">
+          <p:childTnLst>
+            <p:seq concurrent="1" nextAc="seek">
+              <p:cTn id="2" dur="indefinite" nodeType="mainSeq">
+                <p:childTnLst>
+                  <p:par>
+                    <p:cTn id="3" fill="hold">
+                      <p:stCondLst>
+                        <p:cond delay="indefinite"/>
+                      </p:stCondLst>
+                      <p:childTnLst>
+                        <p:par>
+                          <p:cTn id="4" fill="hold">
+                            <p:stCondLst>
+                              <p:cond delay="0"/>
+                            </p:stCondLst>
+                            <p:childTnLst>
+                              <p:par>
+                                <p:cTn id="5" presetID="1" presetClass="entr" presetSubtype="0" fill="hold" grpId="0" nodeType="clickEffect">
+                                  <p:stCondLst>
+                                    <p:cond delay="0"/>
+                                  </p:stCondLst>
+                                  <p:childTnLst>
+                                    <p:set>
+                                      <p:cBhvr>
+                                        <p:cTn id="6" dur="1" fill="hold">
+                                          <p:stCondLst>
+                                            <p:cond delay="0"/>
+                                          </p:stCondLst>
+                                        </p:cTn>
+                                        <p:tgtEl>
+                                          <p:spTgt spid="3">
+                                            <p:txEl>
+                                              <p:pRg st="0" end="0"/>
+                                            </p:txEl>
+                                          </p:spTgt>
+                                        </p:tgtEl>
+                                        <p:attrNameLst>
+                                          <p:attrName>style.visibility</p:attrName>
+                                        </p:attrNameLst>
+                                      </p:cBhvr>
+                                      <p:to>
+                                        <p:strVal val="visible"/>
+                                      </p:to>
+                                    </p:set>
+                                  </p:childTnLst>
+                                </p:cTn>
+                              </p:par>
+                            </p:childTnLst>
+                          </p:cTn>
+                        </p:par>
+                      </p:childTnLst>
+                    </p:cTn>
+                  </p:par>
+                  <p:par>
+                    <p:cTn id="7" fill="hold">
+                      <p:stCondLst>
+                        <p:cond delay="indefinite"/>
+                      </p:stCondLst>
+                      <p:childTnLst>
+                        <p:par>
+                          <p:cTn id="8" fill="hold">
+                            <p:stCondLst>
+                              <p:cond delay="0"/>
+                            </p:stCondLst>
+                            <p:childTnLst>
+                              <p:par>
+                                <p:cTn id="9" presetID="1" presetClass="entr" presetSubtype="0" fill="hold" grpId="0" nodeType="clickEffect">
+                                  <p:stCondLst>
+                                    <p:cond delay="0"/>
+                                  </p:stCondLst>
+                                  <p:childTnLst>
+                                    <p:set>
+                                      <p:cBhvr>
+                                        <p:cTn id="10" dur="1" fill="hold">
+                                          <p:stCondLst>
+                                            <p:cond delay="0"/>
+                                          </p:stCondLst>
+                                        </p:cTn>
+                                        <p:tgtEl>
+                                          <p:spTgt spid="3">
+                                            <p:txEl>
+                                              <p:pRg st="2" end="2"/>
+                                            </p:txEl>
+                                          </p:spTgt>
+                                        </p:tgtEl>
+                                        <p:attrNameLst>
+                                          <p:attrName>style.visibility</p:attrName>
+                                        </p:attrNameLst>
+                                      </p:cBhvr>
+                                      <p:to>
+                                        <p:strVal val="visible"/>
+                                      </p:to>
+                                    </p:set>
+                                  </p:childTnLst>
+                                </p:cTn>
+                              </p:par>
+                              <p:par>
+                                <p:cTn id="11" presetID="1" presetClass="entr" presetSubtype="0" fill="hold" grpId="0" nodeType="withEffect">
+                                  <p:stCondLst>
+                                    <p:cond delay="0"/>
+                                  </p:stCondLst>
+                                  <p:childTnLst>
+                                    <p:set>
+                                      <p:cBhvr>
+                                        <p:cTn id="12" dur="1" fill="hold">
+                                          <p:stCondLst>
+                                            <p:cond delay="0"/>
+                                          </p:stCondLst>
+                                        </p:cTn>
+                                        <p:tgtEl>
+                                          <p:spTgt spid="3">
+                                            <p:txEl>
+                                              <p:pRg st="3" end="3"/>
+                                            </p:txEl>
+                                          </p:spTgt>
+                                        </p:tgtEl>
+                                        <p:attrNameLst>
+                                          <p:attrName>style.visibility</p:attrName>
+                                        </p:attrNameLst>
+                                      </p:cBhvr>
+                                      <p:to>
+                                        <p:strVal val="visible"/>
+                                      </p:to>
+                                    </p:set>
+                                  </p:childTnLst>
+                                </p:cTn>
+                              </p:par>
+                            </p:childTnLst>
+                          </p:cTn>
+                        </p:par>
+                      </p:childTnLst>
+                    </p:cTn>
+                  </p:par>
+                  <p:par>
+                    <p:cTn id="13" fill="hold">
+                      <p:stCondLst>
+                        <p:cond delay="indefinite"/>
+                      </p:stCondLst>
+                      <p:childTnLst>
+                        <p:par>
+                          <p:cTn id="14" fill="hold">
+                            <p:stCondLst>
+                              <p:cond delay="0"/>
+                            </p:stCondLst>
+                            <p:childTnLst>
+                              <p:par>
+                                <p:cTn id="15" presetID="1" presetClass="entr" presetSubtype="0" fill="hold" grpId="0" nodeType="clickEffect">
+                                  <p:stCondLst>
+                                    <p:cond delay="0"/>
+                                  </p:stCondLst>
+                                  <p:childTnLst>
+                                    <p:set>
+                                      <p:cBhvr>
+                                        <p:cTn id="16" dur="1" fill="hold">
+                                          <p:stCondLst>
+                                            <p:cond delay="0"/>
+                                          </p:stCondLst>
+                                        </p:cTn>
+                                        <p:tgtEl>
+                                          <p:spTgt spid="3">
+                                            <p:txEl>
+                                              <p:pRg st="5" end="5"/>
+                                            </p:txEl>
+                                          </p:spTgt>
+                                        </p:tgtEl>
+                                        <p:attrNameLst>
+                                          <p:attrName>style.visibility</p:attrName>
+                                        </p:attrNameLst>
+                                      </p:cBhvr>
+                                      <p:to>
+                                        <p:strVal val="visible"/>
+                                      </p:to>
+                                    </p:set>
+                                  </p:childTnLst>
+                                </p:cTn>
+                              </p:par>
+                            </p:childTnLst>
+                          </p:cTn>
+                        </p:par>
+                      </p:childTnLst>
+                    </p:cTn>
+                  </p:par>
+                  <p:par>
+                    <p:cTn id="17" fill="hold">
+                      <p:stCondLst>
+                        <p:cond delay="indefinite"/>
+                      </p:stCondLst>
+                      <p:childTnLst>
+                        <p:par>
+                          <p:cTn id="18" fill="hold">
+                            <p:stCondLst>
+                              <p:cond delay="0"/>
+                            </p:stCondLst>
+                            <p:childTnLst>
+                              <p:par>
+                                <p:cTn id="19" presetID="1" presetClass="entr" presetSubtype="0" fill="hold" grpId="0" nodeType="clickEffect">
+                                  <p:stCondLst>
+                                    <p:cond delay="0"/>
+                                  </p:stCondLst>
+                                  <p:childTnLst>
+                                    <p:set>
+                                      <p:cBhvr>
+                                        <p:cTn id="20" dur="1" fill="hold">
+                                          <p:stCondLst>
+                                            <p:cond delay="0"/>
+                                          </p:stCondLst>
+                                        </p:cTn>
+                                        <p:tgtEl>
+                                          <p:spTgt spid="3">
+                                            <p:txEl>
+                                              <p:pRg st="7" end="7"/>
+                                            </p:txEl>
+                                          </p:spTgt>
+                                        </p:tgtEl>
+                                        <p:attrNameLst>
+                                          <p:attrName>style.visibility</p:attrName>
+                                        </p:attrNameLst>
+                                      </p:cBhvr>
+                                      <p:to>
+                                        <p:strVal val="visible"/>
+                                      </p:to>
+                                    </p:set>
+                                  </p:childTnLst>
+                                </p:cTn>
+                              </p:par>
+                            </p:childTnLst>
+                          </p:cTn>
+                        </p:par>
+                      </p:childTnLst>
+                    </p:cTn>
+                  </p:par>
+                </p:childTnLst>
+              </p:cTn>
+              <p:prevCondLst>
+                <p:cond evt="onPrev" delay="0">
+                  <p:tgtEl>
+                    <p:sldTgt/>
+                  </p:tgtEl>
+                </p:cond>
+              </p:prevCondLst>
+              <p:nextCondLst>
+                <p:cond evt="onNext" delay="0">
+                  <p:tgtEl>
+                    <p:sldTgt/>
+                  </p:tgtEl>
+                </p:cond>
+              </p:nextCondLst>
+            </p:seq>
+          </p:childTnLst>
+        </p:cTn>
+      </p:par>
+    </p:tnLst>
+    <p:bldLst>
+      <p:bldP spid="3" grpId="0" build="p"/>
+    </p:bldLst>
+  </p:timing>
 </p:sld>
 </file>
 
@@ -13680,7 +17571,7 @@
           <a:p>
             <a:r>
               <a:rPr lang="ru-RU" dirty="0" smtClean="0"/>
-              <a:t>Поддержка</a:t>
+              <a:t>Инструменты</a:t>
             </a:r>
             <a:endParaRPr lang="en-US" dirty="0"/>
           </a:p>
@@ -13702,46 +17593,34 @@
           <a:lstStyle/>
           <a:p>
             <a:r>
+              <a:rPr lang="en-US" dirty="0" smtClean="0"/>
+              <a:t>Microsoft IDE: VS2015, VS2017, VS for mac</a:t>
+            </a:r>
+          </a:p>
+          <a:p>
+            <a:endParaRPr lang="en-US" dirty="0"/>
+          </a:p>
+          <a:p>
+            <a:r>
               <a:rPr lang="en-US" dirty="0" err="1" smtClean="0"/>
-              <a:t>.net</a:t>
+              <a:t>Jetbrains</a:t>
             </a:r>
             <a:r>
               <a:rPr lang="en-US" dirty="0" smtClean="0"/>
-              <a:t> core 1.1, 1.0 </a:t>
-            </a:r>
-            <a:r>
-              <a:rPr lang="mr-IN" dirty="0" smtClean="0"/>
-              <a:t>–</a:t>
-            </a:r>
+              <a:t> Rider</a:t>
+            </a:r>
+          </a:p>
+          <a:p>
+            <a:endParaRPr lang="en-US" dirty="0"/>
+          </a:p>
+          <a:p>
             <a:r>
               <a:rPr lang="en-US" dirty="0" smtClean="0"/>
-              <a:t> up to </a:t>
-            </a:r>
-            <a:r>
-              <a:rPr lang="ru-RU" dirty="0" smtClean="0"/>
-              <a:t>27.06.2019</a:t>
-            </a:r>
-            <a:endParaRPr lang="en-US" dirty="0" smtClean="0"/>
-          </a:p>
-          <a:p>
-            <a:endParaRPr lang="en-US" dirty="0"/>
-          </a:p>
-          <a:p>
+              <a:t>Editors: vs code, atom, etc. + </a:t>
+            </a:r>
             <a:r>
               <a:rPr lang="en-US" dirty="0" err="1" smtClean="0"/>
-              <a:t>.net</a:t>
-            </a:r>
-            <a:r>
-              <a:rPr lang="en-US" dirty="0" smtClean="0"/>
-              <a:t> core 2.0 </a:t>
-            </a:r>
-            <a:r>
-              <a:rPr lang="mr-IN" dirty="0" smtClean="0"/>
-              <a:t>–</a:t>
-            </a:r>
-            <a:r>
-              <a:rPr lang="en-US" dirty="0" smtClean="0"/>
-              <a:t> up to 14.08.2020</a:t>
+              <a:t>OmniSharp</a:t>
             </a:r>
             <a:endParaRPr lang="en-US" dirty="0"/>
           </a:p>
@@ -13750,7 +17629,7 @@
     </p:spTree>
     <p:extLst>
       <p:ext uri="{BB962C8B-B14F-4D97-AF65-F5344CB8AC3E}">
-        <p14:creationId xmlns:p14="http://schemas.microsoft.com/office/powerpoint/2010/main" val="1294549974"/>
+        <p14:creationId xmlns:p14="http://schemas.microsoft.com/office/powerpoint/2010/main" val="151910089"/>
       </p:ext>
     </p:extLst>
   </p:cSld>
@@ -13760,9 +17639,182 @@
   <p:timing>
     <p:tnLst>
       <p:par>
-        <p:cTn id="1" dur="indefinite" restart="never" nodeType="tmRoot"/>
+        <p:cTn id="1" dur="indefinite" restart="never" nodeType="tmRoot">
+          <p:childTnLst>
+            <p:seq concurrent="1" nextAc="seek">
+              <p:cTn id="2" dur="indefinite" nodeType="mainSeq">
+                <p:childTnLst>
+                  <p:par>
+                    <p:cTn id="3" fill="hold">
+                      <p:stCondLst>
+                        <p:cond delay="indefinite"/>
+                      </p:stCondLst>
+                      <p:childTnLst>
+                        <p:par>
+                          <p:cTn id="4" fill="hold">
+                            <p:stCondLst>
+                              <p:cond delay="0"/>
+                            </p:stCondLst>
+                            <p:childTnLst>
+                              <p:par>
+                                <p:cTn id="5" presetID="1" presetClass="entr" presetSubtype="0" fill="hold" grpId="0" nodeType="clickEffect">
+                                  <p:stCondLst>
+                                    <p:cond delay="0"/>
+                                  </p:stCondLst>
+                                  <p:childTnLst>
+                                    <p:set>
+                                      <p:cBhvr>
+                                        <p:cTn id="6" dur="1" fill="hold">
+                                          <p:stCondLst>
+                                            <p:cond delay="0"/>
+                                          </p:stCondLst>
+                                        </p:cTn>
+                                        <p:tgtEl>
+                                          <p:spTgt spid="3">
+                                            <p:txEl>
+                                              <p:pRg st="0" end="0"/>
+                                            </p:txEl>
+                                          </p:spTgt>
+                                        </p:tgtEl>
+                                        <p:attrNameLst>
+                                          <p:attrName>style.visibility</p:attrName>
+                                        </p:attrNameLst>
+                                      </p:cBhvr>
+                                      <p:to>
+                                        <p:strVal val="visible"/>
+                                      </p:to>
+                                    </p:set>
+                                  </p:childTnLst>
+                                </p:cTn>
+                              </p:par>
+                            </p:childTnLst>
+                          </p:cTn>
+                        </p:par>
+                      </p:childTnLst>
+                    </p:cTn>
+                  </p:par>
+                  <p:par>
+                    <p:cTn id="7" fill="hold">
+                      <p:stCondLst>
+                        <p:cond delay="indefinite"/>
+                      </p:stCondLst>
+                      <p:childTnLst>
+                        <p:par>
+                          <p:cTn id="8" fill="hold">
+                            <p:stCondLst>
+                              <p:cond delay="0"/>
+                            </p:stCondLst>
+                            <p:childTnLst>
+                              <p:par>
+                                <p:cTn id="9" presetID="1" presetClass="entr" presetSubtype="0" fill="hold" grpId="0" nodeType="clickEffect">
+                                  <p:stCondLst>
+                                    <p:cond delay="0"/>
+                                  </p:stCondLst>
+                                  <p:childTnLst>
+                                    <p:set>
+                                      <p:cBhvr>
+                                        <p:cTn id="10" dur="1" fill="hold">
+                                          <p:stCondLst>
+                                            <p:cond delay="0"/>
+                                          </p:stCondLst>
+                                        </p:cTn>
+                                        <p:tgtEl>
+                                          <p:spTgt spid="3">
+                                            <p:txEl>
+                                              <p:pRg st="2" end="2"/>
+                                            </p:txEl>
+                                          </p:spTgt>
+                                        </p:tgtEl>
+                                        <p:attrNameLst>
+                                          <p:attrName>style.visibility</p:attrName>
+                                        </p:attrNameLst>
+                                      </p:cBhvr>
+                                      <p:to>
+                                        <p:strVal val="visible"/>
+                                      </p:to>
+                                    </p:set>
+                                  </p:childTnLst>
+                                </p:cTn>
+                              </p:par>
+                            </p:childTnLst>
+                          </p:cTn>
+                        </p:par>
+                      </p:childTnLst>
+                    </p:cTn>
+                  </p:par>
+                  <p:par>
+                    <p:cTn id="11" fill="hold">
+                      <p:stCondLst>
+                        <p:cond delay="indefinite"/>
+                      </p:stCondLst>
+                      <p:childTnLst>
+                        <p:par>
+                          <p:cTn id="12" fill="hold">
+                            <p:stCondLst>
+                              <p:cond delay="0"/>
+                            </p:stCondLst>
+                            <p:childTnLst>
+                              <p:par>
+                                <p:cTn id="13" presetID="1" presetClass="entr" presetSubtype="0" fill="hold" grpId="0" nodeType="clickEffect">
+                                  <p:stCondLst>
+                                    <p:cond delay="0"/>
+                                  </p:stCondLst>
+                                  <p:childTnLst>
+                                    <p:set>
+                                      <p:cBhvr>
+                                        <p:cTn id="14" dur="1" fill="hold">
+                                          <p:stCondLst>
+                                            <p:cond delay="0"/>
+                                          </p:stCondLst>
+                                        </p:cTn>
+                                        <p:tgtEl>
+                                          <p:spTgt spid="3">
+                                            <p:txEl>
+                                              <p:pRg st="4" end="4"/>
+                                            </p:txEl>
+                                          </p:spTgt>
+                                        </p:tgtEl>
+                                        <p:attrNameLst>
+                                          <p:attrName>style.visibility</p:attrName>
+                                        </p:attrNameLst>
+                                      </p:cBhvr>
+                                      <p:to>
+                                        <p:strVal val="visible"/>
+                                      </p:to>
+                                    </p:set>
+                                  </p:childTnLst>
+                                </p:cTn>
+                              </p:par>
+                            </p:childTnLst>
+                          </p:cTn>
+                        </p:par>
+                      </p:childTnLst>
+                    </p:cTn>
+                  </p:par>
+                </p:childTnLst>
+              </p:cTn>
+              <p:prevCondLst>
+                <p:cond evt="onPrev" delay="0">
+                  <p:tgtEl>
+                    <p:sldTgt/>
+                  </p:tgtEl>
+                </p:cond>
+              </p:prevCondLst>
+              <p:nextCondLst>
+                <p:cond evt="onNext" delay="0">
+                  <p:tgtEl>
+                    <p:sldTgt/>
+                  </p:tgtEl>
+                </p:cond>
+              </p:nextCondLst>
+            </p:seq>
+          </p:childTnLst>
+        </p:cTn>
       </p:par>
     </p:tnLst>
+    <p:bldLst>
+      <p:bldP spid="3" grpId="0" build="p"/>
+    </p:bldLst>
   </p:timing>
 </p:sld>
 </file>

--- a/2017/10/net core and linux in production.pptx
+++ b/2017/10/net core and linux in production.pptx
@@ -15,31 +15,31 @@
     <p:sldId id="299" r:id="rId6"/>
     <p:sldId id="258" r:id="rId7"/>
     <p:sldId id="298" r:id="rId8"/>
-    <p:sldId id="259" r:id="rId9"/>
-    <p:sldId id="262" r:id="rId10"/>
-    <p:sldId id="260" r:id="rId11"/>
-    <p:sldId id="264" r:id="rId12"/>
-    <p:sldId id="263" r:id="rId13"/>
-    <p:sldId id="266" r:id="rId14"/>
-    <p:sldId id="280" r:id="rId15"/>
-    <p:sldId id="275" r:id="rId16"/>
-    <p:sldId id="267" r:id="rId17"/>
-    <p:sldId id="276" r:id="rId18"/>
-    <p:sldId id="278" r:id="rId19"/>
-    <p:sldId id="268" r:id="rId20"/>
-    <p:sldId id="269" r:id="rId21"/>
-    <p:sldId id="272" r:id="rId22"/>
-    <p:sldId id="273" r:id="rId23"/>
-    <p:sldId id="274" r:id="rId24"/>
-    <p:sldId id="285" r:id="rId25"/>
-    <p:sldId id="281" r:id="rId26"/>
-    <p:sldId id="282" r:id="rId27"/>
-    <p:sldId id="283" r:id="rId28"/>
-    <p:sldId id="284" r:id="rId29"/>
-    <p:sldId id="287" r:id="rId30"/>
-    <p:sldId id="288" r:id="rId31"/>
-    <p:sldId id="297" r:id="rId32"/>
-    <p:sldId id="289" r:id="rId33"/>
+    <p:sldId id="301" r:id="rId9"/>
+    <p:sldId id="259" r:id="rId10"/>
+    <p:sldId id="262" r:id="rId11"/>
+    <p:sldId id="260" r:id="rId12"/>
+    <p:sldId id="264" r:id="rId13"/>
+    <p:sldId id="263" r:id="rId14"/>
+    <p:sldId id="266" r:id="rId15"/>
+    <p:sldId id="280" r:id="rId16"/>
+    <p:sldId id="275" r:id="rId17"/>
+    <p:sldId id="267" r:id="rId18"/>
+    <p:sldId id="276" r:id="rId19"/>
+    <p:sldId id="278" r:id="rId20"/>
+    <p:sldId id="268" r:id="rId21"/>
+    <p:sldId id="269" r:id="rId22"/>
+    <p:sldId id="272" r:id="rId23"/>
+    <p:sldId id="273" r:id="rId24"/>
+    <p:sldId id="274" r:id="rId25"/>
+    <p:sldId id="285" r:id="rId26"/>
+    <p:sldId id="281" r:id="rId27"/>
+    <p:sldId id="282" r:id="rId28"/>
+    <p:sldId id="283" r:id="rId29"/>
+    <p:sldId id="284" r:id="rId30"/>
+    <p:sldId id="287" r:id="rId31"/>
+    <p:sldId id="288" r:id="rId32"/>
+    <p:sldId id="297" r:id="rId33"/>
     <p:sldId id="290" r:id="rId34"/>
     <p:sldId id="291" r:id="rId35"/>
     <p:sldId id="292" r:id="rId36"/>
@@ -162,6 +162,7 @@
             <p14:sldId id="299"/>
             <p14:sldId id="258"/>
             <p14:sldId id="298"/>
+            <p14:sldId id="301"/>
             <p14:sldId id="259"/>
             <p14:sldId id="262"/>
             <p14:sldId id="260"/>
@@ -198,7 +199,6 @@
             <p14:sldId id="287"/>
             <p14:sldId id="288"/>
             <p14:sldId id="297"/>
-            <p14:sldId id="289"/>
             <p14:sldId id="290"/>
             <p14:sldId id="291"/>
             <p14:sldId id="292"/>
@@ -701,7 +701,7 @@
           <a:p>
             <a:fld id="{2C4E26C2-1CCB-1B4E-9F60-F75E774EED06}" type="slidenum">
               <a:rPr lang="en-US" smtClean="0"/>
-              <a:t>25</a:t>
+              <a:t>26</a:t>
             </a:fld>
             <a:endParaRPr lang="en-US"/>
           </a:p>
@@ -766,22 +766,74 @@
           <a:p>
             <a:r>
               <a:rPr lang="ru-RU" dirty="0" smtClean="0"/>
-              <a:t>Не</a:t>
+              <a:t>На </a:t>
+            </a:r>
+            <a:r>
+              <a:rPr lang="en-US" dirty="0" err="1" smtClean="0"/>
+              <a:t>Highload</a:t>
+            </a:r>
+            <a:r>
+              <a:rPr lang="en-US" dirty="0" smtClean="0"/>
+              <a:t> 2016 </a:t>
+            </a:r>
+            <a:r>
+              <a:rPr lang="ru-RU" dirty="0" smtClean="0"/>
+              <a:t>Илья Космодемьянский рассказывал</a:t>
             </a:r>
             <a:r>
               <a:rPr lang="ru-RU" baseline="0" dirty="0" smtClean="0"/>
-              <a:t> всё безоблачно и в эксплуатации. </a:t>
-            </a:r>
-            <a:r>
-              <a:rPr lang="ru-RU" dirty="0" smtClean="0"/>
-              <a:t>Во-первых, нет синхронной репликации, поэтому возможна потеря небольшого количества данных, в случае выхода мастера из строя. Это для нас не критично, потому что в Редисе всё несколько хуже. Ждём </a:t>
-            </a:r>
-            <a:r>
-              <a:rPr lang="en-US" dirty="0" err="1" smtClean="0"/>
-              <a:t>bsync</a:t>
-            </a:r>
-            <a:r>
-              <a:rPr lang="en-US" dirty="0" smtClean="0"/>
+              <a:t> зачем нужна мастер-мастер репликация. И его вывод заключался в том, что обычно она не нужна. В целом, я с ним согласен. Но у нас в одном из приложений, как раз тот случай, когда все ключи случайны, следовательно, записывать можно в любую </a:t>
+            </a:r>
+            <a:r>
+              <a:rPr lang="ru-RU" baseline="0" dirty="0" err="1" smtClean="0"/>
+              <a:t>ноду</a:t>
+            </a:r>
+            <a:r>
+              <a:rPr lang="ru-RU" baseline="0" dirty="0" smtClean="0"/>
+              <a:t>.</a:t>
+            </a:r>
+            <a:r>
+              <a:rPr lang="ru-RU" dirty="0" smtClean="0"/>
+              <a:t> Поэтому там у нас мастер-мастер</a:t>
+            </a:r>
+            <a:r>
+              <a:rPr lang="ru-RU" baseline="0" dirty="0" smtClean="0"/>
+              <a:t> используется. </a:t>
+            </a:r>
+            <a:r>
+              <a:rPr lang="ru-RU" dirty="0" smtClean="0"/>
+              <a:t>В версии 1.7.3-0, которая является первой версией 1.7.3, есть проблемы с поднятием кластера с одинаковой конфигурацией. Допустим, у нас простой кластер из трёх </a:t>
+            </a:r>
+            <a:r>
+              <a:rPr lang="ru-RU" dirty="0" err="1" smtClean="0"/>
+              <a:t>нод</a:t>
+            </a:r>
+            <a:r>
+              <a:rPr lang="ru-RU" dirty="0" smtClean="0"/>
+              <a:t>. Если все три </a:t>
+            </a:r>
+            <a:r>
+              <a:rPr lang="ru-RU" dirty="0" err="1" smtClean="0"/>
+              <a:t>ноды</a:t>
+            </a:r>
+            <a:r>
+              <a:rPr lang="ru-RU" dirty="0" smtClean="0"/>
+              <a:t> лежат, и мы запускаем их одновременно, то они не видят </a:t>
+            </a:r>
+            <a:r>
+              <a:rPr lang="ru-RU" dirty="0" err="1" smtClean="0"/>
+              <a:t>апстримы</a:t>
+            </a:r>
+            <a:r>
+              <a:rPr lang="ru-RU" dirty="0" smtClean="0"/>
+              <a:t> для репликации и через 30 секунд выключатся. Это уже исправлено в новых версиях, мы просто никак не обновим </a:t>
+            </a:r>
+            <a:r>
+              <a:rPr lang="ru-RU" dirty="0" err="1" smtClean="0"/>
+              <a:t>продакшен</a:t>
+            </a:r>
+            <a:r>
+              <a:rPr lang="ru-RU" dirty="0" smtClean="0"/>
               <a:t>.</a:t>
             </a:r>
             <a:endParaRPr lang="en-US" dirty="0"/>
@@ -805,7 +857,7 @@
           <a:p>
             <a:fld id="{2C4E26C2-1CCB-1B4E-9F60-F75E774EED06}" type="slidenum">
               <a:rPr lang="en-US" smtClean="0"/>
-              <a:t>34</a:t>
+              <a:t>35</a:t>
             </a:fld>
             <a:endParaRPr lang="en-US"/>
           </a:p>
@@ -814,7 +866,7 @@
     </p:spTree>
     <p:extLst>
       <p:ext uri="{BB962C8B-B14F-4D97-AF65-F5344CB8AC3E}">
-        <p14:creationId xmlns:p14="http://schemas.microsoft.com/office/powerpoint/2010/main" val="2104392479"/>
+        <p14:creationId xmlns:p14="http://schemas.microsoft.com/office/powerpoint/2010/main" val="156281867"/>
       </p:ext>
     </p:extLst>
   </p:cSld>
@@ -870,75 +922,31 @@
           <a:p>
             <a:r>
               <a:rPr lang="ru-RU" dirty="0" smtClean="0"/>
-              <a:t>На </a:t>
-            </a:r>
-            <a:r>
-              <a:rPr lang="en-US" dirty="0" err="1" smtClean="0"/>
-              <a:t>Highload</a:t>
-            </a:r>
-            <a:r>
-              <a:rPr lang="en-US" dirty="0" smtClean="0"/>
-              <a:t> 2016 </a:t>
-            </a:r>
-            <a:r>
-              <a:rPr lang="ru-RU" dirty="0" smtClean="0"/>
-              <a:t>Илья Космодемьянский рассказывал</a:t>
+              <a:t>Крайне неочевидна для нашей команды связь между версией официального докер-контейнера и версией тарантула. Например,</a:t>
             </a:r>
             <a:r>
               <a:rPr lang="ru-RU" baseline="0" dirty="0" smtClean="0"/>
-              <a:t> зачем нужна мастер-мастер репликация. И его вывод заключался в том, что обычно она не нужна. В целом, я с ним согласен. Но у нас в одном из приложений, как раз тот случай, когда все ключи случайны, следовательно, записывать можно в любую </a:t>
-            </a:r>
-            <a:r>
-              <a:rPr lang="ru-RU" baseline="0" dirty="0" err="1" smtClean="0"/>
-              <a:t>ноду</a:t>
+              <a:t> хотим мы версию контейнера 1.7.3, потому что туда новый модуль </a:t>
+            </a:r>
+            <a:r>
+              <a:rPr lang="en-US" baseline="0" dirty="0" smtClean="0"/>
+              <a:t>queue </a:t>
             </a:r>
             <a:r>
               <a:rPr lang="ru-RU" baseline="0" dirty="0" smtClean="0"/>
-              <a:t>.</a:t>
-            </a:r>
-            <a:r>
-              <a:rPr lang="ru-RU" dirty="0" smtClean="0"/>
-              <a:t> Поэтому там у нас мастер-мастер</a:t>
-            </a:r>
-            <a:r>
-              <a:rPr lang="ru-RU" baseline="0" dirty="0" smtClean="0"/>
-              <a:t> используется. </a:t>
-            </a:r>
-            <a:r>
-              <a:rPr lang="ru-RU" dirty="0" smtClean="0"/>
-              <a:t>В версии 1.7.3-0, которая является первой версией 1.7.3, есть проблемы с поднятием кластера с одинаковой конфигурацией. Допустим, у нас простой кластер из трёх </a:t>
+              <a:t>добавили. А какая внутри версия тарантула? Или, наоборот, хотим мы самую версию тарантула 1.7.3-80, например. Какую версию контейнера брать? </a:t>
+            </a:r>
+            <a:r>
+              <a:rPr lang="ru-RU" dirty="0" smtClean="0"/>
+              <a:t>Поэтому, мы перешли на </a:t>
             </a:r>
             <a:r>
               <a:rPr lang="ru-RU" dirty="0" err="1" smtClean="0"/>
-              <a:t>нод</a:t>
-            </a:r>
-            <a:r>
-              <a:rPr lang="ru-RU" dirty="0" smtClean="0"/>
-              <a:t>. Если все три </a:t>
-            </a:r>
-            <a:r>
-              <a:rPr lang="ru-RU" dirty="0" err="1" smtClean="0"/>
-              <a:t>ноды</a:t>
-            </a:r>
-            <a:r>
-              <a:rPr lang="ru-RU" dirty="0" smtClean="0"/>
-              <a:t> лежат, и мы запускаем их одновременно, то они не видят </a:t>
-            </a:r>
-            <a:r>
-              <a:rPr lang="ru-RU" dirty="0" err="1" smtClean="0"/>
-              <a:t>апстримы</a:t>
-            </a:r>
-            <a:r>
-              <a:rPr lang="ru-RU" dirty="0" smtClean="0"/>
-              <a:t> для репликации и через 30 секунд выключатся. Это уже исправлено в новых версиях, мы просто никак не обновим </a:t>
-            </a:r>
-            <a:r>
-              <a:rPr lang="ru-RU" dirty="0" err="1" smtClean="0"/>
-              <a:t>продакшен</a:t>
-            </a:r>
-            <a:r>
-              <a:rPr lang="ru-RU" dirty="0" smtClean="0"/>
-              <a:t>.</a:t>
+              <a:t>самосборный</a:t>
+            </a:r>
+            <a:r>
+              <a:rPr lang="ru-RU" dirty="0" smtClean="0"/>
+              <a:t> контейнер.</a:t>
             </a:r>
             <a:endParaRPr lang="en-US" dirty="0"/>
           </a:p>
@@ -961,7 +969,7 @@
           <a:p>
             <a:fld id="{2C4E26C2-1CCB-1B4E-9F60-F75E774EED06}" type="slidenum">
               <a:rPr lang="en-US" smtClean="0"/>
-              <a:t>35</a:t>
+              <a:t>36</a:t>
             </a:fld>
             <a:endParaRPr lang="en-US"/>
           </a:p>
@@ -970,7 +978,7 @@
     </p:spTree>
     <p:extLst>
       <p:ext uri="{BB962C8B-B14F-4D97-AF65-F5344CB8AC3E}">
-        <p14:creationId xmlns:p14="http://schemas.microsoft.com/office/powerpoint/2010/main" val="156281867"/>
+        <p14:creationId xmlns:p14="http://schemas.microsoft.com/office/powerpoint/2010/main" val="240656646"/>
       </p:ext>
     </p:extLst>
   </p:cSld>
@@ -1026,31 +1034,79 @@
           <a:p>
             <a:r>
               <a:rPr lang="ru-RU" dirty="0" smtClean="0"/>
-              <a:t>Крайне неочевидна для нашей команды связь между версией официального докер-контейнера и версией тарантула. Например,</a:t>
+              <a:t>Общий недостаток Редиса, Тарантула, </a:t>
+            </a:r>
+            <a:r>
+              <a:rPr lang="en-US" dirty="0" err="1" smtClean="0"/>
+              <a:t>handlersocket</a:t>
+            </a:r>
+            <a:r>
+              <a:rPr lang="en-US" baseline="0" dirty="0" smtClean="0"/>
+              <a:t> </a:t>
             </a:r>
             <a:r>
               <a:rPr lang="ru-RU" baseline="0" dirty="0" smtClean="0"/>
-              <a:t> хотим мы версию контейнера 1.7.3, потому что туда новый модуль </a:t>
+              <a:t>и прочих </a:t>
+            </a:r>
+            <a:r>
+              <a:rPr lang="en-US" baseline="0" dirty="0" err="1" smtClean="0"/>
+              <a:t>noSql</a:t>
             </a:r>
             <a:r>
               <a:rPr lang="en-US" baseline="0" dirty="0" smtClean="0"/>
-              <a:t>queue </a:t>
+              <a:t> </a:t>
             </a:r>
             <a:r>
               <a:rPr lang="ru-RU" baseline="0" dirty="0" smtClean="0"/>
-              <a:t>добавили. А какая внутри версия тарантула? Или, наоборот, хотим мы самую версию тарантула 1.7.3-80, например. Какую версию контейнера брать? </a:t>
-            </a:r>
-            <a:r>
-              <a:rPr lang="ru-RU" dirty="0" smtClean="0"/>
-              <a:t>Поэтому, мы перешли на </a:t>
+              <a:t>решений</a:t>
+            </a:r>
+            <a:r>
+              <a:rPr lang="ru-RU" dirty="0" smtClean="0"/>
+              <a:t> - это специфический язык запросов. Товарищи сисадмины и </a:t>
             </a:r>
             <a:r>
               <a:rPr lang="ru-RU" dirty="0" err="1" smtClean="0"/>
-              <a:t>самосборный</a:t>
-            </a:r>
-            <a:r>
-              <a:rPr lang="ru-RU" dirty="0" smtClean="0"/>
-              <a:t> контейнер.</a:t>
+              <a:t>тестировщики</a:t>
+            </a:r>
+            <a:r>
+              <a:rPr lang="ru-RU" dirty="0" smtClean="0"/>
+              <a:t> более привычны к SQL.</a:t>
+            </a:r>
+            <a:r>
+              <a:rPr lang="ru-RU" baseline="0" dirty="0" smtClean="0"/>
+              <a:t> При этом они не являются разработчиками и учить даже </a:t>
+            </a:r>
+            <a:r>
+              <a:rPr lang="en-US" baseline="0" dirty="0" err="1" smtClean="0"/>
+              <a:t>Lua</a:t>
+            </a:r>
+            <a:r>
+              <a:rPr lang="en-US" baseline="0" dirty="0" smtClean="0"/>
+              <a:t> </a:t>
+            </a:r>
+            <a:r>
+              <a:rPr lang="ru-RU" baseline="0" dirty="0" smtClean="0"/>
+              <a:t>им достаточно непросто. Поэтому, очень ждут, когда в </a:t>
+            </a:r>
+            <a:r>
+              <a:rPr lang="en-US" baseline="0" dirty="0" err="1" smtClean="0"/>
+              <a:t>tarantool</a:t>
+            </a:r>
+            <a:r>
+              <a:rPr lang="en-US" baseline="0" dirty="0" smtClean="0"/>
+              <a:t> </a:t>
+            </a:r>
+            <a:r>
+              <a:rPr lang="ru-RU" baseline="0" dirty="0" smtClean="0"/>
+              <a:t>появится хоть какой-нибудь </a:t>
+            </a:r>
+            <a:r>
+              <a:rPr lang="en-US" baseline="0" dirty="0" err="1" smtClean="0"/>
+              <a:t>sql</a:t>
+            </a:r>
+            <a:r>
+              <a:rPr lang="en-US" baseline="0" dirty="0" smtClean="0"/>
+              <a:t>-engine.</a:t>
             </a:r>
             <a:endParaRPr lang="en-US" dirty="0"/>
           </a:p>
@@ -1073,7 +1129,7 @@
           <a:p>
             <a:fld id="{2C4E26C2-1CCB-1B4E-9F60-F75E774EED06}" type="slidenum">
               <a:rPr lang="en-US" smtClean="0"/>
-              <a:t>36</a:t>
+              <a:t>37</a:t>
             </a:fld>
             <a:endParaRPr lang="en-US"/>
           </a:p>
@@ -1082,7 +1138,7 @@
     </p:spTree>
     <p:extLst>
       <p:ext uri="{BB962C8B-B14F-4D97-AF65-F5344CB8AC3E}">
-        <p14:creationId xmlns:p14="http://schemas.microsoft.com/office/powerpoint/2010/main" val="240656646"/>
+        <p14:creationId xmlns:p14="http://schemas.microsoft.com/office/powerpoint/2010/main" val="1968797880"/>
       </p:ext>
     </p:extLst>
   </p:cSld>
@@ -1138,11 +1194,31 @@
           <a:p>
             <a:r>
               <a:rPr lang="ru-RU" dirty="0" smtClean="0"/>
-              <a:t>Общий недостаток Редиса, Тарантула, </a:t>
-            </a:r>
-            <a:r>
-              <a:rPr lang="en-US" dirty="0" err="1" smtClean="0"/>
-              <a:t>handlersocket</a:t>
+              <a:t>Для </a:t>
+            </a:r>
+            <a:r>
+              <a:rPr lang="ru-RU" dirty="0" err="1" smtClean="0"/>
+              <a:t>логирования</a:t>
+            </a:r>
+            <a:r>
+              <a:rPr lang="ru-RU" dirty="0" smtClean="0"/>
+              <a:t> и мониторинга происходящего в тарантуле там есть достаточно много инструментов.</a:t>
+            </a:r>
+            <a:r>
+              <a:rPr lang="ru-RU" baseline="0" dirty="0" smtClean="0"/>
+              <a:t> Мы используем </a:t>
+            </a:r>
+            <a:r>
+              <a:rPr lang="ru-RU" baseline="0" dirty="0" err="1" smtClean="0"/>
+              <a:t>логирование</a:t>
+            </a:r>
+            <a:r>
+              <a:rPr lang="ru-RU" baseline="0" dirty="0" smtClean="0"/>
+              <a:t> в </a:t>
+            </a:r>
+            <a:r>
+              <a:rPr lang="en-US" baseline="0" dirty="0" err="1" smtClean="0"/>
+              <a:t>stdout</a:t>
             </a:r>
             <a:r>
               <a:rPr lang="en-US" baseline="0" dirty="0" smtClean="0"/>
@@ -1150,47 +1226,47 @@
             </a:r>
             <a:r>
               <a:rPr lang="ru-RU" baseline="0" dirty="0" smtClean="0"/>
-              <a:t>и прочих </a:t>
+              <a:t>и собираем затем </a:t>
+            </a:r>
+            <a:r>
+              <a:rPr lang="ru-RU" baseline="0" dirty="0" err="1" smtClean="0"/>
+              <a:t>логи</a:t>
+            </a:r>
+            <a:r>
+              <a:rPr lang="ru-RU" baseline="0" dirty="0" smtClean="0"/>
+              <a:t> с помощью </a:t>
             </a:r>
             <a:r>
               <a:rPr lang="en-US" baseline="0" dirty="0" err="1" smtClean="0"/>
-              <a:t>noSql</a:t>
+              <a:t>fluentd</a:t>
             </a:r>
             <a:r>
               <a:rPr lang="en-US" baseline="0" dirty="0" smtClean="0"/>
               <a:t> </a:t>
             </a:r>
             <a:r>
+              <a:rPr lang="en-US" baseline="0" dirty="0" err="1" smtClean="0"/>
+              <a:t>docker</a:t>
+            </a:r>
+            <a:r>
+              <a:rPr lang="en-US" baseline="0" dirty="0" smtClean="0"/>
+              <a:t> driver </a:t>
+            </a:r>
+            <a:r>
               <a:rPr lang="ru-RU" baseline="0" dirty="0" smtClean="0"/>
-              <a:t>решений</a:t>
-            </a:r>
-            <a:r>
-              <a:rPr lang="ru-RU" dirty="0" smtClean="0"/>
-              <a:t> - это специфический язык запросов. Товарищи сисадмины и </a:t>
-            </a:r>
-            <a:r>
-              <a:rPr lang="ru-RU" dirty="0" err="1" smtClean="0"/>
-              <a:t>тестировщики</a:t>
-            </a:r>
-            <a:r>
-              <a:rPr lang="ru-RU" dirty="0" smtClean="0"/>
-              <a:t> более привычны к SQL.</a:t>
+              <a:t>в центральное хранилище. Мониторинг у нас построен на </a:t>
+            </a:r>
+            <a:r>
+              <a:rPr lang="en-US" baseline="0" dirty="0" err="1" smtClean="0"/>
+              <a:t>prometheus</a:t>
+            </a:r>
+            <a:r>
+              <a:rPr lang="en-US" baseline="0" dirty="0" smtClean="0"/>
+              <a:t>, </a:t>
             </a:r>
             <a:r>
               <a:rPr lang="ru-RU" baseline="0" dirty="0" smtClean="0"/>
-              <a:t> При этом они не являются разработчиками и учить даже </a:t>
-            </a:r>
-            <a:r>
-              <a:rPr lang="en-US" baseline="0" dirty="0" err="1" smtClean="0"/>
-              <a:t>Lua</a:t>
-            </a:r>
-            <a:r>
-              <a:rPr lang="en-US" baseline="0" dirty="0" smtClean="0"/>
-              <a:t> </a:t>
-            </a:r>
-            <a:r>
-              <a:rPr lang="ru-RU" baseline="0" dirty="0" smtClean="0"/>
-              <a:t>им достаточно непросто. Поэтому, очень ждут, когда в </a:t>
+              <a:t>который сейчас является самым простым решением с точки зрения развёртывания и сбора данных для небольших команд. И очень удобно, что к тарантулу есть модуль </a:t>
             </a:r>
             <a:r>
               <a:rPr lang="en-US" baseline="0" dirty="0" err="1" smtClean="0"/>
@@ -1198,19 +1274,19 @@
             </a:r>
             <a:r>
               <a:rPr lang="en-US" baseline="0" dirty="0" smtClean="0"/>
-              <a:t> </a:t>
+              <a:t>/</a:t>
+            </a:r>
+            <a:r>
+              <a:rPr lang="en-US" baseline="0" dirty="0" err="1" smtClean="0"/>
+              <a:t>prometheus</a:t>
+            </a:r>
+            <a:r>
+              <a:rPr lang="en-US" baseline="0" dirty="0" smtClean="0"/>
+              <a:t>, </a:t>
             </a:r>
             <a:r>
               <a:rPr lang="ru-RU" baseline="0" dirty="0" smtClean="0"/>
-              <a:t>появится хоть какой-нибудь </a:t>
-            </a:r>
-            <a:r>
-              <a:rPr lang="en-US" baseline="0" dirty="0" err="1" smtClean="0"/>
-              <a:t>sql</a:t>
-            </a:r>
-            <a:r>
-              <a:rPr lang="en-US" baseline="0" dirty="0" smtClean="0"/>
-              <a:t>-engine.</a:t>
+              <a:t>который собирается различные метрики с запущенных тарантулов.</a:t>
             </a:r>
             <a:endParaRPr lang="en-US" dirty="0"/>
           </a:p>
@@ -1233,7 +1309,7 @@
           <a:p>
             <a:fld id="{2C4E26C2-1CCB-1B4E-9F60-F75E774EED06}" type="slidenum">
               <a:rPr lang="en-US" smtClean="0"/>
-              <a:t>37</a:t>
+              <a:t>38</a:t>
             </a:fld>
             <a:endParaRPr lang="en-US"/>
           </a:p>
@@ -1242,7 +1318,7 @@
     </p:spTree>
     <p:extLst>
       <p:ext uri="{BB962C8B-B14F-4D97-AF65-F5344CB8AC3E}">
-        <p14:creationId xmlns:p14="http://schemas.microsoft.com/office/powerpoint/2010/main" val="1968797880"/>
+        <p14:creationId xmlns:p14="http://schemas.microsoft.com/office/powerpoint/2010/main" val="936635374"/>
       </p:ext>
     </p:extLst>
   </p:cSld>
@@ -1296,186 +1372,6 @@
           <a:bodyPr/>
           <a:lstStyle/>
           <a:p>
-            <a:r>
-              <a:rPr lang="ru-RU" dirty="0" smtClean="0"/>
-              <a:t>Для </a:t>
-            </a:r>
-            <a:r>
-              <a:rPr lang="ru-RU" dirty="0" err="1" smtClean="0"/>
-              <a:t>логирования</a:t>
-            </a:r>
-            <a:r>
-              <a:rPr lang="ru-RU" dirty="0" smtClean="0"/>
-              <a:t> и мониторинга происходящего в тарантуле там есть достаточно много инструментов.</a:t>
-            </a:r>
-            <a:r>
-              <a:rPr lang="ru-RU" baseline="0" dirty="0" smtClean="0"/>
-              <a:t> Мы используем </a:t>
-            </a:r>
-            <a:r>
-              <a:rPr lang="ru-RU" baseline="0" dirty="0" err="1" smtClean="0"/>
-              <a:t>логирование</a:t>
-            </a:r>
-            <a:r>
-              <a:rPr lang="ru-RU" baseline="0" dirty="0" smtClean="0"/>
-              <a:t> в </a:t>
-            </a:r>
-            <a:r>
-              <a:rPr lang="en-US" baseline="0" dirty="0" err="1" smtClean="0"/>
-              <a:t>stdout</a:t>
-            </a:r>
-            <a:r>
-              <a:rPr lang="en-US" baseline="0" dirty="0" smtClean="0"/>
-              <a:t> </a:t>
-            </a:r>
-            <a:r>
-              <a:rPr lang="ru-RU" baseline="0" dirty="0" smtClean="0"/>
-              <a:t>и собираем затем </a:t>
-            </a:r>
-            <a:r>
-              <a:rPr lang="ru-RU" baseline="0" dirty="0" err="1" smtClean="0"/>
-              <a:t>логи</a:t>
-            </a:r>
-            <a:r>
-              <a:rPr lang="ru-RU" baseline="0" dirty="0" smtClean="0"/>
-              <a:t> с помощью </a:t>
-            </a:r>
-            <a:r>
-              <a:rPr lang="en-US" baseline="0" dirty="0" err="1" smtClean="0"/>
-              <a:t>fluentd</a:t>
-            </a:r>
-            <a:r>
-              <a:rPr lang="en-US" baseline="0" dirty="0" smtClean="0"/>
-              <a:t> </a:t>
-            </a:r>
-            <a:r>
-              <a:rPr lang="en-US" baseline="0" dirty="0" err="1" smtClean="0"/>
-              <a:t>docker</a:t>
-            </a:r>
-            <a:r>
-              <a:rPr lang="en-US" baseline="0" dirty="0" smtClean="0"/>
-              <a:t> driver </a:t>
-            </a:r>
-            <a:r>
-              <a:rPr lang="ru-RU" baseline="0" dirty="0" smtClean="0"/>
-              <a:t>в центральное хранилище. Мониторинг у нас построен на </a:t>
-            </a:r>
-            <a:r>
-              <a:rPr lang="en-US" baseline="0" dirty="0" err="1" smtClean="0"/>
-              <a:t>prometheus</a:t>
-            </a:r>
-            <a:r>
-              <a:rPr lang="en-US" baseline="0" dirty="0" smtClean="0"/>
-              <a:t>, </a:t>
-            </a:r>
-            <a:r>
-              <a:rPr lang="ru-RU" baseline="0" dirty="0" smtClean="0"/>
-              <a:t>который сейчас является самым простым решением с точки зрения развёртывания и сбора данных для небольших команд. И очень удобно, что к тарантулу есть модуль </a:t>
-            </a:r>
-            <a:r>
-              <a:rPr lang="en-US" baseline="0" dirty="0" err="1" smtClean="0"/>
-              <a:t>tarantool</a:t>
-            </a:r>
-            <a:r>
-              <a:rPr lang="en-US" baseline="0" dirty="0" smtClean="0"/>
-              <a:t>/</a:t>
-            </a:r>
-            <a:r>
-              <a:rPr lang="en-US" baseline="0" dirty="0" err="1" smtClean="0"/>
-              <a:t>prometheus</a:t>
-            </a:r>
-            <a:r>
-              <a:rPr lang="en-US" baseline="0" dirty="0" smtClean="0"/>
-              <a:t>, </a:t>
-            </a:r>
-            <a:r>
-              <a:rPr lang="ru-RU" baseline="0" dirty="0" smtClean="0"/>
-              <a:t>который собирается различные метрики с запущенных тарантулов.</a:t>
-            </a:r>
-            <a:endParaRPr lang="en-US" dirty="0"/>
-          </a:p>
-        </p:txBody>
-      </p:sp>
-      <p:sp>
-        <p:nvSpPr>
-          <p:cNvPr id="4" name="Slide Number Placeholder 3"/>
-          <p:cNvSpPr>
-            <a:spLocks noGrp="1"/>
-          </p:cNvSpPr>
-          <p:nvPr>
-            <p:ph type="sldNum" sz="quarter" idx="10"/>
-          </p:nvPr>
-        </p:nvSpPr>
-        <p:spPr/>
-        <p:txBody>
-          <a:bodyPr/>
-          <a:lstStyle/>
-          <a:p>
-            <a:fld id="{2C4E26C2-1CCB-1B4E-9F60-F75E774EED06}" type="slidenum">
-              <a:rPr lang="en-US" smtClean="0"/>
-              <a:t>38</a:t>
-            </a:fld>
-            <a:endParaRPr lang="en-US"/>
-          </a:p>
-        </p:txBody>
-      </p:sp>
-    </p:spTree>
-    <p:extLst>
-      <p:ext uri="{BB962C8B-B14F-4D97-AF65-F5344CB8AC3E}">
-        <p14:creationId xmlns:p14="http://schemas.microsoft.com/office/powerpoint/2010/main" val="936635374"/>
-      </p:ext>
-    </p:extLst>
-  </p:cSld>
-  <p:clrMapOvr>
-    <a:masterClrMapping/>
-  </p:clrMapOvr>
-</p:notes>
-</file>
-
-<file path=ppt/notesSlides/notesSlide15.xml><?xml version="1.0" encoding="utf-8"?>
-<p:notes xmlns:a="http://schemas.openxmlformats.org/drawingml/2006/main" xmlns:r="http://schemas.openxmlformats.org/officeDocument/2006/relationships" xmlns:p="http://schemas.openxmlformats.org/presentationml/2006/main">
-  <p:cSld>
-    <p:spTree>
-      <p:nvGrpSpPr>
-        <p:cNvPr id="1" name=""/>
-        <p:cNvGrpSpPr/>
-        <p:nvPr/>
-      </p:nvGrpSpPr>
-      <p:grpSpPr>
-        <a:xfrm>
-          <a:off x="0" y="0"/>
-          <a:ext cx="0" cy="0"/>
-          <a:chOff x="0" y="0"/>
-          <a:chExt cx="0" cy="0"/>
-        </a:xfrm>
-      </p:grpSpPr>
-      <p:sp>
-        <p:nvSpPr>
-          <p:cNvPr id="2" name="Slide Image Placeholder 1"/>
-          <p:cNvSpPr>
-            <a:spLocks noGrp="1" noRot="1" noChangeAspect="1"/>
-          </p:cNvSpPr>
-          <p:nvPr>
-            <p:ph type="sldImg"/>
-          </p:nvPr>
-        </p:nvSpPr>
-        <p:spPr/>
-      </p:sp>
-      <p:sp>
-        <p:nvSpPr>
-          <p:cNvPr id="3" name="Notes Placeholder 2"/>
-          <p:cNvSpPr>
-            <a:spLocks noGrp="1"/>
-          </p:cNvSpPr>
-          <p:nvPr>
-            <p:ph type="body" idx="1"/>
-          </p:nvPr>
-        </p:nvSpPr>
-        <p:spPr/>
-        <p:txBody>
-          <a:bodyPr/>
-          <a:lstStyle/>
-          <a:p>
             <a:pPr marL="0" marR="0" indent="0" algn="l" defTabSz="914400" rtl="0" eaLnBrk="1" fontAlgn="auto" latinLnBrk="0" hangingPunct="1">
               <a:lnSpc>
                 <a:spcPct val="100000"/>
@@ -1620,7 +1516,7 @@
 </p:notes>
 </file>
 
-<file path=ppt/notesSlides/notesSlide16.xml><?xml version="1.0" encoding="utf-8"?>
+<file path=ppt/notesSlides/notesSlide15.xml><?xml version="1.0" encoding="utf-8"?>
 <p:notes xmlns:a="http://schemas.openxmlformats.org/drawingml/2006/main" xmlns:r="http://schemas.openxmlformats.org/officeDocument/2006/relationships" xmlns:p="http://schemas.openxmlformats.org/presentationml/2006/main">
   <p:cSld>
     <p:spTree>
@@ -1821,7 +1717,7 @@
           <a:p>
             <a:fld id="{2C4E26C2-1CCB-1B4E-9F60-F75E774EED06}" type="slidenum">
               <a:rPr lang="en-US" smtClean="0"/>
-              <a:t>26</a:t>
+              <a:t>27</a:t>
             </a:fld>
             <a:endParaRPr lang="en-US"/>
           </a:p>
@@ -1921,7 +1817,7 @@
           <a:p>
             <a:fld id="{2C4E26C2-1CCB-1B4E-9F60-F75E774EED06}" type="slidenum">
               <a:rPr lang="en-US" smtClean="0"/>
-              <a:t>27</a:t>
+              <a:t>28</a:t>
             </a:fld>
             <a:endParaRPr lang="en-US"/>
           </a:p>
@@ -2045,7 +1941,7 @@
           <a:p>
             <a:fld id="{2C4E26C2-1CCB-1B4E-9F60-F75E774EED06}" type="slidenum">
               <a:rPr lang="en-US" smtClean="0"/>
-              <a:t>28</a:t>
+              <a:t>29</a:t>
             </a:fld>
             <a:endParaRPr lang="en-US"/>
           </a:p>
@@ -2633,7 +2529,7 @@
           <a:p>
             <a:fld id="{2C4E26C2-1CCB-1B4E-9F60-F75E774EED06}" type="slidenum">
               <a:rPr lang="en-US" smtClean="0"/>
-              <a:t>29</a:t>
+              <a:t>30</a:t>
             </a:fld>
             <a:endParaRPr lang="en-US"/>
           </a:p>
@@ -2777,7 +2673,7 @@
           <a:p>
             <a:fld id="{2C4E26C2-1CCB-1B4E-9F60-F75E774EED06}" type="slidenum">
               <a:rPr lang="en-US" smtClean="0"/>
-              <a:t>30</a:t>
+              <a:t>31</a:t>
             </a:fld>
             <a:endParaRPr lang="en-US"/>
           </a:p>
@@ -2921,7 +2817,7 @@
           <a:p>
             <a:fld id="{2C4E26C2-1CCB-1B4E-9F60-F75E774EED06}" type="slidenum">
               <a:rPr lang="en-US" smtClean="0"/>
-              <a:t>31</a:t>
+              <a:t>32</a:t>
             </a:fld>
             <a:endParaRPr lang="en-US"/>
           </a:p>
@@ -2986,37 +2882,67 @@
           <a:p>
             <a:r>
               <a:rPr lang="ru-RU" dirty="0" smtClean="0"/>
-              <a:t>В редисе есть очень полезная команда</a:t>
+              <a:t>Богатейшие возможности для использования тарантула в качестве сервера приложений. Это</a:t>
             </a:r>
             <a:r>
               <a:rPr lang="ru-RU" baseline="0" dirty="0" smtClean="0"/>
-              <a:t> </a:t>
-            </a:r>
-            <a:r>
-              <a:rPr lang="mr-IN" baseline="0" dirty="0" smtClean="0"/>
-              <a:t>–</a:t>
+              <a:t> его основное назначение, если я верно понимаю. </a:t>
+            </a:r>
+            <a:r>
+              <a:rPr lang="ru-RU" dirty="0" smtClean="0"/>
+              <a:t>Мы используем, например, модуль очередей (</a:t>
+            </a:r>
+            <a:r>
+              <a:rPr lang="ru-RU" dirty="0" err="1" smtClean="0"/>
+              <a:t>https</a:t>
+            </a:r>
+            <a:r>
+              <a:rPr lang="ru-RU" dirty="0" smtClean="0"/>
+              <a:t>://</a:t>
+            </a:r>
+            <a:r>
+              <a:rPr lang="ru-RU" dirty="0" err="1" smtClean="0"/>
+              <a:t>github.com</a:t>
+            </a:r>
+            <a:r>
+              <a:rPr lang="ru-RU" dirty="0" smtClean="0"/>
+              <a:t>/</a:t>
+            </a:r>
+            <a:r>
+              <a:rPr lang="ru-RU" dirty="0" err="1" smtClean="0"/>
+              <a:t>tarantool</a:t>
+            </a:r>
+            <a:r>
+              <a:rPr lang="ru-RU" dirty="0" smtClean="0"/>
+              <a:t>/</a:t>
+            </a:r>
+            <a:r>
+              <a:rPr lang="ru-RU" dirty="0" err="1" smtClean="0"/>
+              <a:t>queue</a:t>
+            </a:r>
+            <a:r>
+              <a:rPr lang="ru-RU" dirty="0" smtClean="0"/>
+              <a:t>). Благодаря</a:t>
             </a:r>
             <a:r>
               <a:rPr lang="ru-RU" baseline="0" dirty="0" smtClean="0"/>
-              <a:t> </a:t>
+              <a:t> тому, как работают </a:t>
             </a:r>
             <a:r>
               <a:rPr lang="en-US" baseline="0" dirty="0" smtClean="0"/>
-              <a:t>monitor. </a:t>
+              <a:t>yield point </a:t>
             </a:r>
             <a:r>
               <a:rPr lang="ru-RU" baseline="0" dirty="0" smtClean="0"/>
-              <a:t>С её помощью можно видеть все запросы, приходящие на сервер. Понятно, что это не очень часто используемая вещь, но нам аналогичная функция была бы очень полезна для разработки и отладки коннектора.</a:t>
-            </a:r>
-          </a:p>
-          <a:p>
+              <a:t>в тарантуле, очереди в тарантуле дают нам </a:t>
+            </a:r>
+            <a:r>
+              <a:rPr lang="en-US" baseline="0" dirty="0" smtClean="0"/>
+              <a:t>exactly once </a:t>
+            </a:r>
             <a:r>
               <a:rPr lang="ru-RU" baseline="0" dirty="0" smtClean="0"/>
-              <a:t>Ещё небольшой нюанс заключается в том, что переменная </a:t>
-            </a:r>
-            <a:r>
-              <a:rPr lang="en-US" baseline="0" dirty="0" err="1" smtClean="0"/>
-              <a:t>box.session.sync</a:t>
+              <a:t>семантику.</a:t>
             </a:r>
             <a:r>
               <a:rPr lang="en-US" baseline="0" dirty="0" smtClean="0"/>
@@ -3024,35 +2950,24 @@
             </a:r>
             <a:r>
               <a:rPr lang="ru-RU" baseline="0" dirty="0" smtClean="0"/>
-              <a:t>во время выполнения вашего запроса может измениться, если у вас есть </a:t>
-            </a:r>
-            <a:r>
-              <a:rPr lang="en-US" baseline="0" dirty="0" smtClean="0"/>
-              <a:t>yield point </a:t>
+              <a:t>Бизнес-логика на </a:t>
+            </a:r>
+            <a:r>
+              <a:rPr lang="ru-RU" baseline="0" dirty="0" err="1" smtClean="0"/>
+              <a:t>луа</a:t>
             </a:r>
             <a:r>
               <a:rPr lang="ru-RU" baseline="0" dirty="0" smtClean="0"/>
-              <a:t>в запросе. Поэтому, необходимо её запоминать куда-нибудь до первого </a:t>
-            </a:r>
-            <a:r>
-              <a:rPr lang="en-US" baseline="0" dirty="0" smtClean="0"/>
-              <a:t>yield point</a:t>
+              <a:t> у нас есть, но очень немного. В основном из-за отсутствия вменяемых инструментов для разработки на </a:t>
+            </a:r>
+            <a:r>
+              <a:rPr lang="ru-RU" baseline="0" dirty="0" err="1" smtClean="0"/>
+              <a:t>луа</a:t>
             </a:r>
             <a:r>
               <a:rPr lang="ru-RU" baseline="0" dirty="0" smtClean="0"/>
-              <a:t> и </a:t>
-            </a:r>
-            <a:r>
-              <a:rPr lang="ru-RU" baseline="0" dirty="0" err="1" smtClean="0"/>
-              <a:t>логировать</a:t>
-            </a:r>
-            <a:r>
-              <a:rPr lang="ru-RU" baseline="0" dirty="0" smtClean="0"/>
-              <a:t> потом запомненное значение.</a:t>
-            </a:r>
-            <a:endParaRPr lang="ru-RU" dirty="0" smtClean="0"/>
-          </a:p>
-          <a:p>
+              <a:t>.</a:t>
+            </a:r>
             <a:endParaRPr lang="en-US" dirty="0"/>
           </a:p>
         </p:txBody>
@@ -3074,7 +2989,7 @@
           <a:p>
             <a:fld id="{2C4E26C2-1CCB-1B4E-9F60-F75E774EED06}" type="slidenum">
               <a:rPr lang="en-US" smtClean="0"/>
-              <a:t>32</a:t>
+              <a:t>33</a:t>
             </a:fld>
             <a:endParaRPr lang="en-US"/>
           </a:p>
@@ -3083,7 +2998,7 @@
     </p:spTree>
     <p:extLst>
       <p:ext uri="{BB962C8B-B14F-4D97-AF65-F5344CB8AC3E}">
-        <p14:creationId xmlns:p14="http://schemas.microsoft.com/office/powerpoint/2010/main" val="1447756143"/>
+        <p14:creationId xmlns:p14="http://schemas.microsoft.com/office/powerpoint/2010/main" val="1762872527"/>
       </p:ext>
     </p:extLst>
   </p:cSld>
@@ -3139,90 +3054,22 @@
           <a:p>
             <a:r>
               <a:rPr lang="ru-RU" dirty="0" smtClean="0"/>
-              <a:t>Богатейшие возможности для использования тарантула в качестве сервера приложений. Это</a:t>
+              <a:t>Не</a:t>
             </a:r>
             <a:r>
               <a:rPr lang="ru-RU" baseline="0" dirty="0" smtClean="0"/>
-              <a:t> его основное назначение, если я верно понимаю. </a:t>
-            </a:r>
-            <a:r>
-              <a:rPr lang="ru-RU" dirty="0" smtClean="0"/>
-              <a:t>Мы используем, например, модуль очередей (</a:t>
-            </a:r>
-            <a:r>
-              <a:rPr lang="ru-RU" dirty="0" err="1" smtClean="0"/>
-              <a:t>https</a:t>
-            </a:r>
-            <a:r>
-              <a:rPr lang="ru-RU" dirty="0" smtClean="0"/>
-              <a:t>://</a:t>
-            </a:r>
-            <a:r>
-              <a:rPr lang="ru-RU" dirty="0" err="1" smtClean="0"/>
-              <a:t>github.com</a:t>
-            </a:r>
-            <a:r>
-              <a:rPr lang="ru-RU" dirty="0" smtClean="0"/>
-              <a:t>/</a:t>
-            </a:r>
-            <a:r>
-              <a:rPr lang="ru-RU" dirty="0" err="1" smtClean="0"/>
-              <a:t>tarantool</a:t>
-            </a:r>
-            <a:r>
-              <a:rPr lang="ru-RU" dirty="0" smtClean="0"/>
-              <a:t>/</a:t>
-            </a:r>
-            <a:r>
-              <a:rPr lang="ru-RU" dirty="0" err="1" smtClean="0"/>
-              <a:t>queue</a:t>
-            </a:r>
-            <a:r>
-              <a:rPr lang="ru-RU" dirty="0" smtClean="0"/>
-              <a:t>). Благодаря</a:t>
-            </a:r>
-            <a:r>
-              <a:rPr lang="ru-RU" baseline="0" dirty="0" smtClean="0"/>
-              <a:t> тому, как работают </a:t>
-            </a:r>
-            <a:r>
-              <a:rPr lang="en-US" baseline="0" dirty="0" smtClean="0"/>
-              <a:t>yield point </a:t>
-            </a:r>
-            <a:r>
-              <a:rPr lang="ru-RU" baseline="0" dirty="0" smtClean="0"/>
-              <a:t>в тарантуле, очереди в тарантуле дают нам </a:t>
-            </a:r>
-            <a:r>
-              <a:rPr lang="en-US" baseline="0" dirty="0" smtClean="0"/>
-              <a:t>exactly once </a:t>
-            </a:r>
-            <a:r>
-              <a:rPr lang="ru-RU" baseline="0" dirty="0" smtClean="0"/>
-              <a:t>семантику.</a:t>
-            </a:r>
-            <a:r>
-              <a:rPr lang="en-US" baseline="0" dirty="0" smtClean="0"/>
-              <a:t> </a:t>
-            </a:r>
-            <a:r>
-              <a:rPr lang="ru-RU" baseline="0" dirty="0" smtClean="0"/>
-              <a:t>Бизнес-логика на </a:t>
-            </a:r>
-            <a:r>
-              <a:rPr lang="ru-RU" baseline="0" dirty="0" err="1" smtClean="0"/>
-              <a:t>луа</a:t>
-            </a:r>
-            <a:r>
-              <a:rPr lang="ru-RU" baseline="0" dirty="0" smtClean="0"/>
-              <a:t> у нас есть, но очень немного. В основном из-за отсутствия вменяемых инструментов для разработки на </a:t>
-            </a:r>
-            <a:r>
-              <a:rPr lang="ru-RU" baseline="0" dirty="0" err="1" smtClean="0"/>
-              <a:t>луа</a:t>
-            </a:r>
-            <a:r>
-              <a:rPr lang="ru-RU" baseline="0" dirty="0" smtClean="0"/>
+              <a:t> всё безоблачно и в эксплуатации. </a:t>
+            </a:r>
+            <a:r>
+              <a:rPr lang="ru-RU" dirty="0" smtClean="0"/>
+              <a:t>Во-первых, нет синхронной репликации, поэтому возможна потеря небольшого количества данных, в случае выхода мастера из строя. Это для нас не критично, потому что в Редисе всё несколько хуже. Ждём </a:t>
+            </a:r>
+            <a:r>
+              <a:rPr lang="en-US" dirty="0" err="1" smtClean="0"/>
+              <a:t>bsync</a:t>
+            </a:r>
+            <a:r>
+              <a:rPr lang="en-US" dirty="0" smtClean="0"/>
               <a:t>.</a:t>
             </a:r>
             <a:endParaRPr lang="en-US" dirty="0"/>
@@ -3246,7 +3093,7 @@
           <a:p>
             <a:fld id="{2C4E26C2-1CCB-1B4E-9F60-F75E774EED06}" type="slidenum">
               <a:rPr lang="en-US" smtClean="0"/>
-              <a:t>33</a:t>
+              <a:t>34</a:t>
             </a:fld>
             <a:endParaRPr lang="en-US"/>
           </a:p>
@@ -3255,7 +3102,7 @@
     </p:spTree>
     <p:extLst>
       <p:ext uri="{BB962C8B-B14F-4D97-AF65-F5344CB8AC3E}">
-        <p14:creationId xmlns:p14="http://schemas.microsoft.com/office/powerpoint/2010/main" val="1762872527"/>
+        <p14:creationId xmlns:p14="http://schemas.microsoft.com/office/powerpoint/2010/main" val="2104392479"/>
       </p:ext>
     </p:extLst>
   </p:cSld>
@@ -6257,6 +6104,14 @@
   <p:clrMapOvr>
     <a:masterClrMapping/>
   </p:clrMapOvr>
+  <mc:AlternateContent xmlns:mc="http://schemas.openxmlformats.org/markup-compatibility/2006">
+    <mc:Choice xmlns:p14="http://schemas.microsoft.com/office/powerpoint/2010/main" Requires="p14">
+      <p:transition spd="slow" p14:dur="2000" advTm="21781"/>
+    </mc:Choice>
+    <mc:Fallback>
+      <p:transition spd="slow" advTm="21781"/>
+    </mc:Fallback>
+  </mc:AlternateContent>
   <p:timing>
     <p:tnLst>
       <p:par>
@@ -6301,7 +6156,7 @@
           <a:p>
             <a:r>
               <a:rPr lang="ru-RU" dirty="0" smtClean="0"/>
-              <a:t>А когда релиз?</a:t>
+              <a:t>Инструменты</a:t>
             </a:r>
             <a:endParaRPr lang="en-US" dirty="0"/>
           </a:p>
@@ -6324,11 +6179,289 @@
           <a:p>
             <a:r>
               <a:rPr lang="en-US" dirty="0" smtClean="0"/>
-              <a:t>Release </a:t>
+              <a:t>Microsoft IDE: VS2015, VS2017, VS for mac</a:t>
+            </a:r>
+          </a:p>
+          <a:p>
+            <a:endParaRPr lang="en-US" dirty="0"/>
+          </a:p>
+          <a:p>
+            <a:r>
+              <a:rPr lang="en-US" dirty="0" err="1" smtClean="0"/>
+              <a:t>Jetbrains</a:t>
             </a:r>
             <a:r>
               <a:rPr lang="en-US" dirty="0" smtClean="0"/>
-              <a:t>1.0: 27.06.2016</a:t>
+              <a:t> Rider</a:t>
+            </a:r>
+          </a:p>
+          <a:p>
+            <a:endParaRPr lang="en-US" dirty="0"/>
+          </a:p>
+          <a:p>
+            <a:r>
+              <a:rPr lang="en-US" dirty="0" smtClean="0"/>
+              <a:t>Editors: vs code, atom, etc. + </a:t>
+            </a:r>
+            <a:r>
+              <a:rPr lang="en-US" dirty="0" err="1" smtClean="0"/>
+              <a:t>OmniSharp</a:t>
+            </a:r>
+            <a:endParaRPr lang="en-US" dirty="0"/>
+          </a:p>
+        </p:txBody>
+      </p:sp>
+    </p:spTree>
+    <p:extLst>
+      <p:ext uri="{BB962C8B-B14F-4D97-AF65-F5344CB8AC3E}">
+        <p14:creationId xmlns:p14="http://schemas.microsoft.com/office/powerpoint/2010/main" val="151910089"/>
+      </p:ext>
+    </p:extLst>
+  </p:cSld>
+  <p:clrMapOvr>
+    <a:masterClrMapping/>
+  </p:clrMapOvr>
+  <p:timing>
+    <p:tnLst>
+      <p:par>
+        <p:cTn id="1" dur="indefinite" restart="never" nodeType="tmRoot">
+          <p:childTnLst>
+            <p:seq concurrent="1" nextAc="seek">
+              <p:cTn id="2" dur="indefinite" nodeType="mainSeq">
+                <p:childTnLst>
+                  <p:par>
+                    <p:cTn id="3" fill="hold">
+                      <p:stCondLst>
+                        <p:cond delay="indefinite"/>
+                      </p:stCondLst>
+                      <p:childTnLst>
+                        <p:par>
+                          <p:cTn id="4" fill="hold">
+                            <p:stCondLst>
+                              <p:cond delay="0"/>
+                            </p:stCondLst>
+                            <p:childTnLst>
+                              <p:par>
+                                <p:cTn id="5" presetID="1" presetClass="entr" presetSubtype="0" fill="hold" grpId="0" nodeType="clickEffect">
+                                  <p:stCondLst>
+                                    <p:cond delay="0"/>
+                                  </p:stCondLst>
+                                  <p:childTnLst>
+                                    <p:set>
+                                      <p:cBhvr>
+                                        <p:cTn id="6" dur="1" fill="hold">
+                                          <p:stCondLst>
+                                            <p:cond delay="0"/>
+                                          </p:stCondLst>
+                                        </p:cTn>
+                                        <p:tgtEl>
+                                          <p:spTgt spid="3">
+                                            <p:txEl>
+                                              <p:pRg st="0" end="0"/>
+                                            </p:txEl>
+                                          </p:spTgt>
+                                        </p:tgtEl>
+                                        <p:attrNameLst>
+                                          <p:attrName>style.visibility</p:attrName>
+                                        </p:attrNameLst>
+                                      </p:cBhvr>
+                                      <p:to>
+                                        <p:strVal val="visible"/>
+                                      </p:to>
+                                    </p:set>
+                                  </p:childTnLst>
+                                </p:cTn>
+                              </p:par>
+                            </p:childTnLst>
+                          </p:cTn>
+                        </p:par>
+                      </p:childTnLst>
+                    </p:cTn>
+                  </p:par>
+                  <p:par>
+                    <p:cTn id="7" fill="hold">
+                      <p:stCondLst>
+                        <p:cond delay="indefinite"/>
+                      </p:stCondLst>
+                      <p:childTnLst>
+                        <p:par>
+                          <p:cTn id="8" fill="hold">
+                            <p:stCondLst>
+                              <p:cond delay="0"/>
+                            </p:stCondLst>
+                            <p:childTnLst>
+                              <p:par>
+                                <p:cTn id="9" presetID="1" presetClass="entr" presetSubtype="0" fill="hold" grpId="0" nodeType="clickEffect">
+                                  <p:stCondLst>
+                                    <p:cond delay="0"/>
+                                  </p:stCondLst>
+                                  <p:childTnLst>
+                                    <p:set>
+                                      <p:cBhvr>
+                                        <p:cTn id="10" dur="1" fill="hold">
+                                          <p:stCondLst>
+                                            <p:cond delay="0"/>
+                                          </p:stCondLst>
+                                        </p:cTn>
+                                        <p:tgtEl>
+                                          <p:spTgt spid="3">
+                                            <p:txEl>
+                                              <p:pRg st="2" end="2"/>
+                                            </p:txEl>
+                                          </p:spTgt>
+                                        </p:tgtEl>
+                                        <p:attrNameLst>
+                                          <p:attrName>style.visibility</p:attrName>
+                                        </p:attrNameLst>
+                                      </p:cBhvr>
+                                      <p:to>
+                                        <p:strVal val="visible"/>
+                                      </p:to>
+                                    </p:set>
+                                  </p:childTnLst>
+                                </p:cTn>
+                              </p:par>
+                            </p:childTnLst>
+                          </p:cTn>
+                        </p:par>
+                      </p:childTnLst>
+                    </p:cTn>
+                  </p:par>
+                  <p:par>
+                    <p:cTn id="11" fill="hold">
+                      <p:stCondLst>
+                        <p:cond delay="indefinite"/>
+                      </p:stCondLst>
+                      <p:childTnLst>
+                        <p:par>
+                          <p:cTn id="12" fill="hold">
+                            <p:stCondLst>
+                              <p:cond delay="0"/>
+                            </p:stCondLst>
+                            <p:childTnLst>
+                              <p:par>
+                                <p:cTn id="13" presetID="1" presetClass="entr" presetSubtype="0" fill="hold" grpId="0" nodeType="clickEffect">
+                                  <p:stCondLst>
+                                    <p:cond delay="0"/>
+                                  </p:stCondLst>
+                                  <p:childTnLst>
+                                    <p:set>
+                                      <p:cBhvr>
+                                        <p:cTn id="14" dur="1" fill="hold">
+                                          <p:stCondLst>
+                                            <p:cond delay="0"/>
+                                          </p:stCondLst>
+                                        </p:cTn>
+                                        <p:tgtEl>
+                                          <p:spTgt spid="3">
+                                            <p:txEl>
+                                              <p:pRg st="4" end="4"/>
+                                            </p:txEl>
+                                          </p:spTgt>
+                                        </p:tgtEl>
+                                        <p:attrNameLst>
+                                          <p:attrName>style.visibility</p:attrName>
+                                        </p:attrNameLst>
+                                      </p:cBhvr>
+                                      <p:to>
+                                        <p:strVal val="visible"/>
+                                      </p:to>
+                                    </p:set>
+                                  </p:childTnLst>
+                                </p:cTn>
+                              </p:par>
+                            </p:childTnLst>
+                          </p:cTn>
+                        </p:par>
+                      </p:childTnLst>
+                    </p:cTn>
+                  </p:par>
+                </p:childTnLst>
+              </p:cTn>
+              <p:prevCondLst>
+                <p:cond evt="onPrev" delay="0">
+                  <p:tgtEl>
+                    <p:sldTgt/>
+                  </p:tgtEl>
+                </p:cond>
+              </p:prevCondLst>
+              <p:nextCondLst>
+                <p:cond evt="onNext" delay="0">
+                  <p:tgtEl>
+                    <p:sldTgt/>
+                  </p:tgtEl>
+                </p:cond>
+              </p:nextCondLst>
+            </p:seq>
+          </p:childTnLst>
+        </p:cTn>
+      </p:par>
+    </p:tnLst>
+    <p:bldLst>
+      <p:bldP spid="3" grpId="0" build="p"/>
+    </p:bldLst>
+  </p:timing>
+</p:sld>
+</file>
+
+<file path=ppt/slides/slide11.xml><?xml version="1.0" encoding="utf-8"?>
+<p:sld xmlns:a="http://schemas.openxmlformats.org/drawingml/2006/main" xmlns:r="http://schemas.openxmlformats.org/officeDocument/2006/relationships" xmlns:p="http://schemas.openxmlformats.org/presentationml/2006/main">
+  <p:cSld>
+    <p:spTree>
+      <p:nvGrpSpPr>
+        <p:cNvPr id="1" name=""/>
+        <p:cNvGrpSpPr/>
+        <p:nvPr/>
+      </p:nvGrpSpPr>
+      <p:grpSpPr>
+        <a:xfrm>
+          <a:off x="0" y="0"/>
+          <a:ext cx="0" cy="0"/>
+          <a:chOff x="0" y="0"/>
+          <a:chExt cx="0" cy="0"/>
+        </a:xfrm>
+      </p:grpSpPr>
+      <p:sp>
+        <p:nvSpPr>
+          <p:cNvPr id="2" name="Title 1"/>
+          <p:cNvSpPr>
+            <a:spLocks noGrp="1"/>
+          </p:cNvSpPr>
+          <p:nvPr>
+            <p:ph type="title"/>
+          </p:nvPr>
+        </p:nvSpPr>
+        <p:spPr/>
+        <p:txBody>
+          <a:bodyPr/>
+          <a:lstStyle/>
+          <a:p>
+            <a:r>
+              <a:rPr lang="ru-RU" dirty="0" smtClean="0"/>
+              <a:t>А когда релиз?</a:t>
+            </a:r>
+            <a:endParaRPr lang="en-US" dirty="0"/>
+          </a:p>
+        </p:txBody>
+      </p:sp>
+      <p:sp>
+        <p:nvSpPr>
+          <p:cNvPr id="3" name="Content Placeholder 2"/>
+          <p:cNvSpPr>
+            <a:spLocks noGrp="1"/>
+          </p:cNvSpPr>
+          <p:nvPr>
+            <p:ph idx="1"/>
+          </p:nvPr>
+        </p:nvSpPr>
+        <p:spPr/>
+        <p:txBody>
+          <a:bodyPr/>
+          <a:lstStyle/>
+          <a:p>
+            <a:r>
+              <a:rPr lang="en-US" dirty="0" smtClean="0"/>
+              <a:t>Release 1.0: 27.06.2016</a:t>
             </a:r>
           </a:p>
           <a:p>
@@ -6487,7 +6620,7 @@
 </p:sld>
 </file>
 
-<file path=ppt/slides/slide11.xml><?xml version="1.0" encoding="utf-8"?>
+<file path=ppt/slides/slide12.xml><?xml version="1.0" encoding="utf-8"?>
 <p:sld xmlns:a="http://schemas.openxmlformats.org/drawingml/2006/main" xmlns:r="http://schemas.openxmlformats.org/officeDocument/2006/relationships" xmlns:p="http://schemas.openxmlformats.org/presentationml/2006/main">
   <p:cSld>
     <p:spTree>
@@ -6732,7 +6865,7 @@
 </p:sld>
 </file>
 
-<file path=ppt/slides/slide12.xml><?xml version="1.0" encoding="utf-8"?>
+<file path=ppt/slides/slide13.xml><?xml version="1.0" encoding="utf-8"?>
 <p:sld xmlns:a="http://schemas.openxmlformats.org/drawingml/2006/main" xmlns:r="http://schemas.openxmlformats.org/officeDocument/2006/relationships" xmlns:p="http://schemas.openxmlformats.org/presentationml/2006/main">
   <p:cSld>
     <p:spTree>
@@ -6774,11 +6907,7 @@
             </a:r>
             <a:r>
               <a:rPr lang="en-US" dirty="0" smtClean="0"/>
-              <a:t> </a:t>
-            </a:r>
-            <a:r>
-              <a:rPr lang="en-US" dirty="0" smtClean="0"/>
-              <a:t>debug</a:t>
+              <a:t> debug</a:t>
             </a:r>
             <a:endParaRPr lang="en-US" dirty="0"/>
           </a:p>
@@ -6823,7 +6952,7 @@
 </p:sld>
 </file>
 
-<file path=ppt/slides/slide13.xml><?xml version="1.0" encoding="utf-8"?>
+<file path=ppt/slides/slide14.xml><?xml version="1.0" encoding="utf-8"?>
 <p:sld xmlns:a="http://schemas.openxmlformats.org/drawingml/2006/main" xmlns:r="http://schemas.openxmlformats.org/officeDocument/2006/relationships" xmlns:p="http://schemas.openxmlformats.org/presentationml/2006/main">
   <p:cSld>
     <p:spTree>
@@ -6893,23 +7022,7 @@
           <a:p>
             <a:r>
               <a:rPr lang="ru-RU" dirty="0" smtClean="0"/>
-              <a:t>Наиболее </a:t>
-            </a:r>
-            <a:r>
-              <a:rPr lang="ru-RU" dirty="0" smtClean="0"/>
-              <a:t>популярн</a:t>
-            </a:r>
-            <a:r>
-              <a:rPr lang="ru-RU" dirty="0" smtClean="0"/>
-              <a:t>ый вариант</a:t>
-            </a:r>
-            <a:r>
-              <a:rPr lang="ru-RU" dirty="0" smtClean="0"/>
-              <a:t> </a:t>
-            </a:r>
-            <a:r>
-              <a:rPr lang="ru-RU" dirty="0" smtClean="0"/>
-              <a:t>сейчас </a:t>
+              <a:t>Наиболее популярный вариант сейчас </a:t>
             </a:r>
             <a:r>
               <a:rPr lang="mr-IN" dirty="0" smtClean="0"/>
@@ -7195,7 +7308,7 @@
 </p:sld>
 </file>
 
-<file path=ppt/slides/slide14.xml><?xml version="1.0" encoding="utf-8"?>
+<file path=ppt/slides/slide15.xml><?xml version="1.0" encoding="utf-8"?>
 <p:sld xmlns:a="http://schemas.openxmlformats.org/drawingml/2006/main" xmlns:r="http://schemas.openxmlformats.org/officeDocument/2006/relationships" xmlns:p="http://schemas.openxmlformats.org/presentationml/2006/main">
   <p:cSld>
     <p:spTree>
@@ -7338,7 +7451,7 @@
 </p:sld>
 </file>
 
-<file path=ppt/slides/slide15.xml><?xml version="1.0" encoding="utf-8"?>
+<file path=ppt/slides/slide16.xml><?xml version="1.0" encoding="utf-8"?>
 <p:sld xmlns:a="http://schemas.openxmlformats.org/drawingml/2006/main" xmlns:r="http://schemas.openxmlformats.org/officeDocument/2006/relationships" xmlns:p="http://schemas.openxmlformats.org/presentationml/2006/main">
   <p:cSld>
     <p:spTree>
@@ -7765,7 +7878,7 @@
 </p:sld>
 </file>
 
-<file path=ppt/slides/slide16.xml><?xml version="1.0" encoding="utf-8"?>
+<file path=ppt/slides/slide17.xml><?xml version="1.0" encoding="utf-8"?>
 <p:sld xmlns:a="http://schemas.openxmlformats.org/drawingml/2006/main" xmlns:r="http://schemas.openxmlformats.org/officeDocument/2006/relationships" xmlns:p="http://schemas.openxmlformats.org/presentationml/2006/main">
   <p:cSld>
     <p:spTree>
@@ -8048,7 +8161,7 @@
 </p:sld>
 </file>
 
-<file path=ppt/slides/slide17.xml><?xml version="1.0" encoding="utf-8"?>
+<file path=ppt/slides/slide18.xml><?xml version="1.0" encoding="utf-8"?>
 <p:sld xmlns:a="http://schemas.openxmlformats.org/drawingml/2006/main" xmlns:r="http://schemas.openxmlformats.org/officeDocument/2006/relationships" xmlns:p="http://schemas.openxmlformats.org/presentationml/2006/main">
   <p:cSld>
     <p:spTree>
@@ -8442,7 +8555,7 @@
 </p:sld>
 </file>
 
-<file path=ppt/slides/slide18.xml><?xml version="1.0" encoding="utf-8"?>
+<file path=ppt/slides/slide19.xml><?xml version="1.0" encoding="utf-8"?>
 <p:sld xmlns:a="http://schemas.openxmlformats.org/drawingml/2006/main" xmlns:r="http://schemas.openxmlformats.org/officeDocument/2006/relationships" xmlns:p="http://schemas.openxmlformats.org/presentationml/2006/main">
   <p:cSld>
     <p:spTree>
@@ -8682,351 +8795,6 @@
 </p:sld>
 </file>
 
-<file path=ppt/slides/slide19.xml><?xml version="1.0" encoding="utf-8"?>
-<p:sld xmlns:a="http://schemas.openxmlformats.org/drawingml/2006/main" xmlns:r="http://schemas.openxmlformats.org/officeDocument/2006/relationships" xmlns:p="http://schemas.openxmlformats.org/presentationml/2006/main">
-  <p:cSld>
-    <p:spTree>
-      <p:nvGrpSpPr>
-        <p:cNvPr id="1" name=""/>
-        <p:cNvGrpSpPr/>
-        <p:nvPr/>
-      </p:nvGrpSpPr>
-      <p:grpSpPr>
-        <a:xfrm>
-          <a:off x="0" y="0"/>
-          <a:ext cx="0" cy="0"/>
-          <a:chOff x="0" y="0"/>
-          <a:chExt cx="0" cy="0"/>
-        </a:xfrm>
-      </p:grpSpPr>
-      <p:sp>
-        <p:nvSpPr>
-          <p:cNvPr id="2" name="Title 1"/>
-          <p:cNvSpPr>
-            <a:spLocks noGrp="1"/>
-          </p:cNvSpPr>
-          <p:nvPr>
-            <p:ph type="title"/>
-          </p:nvPr>
-        </p:nvSpPr>
-        <p:spPr/>
-        <p:txBody>
-          <a:bodyPr/>
-          <a:lstStyle/>
-          <a:p>
-            <a:r>
-              <a:rPr lang="ru-RU" dirty="0" smtClean="0"/>
-              <a:t>Что мигрируем?</a:t>
-            </a:r>
-            <a:endParaRPr lang="en-US" dirty="0"/>
-          </a:p>
-        </p:txBody>
-      </p:sp>
-      <p:sp>
-        <p:nvSpPr>
-          <p:cNvPr id="3" name="Content Placeholder 2"/>
-          <p:cNvSpPr>
-            <a:spLocks noGrp="1"/>
-          </p:cNvSpPr>
-          <p:nvPr>
-            <p:ph idx="1"/>
-          </p:nvPr>
-        </p:nvSpPr>
-        <p:spPr/>
-        <p:txBody>
-          <a:bodyPr/>
-          <a:lstStyle/>
-          <a:p>
-            <a:r>
-              <a:rPr lang="en-US" dirty="0" smtClean="0"/>
-              <a:t>Solution &gt; 70 </a:t>
-            </a:r>
-            <a:r>
-              <a:rPr lang="ru-RU" dirty="0" smtClean="0"/>
-              <a:t>проектов</a:t>
-            </a:r>
-          </a:p>
-          <a:p>
-            <a:endParaRPr lang="ru-RU" dirty="0"/>
-          </a:p>
-          <a:p>
-            <a:r>
-              <a:rPr lang="ru-RU" dirty="0" smtClean="0"/>
-              <a:t>1 </a:t>
-            </a:r>
-            <a:r>
-              <a:rPr lang="en-US" dirty="0" smtClean="0"/>
-              <a:t>IIS </a:t>
-            </a:r>
-            <a:r>
-              <a:rPr lang="ru-RU" dirty="0" smtClean="0"/>
-              <a:t>приложение</a:t>
-            </a:r>
-            <a:endParaRPr lang="ru-RU" dirty="0" smtClean="0"/>
-          </a:p>
-          <a:p>
-            <a:endParaRPr lang="ru-RU" dirty="0"/>
-          </a:p>
-          <a:p>
-            <a:r>
-              <a:rPr lang="ru-RU" dirty="0" smtClean="0"/>
-              <a:t>2 службы</a:t>
-            </a:r>
-          </a:p>
-          <a:p>
-            <a:endParaRPr lang="ru-RU" dirty="0"/>
-          </a:p>
-          <a:p>
-            <a:r>
-              <a:rPr lang="ru-RU" dirty="0" smtClean="0"/>
-              <a:t>Несколько утилит</a:t>
-            </a:r>
-            <a:endParaRPr lang="en-US" dirty="0"/>
-          </a:p>
-        </p:txBody>
-      </p:sp>
-    </p:spTree>
-    <p:extLst>
-      <p:ext uri="{BB962C8B-B14F-4D97-AF65-F5344CB8AC3E}">
-        <p14:creationId xmlns:p14="http://schemas.microsoft.com/office/powerpoint/2010/main" val="1108007514"/>
-      </p:ext>
-    </p:extLst>
-  </p:cSld>
-  <p:clrMapOvr>
-    <a:masterClrMapping/>
-  </p:clrMapOvr>
-  <p:timing>
-    <p:tnLst>
-      <p:par>
-        <p:cTn id="1" dur="indefinite" restart="never" nodeType="tmRoot">
-          <p:childTnLst>
-            <p:seq concurrent="1" nextAc="seek">
-              <p:cTn id="2" dur="indefinite" nodeType="mainSeq">
-                <p:childTnLst>
-                  <p:par>
-                    <p:cTn id="3" fill="hold">
-                      <p:stCondLst>
-                        <p:cond delay="indefinite"/>
-                      </p:stCondLst>
-                      <p:childTnLst>
-                        <p:par>
-                          <p:cTn id="4" fill="hold">
-                            <p:stCondLst>
-                              <p:cond delay="0"/>
-                            </p:stCondLst>
-                            <p:childTnLst>
-                              <p:par>
-                                <p:cTn id="5" presetID="1" presetClass="entr" presetSubtype="0" fill="hold" grpId="0" nodeType="clickEffect">
-                                  <p:stCondLst>
-                                    <p:cond delay="0"/>
-                                  </p:stCondLst>
-                                  <p:childTnLst>
-                                    <p:set>
-                                      <p:cBhvr>
-                                        <p:cTn id="6" dur="1" fill="hold">
-                                          <p:stCondLst>
-                                            <p:cond delay="0"/>
-                                          </p:stCondLst>
-                                        </p:cTn>
-                                        <p:tgtEl>
-                                          <p:spTgt spid="3">
-                                            <p:txEl>
-                                              <p:pRg st="0" end="0"/>
-                                            </p:txEl>
-                                          </p:spTgt>
-                                        </p:tgtEl>
-                                        <p:attrNameLst>
-                                          <p:attrName>style.visibility</p:attrName>
-                                        </p:attrNameLst>
-                                      </p:cBhvr>
-                                      <p:to>
-                                        <p:strVal val="visible"/>
-                                      </p:to>
-                                    </p:set>
-                                  </p:childTnLst>
-                                </p:cTn>
-                              </p:par>
-                            </p:childTnLst>
-                          </p:cTn>
-                        </p:par>
-                      </p:childTnLst>
-                    </p:cTn>
-                  </p:par>
-                  <p:par>
-                    <p:cTn id="7" fill="hold">
-                      <p:stCondLst>
-                        <p:cond delay="indefinite"/>
-                      </p:stCondLst>
-                      <p:childTnLst>
-                        <p:par>
-                          <p:cTn id="8" fill="hold">
-                            <p:stCondLst>
-                              <p:cond delay="0"/>
-                            </p:stCondLst>
-                            <p:childTnLst>
-                              <p:par>
-                                <p:cTn id="9" presetID="1" presetClass="entr" presetSubtype="0" fill="hold" grpId="0" nodeType="clickEffect">
-                                  <p:stCondLst>
-                                    <p:cond delay="0"/>
-                                  </p:stCondLst>
-                                  <p:childTnLst>
-                                    <p:set>
-                                      <p:cBhvr>
-                                        <p:cTn id="10" dur="1" fill="hold">
-                                          <p:stCondLst>
-                                            <p:cond delay="0"/>
-                                          </p:stCondLst>
-                                        </p:cTn>
-                                        <p:tgtEl>
-                                          <p:spTgt spid="3">
-                                            <p:txEl>
-                                              <p:pRg st="2" end="2"/>
-                                            </p:txEl>
-                                          </p:spTgt>
-                                        </p:tgtEl>
-                                        <p:attrNameLst>
-                                          <p:attrName>style.visibility</p:attrName>
-                                        </p:attrNameLst>
-                                      </p:cBhvr>
-                                      <p:to>
-                                        <p:strVal val="visible"/>
-                                      </p:to>
-                                    </p:set>
-                                  </p:childTnLst>
-                                </p:cTn>
-                              </p:par>
-                            </p:childTnLst>
-                          </p:cTn>
-                        </p:par>
-                      </p:childTnLst>
-                    </p:cTn>
-                  </p:par>
-                  <p:par>
-                    <p:cTn id="11" fill="hold">
-                      <p:stCondLst>
-                        <p:cond delay="indefinite"/>
-                      </p:stCondLst>
-                      <p:childTnLst>
-                        <p:par>
-                          <p:cTn id="12" fill="hold">
-                            <p:stCondLst>
-                              <p:cond delay="0"/>
-                            </p:stCondLst>
-                            <p:childTnLst>
-                              <p:par>
-                                <p:cTn id="13" presetID="1" presetClass="entr" presetSubtype="0" fill="hold" grpId="0" nodeType="clickEffect">
-                                  <p:stCondLst>
-                                    <p:cond delay="0"/>
-                                  </p:stCondLst>
-                                  <p:childTnLst>
-                                    <p:set>
-                                      <p:cBhvr>
-                                        <p:cTn id="14" dur="1" fill="hold">
-                                          <p:stCondLst>
-                                            <p:cond delay="0"/>
-                                          </p:stCondLst>
-                                        </p:cTn>
-                                        <p:tgtEl>
-                                          <p:spTgt spid="3">
-                                            <p:txEl>
-                                              <p:pRg st="4" end="4"/>
-                                            </p:txEl>
-                                          </p:spTgt>
-                                        </p:tgtEl>
-                                        <p:attrNameLst>
-                                          <p:attrName>style.visibility</p:attrName>
-                                        </p:attrNameLst>
-                                      </p:cBhvr>
-                                      <p:to>
-                                        <p:strVal val="visible"/>
-                                      </p:to>
-                                    </p:set>
-                                  </p:childTnLst>
-                                </p:cTn>
-                              </p:par>
-                            </p:childTnLst>
-                          </p:cTn>
-                        </p:par>
-                      </p:childTnLst>
-                    </p:cTn>
-                  </p:par>
-                  <p:par>
-                    <p:cTn id="15" fill="hold">
-                      <p:stCondLst>
-                        <p:cond delay="indefinite"/>
-                      </p:stCondLst>
-                      <p:childTnLst>
-                        <p:par>
-                          <p:cTn id="16" fill="hold">
-                            <p:stCondLst>
-                              <p:cond delay="0"/>
-                            </p:stCondLst>
-                            <p:childTnLst>
-                              <p:par>
-                                <p:cTn id="17" presetID="1" presetClass="entr" presetSubtype="0" fill="hold" grpId="0" nodeType="clickEffect">
-                                  <p:stCondLst>
-                                    <p:cond delay="0"/>
-                                  </p:stCondLst>
-                                  <p:childTnLst>
-                                    <p:set>
-                                      <p:cBhvr>
-                                        <p:cTn id="18" dur="1" fill="hold">
-                                          <p:stCondLst>
-                                            <p:cond delay="0"/>
-                                          </p:stCondLst>
-                                        </p:cTn>
-                                        <p:tgtEl>
-                                          <p:spTgt spid="3">
-                                            <p:txEl>
-                                              <p:pRg st="6" end="6"/>
-                                            </p:txEl>
-                                          </p:spTgt>
-                                        </p:tgtEl>
-                                        <p:attrNameLst>
-                                          <p:attrName>style.visibility</p:attrName>
-                                        </p:attrNameLst>
-                                      </p:cBhvr>
-                                      <p:to>
-                                        <p:strVal val="visible"/>
-                                      </p:to>
-                                    </p:set>
-                                  </p:childTnLst>
-                                </p:cTn>
-                              </p:par>
-                            </p:childTnLst>
-                          </p:cTn>
-                        </p:par>
-                      </p:childTnLst>
-                    </p:cTn>
-                  </p:par>
-                </p:childTnLst>
-              </p:cTn>
-              <p:prevCondLst>
-                <p:cond evt="onPrev" delay="0">
-                  <p:tgtEl>
-                    <p:sldTgt/>
-                  </p:tgtEl>
-                </p:cond>
-              </p:prevCondLst>
-              <p:nextCondLst>
-                <p:cond evt="onNext" delay="0">
-                  <p:tgtEl>
-                    <p:sldTgt/>
-                  </p:tgtEl>
-                </p:cond>
-              </p:nextCondLst>
-            </p:seq>
-          </p:childTnLst>
-        </p:cTn>
-      </p:par>
-    </p:tnLst>
-    <p:bldLst>
-      <p:bldP spid="3" grpId="0" build="p"/>
-    </p:bldLst>
-  </p:timing>
-</p:sld>
-</file>
-
 <file path=ppt/slides/slide2.xml><?xml version="1.0" encoding="utf-8"?>
 <p:sld xmlns:a="http://schemas.openxmlformats.org/drawingml/2006/main" xmlns:r="http://schemas.openxmlformats.org/officeDocument/2006/relationships" xmlns:p="http://schemas.openxmlformats.org/presentationml/2006/main">
   <p:cSld>
@@ -9152,6 +8920,9 @@
         </p:txBody>
       </p:sp>
     </p:spTree>
+    <p:custDataLst>
+      <p:tags r:id="rId1"/>
+    </p:custDataLst>
     <p:extLst>
       <p:ext uri="{BB962C8B-B14F-4D97-AF65-F5344CB8AC3E}">
         <p14:creationId xmlns:p14="http://schemas.microsoft.com/office/powerpoint/2010/main" val="1440964893"/>
@@ -9161,6 +8932,14 @@
   <p:clrMapOvr>
     <a:masterClrMapping/>
   </p:clrMapOvr>
+  <mc:AlternateContent xmlns:mc="http://schemas.openxmlformats.org/markup-compatibility/2006">
+    <mc:Choice xmlns:p14="http://schemas.microsoft.com/office/powerpoint/2010/main" Requires="p14">
+      <p:transition spd="slow" p14:dur="2000" advTm="15387"/>
+    </mc:Choice>
+    <mc:Fallback>
+      <p:transition spd="slow" advTm="15387"/>
+    </mc:Fallback>
+  </mc:AlternateContent>
   <p:timing>
     <p:tnLst>
       <p:par>
@@ -9426,20 +9205,8 @@
           <a:lstStyle/>
           <a:p>
             <a:r>
-              <a:rPr lang="en-US" dirty="0" err="1" smtClean="0"/>
-              <a:t>.net</a:t>
-            </a:r>
-            <a:r>
-              <a:rPr lang="en-US" dirty="0" smtClean="0"/>
-              <a:t> 46 =&gt; </a:t>
-            </a:r>
-            <a:r>
-              <a:rPr lang="en-US" dirty="0" err="1" smtClean="0"/>
-              <a:t>.net</a:t>
-            </a:r>
-            <a:r>
-              <a:rPr lang="en-US" dirty="0" smtClean="0"/>
-              <a:t> core1.1</a:t>
+              <a:rPr lang="ru-RU" dirty="0" smtClean="0"/>
+              <a:t>Что мигрируем?</a:t>
             </a:r>
             <a:endParaRPr lang="en-US" dirty="0"/>
           </a:p>
@@ -9461,16 +9228,12 @@
           <a:lstStyle/>
           <a:p>
             <a:r>
-              <a:rPr lang="ru-RU" dirty="0" smtClean="0"/>
-              <a:t>Несколько попыток, последняя </a:t>
-            </a:r>
-            <a:r>
-              <a:rPr lang="mr-IN" dirty="0" smtClean="0"/>
-              <a:t>–</a:t>
-            </a:r>
-            <a:r>
-              <a:rPr lang="ru-RU" dirty="0" smtClean="0"/>
-              <a:t> 3 месяца</a:t>
+              <a:rPr lang="en-US" dirty="0" smtClean="0"/>
+              <a:t>Solution &gt; 70 </a:t>
+            </a:r>
+            <a:r>
+              <a:rPr lang="ru-RU" dirty="0" smtClean="0"/>
+              <a:t>проектов</a:t>
             </a:r>
           </a:p>
           <a:p>
@@ -9479,42 +9242,33 @@
           <a:p>
             <a:r>
               <a:rPr lang="ru-RU" dirty="0" smtClean="0"/>
-              <a:t>Пришлось поддерживать несколько </a:t>
-            </a:r>
-            <a:r>
-              <a:rPr lang="ru-RU" dirty="0" err="1" smtClean="0"/>
-              <a:t>форков</a:t>
-            </a:r>
-            <a:r>
-              <a:rPr lang="ru-RU" dirty="0" smtClean="0"/>
-              <a:t> </a:t>
+              <a:t>1 </a:t>
             </a:r>
             <a:r>
               <a:rPr lang="en-US" dirty="0" smtClean="0"/>
-              <a:t>OSS</a:t>
-            </a:r>
-          </a:p>
-          <a:p>
-            <a:endParaRPr lang="en-US" dirty="0"/>
-          </a:p>
-          <a:p>
-            <a:r>
-              <a:rPr lang="ru-RU" dirty="0" smtClean="0"/>
-              <a:t>Невозможно работать с доменами</a:t>
-            </a:r>
-            <a:endParaRPr lang="en-US" dirty="0" smtClean="0"/>
-          </a:p>
-          <a:p>
-            <a:endParaRPr lang="en-US" dirty="0"/>
-          </a:p>
-          <a:p>
-            <a:r>
-              <a:rPr lang="ru-RU" dirty="0" smtClean="0"/>
-              <a:t>Нет </a:t>
-            </a:r>
-            <a:r>
-              <a:rPr lang="en-US" dirty="0" err="1" smtClean="0"/>
-              <a:t>HttpContext</a:t>
+              <a:t>IIS </a:t>
+            </a:r>
+            <a:r>
+              <a:rPr lang="ru-RU" dirty="0" smtClean="0"/>
+              <a:t>приложение</a:t>
+            </a:r>
+          </a:p>
+          <a:p>
+            <a:endParaRPr lang="ru-RU" dirty="0"/>
+          </a:p>
+          <a:p>
+            <a:r>
+              <a:rPr lang="ru-RU" dirty="0" smtClean="0"/>
+              <a:t>2 службы</a:t>
+            </a:r>
+          </a:p>
+          <a:p>
+            <a:endParaRPr lang="ru-RU" dirty="0"/>
+          </a:p>
+          <a:p>
+            <a:r>
+              <a:rPr lang="ru-RU" dirty="0" smtClean="0"/>
+              <a:t>Несколько утилит</a:t>
             </a:r>
             <a:endParaRPr lang="en-US" dirty="0"/>
           </a:p>
@@ -9523,7 +9277,7 @@
     </p:spTree>
     <p:extLst>
       <p:ext uri="{BB962C8B-B14F-4D97-AF65-F5344CB8AC3E}">
-        <p14:creationId xmlns:p14="http://schemas.microsoft.com/office/powerpoint/2010/main" val="999104723"/>
+        <p14:creationId xmlns:p14="http://schemas.microsoft.com/office/powerpoint/2010/main" val="1108007514"/>
       </p:ext>
     </p:extLst>
   </p:cSld>
@@ -9795,6 +9549,375 @@
           <a:lstStyle/>
           <a:p>
             <a:r>
+              <a:rPr lang="en-US" dirty="0" err="1" smtClean="0"/>
+              <a:t>.net</a:t>
+            </a:r>
+            <a:r>
+              <a:rPr lang="en-US" dirty="0" smtClean="0"/>
+              <a:t> 46 =&gt; </a:t>
+            </a:r>
+            <a:r>
+              <a:rPr lang="en-US" dirty="0" err="1" smtClean="0"/>
+              <a:t>.net</a:t>
+            </a:r>
+            <a:r>
+              <a:rPr lang="en-US" dirty="0" smtClean="0"/>
+              <a:t> core1.1</a:t>
+            </a:r>
+            <a:endParaRPr lang="en-US" dirty="0"/>
+          </a:p>
+        </p:txBody>
+      </p:sp>
+      <p:sp>
+        <p:nvSpPr>
+          <p:cNvPr id="3" name="Content Placeholder 2"/>
+          <p:cNvSpPr>
+            <a:spLocks noGrp="1"/>
+          </p:cNvSpPr>
+          <p:nvPr>
+            <p:ph idx="1"/>
+          </p:nvPr>
+        </p:nvSpPr>
+        <p:spPr/>
+        <p:txBody>
+          <a:bodyPr/>
+          <a:lstStyle/>
+          <a:p>
+            <a:r>
+              <a:rPr lang="ru-RU" dirty="0" smtClean="0"/>
+              <a:t>Несколько попыток, последняя </a:t>
+            </a:r>
+            <a:r>
+              <a:rPr lang="mr-IN" dirty="0" smtClean="0"/>
+              <a:t>–</a:t>
+            </a:r>
+            <a:r>
+              <a:rPr lang="ru-RU" dirty="0" smtClean="0"/>
+              <a:t> 3 месяца</a:t>
+            </a:r>
+          </a:p>
+          <a:p>
+            <a:endParaRPr lang="ru-RU" dirty="0"/>
+          </a:p>
+          <a:p>
+            <a:r>
+              <a:rPr lang="ru-RU" dirty="0" smtClean="0"/>
+              <a:t>Пришлось поддерживать несколько </a:t>
+            </a:r>
+            <a:r>
+              <a:rPr lang="ru-RU" dirty="0" err="1" smtClean="0"/>
+              <a:t>форков</a:t>
+            </a:r>
+            <a:r>
+              <a:rPr lang="ru-RU" dirty="0" smtClean="0"/>
+              <a:t> </a:t>
+            </a:r>
+            <a:r>
+              <a:rPr lang="en-US" dirty="0" smtClean="0"/>
+              <a:t>OSS</a:t>
+            </a:r>
+          </a:p>
+          <a:p>
+            <a:endParaRPr lang="en-US" dirty="0"/>
+          </a:p>
+          <a:p>
+            <a:r>
+              <a:rPr lang="ru-RU" dirty="0" smtClean="0"/>
+              <a:t>Невозможно работать с доменами</a:t>
+            </a:r>
+            <a:endParaRPr lang="en-US" dirty="0" smtClean="0"/>
+          </a:p>
+          <a:p>
+            <a:endParaRPr lang="en-US" dirty="0"/>
+          </a:p>
+          <a:p>
+            <a:r>
+              <a:rPr lang="ru-RU" dirty="0" smtClean="0"/>
+              <a:t>Нет </a:t>
+            </a:r>
+            <a:r>
+              <a:rPr lang="en-US" dirty="0" err="1" smtClean="0"/>
+              <a:t>HttpContext</a:t>
+            </a:r>
+            <a:endParaRPr lang="en-US" dirty="0"/>
+          </a:p>
+        </p:txBody>
+      </p:sp>
+    </p:spTree>
+    <p:extLst>
+      <p:ext uri="{BB962C8B-B14F-4D97-AF65-F5344CB8AC3E}">
+        <p14:creationId xmlns:p14="http://schemas.microsoft.com/office/powerpoint/2010/main" val="999104723"/>
+      </p:ext>
+    </p:extLst>
+  </p:cSld>
+  <p:clrMapOvr>
+    <a:masterClrMapping/>
+  </p:clrMapOvr>
+  <p:timing>
+    <p:tnLst>
+      <p:par>
+        <p:cTn id="1" dur="indefinite" restart="never" nodeType="tmRoot">
+          <p:childTnLst>
+            <p:seq concurrent="1" nextAc="seek">
+              <p:cTn id="2" dur="indefinite" nodeType="mainSeq">
+                <p:childTnLst>
+                  <p:par>
+                    <p:cTn id="3" fill="hold">
+                      <p:stCondLst>
+                        <p:cond delay="indefinite"/>
+                      </p:stCondLst>
+                      <p:childTnLst>
+                        <p:par>
+                          <p:cTn id="4" fill="hold">
+                            <p:stCondLst>
+                              <p:cond delay="0"/>
+                            </p:stCondLst>
+                            <p:childTnLst>
+                              <p:par>
+                                <p:cTn id="5" presetID="1" presetClass="entr" presetSubtype="0" fill="hold" grpId="0" nodeType="clickEffect">
+                                  <p:stCondLst>
+                                    <p:cond delay="0"/>
+                                  </p:stCondLst>
+                                  <p:childTnLst>
+                                    <p:set>
+                                      <p:cBhvr>
+                                        <p:cTn id="6" dur="1" fill="hold">
+                                          <p:stCondLst>
+                                            <p:cond delay="0"/>
+                                          </p:stCondLst>
+                                        </p:cTn>
+                                        <p:tgtEl>
+                                          <p:spTgt spid="3">
+                                            <p:txEl>
+                                              <p:pRg st="0" end="0"/>
+                                            </p:txEl>
+                                          </p:spTgt>
+                                        </p:tgtEl>
+                                        <p:attrNameLst>
+                                          <p:attrName>style.visibility</p:attrName>
+                                        </p:attrNameLst>
+                                      </p:cBhvr>
+                                      <p:to>
+                                        <p:strVal val="visible"/>
+                                      </p:to>
+                                    </p:set>
+                                  </p:childTnLst>
+                                </p:cTn>
+                              </p:par>
+                            </p:childTnLst>
+                          </p:cTn>
+                        </p:par>
+                      </p:childTnLst>
+                    </p:cTn>
+                  </p:par>
+                  <p:par>
+                    <p:cTn id="7" fill="hold">
+                      <p:stCondLst>
+                        <p:cond delay="indefinite"/>
+                      </p:stCondLst>
+                      <p:childTnLst>
+                        <p:par>
+                          <p:cTn id="8" fill="hold">
+                            <p:stCondLst>
+                              <p:cond delay="0"/>
+                            </p:stCondLst>
+                            <p:childTnLst>
+                              <p:par>
+                                <p:cTn id="9" presetID="1" presetClass="entr" presetSubtype="0" fill="hold" grpId="0" nodeType="clickEffect">
+                                  <p:stCondLst>
+                                    <p:cond delay="0"/>
+                                  </p:stCondLst>
+                                  <p:childTnLst>
+                                    <p:set>
+                                      <p:cBhvr>
+                                        <p:cTn id="10" dur="1" fill="hold">
+                                          <p:stCondLst>
+                                            <p:cond delay="0"/>
+                                          </p:stCondLst>
+                                        </p:cTn>
+                                        <p:tgtEl>
+                                          <p:spTgt spid="3">
+                                            <p:txEl>
+                                              <p:pRg st="2" end="2"/>
+                                            </p:txEl>
+                                          </p:spTgt>
+                                        </p:tgtEl>
+                                        <p:attrNameLst>
+                                          <p:attrName>style.visibility</p:attrName>
+                                        </p:attrNameLst>
+                                      </p:cBhvr>
+                                      <p:to>
+                                        <p:strVal val="visible"/>
+                                      </p:to>
+                                    </p:set>
+                                  </p:childTnLst>
+                                </p:cTn>
+                              </p:par>
+                            </p:childTnLst>
+                          </p:cTn>
+                        </p:par>
+                      </p:childTnLst>
+                    </p:cTn>
+                  </p:par>
+                  <p:par>
+                    <p:cTn id="11" fill="hold">
+                      <p:stCondLst>
+                        <p:cond delay="indefinite"/>
+                      </p:stCondLst>
+                      <p:childTnLst>
+                        <p:par>
+                          <p:cTn id="12" fill="hold">
+                            <p:stCondLst>
+                              <p:cond delay="0"/>
+                            </p:stCondLst>
+                            <p:childTnLst>
+                              <p:par>
+                                <p:cTn id="13" presetID="1" presetClass="entr" presetSubtype="0" fill="hold" grpId="0" nodeType="clickEffect">
+                                  <p:stCondLst>
+                                    <p:cond delay="0"/>
+                                  </p:stCondLst>
+                                  <p:childTnLst>
+                                    <p:set>
+                                      <p:cBhvr>
+                                        <p:cTn id="14" dur="1" fill="hold">
+                                          <p:stCondLst>
+                                            <p:cond delay="0"/>
+                                          </p:stCondLst>
+                                        </p:cTn>
+                                        <p:tgtEl>
+                                          <p:spTgt spid="3">
+                                            <p:txEl>
+                                              <p:pRg st="4" end="4"/>
+                                            </p:txEl>
+                                          </p:spTgt>
+                                        </p:tgtEl>
+                                        <p:attrNameLst>
+                                          <p:attrName>style.visibility</p:attrName>
+                                        </p:attrNameLst>
+                                      </p:cBhvr>
+                                      <p:to>
+                                        <p:strVal val="visible"/>
+                                      </p:to>
+                                    </p:set>
+                                  </p:childTnLst>
+                                </p:cTn>
+                              </p:par>
+                            </p:childTnLst>
+                          </p:cTn>
+                        </p:par>
+                      </p:childTnLst>
+                    </p:cTn>
+                  </p:par>
+                  <p:par>
+                    <p:cTn id="15" fill="hold">
+                      <p:stCondLst>
+                        <p:cond delay="indefinite"/>
+                      </p:stCondLst>
+                      <p:childTnLst>
+                        <p:par>
+                          <p:cTn id="16" fill="hold">
+                            <p:stCondLst>
+                              <p:cond delay="0"/>
+                            </p:stCondLst>
+                            <p:childTnLst>
+                              <p:par>
+                                <p:cTn id="17" presetID="1" presetClass="entr" presetSubtype="0" fill="hold" grpId="0" nodeType="clickEffect">
+                                  <p:stCondLst>
+                                    <p:cond delay="0"/>
+                                  </p:stCondLst>
+                                  <p:childTnLst>
+                                    <p:set>
+                                      <p:cBhvr>
+                                        <p:cTn id="18" dur="1" fill="hold">
+                                          <p:stCondLst>
+                                            <p:cond delay="0"/>
+                                          </p:stCondLst>
+                                        </p:cTn>
+                                        <p:tgtEl>
+                                          <p:spTgt spid="3">
+                                            <p:txEl>
+                                              <p:pRg st="6" end="6"/>
+                                            </p:txEl>
+                                          </p:spTgt>
+                                        </p:tgtEl>
+                                        <p:attrNameLst>
+                                          <p:attrName>style.visibility</p:attrName>
+                                        </p:attrNameLst>
+                                      </p:cBhvr>
+                                      <p:to>
+                                        <p:strVal val="visible"/>
+                                      </p:to>
+                                    </p:set>
+                                  </p:childTnLst>
+                                </p:cTn>
+                              </p:par>
+                            </p:childTnLst>
+                          </p:cTn>
+                        </p:par>
+                      </p:childTnLst>
+                    </p:cTn>
+                  </p:par>
+                </p:childTnLst>
+              </p:cTn>
+              <p:prevCondLst>
+                <p:cond evt="onPrev" delay="0">
+                  <p:tgtEl>
+                    <p:sldTgt/>
+                  </p:tgtEl>
+                </p:cond>
+              </p:prevCondLst>
+              <p:nextCondLst>
+                <p:cond evt="onNext" delay="0">
+                  <p:tgtEl>
+                    <p:sldTgt/>
+                  </p:tgtEl>
+                </p:cond>
+              </p:nextCondLst>
+            </p:seq>
+          </p:childTnLst>
+        </p:cTn>
+      </p:par>
+    </p:tnLst>
+    <p:bldLst>
+      <p:bldP spid="3" grpId="0" build="p"/>
+    </p:bldLst>
+  </p:timing>
+</p:sld>
+</file>
+
+<file path=ppt/slides/slide22.xml><?xml version="1.0" encoding="utf-8"?>
+<p:sld xmlns:a="http://schemas.openxmlformats.org/drawingml/2006/main" xmlns:r="http://schemas.openxmlformats.org/officeDocument/2006/relationships" xmlns:p="http://schemas.openxmlformats.org/presentationml/2006/main">
+  <p:cSld>
+    <p:spTree>
+      <p:nvGrpSpPr>
+        <p:cNvPr id="1" name=""/>
+        <p:cNvGrpSpPr/>
+        <p:nvPr/>
+      </p:nvGrpSpPr>
+      <p:grpSpPr>
+        <a:xfrm>
+          <a:off x="0" y="0"/>
+          <a:ext cx="0" cy="0"/>
+          <a:chOff x="0" y="0"/>
+          <a:chExt cx="0" cy="0"/>
+        </a:xfrm>
+      </p:grpSpPr>
+      <p:sp>
+        <p:nvSpPr>
+          <p:cNvPr id="2" name="Title 1"/>
+          <p:cNvSpPr>
+            <a:spLocks noGrp="1"/>
+          </p:cNvSpPr>
+          <p:nvPr>
+            <p:ph type="title"/>
+          </p:nvPr>
+        </p:nvSpPr>
+        <p:spPr/>
+        <p:txBody>
+          <a:bodyPr/>
+          <a:lstStyle/>
+          <a:p>
+            <a:r>
               <a:rPr lang="ru-RU" dirty="0" smtClean="0"/>
               <a:t>Это было непросто</a:t>
             </a:r>
@@ -9851,7 +9974,7 @@
 </p:sld>
 </file>
 
-<file path=ppt/slides/slide22.xml><?xml version="1.0" encoding="utf-8"?>
+<file path=ppt/slides/slide23.xml><?xml version="1.0" encoding="utf-8"?>
 <p:sld xmlns:a="http://schemas.openxmlformats.org/drawingml/2006/main" xmlns:r="http://schemas.openxmlformats.org/officeDocument/2006/relationships" xmlns:p="http://schemas.openxmlformats.org/presentationml/2006/main">
   <p:cSld>
     <p:spTree>
@@ -10259,7 +10382,7 @@
 </p:sld>
 </file>
 
-<file path=ppt/slides/slide23.xml><?xml version="1.0" encoding="utf-8"?>
+<file path=ppt/slides/slide24.xml><?xml version="1.0" encoding="utf-8"?>
 <p:sld xmlns:a="http://schemas.openxmlformats.org/drawingml/2006/main" xmlns:r="http://schemas.openxmlformats.org/officeDocument/2006/relationships" xmlns:p="http://schemas.openxmlformats.org/presentationml/2006/main">
   <p:cSld>
     <p:spTree>
@@ -10370,7 +10493,7 @@
 </p:sld>
 </file>
 
-<file path=ppt/slides/slide24.xml><?xml version="1.0" encoding="utf-8"?>
+<file path=ppt/slides/slide25.xml><?xml version="1.0" encoding="utf-8"?>
 <p:sld xmlns:a="http://schemas.openxmlformats.org/drawingml/2006/main" xmlns:r="http://schemas.openxmlformats.org/officeDocument/2006/relationships" xmlns:p="http://schemas.openxmlformats.org/presentationml/2006/main">
   <p:cSld>
     <p:spTree>
@@ -10525,13 +10648,7 @@
               <a:rPr lang="en-US" dirty="0" smtClean="0">
                 <a:sym typeface="Wingdings"/>
               </a:rPr>
-              <a:t>)</a:t>
-            </a:r>
-            <a:r>
-              <a:rPr lang="en-US" dirty="0" smtClean="0">
-                <a:sym typeface="Wingdings"/>
-              </a:rPr>
-              <a:t> </a:t>
+              <a:t>) </a:t>
             </a:r>
             <a:endParaRPr lang="en-US" dirty="0" smtClean="0"/>
           </a:p>
@@ -10563,7 +10680,7 @@
 </p:sld>
 </file>
 
-<file path=ppt/slides/slide25.xml><?xml version="1.0" encoding="utf-8"?>
+<file path=ppt/slides/slide26.xml><?xml version="1.0" encoding="utf-8"?>
 <p:sld xmlns:a="http://schemas.openxmlformats.org/drawingml/2006/main" xmlns:r="http://schemas.openxmlformats.org/officeDocument/2006/relationships" xmlns:p="http://schemas.openxmlformats.org/presentationml/2006/main">
   <p:cSld>
     <p:spTree>
@@ -10953,7 +11070,7 @@
 </p:sld>
 </file>
 
-<file path=ppt/slides/slide26.xml><?xml version="1.0" encoding="utf-8"?>
+<file path=ppt/slides/slide27.xml><?xml version="1.0" encoding="utf-8"?>
 <p:sld xmlns:a="http://schemas.openxmlformats.org/drawingml/2006/main" xmlns:r="http://schemas.openxmlformats.org/officeDocument/2006/relationships" xmlns:p="http://schemas.openxmlformats.org/presentationml/2006/main">
   <p:cSld>
     <p:spTree>
@@ -11353,7 +11470,7 @@
 </p:sld>
 </file>
 
-<file path=ppt/slides/slide27.xml><?xml version="1.0" encoding="utf-8"?>
+<file path=ppt/slides/slide28.xml><?xml version="1.0" encoding="utf-8"?>
 <p:sld xmlns:a="http://schemas.openxmlformats.org/drawingml/2006/main" xmlns:r="http://schemas.openxmlformats.org/officeDocument/2006/relationships" xmlns:p="http://schemas.openxmlformats.org/presentationml/2006/main">
   <p:cSld>
     <p:spTree>
@@ -11763,7 +11880,7 @@
 </p:sld>
 </file>
 
-<file path=ppt/slides/slide28.xml><?xml version="1.0" encoding="utf-8"?>
+<file path=ppt/slides/slide29.xml><?xml version="1.0" encoding="utf-8"?>
 <p:sld xmlns:a="http://schemas.openxmlformats.org/drawingml/2006/main" xmlns:r="http://schemas.openxmlformats.org/officeDocument/2006/relationships" xmlns:p="http://schemas.openxmlformats.org/presentationml/2006/main">
   <p:cSld>
     <p:spTree>
@@ -12148,7 +12265,7 @@
 </p:sld>
 </file>
 
-<file path=ppt/slides/slide29.xml><?xml version="1.0" encoding="utf-8"?>
+<file path=ppt/slides/slide3.xml><?xml version="1.0" encoding="utf-8"?>
 <p:sld xmlns:a="http://schemas.openxmlformats.org/drawingml/2006/main" xmlns:r="http://schemas.openxmlformats.org/officeDocument/2006/relationships" xmlns:p="http://schemas.openxmlformats.org/presentationml/2006/main">
   <p:cSld>
     <p:spTree>
@@ -12181,8 +12298,16 @@
           <a:lstStyle/>
           <a:p>
             <a:r>
+              <a:rPr lang="ru-RU" dirty="0" smtClean="0"/>
+              <a:t>Новая структура </a:t>
+            </a:r>
+            <a:r>
               <a:rPr lang="en-US" dirty="0" err="1" smtClean="0"/>
-              <a:t>progaudi.tarantool</a:t>
+              <a:t>.net</a:t>
+            </a:r>
+            <a:r>
+              <a:rPr lang="ru-RU" dirty="0" smtClean="0"/>
+              <a:t> и версии</a:t>
             </a:r>
             <a:endParaRPr lang="en-US" dirty="0"/>
           </a:p>
@@ -12204,6 +12329,359 @@
           <a:lstStyle/>
           <a:p>
             <a:r>
+              <a:rPr lang="en-US" dirty="0" err="1" smtClean="0"/>
+              <a:t>Netstandard</a:t>
+            </a:r>
+            <a:r>
+              <a:rPr lang="en-US" dirty="0" smtClean="0"/>
+              <a:t> </a:t>
+            </a:r>
+            <a:r>
+              <a:rPr lang="mr-IN" dirty="0" smtClean="0"/>
+              <a:t>–</a:t>
+            </a:r>
+            <a:r>
+              <a:rPr lang="en-US" dirty="0" smtClean="0"/>
+              <a:t> </a:t>
+            </a:r>
+            <a:r>
+              <a:rPr lang="ru-RU" dirty="0" smtClean="0"/>
+              <a:t>интерфейс</a:t>
+            </a:r>
+          </a:p>
+          <a:p>
+            <a:endParaRPr lang="ru-RU" dirty="0"/>
+          </a:p>
+          <a:p>
+            <a:r>
+              <a:rPr lang="en-US" dirty="0" err="1" smtClean="0"/>
+              <a:t>.net</a:t>
+            </a:r>
+            <a:r>
+              <a:rPr lang="en-US" dirty="0" smtClean="0"/>
+              <a:t> core </a:t>
+            </a:r>
+            <a:r>
+              <a:rPr lang="ru-RU" dirty="0" smtClean="0"/>
+              <a:t>и </a:t>
+            </a:r>
+            <a:r>
+              <a:rPr lang="en-US" dirty="0" err="1" smtClean="0"/>
+              <a:t>.net</a:t>
+            </a:r>
+            <a:r>
+              <a:rPr lang="en-US" dirty="0" smtClean="0"/>
+              <a:t> framework </a:t>
+            </a:r>
+            <a:r>
+              <a:rPr lang="mr-IN" dirty="0" smtClean="0"/>
+              <a:t>–</a:t>
+            </a:r>
+            <a:r>
+              <a:rPr lang="en-US" dirty="0" smtClean="0"/>
+              <a:t> </a:t>
+            </a:r>
+            <a:r>
+              <a:rPr lang="ru-RU" dirty="0" smtClean="0"/>
+              <a:t>реализации</a:t>
+            </a:r>
+          </a:p>
+          <a:p>
+            <a:endParaRPr lang="ru-RU" dirty="0"/>
+          </a:p>
+          <a:p>
+            <a:r>
+              <a:rPr lang="en-US" dirty="0" err="1" smtClean="0"/>
+              <a:t>.net</a:t>
+            </a:r>
+            <a:r>
+              <a:rPr lang="en-US" dirty="0" smtClean="0"/>
+              <a:t> core </a:t>
+            </a:r>
+            <a:r>
+              <a:rPr lang="en-US" dirty="0" err="1" smtClean="0"/>
+              <a:t>sdk</a:t>
+            </a:r>
+            <a:r>
+              <a:rPr lang="en-US" dirty="0" smtClean="0"/>
+              <a:t> </a:t>
+            </a:r>
+            <a:r>
+              <a:rPr lang="mr-IN" dirty="0" smtClean="0"/>
+              <a:t>–</a:t>
+            </a:r>
+            <a:r>
+              <a:rPr lang="en-US" dirty="0" smtClean="0"/>
+              <a:t> SDK </a:t>
+            </a:r>
+            <a:r>
+              <a:rPr lang="ru-RU" dirty="0" smtClean="0"/>
+              <a:t>для разработки</a:t>
+            </a:r>
+            <a:endParaRPr lang="en-US" dirty="0"/>
+          </a:p>
+        </p:txBody>
+      </p:sp>
+    </p:spTree>
+    <p:custDataLst>
+      <p:tags r:id="rId1"/>
+    </p:custDataLst>
+    <p:extLst>
+      <p:ext uri="{BB962C8B-B14F-4D97-AF65-F5344CB8AC3E}">
+        <p14:creationId xmlns:p14="http://schemas.microsoft.com/office/powerpoint/2010/main" val="249405874"/>
+      </p:ext>
+    </p:extLst>
+  </p:cSld>
+  <p:clrMapOvr>
+    <a:masterClrMapping/>
+  </p:clrMapOvr>
+  <mc:AlternateContent xmlns:mc="http://schemas.openxmlformats.org/markup-compatibility/2006">
+    <mc:Choice xmlns:p14="http://schemas.microsoft.com/office/powerpoint/2010/main" Requires="p14">
+      <p:transition spd="slow" p14:dur="2000" advTm="60267"/>
+    </mc:Choice>
+    <mc:Fallback>
+      <p:transition spd="slow" advTm="60267"/>
+    </mc:Fallback>
+  </mc:AlternateContent>
+  <p:timing>
+    <p:tnLst>
+      <p:par>
+        <p:cTn id="1" dur="indefinite" restart="never" nodeType="tmRoot">
+          <p:childTnLst>
+            <p:seq concurrent="1" nextAc="seek">
+              <p:cTn id="2" dur="indefinite" nodeType="mainSeq">
+                <p:childTnLst>
+                  <p:par>
+                    <p:cTn id="3" fill="hold">
+                      <p:stCondLst>
+                        <p:cond delay="indefinite"/>
+                      </p:stCondLst>
+                      <p:childTnLst>
+                        <p:par>
+                          <p:cTn id="4" fill="hold">
+                            <p:stCondLst>
+                              <p:cond delay="0"/>
+                            </p:stCondLst>
+                            <p:childTnLst>
+                              <p:par>
+                                <p:cTn id="5" presetID="1" presetClass="entr" presetSubtype="0" fill="hold" grpId="0" nodeType="clickEffect">
+                                  <p:stCondLst>
+                                    <p:cond delay="0"/>
+                                  </p:stCondLst>
+                                  <p:childTnLst>
+                                    <p:set>
+                                      <p:cBhvr>
+                                        <p:cTn id="6" dur="1" fill="hold">
+                                          <p:stCondLst>
+                                            <p:cond delay="0"/>
+                                          </p:stCondLst>
+                                        </p:cTn>
+                                        <p:tgtEl>
+                                          <p:spTgt spid="3">
+                                            <p:txEl>
+                                              <p:pRg st="0" end="0"/>
+                                            </p:txEl>
+                                          </p:spTgt>
+                                        </p:tgtEl>
+                                        <p:attrNameLst>
+                                          <p:attrName>style.visibility</p:attrName>
+                                        </p:attrNameLst>
+                                      </p:cBhvr>
+                                      <p:to>
+                                        <p:strVal val="visible"/>
+                                      </p:to>
+                                    </p:set>
+                                  </p:childTnLst>
+                                </p:cTn>
+                              </p:par>
+                            </p:childTnLst>
+                          </p:cTn>
+                        </p:par>
+                      </p:childTnLst>
+                    </p:cTn>
+                  </p:par>
+                  <p:par>
+                    <p:cTn id="7" fill="hold">
+                      <p:stCondLst>
+                        <p:cond delay="indefinite"/>
+                      </p:stCondLst>
+                      <p:childTnLst>
+                        <p:par>
+                          <p:cTn id="8" fill="hold">
+                            <p:stCondLst>
+                              <p:cond delay="0"/>
+                            </p:stCondLst>
+                            <p:childTnLst>
+                              <p:par>
+                                <p:cTn id="9" presetID="1" presetClass="entr" presetSubtype="0" fill="hold" grpId="0" nodeType="clickEffect">
+                                  <p:stCondLst>
+                                    <p:cond delay="0"/>
+                                  </p:stCondLst>
+                                  <p:childTnLst>
+                                    <p:set>
+                                      <p:cBhvr>
+                                        <p:cTn id="10" dur="1" fill="hold">
+                                          <p:stCondLst>
+                                            <p:cond delay="0"/>
+                                          </p:stCondLst>
+                                        </p:cTn>
+                                        <p:tgtEl>
+                                          <p:spTgt spid="3">
+                                            <p:txEl>
+                                              <p:pRg st="2" end="2"/>
+                                            </p:txEl>
+                                          </p:spTgt>
+                                        </p:tgtEl>
+                                        <p:attrNameLst>
+                                          <p:attrName>style.visibility</p:attrName>
+                                        </p:attrNameLst>
+                                      </p:cBhvr>
+                                      <p:to>
+                                        <p:strVal val="visible"/>
+                                      </p:to>
+                                    </p:set>
+                                  </p:childTnLst>
+                                </p:cTn>
+                              </p:par>
+                            </p:childTnLst>
+                          </p:cTn>
+                        </p:par>
+                      </p:childTnLst>
+                    </p:cTn>
+                  </p:par>
+                  <p:par>
+                    <p:cTn id="11" fill="hold">
+                      <p:stCondLst>
+                        <p:cond delay="indefinite"/>
+                      </p:stCondLst>
+                      <p:childTnLst>
+                        <p:par>
+                          <p:cTn id="12" fill="hold">
+                            <p:stCondLst>
+                              <p:cond delay="0"/>
+                            </p:stCondLst>
+                            <p:childTnLst>
+                              <p:par>
+                                <p:cTn id="13" presetID="1" presetClass="entr" presetSubtype="0" fill="hold" grpId="0" nodeType="clickEffect">
+                                  <p:stCondLst>
+                                    <p:cond delay="0"/>
+                                  </p:stCondLst>
+                                  <p:childTnLst>
+                                    <p:set>
+                                      <p:cBhvr>
+                                        <p:cTn id="14" dur="1" fill="hold">
+                                          <p:stCondLst>
+                                            <p:cond delay="0"/>
+                                          </p:stCondLst>
+                                        </p:cTn>
+                                        <p:tgtEl>
+                                          <p:spTgt spid="3">
+                                            <p:txEl>
+                                              <p:pRg st="4" end="4"/>
+                                            </p:txEl>
+                                          </p:spTgt>
+                                        </p:tgtEl>
+                                        <p:attrNameLst>
+                                          <p:attrName>style.visibility</p:attrName>
+                                        </p:attrNameLst>
+                                      </p:cBhvr>
+                                      <p:to>
+                                        <p:strVal val="visible"/>
+                                      </p:to>
+                                    </p:set>
+                                  </p:childTnLst>
+                                </p:cTn>
+                              </p:par>
+                            </p:childTnLst>
+                          </p:cTn>
+                        </p:par>
+                      </p:childTnLst>
+                    </p:cTn>
+                  </p:par>
+                </p:childTnLst>
+              </p:cTn>
+              <p:prevCondLst>
+                <p:cond evt="onPrev" delay="0">
+                  <p:tgtEl>
+                    <p:sldTgt/>
+                  </p:tgtEl>
+                </p:cond>
+              </p:prevCondLst>
+              <p:nextCondLst>
+                <p:cond evt="onNext" delay="0">
+                  <p:tgtEl>
+                    <p:sldTgt/>
+                  </p:tgtEl>
+                </p:cond>
+              </p:nextCondLst>
+            </p:seq>
+          </p:childTnLst>
+        </p:cTn>
+      </p:par>
+    </p:tnLst>
+    <p:bldLst>
+      <p:bldP spid="3" grpId="0" uiExpand="1" build="p"/>
+    </p:bldLst>
+  </p:timing>
+</p:sld>
+</file>
+
+<file path=ppt/slides/slide30.xml><?xml version="1.0" encoding="utf-8"?>
+<p:sld xmlns:a="http://schemas.openxmlformats.org/drawingml/2006/main" xmlns:r="http://schemas.openxmlformats.org/officeDocument/2006/relationships" xmlns:p="http://schemas.openxmlformats.org/presentationml/2006/main">
+  <p:cSld>
+    <p:spTree>
+      <p:nvGrpSpPr>
+        <p:cNvPr id="1" name=""/>
+        <p:cNvGrpSpPr/>
+        <p:nvPr/>
+      </p:nvGrpSpPr>
+      <p:grpSpPr>
+        <a:xfrm>
+          <a:off x="0" y="0"/>
+          <a:ext cx="0" cy="0"/>
+          <a:chOff x="0" y="0"/>
+          <a:chExt cx="0" cy="0"/>
+        </a:xfrm>
+      </p:grpSpPr>
+      <p:sp>
+        <p:nvSpPr>
+          <p:cNvPr id="2" name="Title 1"/>
+          <p:cNvSpPr>
+            <a:spLocks noGrp="1"/>
+          </p:cNvSpPr>
+          <p:nvPr>
+            <p:ph type="title"/>
+          </p:nvPr>
+        </p:nvSpPr>
+        <p:spPr/>
+        <p:txBody>
+          <a:bodyPr/>
+          <a:lstStyle/>
+          <a:p>
+            <a:r>
+              <a:rPr lang="en-US" dirty="0" err="1" smtClean="0"/>
+              <a:t>progaudi.tarantool</a:t>
+            </a:r>
+            <a:endParaRPr lang="en-US" dirty="0"/>
+          </a:p>
+        </p:txBody>
+      </p:sp>
+      <p:sp>
+        <p:nvSpPr>
+          <p:cNvPr id="3" name="Content Placeholder 2"/>
+          <p:cNvSpPr>
+            <a:spLocks noGrp="1"/>
+          </p:cNvSpPr>
+          <p:nvPr>
+            <p:ph idx="1"/>
+          </p:nvPr>
+        </p:nvSpPr>
+        <p:spPr/>
+        <p:txBody>
+          <a:bodyPr/>
+          <a:lstStyle/>
+          <a:p>
+            <a:r>
               <a:rPr lang="ru-RU" dirty="0" smtClean="0"/>
               <a:t>Поддерживаем </a:t>
             </a:r>
@@ -12217,11 +12695,7 @@
             </a:r>
             <a:r>
               <a:rPr lang="en-US" dirty="0" smtClean="0"/>
-              <a:t>netstandard1.4, </a:t>
-            </a:r>
-            <a:r>
-              <a:rPr lang="en-US" dirty="0" smtClean="0"/>
-              <a:t>netstandard2.0</a:t>
+              <a:t>netstandard1.4, netstandard2.0</a:t>
             </a:r>
           </a:p>
           <a:p>
@@ -12251,11 +12725,7 @@
           <a:p>
             <a:r>
               <a:rPr lang="ru-RU" dirty="0" smtClean="0"/>
-              <a:t>Поддерживаем </a:t>
-            </a:r>
-            <a:r>
-              <a:rPr lang="ru-RU" dirty="0" smtClean="0"/>
-              <a:t>почти полностью </a:t>
+              <a:t>Поддерживаем почти полностью </a:t>
             </a:r>
             <a:r>
               <a:rPr lang="en-US" dirty="0" err="1" smtClean="0"/>
@@ -12295,11 +12765,7 @@
           <a:p>
             <a:r>
               <a:rPr lang="ru-RU" dirty="0" smtClean="0"/>
-              <a:t>Соединение </a:t>
-            </a:r>
-            <a:r>
-              <a:rPr lang="ru-RU" dirty="0" smtClean="0"/>
-              <a:t>держим только </a:t>
+              <a:t>Соединение держим только </a:t>
             </a:r>
             <a:r>
               <a:rPr lang="en-US" dirty="0" smtClean="0"/>
@@ -12307,11 +12773,7 @@
             </a:r>
             <a:r>
               <a:rPr lang="ru-RU" dirty="0" smtClean="0"/>
-              <a:t> </a:t>
-            </a:r>
-            <a:r>
-              <a:rPr lang="ru-RU" dirty="0" smtClean="0"/>
-              <a:t>одной </a:t>
+              <a:t> одной </a:t>
             </a:r>
             <a:r>
               <a:rPr lang="ru-RU" dirty="0" err="1" smtClean="0"/>
@@ -12651,674 +13113,6 @@
 </p:sld>
 </file>
 
-<file path=ppt/slides/slide3.xml><?xml version="1.0" encoding="utf-8"?>
-<p:sld xmlns:a="http://schemas.openxmlformats.org/drawingml/2006/main" xmlns:r="http://schemas.openxmlformats.org/officeDocument/2006/relationships" xmlns:p="http://schemas.openxmlformats.org/presentationml/2006/main">
-  <p:cSld>
-    <p:spTree>
-      <p:nvGrpSpPr>
-        <p:cNvPr id="1" name=""/>
-        <p:cNvGrpSpPr/>
-        <p:nvPr/>
-      </p:nvGrpSpPr>
-      <p:grpSpPr>
-        <a:xfrm>
-          <a:off x="0" y="0"/>
-          <a:ext cx="0" cy="0"/>
-          <a:chOff x="0" y="0"/>
-          <a:chExt cx="0" cy="0"/>
-        </a:xfrm>
-      </p:grpSpPr>
-      <p:sp>
-        <p:nvSpPr>
-          <p:cNvPr id="2" name="Title 1"/>
-          <p:cNvSpPr>
-            <a:spLocks noGrp="1"/>
-          </p:cNvSpPr>
-          <p:nvPr>
-            <p:ph type="title"/>
-          </p:nvPr>
-        </p:nvSpPr>
-        <p:spPr/>
-        <p:txBody>
-          <a:bodyPr/>
-          <a:lstStyle/>
-          <a:p>
-            <a:r>
-              <a:rPr lang="ru-RU" dirty="0" smtClean="0"/>
-              <a:t>Новая структура </a:t>
-            </a:r>
-            <a:r>
-              <a:rPr lang="en-US" dirty="0" err="1" smtClean="0"/>
-              <a:t>.</a:t>
-            </a:r>
-            <a:r>
-              <a:rPr lang="en-US" dirty="0" err="1" smtClean="0"/>
-              <a:t>ne</a:t>
-            </a:r>
-            <a:r>
-              <a:rPr lang="en-US" dirty="0" err="1" smtClean="0"/>
-              <a:t>t</a:t>
-            </a:r>
-            <a:r>
-              <a:rPr lang="ru-RU" dirty="0" smtClean="0"/>
-              <a:t> и версии</a:t>
-            </a:r>
-            <a:endParaRPr lang="en-US" dirty="0"/>
-          </a:p>
-        </p:txBody>
-      </p:sp>
-      <p:sp>
-        <p:nvSpPr>
-          <p:cNvPr id="3" name="Content Placeholder 2"/>
-          <p:cNvSpPr>
-            <a:spLocks noGrp="1"/>
-          </p:cNvSpPr>
-          <p:nvPr>
-            <p:ph idx="1"/>
-          </p:nvPr>
-        </p:nvSpPr>
-        <p:spPr/>
-        <p:txBody>
-          <a:bodyPr/>
-          <a:lstStyle/>
-          <a:p>
-            <a:r>
-              <a:rPr lang="en-US" dirty="0" err="1" smtClean="0"/>
-              <a:t>Netstandard</a:t>
-            </a:r>
-            <a:r>
-              <a:rPr lang="en-US" dirty="0" smtClean="0"/>
-              <a:t> </a:t>
-            </a:r>
-            <a:r>
-              <a:rPr lang="mr-IN" dirty="0" smtClean="0"/>
-              <a:t>–</a:t>
-            </a:r>
-            <a:r>
-              <a:rPr lang="en-US" dirty="0" smtClean="0"/>
-              <a:t> </a:t>
-            </a:r>
-            <a:r>
-              <a:rPr lang="ru-RU" dirty="0" smtClean="0"/>
-              <a:t>интерфейс</a:t>
-            </a:r>
-          </a:p>
-          <a:p>
-            <a:endParaRPr lang="ru-RU" dirty="0"/>
-          </a:p>
-          <a:p>
-            <a:r>
-              <a:rPr lang="en-US" dirty="0" err="1" smtClean="0"/>
-              <a:t>.net</a:t>
-            </a:r>
-            <a:r>
-              <a:rPr lang="en-US" dirty="0" smtClean="0"/>
-              <a:t> core </a:t>
-            </a:r>
-            <a:r>
-              <a:rPr lang="ru-RU" dirty="0" smtClean="0"/>
-              <a:t>и </a:t>
-            </a:r>
-            <a:r>
-              <a:rPr lang="en-US" dirty="0" err="1" smtClean="0"/>
-              <a:t>.net</a:t>
-            </a:r>
-            <a:r>
-              <a:rPr lang="en-US" dirty="0" smtClean="0"/>
-              <a:t> framework </a:t>
-            </a:r>
-            <a:r>
-              <a:rPr lang="mr-IN" dirty="0" smtClean="0"/>
-              <a:t>–</a:t>
-            </a:r>
-            <a:r>
-              <a:rPr lang="en-US" dirty="0" smtClean="0"/>
-              <a:t> </a:t>
-            </a:r>
-            <a:r>
-              <a:rPr lang="ru-RU" dirty="0" smtClean="0"/>
-              <a:t>реализации</a:t>
-            </a:r>
-          </a:p>
-          <a:p>
-            <a:endParaRPr lang="ru-RU" dirty="0"/>
-          </a:p>
-          <a:p>
-            <a:r>
-              <a:rPr lang="en-US" dirty="0" err="1" smtClean="0"/>
-              <a:t>.net</a:t>
-            </a:r>
-            <a:r>
-              <a:rPr lang="en-US" dirty="0" smtClean="0"/>
-              <a:t> core </a:t>
-            </a:r>
-            <a:r>
-              <a:rPr lang="en-US" dirty="0" err="1" smtClean="0"/>
-              <a:t>sdk</a:t>
-            </a:r>
-            <a:r>
-              <a:rPr lang="en-US" dirty="0" smtClean="0"/>
-              <a:t> </a:t>
-            </a:r>
-            <a:r>
-              <a:rPr lang="mr-IN" dirty="0" smtClean="0"/>
-              <a:t>–</a:t>
-            </a:r>
-            <a:r>
-              <a:rPr lang="en-US" dirty="0" smtClean="0"/>
-              <a:t> SDK </a:t>
-            </a:r>
-            <a:r>
-              <a:rPr lang="ru-RU" dirty="0" smtClean="0"/>
-              <a:t>для разработки</a:t>
-            </a:r>
-            <a:endParaRPr lang="en-US" dirty="0"/>
-          </a:p>
-        </p:txBody>
-      </p:sp>
-    </p:spTree>
-    <p:extLst>
-      <p:ext uri="{BB962C8B-B14F-4D97-AF65-F5344CB8AC3E}">
-        <p14:creationId xmlns:p14="http://schemas.microsoft.com/office/powerpoint/2010/main" val="249405874"/>
-      </p:ext>
-    </p:extLst>
-  </p:cSld>
-  <p:clrMapOvr>
-    <a:masterClrMapping/>
-  </p:clrMapOvr>
-  <p:timing>
-    <p:tnLst>
-      <p:par>
-        <p:cTn id="1" dur="indefinite" restart="never" nodeType="tmRoot">
-          <p:childTnLst>
-            <p:seq concurrent="1" nextAc="seek">
-              <p:cTn id="2" dur="indefinite" nodeType="mainSeq">
-                <p:childTnLst>
-                  <p:par>
-                    <p:cTn id="3" fill="hold">
-                      <p:stCondLst>
-                        <p:cond delay="indefinite"/>
-                      </p:stCondLst>
-                      <p:childTnLst>
-                        <p:par>
-                          <p:cTn id="4" fill="hold">
-                            <p:stCondLst>
-                              <p:cond delay="0"/>
-                            </p:stCondLst>
-                            <p:childTnLst>
-                              <p:par>
-                                <p:cTn id="5" presetID="1" presetClass="entr" presetSubtype="0" fill="hold" grpId="0" nodeType="clickEffect">
-                                  <p:stCondLst>
-                                    <p:cond delay="0"/>
-                                  </p:stCondLst>
-                                  <p:childTnLst>
-                                    <p:set>
-                                      <p:cBhvr>
-                                        <p:cTn id="6" dur="1" fill="hold">
-                                          <p:stCondLst>
-                                            <p:cond delay="0"/>
-                                          </p:stCondLst>
-                                        </p:cTn>
-                                        <p:tgtEl>
-                                          <p:spTgt spid="3">
-                                            <p:txEl>
-                                              <p:pRg st="0" end="0"/>
-                                            </p:txEl>
-                                          </p:spTgt>
-                                        </p:tgtEl>
-                                        <p:attrNameLst>
-                                          <p:attrName>style.visibility</p:attrName>
-                                        </p:attrNameLst>
-                                      </p:cBhvr>
-                                      <p:to>
-                                        <p:strVal val="visible"/>
-                                      </p:to>
-                                    </p:set>
-                                  </p:childTnLst>
-                                </p:cTn>
-                              </p:par>
-                            </p:childTnLst>
-                          </p:cTn>
-                        </p:par>
-                      </p:childTnLst>
-                    </p:cTn>
-                  </p:par>
-                  <p:par>
-                    <p:cTn id="7" fill="hold">
-                      <p:stCondLst>
-                        <p:cond delay="indefinite"/>
-                      </p:stCondLst>
-                      <p:childTnLst>
-                        <p:par>
-                          <p:cTn id="8" fill="hold">
-                            <p:stCondLst>
-                              <p:cond delay="0"/>
-                            </p:stCondLst>
-                            <p:childTnLst>
-                              <p:par>
-                                <p:cTn id="9" presetID="1" presetClass="entr" presetSubtype="0" fill="hold" grpId="0" nodeType="clickEffect">
-                                  <p:stCondLst>
-                                    <p:cond delay="0"/>
-                                  </p:stCondLst>
-                                  <p:childTnLst>
-                                    <p:set>
-                                      <p:cBhvr>
-                                        <p:cTn id="10" dur="1" fill="hold">
-                                          <p:stCondLst>
-                                            <p:cond delay="0"/>
-                                          </p:stCondLst>
-                                        </p:cTn>
-                                        <p:tgtEl>
-                                          <p:spTgt spid="3">
-                                            <p:txEl>
-                                              <p:pRg st="2" end="2"/>
-                                            </p:txEl>
-                                          </p:spTgt>
-                                        </p:tgtEl>
-                                        <p:attrNameLst>
-                                          <p:attrName>style.visibility</p:attrName>
-                                        </p:attrNameLst>
-                                      </p:cBhvr>
-                                      <p:to>
-                                        <p:strVal val="visible"/>
-                                      </p:to>
-                                    </p:set>
-                                  </p:childTnLst>
-                                </p:cTn>
-                              </p:par>
-                            </p:childTnLst>
-                          </p:cTn>
-                        </p:par>
-                      </p:childTnLst>
-                    </p:cTn>
-                  </p:par>
-                  <p:par>
-                    <p:cTn id="11" fill="hold">
-                      <p:stCondLst>
-                        <p:cond delay="indefinite"/>
-                      </p:stCondLst>
-                      <p:childTnLst>
-                        <p:par>
-                          <p:cTn id="12" fill="hold">
-                            <p:stCondLst>
-                              <p:cond delay="0"/>
-                            </p:stCondLst>
-                            <p:childTnLst>
-                              <p:par>
-                                <p:cTn id="13" presetID="1" presetClass="entr" presetSubtype="0" fill="hold" grpId="0" nodeType="clickEffect">
-                                  <p:stCondLst>
-                                    <p:cond delay="0"/>
-                                  </p:stCondLst>
-                                  <p:childTnLst>
-                                    <p:set>
-                                      <p:cBhvr>
-                                        <p:cTn id="14" dur="1" fill="hold">
-                                          <p:stCondLst>
-                                            <p:cond delay="0"/>
-                                          </p:stCondLst>
-                                        </p:cTn>
-                                        <p:tgtEl>
-                                          <p:spTgt spid="3">
-                                            <p:txEl>
-                                              <p:pRg st="4" end="4"/>
-                                            </p:txEl>
-                                          </p:spTgt>
-                                        </p:tgtEl>
-                                        <p:attrNameLst>
-                                          <p:attrName>style.visibility</p:attrName>
-                                        </p:attrNameLst>
-                                      </p:cBhvr>
-                                      <p:to>
-                                        <p:strVal val="visible"/>
-                                      </p:to>
-                                    </p:set>
-                                  </p:childTnLst>
-                                </p:cTn>
-                              </p:par>
-                            </p:childTnLst>
-                          </p:cTn>
-                        </p:par>
-                      </p:childTnLst>
-                    </p:cTn>
-                  </p:par>
-                </p:childTnLst>
-              </p:cTn>
-              <p:prevCondLst>
-                <p:cond evt="onPrev" delay="0">
-                  <p:tgtEl>
-                    <p:sldTgt/>
-                  </p:tgtEl>
-                </p:cond>
-              </p:prevCondLst>
-              <p:nextCondLst>
-                <p:cond evt="onNext" delay="0">
-                  <p:tgtEl>
-                    <p:sldTgt/>
-                  </p:tgtEl>
-                </p:cond>
-              </p:nextCondLst>
-            </p:seq>
-          </p:childTnLst>
-        </p:cTn>
-      </p:par>
-    </p:tnLst>
-    <p:bldLst>
-      <p:bldP spid="3" grpId="0" uiExpand="1" build="p"/>
-    </p:bldLst>
-  </p:timing>
-</p:sld>
-</file>
-
-<file path=ppt/slides/slide30.xml><?xml version="1.0" encoding="utf-8"?>
-<p:sld xmlns:a="http://schemas.openxmlformats.org/drawingml/2006/main" xmlns:r="http://schemas.openxmlformats.org/officeDocument/2006/relationships" xmlns:p="http://schemas.openxmlformats.org/presentationml/2006/main">
-  <p:cSld>
-    <p:spTree>
-      <p:nvGrpSpPr>
-        <p:cNvPr id="1" name=""/>
-        <p:cNvGrpSpPr/>
-        <p:nvPr/>
-      </p:nvGrpSpPr>
-      <p:grpSpPr>
-        <a:xfrm>
-          <a:off x="0" y="0"/>
-          <a:ext cx="0" cy="0"/>
-          <a:chOff x="0" y="0"/>
-          <a:chExt cx="0" cy="0"/>
-        </a:xfrm>
-      </p:grpSpPr>
-      <p:sp>
-        <p:nvSpPr>
-          <p:cNvPr id="2" name="Title 1"/>
-          <p:cNvSpPr>
-            <a:spLocks noGrp="1"/>
-          </p:cNvSpPr>
-          <p:nvPr>
-            <p:ph type="title"/>
-          </p:nvPr>
-        </p:nvSpPr>
-        <p:spPr/>
-        <p:txBody>
-          <a:bodyPr/>
-          <a:lstStyle/>
-          <a:p>
-            <a:r>
-              <a:rPr lang="ru-RU" dirty="0" smtClean="0"/>
-              <a:t>Коннектор: планы старые</a:t>
-            </a:r>
-            <a:endParaRPr lang="en-US" dirty="0"/>
-          </a:p>
-        </p:txBody>
-      </p:sp>
-      <p:sp>
-        <p:nvSpPr>
-          <p:cNvPr id="3" name="Content Placeholder 2"/>
-          <p:cNvSpPr>
-            <a:spLocks noGrp="1"/>
-          </p:cNvSpPr>
-          <p:nvPr>
-            <p:ph idx="1"/>
-          </p:nvPr>
-        </p:nvSpPr>
-        <p:spPr/>
-        <p:txBody>
-          <a:bodyPr/>
-          <a:lstStyle/>
-          <a:p>
-            <a:r>
-              <a:rPr lang="ru-RU" dirty="0" smtClean="0"/>
-              <a:t>Переименовать пакет</a:t>
-            </a:r>
-          </a:p>
-          <a:p>
-            <a:endParaRPr lang="ru-RU" dirty="0"/>
-          </a:p>
-          <a:p>
-            <a:r>
-              <a:rPr lang="ru-RU" dirty="0" smtClean="0"/>
-              <a:t>Поддержать </a:t>
-            </a:r>
-            <a:r>
-              <a:rPr lang="en-US" dirty="0" err="1" smtClean="0"/>
-              <a:t>MsgPackValue</a:t>
-            </a:r>
-            <a:r>
-              <a:rPr lang="ru-RU" dirty="0" smtClean="0"/>
-              <a:t> (непрозрачный контейнер)</a:t>
-            </a:r>
-            <a:endParaRPr lang="en-US" dirty="0" smtClean="0"/>
-          </a:p>
-          <a:p>
-            <a:endParaRPr lang="en-US" dirty="0"/>
-          </a:p>
-          <a:p>
-            <a:r>
-              <a:rPr lang="ru-RU" dirty="0" smtClean="0"/>
-              <a:t>Добавить более удобную </a:t>
-            </a:r>
-            <a:r>
-              <a:rPr lang="ru-RU" dirty="0" err="1" smtClean="0"/>
-              <a:t>сериализацию</a:t>
-            </a:r>
-            <a:r>
-              <a:rPr lang="ru-RU" dirty="0" smtClean="0"/>
-              <a:t> в </a:t>
-            </a:r>
-            <a:r>
-              <a:rPr lang="en-US" dirty="0" err="1" smtClean="0"/>
-              <a:t>MsgPack</a:t>
-            </a:r>
-            <a:r>
-              <a:rPr lang="en-US" dirty="0" smtClean="0"/>
-              <a:t>: mini-ORM</a:t>
-            </a:r>
-            <a:endParaRPr lang="ru-RU" dirty="0"/>
-          </a:p>
-          <a:p>
-            <a:endParaRPr lang="en-US" dirty="0"/>
-          </a:p>
-        </p:txBody>
-      </p:sp>
-    </p:spTree>
-    <p:custDataLst>
-      <p:tags r:id="rId1"/>
-    </p:custDataLst>
-    <p:extLst>
-      <p:ext uri="{BB962C8B-B14F-4D97-AF65-F5344CB8AC3E}">
-        <p14:creationId xmlns:p14="http://schemas.microsoft.com/office/powerpoint/2010/main" val="1558317144"/>
-      </p:ext>
-    </p:extLst>
-  </p:cSld>
-  <p:clrMapOvr>
-    <a:masterClrMapping/>
-  </p:clrMapOvr>
-  <mc:AlternateContent xmlns:mc="http://schemas.openxmlformats.org/markup-compatibility/2006" xmlns:p14="http://schemas.microsoft.com/office/powerpoint/2010/main">
-    <mc:Choice Requires="p14">
-      <p:transition spd="slow" p14:dur="2000" advTm="54145"/>
-    </mc:Choice>
-    <mc:Fallback xmlns="">
-      <p:transition spd="slow" advTm="54145"/>
-    </mc:Fallback>
-  </mc:AlternateContent>
-  <p:timing>
-    <p:tnLst>
-      <p:par>
-        <p:cTn id="1" dur="indefinite" restart="never" nodeType="tmRoot">
-          <p:childTnLst>
-            <p:seq concurrent="1" nextAc="seek">
-              <p:cTn id="2" dur="indefinite" nodeType="mainSeq">
-                <p:childTnLst>
-                  <p:par>
-                    <p:cTn id="3" fill="hold">
-                      <p:stCondLst>
-                        <p:cond delay="indefinite"/>
-                      </p:stCondLst>
-                      <p:childTnLst>
-                        <p:par>
-                          <p:cTn id="4" fill="hold">
-                            <p:stCondLst>
-                              <p:cond delay="0"/>
-                            </p:stCondLst>
-                            <p:childTnLst>
-                              <p:par>
-                                <p:cTn id="5" presetID="1" presetClass="entr" presetSubtype="0" fill="hold" nodeType="clickEffect">
-                                  <p:stCondLst>
-                                    <p:cond delay="0"/>
-                                  </p:stCondLst>
-                                  <p:childTnLst>
-                                    <p:set>
-                                      <p:cBhvr>
-                                        <p:cTn id="6" dur="1" fill="hold">
-                                          <p:stCondLst>
-                                            <p:cond delay="0"/>
-                                          </p:stCondLst>
-                                        </p:cTn>
-                                        <p:tgtEl>
-                                          <p:spTgt spid="3">
-                                            <p:txEl>
-                                              <p:pRg st="0" end="0"/>
-                                            </p:txEl>
-                                          </p:spTgt>
-                                        </p:tgtEl>
-                                        <p:attrNameLst>
-                                          <p:attrName>style.visibility</p:attrName>
-                                        </p:attrNameLst>
-                                      </p:cBhvr>
-                                      <p:to>
-                                        <p:strVal val="visible"/>
-                                      </p:to>
-                                    </p:set>
-                                  </p:childTnLst>
-                                </p:cTn>
-                              </p:par>
-                            </p:childTnLst>
-                          </p:cTn>
-                        </p:par>
-                      </p:childTnLst>
-                    </p:cTn>
-                  </p:par>
-                  <p:par>
-                    <p:cTn id="7" fill="hold">
-                      <p:stCondLst>
-                        <p:cond delay="indefinite"/>
-                      </p:stCondLst>
-                      <p:childTnLst>
-                        <p:par>
-                          <p:cTn id="8" fill="hold">
-                            <p:stCondLst>
-                              <p:cond delay="0"/>
-                            </p:stCondLst>
-                            <p:childTnLst>
-                              <p:par>
-                                <p:cTn id="9" presetID="1" presetClass="entr" presetSubtype="0" fill="hold" nodeType="clickEffect">
-                                  <p:stCondLst>
-                                    <p:cond delay="0"/>
-                                  </p:stCondLst>
-                                  <p:childTnLst>
-                                    <p:set>
-                                      <p:cBhvr>
-                                        <p:cTn id="10" dur="1" fill="hold">
-                                          <p:stCondLst>
-                                            <p:cond delay="0"/>
-                                          </p:stCondLst>
-                                        </p:cTn>
-                                        <p:tgtEl>
-                                          <p:spTgt spid="3">
-                                            <p:txEl>
-                                              <p:pRg st="2" end="2"/>
-                                            </p:txEl>
-                                          </p:spTgt>
-                                        </p:tgtEl>
-                                        <p:attrNameLst>
-                                          <p:attrName>style.visibility</p:attrName>
-                                        </p:attrNameLst>
-                                      </p:cBhvr>
-                                      <p:to>
-                                        <p:strVal val="visible"/>
-                                      </p:to>
-                                    </p:set>
-                                  </p:childTnLst>
-                                </p:cTn>
-                              </p:par>
-                            </p:childTnLst>
-                          </p:cTn>
-                        </p:par>
-                      </p:childTnLst>
-                    </p:cTn>
-                  </p:par>
-                  <p:par>
-                    <p:cTn id="11" fill="hold">
-                      <p:stCondLst>
-                        <p:cond delay="indefinite"/>
-                      </p:stCondLst>
-                      <p:childTnLst>
-                        <p:par>
-                          <p:cTn id="12" fill="hold">
-                            <p:stCondLst>
-                              <p:cond delay="0"/>
-                            </p:stCondLst>
-                            <p:childTnLst>
-                              <p:par>
-                                <p:cTn id="13" presetID="1" presetClass="entr" presetSubtype="0" fill="hold" nodeType="clickEffect">
-                                  <p:stCondLst>
-                                    <p:cond delay="0"/>
-                                  </p:stCondLst>
-                                  <p:childTnLst>
-                                    <p:set>
-                                      <p:cBhvr>
-                                        <p:cTn id="14" dur="1" fill="hold">
-                                          <p:stCondLst>
-                                            <p:cond delay="0"/>
-                                          </p:stCondLst>
-                                        </p:cTn>
-                                        <p:tgtEl>
-                                          <p:spTgt spid="3">
-                                            <p:txEl>
-                                              <p:pRg st="4" end="4"/>
-                                            </p:txEl>
-                                          </p:spTgt>
-                                        </p:tgtEl>
-                                        <p:attrNameLst>
-                                          <p:attrName>style.visibility</p:attrName>
-                                        </p:attrNameLst>
-                                      </p:cBhvr>
-                                      <p:to>
-                                        <p:strVal val="visible"/>
-                                      </p:to>
-                                    </p:set>
-                                  </p:childTnLst>
-                                </p:cTn>
-                              </p:par>
-                            </p:childTnLst>
-                          </p:cTn>
-                        </p:par>
-                      </p:childTnLst>
-                    </p:cTn>
-                  </p:par>
-                </p:childTnLst>
-              </p:cTn>
-              <p:prevCondLst>
-                <p:cond evt="onPrev" delay="0">
-                  <p:tgtEl>
-                    <p:sldTgt/>
-                  </p:tgtEl>
-                </p:cond>
-              </p:prevCondLst>
-              <p:nextCondLst>
-                <p:cond evt="onNext" delay="0">
-                  <p:tgtEl>
-                    <p:sldTgt/>
-                  </p:tgtEl>
-                </p:cond>
-              </p:nextCondLst>
-            </p:seq>
-          </p:childTnLst>
-        </p:cTn>
-      </p:par>
-    </p:tnLst>
-  </p:timing>
-</p:sld>
-</file>
-
 <file path=ppt/slides/slide31.xml><?xml version="1.0" encoding="utf-8"?>
 <p:sld xmlns:a="http://schemas.openxmlformats.org/drawingml/2006/main" xmlns:r="http://schemas.openxmlformats.org/officeDocument/2006/relationships" xmlns:p="http://schemas.openxmlformats.org/presentationml/2006/main">
   <p:cSld>
@@ -13353,7 +13147,7 @@
           <a:p>
             <a:r>
               <a:rPr lang="ru-RU" dirty="0" smtClean="0"/>
-              <a:t>Коннектор: планы новые</a:t>
+              <a:t>Коннектор: планы старые</a:t>
             </a:r>
             <a:endParaRPr lang="en-US" dirty="0"/>
           </a:p>
@@ -13376,7 +13170,7 @@
           <a:p>
             <a:r>
               <a:rPr lang="ru-RU" dirty="0" smtClean="0"/>
-              <a:t>Распилить пакет на два</a:t>
+              <a:t>Переименовать пакет</a:t>
             </a:r>
           </a:p>
           <a:p>
@@ -13385,7 +13179,15 @@
           <a:p>
             <a:r>
               <a:rPr lang="ru-RU" dirty="0" smtClean="0"/>
-              <a:t>Сделать более удобный интерфейс</a:t>
+              <a:t>Поддержать </a:t>
+            </a:r>
+            <a:r>
+              <a:rPr lang="en-US" dirty="0" err="1" smtClean="0"/>
+              <a:t>MsgPackValue</a:t>
+            </a:r>
+            <a:r>
+              <a:rPr lang="ru-RU" dirty="0" smtClean="0"/>
+              <a:t> (непрозрачный контейнер)</a:t>
             </a:r>
             <a:endParaRPr lang="en-US" dirty="0" smtClean="0"/>
           </a:p>
@@ -13395,7 +13197,23 @@
           <a:p>
             <a:r>
               <a:rPr lang="ru-RU" dirty="0" smtClean="0"/>
-              <a:t>Ускорить, расширить и улучшить</a:t>
+              <a:t>Добавить более удобную </a:t>
+            </a:r>
+            <a:r>
+              <a:rPr lang="ru-RU" dirty="0" err="1" smtClean="0"/>
+              <a:t>сериализацию</a:t>
+            </a:r>
+            <a:r>
+              <a:rPr lang="ru-RU" dirty="0" smtClean="0"/>
+              <a:t> в </a:t>
+            </a:r>
+            <a:r>
+              <a:rPr lang="en-US" dirty="0" err="1" smtClean="0"/>
+              <a:t>MsgPack</a:t>
+            </a:r>
+            <a:r>
+              <a:rPr lang="en-US" dirty="0" smtClean="0"/>
+              <a:t>: mini-ORM</a:t>
             </a:r>
             <a:endParaRPr lang="ru-RU" dirty="0"/>
           </a:p>
@@ -13410,7 +13228,7 @@
     </p:custDataLst>
     <p:extLst>
       <p:ext uri="{BB962C8B-B14F-4D97-AF65-F5344CB8AC3E}">
-        <p14:creationId xmlns:p14="http://schemas.microsoft.com/office/powerpoint/2010/main" val="231198604"/>
+        <p14:creationId xmlns:p14="http://schemas.microsoft.com/office/powerpoint/2010/main" val="1558317144"/>
       </p:ext>
     </p:extLst>
   </p:cSld>
@@ -13639,11 +13457,7 @@
           <a:p>
             <a:r>
               <a:rPr lang="ru-RU" dirty="0" smtClean="0"/>
-              <a:t>Коннектор: </a:t>
-            </a:r>
-            <a:r>
-              <a:rPr lang="ru-RU" dirty="0" err="1" smtClean="0"/>
-              <a:t>хотелки</a:t>
+              <a:t>Коннектор: планы новые</a:t>
             </a:r>
             <a:endParaRPr lang="en-US" dirty="0"/>
           </a:p>
@@ -13666,7 +13480,7 @@
           <a:p>
             <a:r>
               <a:rPr lang="ru-RU" dirty="0" smtClean="0"/>
-              <a:t>Все запросы в логе даже ценой скорости</a:t>
+              <a:t>Распилить пакет на два</a:t>
             </a:r>
           </a:p>
           <a:p>
@@ -13675,26 +13489,46 @@
           <a:p>
             <a:r>
               <a:rPr lang="ru-RU" dirty="0" smtClean="0"/>
-              <a:t>Более удобная работа с </a:t>
-            </a:r>
-            <a:r>
-              <a:rPr lang="en-US" dirty="0" err="1" smtClean="0"/>
-              <a:t>box.session.sync</a:t>
-            </a:r>
+              <a:t>Сделать более удобный интерфейс</a:t>
+            </a:r>
+            <a:endParaRPr lang="en-US" dirty="0" smtClean="0"/>
+          </a:p>
+          <a:p>
             <a:endParaRPr lang="en-US" dirty="0"/>
           </a:p>
+          <a:p>
+            <a:r>
+              <a:rPr lang="ru-RU" dirty="0" smtClean="0"/>
+              <a:t>Ускорить, расширить и улучшить</a:t>
+            </a:r>
+            <a:endParaRPr lang="ru-RU" dirty="0"/>
+          </a:p>
+          <a:p>
+            <a:endParaRPr lang="en-US" dirty="0"/>
+          </a:p>
         </p:txBody>
       </p:sp>
     </p:spTree>
+    <p:custDataLst>
+      <p:tags r:id="rId1"/>
+    </p:custDataLst>
     <p:extLst>
       <p:ext uri="{BB962C8B-B14F-4D97-AF65-F5344CB8AC3E}">
-        <p14:creationId xmlns:p14="http://schemas.microsoft.com/office/powerpoint/2010/main" val="745898126"/>
+        <p14:creationId xmlns:p14="http://schemas.microsoft.com/office/powerpoint/2010/main" val="231198604"/>
       </p:ext>
     </p:extLst>
   </p:cSld>
   <p:clrMapOvr>
     <a:masterClrMapping/>
   </p:clrMapOvr>
+  <mc:AlternateContent xmlns:mc="http://schemas.openxmlformats.org/markup-compatibility/2006" xmlns:p14="http://schemas.microsoft.com/office/powerpoint/2010/main">
+    <mc:Choice Requires="p14">
+      <p:transition spd="slow" p14:dur="2000" advTm="54145"/>
+    </mc:Choice>
+    <mc:Fallback xmlns="">
+      <p:transition spd="slow" advTm="54145"/>
+    </mc:Fallback>
+  </mc:AlternateContent>
   <p:timing>
     <p:tnLst>
       <p:par>
@@ -13716,7 +13550,7 @@
                             </p:stCondLst>
                             <p:childTnLst>
                               <p:par>
-                                <p:cTn id="5" presetID="1" presetClass="entr" presetSubtype="0" fill="hold" grpId="0" nodeType="clickEffect">
+                                <p:cTn id="5" presetID="1" presetClass="entr" presetSubtype="0" fill="hold" nodeType="clickEffect">
                                   <p:stCondLst>
                                     <p:cond delay="0"/>
                                   </p:stCondLst>
@@ -13765,7 +13599,7 @@
                             </p:stCondLst>
                             <p:childTnLst>
                               <p:par>
-                                <p:cTn id="9" presetID="1" presetClass="entr" presetSubtype="0" fill="hold" grpId="0" nodeType="clickEffect">
+                                <p:cTn id="9" presetID="1" presetClass="entr" presetSubtype="0" fill="hold" nodeType="clickEffect">
                                   <p:stCondLst>
                                     <p:cond delay="0"/>
                                   </p:stCondLst>
@@ -13781,6 +13615,55 @@
                                           <p:spTgt spid="3">
                                             <p:txEl>
                                               <p:pRg st="2" end="2"/>
+                                            </p:txEl>
+                                          </p:spTgt>
+                                        </p:tgtEl>
+                                        <p:attrNameLst>
+                                          <p:attrName>style.visibility</p:attrName>
+                                        </p:attrNameLst>
+                                      </p:cBhvr>
+                                      <p:to>
+                                        <p:strVal val="visible"/>
+                                      </p:to>
+                                    </p:set>
+                                  </p:childTnLst>
+                                </p:cTn>
+                              </p:par>
+                            </p:childTnLst>
+                          </p:cTn>
+                        </p:par>
+                      </p:childTnLst>
+                    </p:cTn>
+                  </p:par>
+                  <p:par>
+                    <p:cTn id="11" fill="hold">
+                      <p:stCondLst>
+                        <p:cond delay="indefinite"/>
+                      </p:stCondLst>
+                      <p:childTnLst>
+                        <p:par>
+                          <p:cTn id="12" fill="hold">
+                            <p:stCondLst>
+                              <p:cond delay="0"/>
+                            </p:stCondLst>
+                            <p:childTnLst>
+                              <p:par>
+                                <p:cTn id="13" presetID="1" presetClass="entr" presetSubtype="0" fill="hold" nodeType="clickEffect">
+                                  <p:stCondLst>
+                                    <p:cond delay="0"/>
+                                  </p:stCondLst>
+                                  <p:childTnLst>
+                                    <p:set>
+                                      <p:cBhvr>
+                                        <p:cTn id="14" dur="1" fill="hold">
+                                          <p:stCondLst>
+                                            <p:cond delay="0"/>
+                                          </p:stCondLst>
+                                        </p:cTn>
+                                        <p:tgtEl>
+                                          <p:spTgt spid="3">
+                                            <p:txEl>
+                                              <p:pRg st="4" end="4"/>
                                             </p:txEl>
                                           </p:spTgt>
                                         </p:tgtEl>
@@ -13822,9 +13705,6 @@
         </p:cTn>
       </p:par>
     </p:tnLst>
-    <p:bldLst>
-      <p:bldP spid="3" grpId="0" build="p"/>
-    </p:bldLst>
   </p:timing>
 </p:sld>
 </file>
@@ -14191,7 +14071,33 @@
           <a:p>
             <a:r>
               <a:rPr lang="ru-RU" dirty="0" smtClean="0"/>
-              <a:t>Ну и в редисе нет</a:t>
+              <a:t>В </a:t>
+            </a:r>
+            <a:r>
+              <a:rPr lang="en-US" dirty="0" err="1" smtClean="0"/>
+              <a:t>Tarantool</a:t>
+            </a:r>
+            <a:r>
+              <a:rPr lang="en-US" dirty="0" smtClean="0"/>
+              <a:t> </a:t>
+            </a:r>
+            <a:r>
+              <a:rPr lang="ru-RU" dirty="0" smtClean="0"/>
+              <a:t>её нет</a:t>
+            </a:r>
+            <a:endParaRPr lang="en-US" dirty="0" smtClean="0"/>
+          </a:p>
+          <a:p>
+            <a:endParaRPr lang="en-US" dirty="0" smtClean="0"/>
+          </a:p>
+          <a:p>
+            <a:r>
+              <a:rPr lang="ru-RU" dirty="0" smtClean="0"/>
+              <a:t>Ну </a:t>
+            </a:r>
+            <a:r>
+              <a:rPr lang="ru-RU" dirty="0" smtClean="0"/>
+              <a:t>и в редисе нет</a:t>
             </a:r>
             <a:endParaRPr lang="en-US" dirty="0" smtClean="0"/>
           </a:p>
@@ -14268,7 +14174,7 @@
                                         <p:tgtEl>
                                           <p:spTgt spid="3">
                                             <p:txEl>
-                                              <p:pRg st="0" end="0"/>
+                                              <p:pRg st="2" end="2"/>
                                             </p:txEl>
                                           </p:spTgt>
                                         </p:tgtEl>
@@ -14317,7 +14223,56 @@
                                         <p:tgtEl>
                                           <p:spTgt spid="3">
                                             <p:txEl>
-                                              <p:pRg st="2" end="2"/>
+                                              <p:pRg st="0" end="0"/>
+                                            </p:txEl>
+                                          </p:spTgt>
+                                        </p:tgtEl>
+                                        <p:attrNameLst>
+                                          <p:attrName>style.visibility</p:attrName>
+                                        </p:attrNameLst>
+                                      </p:cBhvr>
+                                      <p:to>
+                                        <p:strVal val="visible"/>
+                                      </p:to>
+                                    </p:set>
+                                  </p:childTnLst>
+                                </p:cTn>
+                              </p:par>
+                            </p:childTnLst>
+                          </p:cTn>
+                        </p:par>
+                      </p:childTnLst>
+                    </p:cTn>
+                  </p:par>
+                  <p:par>
+                    <p:cTn id="11" fill="hold">
+                      <p:stCondLst>
+                        <p:cond delay="indefinite"/>
+                      </p:stCondLst>
+                      <p:childTnLst>
+                        <p:par>
+                          <p:cTn id="12" fill="hold">
+                            <p:stCondLst>
+                              <p:cond delay="0"/>
+                            </p:stCondLst>
+                            <p:childTnLst>
+                              <p:par>
+                                <p:cTn id="13" presetID="1" presetClass="entr" presetSubtype="0" fill="hold" nodeType="clickEffect">
+                                  <p:stCondLst>
+                                    <p:cond delay="0"/>
+                                  </p:stCondLst>
+                                  <p:childTnLst>
+                                    <p:set>
+                                      <p:cBhvr>
+                                        <p:cTn id="14" dur="1" fill="hold">
+                                          <p:stCondLst>
+                                            <p:cond delay="0"/>
+                                          </p:stCondLst>
+                                        </p:cTn>
+                                        <p:tgtEl>
+                                          <p:spTgt spid="3">
+                                            <p:txEl>
+                                              <p:pRg st="4" end="4"/>
                                             </p:txEl>
                                           </p:spTgt>
                                         </p:tgtEl>
@@ -15914,6 +15869,14 @@
   <p:clrMapOvr>
     <a:masterClrMapping/>
   </p:clrMapOvr>
+  <mc:AlternateContent xmlns:mc="http://schemas.openxmlformats.org/markup-compatibility/2006">
+    <mc:Choice xmlns:p14="http://schemas.microsoft.com/office/powerpoint/2010/main" Requires="p14">
+      <p:transition spd="slow" p14:dur="2000" advTm="29445"/>
+    </mc:Choice>
+    <mc:Fallback>
+      <p:transition spd="slow" advTm="29445"/>
+    </mc:Fallback>
+  </mc:AlternateContent>
   <p:timing>
     <p:tnLst>
       <p:par>
@@ -16157,40 +16120,20 @@
             </a:r>
             <a:r>
               <a:rPr lang="ru-RU" dirty="0"/>
-              <a:t>совместимая публикация приложений</a:t>
-            </a:r>
-          </a:p>
-          <a:p>
-            <a:pPr lvl="1"/>
-            <a:r>
-              <a:rPr lang="ru-RU" dirty="0"/>
-              <a:t>Пока не поддерживает </a:t>
-            </a:r>
-            <a:r>
-              <a:rPr lang="mr-IN" dirty="0"/>
-              <a:t>–</a:t>
-            </a:r>
-            <a:r>
-              <a:rPr lang="en-US" dirty="0"/>
-              <a:t>no-build, </a:t>
-            </a:r>
-            <a:r>
-              <a:rPr lang="ru-RU" dirty="0"/>
-              <a:t>будет в </a:t>
-            </a:r>
-            <a:r>
-              <a:rPr lang="en-US" dirty="0" err="1"/>
-              <a:t>sdk</a:t>
-            </a:r>
-            <a:r>
-              <a:rPr lang="ru-RU" dirty="0"/>
-              <a:t> 2.1</a:t>
+              <a:t>совместимая публикация </a:t>
+            </a:r>
+            <a:r>
+              <a:rPr lang="ru-RU" dirty="0" smtClean="0"/>
+              <a:t>приложений</a:t>
             </a:r>
             <a:endParaRPr lang="en-US" dirty="0"/>
           </a:p>
         </p:txBody>
       </p:sp>
     </p:spTree>
+    <p:custDataLst>
+      <p:tags r:id="rId1"/>
+    </p:custDataLst>
     <p:extLst>
       <p:ext uri="{BB962C8B-B14F-4D97-AF65-F5344CB8AC3E}">
         <p14:creationId xmlns:p14="http://schemas.microsoft.com/office/powerpoint/2010/main" val="284025742"/>
@@ -16200,6 +16143,14 @@
   <p:clrMapOvr>
     <a:masterClrMapping/>
   </p:clrMapOvr>
+  <mc:AlternateContent xmlns:mc="http://schemas.openxmlformats.org/markup-compatibility/2006">
+    <mc:Choice xmlns:p14="http://schemas.microsoft.com/office/powerpoint/2010/main" Requires="p14">
+      <p:transition spd="slow" p14:dur="2000" advTm="26037"/>
+    </mc:Choice>
+    <mc:Fallback>
+      <p:transition spd="slow" advTm="26037"/>
+    </mc:Fallback>
+  </mc:AlternateContent>
   <p:timing>
     <p:tnLst>
       <p:par>
@@ -16349,37 +16300,6 @@
                                   </p:childTnLst>
                                 </p:cTn>
                               </p:par>
-                              <p:par>
-                                <p:cTn id="15" presetID="1" presetClass="entr" presetSubtype="0" fill="hold" grpId="0" nodeType="withEffect">
-                                  <p:stCondLst>
-                                    <p:cond delay="0"/>
-                                  </p:stCondLst>
-                                  <p:childTnLst>
-                                    <p:set>
-                                      <p:cBhvr>
-                                        <p:cTn id="16" dur="1" fill="hold">
-                                          <p:stCondLst>
-                                            <p:cond delay="0"/>
-                                          </p:stCondLst>
-                                        </p:cTn>
-                                        <p:tgtEl>
-                                          <p:spTgt spid="3">
-                                            <p:txEl>
-                                              <p:pRg st="5" end="5"/>
-                                            </p:txEl>
-                                          </p:spTgt>
-                                        </p:tgtEl>
-                                        <p:attrNameLst>
-                                          <p:attrName>style.visibility</p:attrName>
-                                        </p:attrNameLst>
-                                      </p:cBhvr>
-                                      <p:to>
-                                        <p:strVal val="visible"/>
-                                      </p:to>
-                                    </p:set>
-                                  </p:childTnLst>
-                                </p:cTn>
-                              </p:par>
                             </p:childTnLst>
                           </p:cTn>
                         </p:par>
@@ -16489,7 +16409,7 @@
             </a:r>
             <a:r>
               <a:rPr lang="en-US" dirty="0" smtClean="0">
-                <a:hlinkClick r:id="rId2"/>
+                <a:hlinkClick r:id="rId3"/>
               </a:rPr>
               <a:t>https://evote.com</a:t>
             </a:r>
@@ -16508,7 +16428,7 @@
             </a:r>
             <a:r>
               <a:rPr lang="en-US" dirty="0" smtClean="0">
-                <a:hlinkClick r:id="rId3"/>
+                <a:hlinkClick r:id="rId4"/>
               </a:rPr>
               <a:t>https://dev.evote.work:8080</a:t>
             </a:r>
@@ -16523,6 +16443,9 @@
         </p:txBody>
       </p:sp>
     </p:spTree>
+    <p:custDataLst>
+      <p:tags r:id="rId1"/>
+    </p:custDataLst>
     <p:extLst>
       <p:ext uri="{BB962C8B-B14F-4D97-AF65-F5344CB8AC3E}">
         <p14:creationId xmlns:p14="http://schemas.microsoft.com/office/powerpoint/2010/main" val="522015628"/>
@@ -16532,6 +16455,14 @@
   <p:clrMapOvr>
     <a:masterClrMapping/>
   </p:clrMapOvr>
+  <mc:AlternateContent xmlns:mc="http://schemas.openxmlformats.org/markup-compatibility/2006">
+    <mc:Choice xmlns:p14="http://schemas.microsoft.com/office/powerpoint/2010/main" Requires="p14">
+      <p:transition spd="slow" p14:dur="2000" advTm="25966"/>
+    </mc:Choice>
+    <mc:Fallback>
+      <p:transition spd="slow" advTm="25966"/>
+    </mc:Fallback>
+  </mc:AlternateContent>
   <p:timing>
     <p:tnLst>
       <p:par>
@@ -17114,6 +17045,314 @@
 </file>
 
 <file path=ppt/slides/slide8.xml><?xml version="1.0" encoding="utf-8"?>
+<p:sld xmlns:a="http://schemas.openxmlformats.org/drawingml/2006/main" xmlns:r="http://schemas.openxmlformats.org/officeDocument/2006/relationships" xmlns:p="http://schemas.openxmlformats.org/presentationml/2006/main">
+  <p:cSld>
+    <p:spTree>
+      <p:nvGrpSpPr>
+        <p:cNvPr id="1" name=""/>
+        <p:cNvGrpSpPr/>
+        <p:nvPr/>
+      </p:nvGrpSpPr>
+      <p:grpSpPr>
+        <a:xfrm>
+          <a:off x="0" y="0"/>
+          <a:ext cx="0" cy="0"/>
+          <a:chOff x="0" y="0"/>
+          <a:chExt cx="0" cy="0"/>
+        </a:xfrm>
+      </p:grpSpPr>
+      <p:sp>
+        <p:nvSpPr>
+          <p:cNvPr id="2" name="Title 1"/>
+          <p:cNvSpPr>
+            <a:spLocks noGrp="1"/>
+          </p:cNvSpPr>
+          <p:nvPr>
+            <p:ph type="title"/>
+          </p:nvPr>
+        </p:nvSpPr>
+        <p:spPr/>
+        <p:txBody>
+          <a:bodyPr/>
+          <a:lstStyle/>
+          <a:p>
+            <a:r>
+              <a:rPr lang="en-US" dirty="0" err="1" smtClean="0"/>
+              <a:t>xcopy</a:t>
+            </a:r>
+            <a:r>
+              <a:rPr lang="en-US" dirty="0" smtClean="0"/>
+              <a:t> </a:t>
+            </a:r>
+            <a:r>
+              <a:rPr lang="ru-RU" dirty="0" smtClean="0"/>
+              <a:t>публикация</a:t>
+            </a:r>
+            <a:endParaRPr lang="en-US" dirty="0"/>
+          </a:p>
+        </p:txBody>
+      </p:sp>
+      <p:sp>
+        <p:nvSpPr>
+          <p:cNvPr id="3" name="Content Placeholder 2"/>
+          <p:cNvSpPr>
+            <a:spLocks noGrp="1"/>
+          </p:cNvSpPr>
+          <p:nvPr>
+            <p:ph idx="1"/>
+          </p:nvPr>
+        </p:nvSpPr>
+        <p:spPr/>
+        <p:txBody>
+          <a:bodyPr/>
+          <a:lstStyle/>
+          <a:p>
+            <a:r>
+              <a:rPr lang="en-US" dirty="0" err="1" smtClean="0"/>
+              <a:t>dotnet</a:t>
+            </a:r>
+            <a:r>
+              <a:rPr lang="en-US" dirty="0" smtClean="0"/>
+              <a:t> publish </a:t>
+            </a:r>
+            <a:r>
+              <a:rPr lang="mr-IN" dirty="0" smtClean="0"/>
+              <a:t>–</a:t>
+            </a:r>
+            <a:r>
+              <a:rPr lang="en-US" dirty="0" smtClean="0"/>
+              <a:t> </a:t>
+            </a:r>
+            <a:r>
+              <a:rPr lang="ru-RU" dirty="0" smtClean="0"/>
+              <a:t>единственный вариант</a:t>
+            </a:r>
+            <a:endParaRPr lang="en-US" dirty="0" smtClean="0"/>
+          </a:p>
+          <a:p>
+            <a:endParaRPr lang="ru-RU" dirty="0"/>
+          </a:p>
+          <a:p>
+            <a:r>
+              <a:rPr lang="en-US" dirty="0" smtClean="0"/>
+              <a:t>Framework dependent deployment</a:t>
+            </a:r>
+          </a:p>
+          <a:p>
+            <a:endParaRPr lang="en-US" dirty="0"/>
+          </a:p>
+          <a:p>
+            <a:r>
+              <a:rPr lang="en-US" dirty="0" smtClean="0"/>
+              <a:t>Self-contained deployment</a:t>
+            </a:r>
+            <a:endParaRPr lang="en-US" dirty="0" smtClean="0"/>
+          </a:p>
+          <a:p>
+            <a:endParaRPr lang="en-US" dirty="0"/>
+          </a:p>
+          <a:p>
+            <a:endParaRPr lang="ru-RU" dirty="0"/>
+          </a:p>
+          <a:p>
+            <a:endParaRPr lang="en-US" dirty="0"/>
+          </a:p>
+        </p:txBody>
+      </p:sp>
+    </p:spTree>
+    <p:extLst>
+      <p:ext uri="{BB962C8B-B14F-4D97-AF65-F5344CB8AC3E}">
+        <p14:creationId xmlns:p14="http://schemas.microsoft.com/office/powerpoint/2010/main" val="1473280081"/>
+      </p:ext>
+    </p:extLst>
+  </p:cSld>
+  <p:clrMapOvr>
+    <a:masterClrMapping/>
+  </p:clrMapOvr>
+  <p:timing>
+    <p:tnLst>
+      <p:par>
+        <p:cTn id="1" dur="indefinite" restart="never" nodeType="tmRoot">
+          <p:childTnLst>
+            <p:seq concurrent="1" nextAc="seek">
+              <p:cTn id="2" dur="indefinite" nodeType="mainSeq">
+                <p:childTnLst>
+                  <p:par>
+                    <p:cTn id="3" fill="hold">
+                      <p:stCondLst>
+                        <p:cond delay="indefinite"/>
+                      </p:stCondLst>
+                      <p:childTnLst>
+                        <p:par>
+                          <p:cTn id="4" fill="hold">
+                            <p:stCondLst>
+                              <p:cond delay="0"/>
+                            </p:stCondLst>
+                            <p:childTnLst>
+                              <p:par>
+                                <p:cTn id="5" presetID="1" presetClass="entr" presetSubtype="0" fill="hold" grpId="0" nodeType="clickEffect">
+                                  <p:stCondLst>
+                                    <p:cond delay="0"/>
+                                  </p:stCondLst>
+                                  <p:childTnLst>
+                                    <p:set>
+                                      <p:cBhvr>
+                                        <p:cTn id="6" dur="1" fill="hold">
+                                          <p:stCondLst>
+                                            <p:cond delay="0"/>
+                                          </p:stCondLst>
+                                        </p:cTn>
+                                        <p:tgtEl>
+                                          <p:spTgt spid="3">
+                                            <p:txEl>
+                                              <p:pRg st="0" end="0"/>
+                                            </p:txEl>
+                                          </p:spTgt>
+                                        </p:tgtEl>
+                                        <p:attrNameLst>
+                                          <p:attrName>style.visibility</p:attrName>
+                                        </p:attrNameLst>
+                                      </p:cBhvr>
+                                      <p:to>
+                                        <p:strVal val="visible"/>
+                                      </p:to>
+                                    </p:set>
+                                  </p:childTnLst>
+                                </p:cTn>
+                              </p:par>
+                            </p:childTnLst>
+                          </p:cTn>
+                        </p:par>
+                      </p:childTnLst>
+                    </p:cTn>
+                  </p:par>
+                  <p:par>
+                    <p:cTn id="7" fill="hold">
+                      <p:stCondLst>
+                        <p:cond delay="indefinite"/>
+                      </p:stCondLst>
+                      <p:childTnLst>
+                        <p:par>
+                          <p:cTn id="8" fill="hold">
+                            <p:stCondLst>
+                              <p:cond delay="0"/>
+                            </p:stCondLst>
+                            <p:childTnLst>
+                              <p:par>
+                                <p:cTn id="9" presetID="1" presetClass="entr" presetSubtype="0" fill="hold" grpId="0" nodeType="clickEffect">
+                                  <p:stCondLst>
+                                    <p:cond delay="0"/>
+                                  </p:stCondLst>
+                                  <p:childTnLst>
+                                    <p:set>
+                                      <p:cBhvr>
+                                        <p:cTn id="10" dur="1" fill="hold">
+                                          <p:stCondLst>
+                                            <p:cond delay="0"/>
+                                          </p:stCondLst>
+                                        </p:cTn>
+                                        <p:tgtEl>
+                                          <p:spTgt spid="3">
+                                            <p:txEl>
+                                              <p:pRg st="2" end="2"/>
+                                            </p:txEl>
+                                          </p:spTgt>
+                                        </p:tgtEl>
+                                        <p:attrNameLst>
+                                          <p:attrName>style.visibility</p:attrName>
+                                        </p:attrNameLst>
+                                      </p:cBhvr>
+                                      <p:to>
+                                        <p:strVal val="visible"/>
+                                      </p:to>
+                                    </p:set>
+                                  </p:childTnLst>
+                                </p:cTn>
+                              </p:par>
+                            </p:childTnLst>
+                          </p:cTn>
+                        </p:par>
+                      </p:childTnLst>
+                    </p:cTn>
+                  </p:par>
+                  <p:par>
+                    <p:cTn id="11" fill="hold">
+                      <p:stCondLst>
+                        <p:cond delay="indefinite"/>
+                      </p:stCondLst>
+                      <p:childTnLst>
+                        <p:par>
+                          <p:cTn id="12" fill="hold">
+                            <p:stCondLst>
+                              <p:cond delay="0"/>
+                            </p:stCondLst>
+                            <p:childTnLst>
+                              <p:par>
+                                <p:cTn id="13" presetID="1" presetClass="entr" presetSubtype="0" fill="hold" grpId="0" nodeType="clickEffect">
+                                  <p:stCondLst>
+                                    <p:cond delay="0"/>
+                                  </p:stCondLst>
+                                  <p:childTnLst>
+                                    <p:set>
+                                      <p:cBhvr>
+                                        <p:cTn id="14" dur="1" fill="hold">
+                                          <p:stCondLst>
+                                            <p:cond delay="0"/>
+                                          </p:stCondLst>
+                                        </p:cTn>
+                                        <p:tgtEl>
+                                          <p:spTgt spid="3">
+                                            <p:txEl>
+                                              <p:pRg st="4" end="4"/>
+                                            </p:txEl>
+                                          </p:spTgt>
+                                        </p:tgtEl>
+                                        <p:attrNameLst>
+                                          <p:attrName>style.visibility</p:attrName>
+                                        </p:attrNameLst>
+                                      </p:cBhvr>
+                                      <p:to>
+                                        <p:strVal val="visible"/>
+                                      </p:to>
+                                    </p:set>
+                                  </p:childTnLst>
+                                </p:cTn>
+                              </p:par>
+                            </p:childTnLst>
+                          </p:cTn>
+                        </p:par>
+                      </p:childTnLst>
+                    </p:cTn>
+                  </p:par>
+                </p:childTnLst>
+              </p:cTn>
+              <p:prevCondLst>
+                <p:cond evt="onPrev" delay="0">
+                  <p:tgtEl>
+                    <p:sldTgt/>
+                  </p:tgtEl>
+                </p:cond>
+              </p:prevCondLst>
+              <p:nextCondLst>
+                <p:cond evt="onNext" delay="0">
+                  <p:tgtEl>
+                    <p:sldTgt/>
+                  </p:tgtEl>
+                </p:cond>
+              </p:nextCondLst>
+            </p:seq>
+          </p:childTnLst>
+        </p:cTn>
+      </p:par>
+    </p:tnLst>
+    <p:bldLst>
+      <p:bldP spid="3" grpId="0" build="p"/>
+    </p:bldLst>
+  </p:timing>
+</p:sld>
+</file>
+
+<file path=ppt/slides/slide9.xml><?xml version="1.0" encoding="utf-8"?>
 <p:sld xmlns:a="http://schemas.openxmlformats.org/drawingml/2006/main" xmlns:r="http://schemas.openxmlformats.org/officeDocument/2006/relationships" xmlns:p="http://schemas.openxmlformats.org/presentationml/2006/main">
   <p:cSld>
     <p:spTree>
@@ -17537,307 +17776,49 @@
 </p:sld>
 </file>
 
-<file path=ppt/slides/slide9.xml><?xml version="1.0" encoding="utf-8"?>
-<p:sld xmlns:a="http://schemas.openxmlformats.org/drawingml/2006/main" xmlns:r="http://schemas.openxmlformats.org/officeDocument/2006/relationships" xmlns:p="http://schemas.openxmlformats.org/presentationml/2006/main">
-  <p:cSld>
-    <p:spTree>
-      <p:nvGrpSpPr>
-        <p:cNvPr id="1" name=""/>
-        <p:cNvGrpSpPr/>
-        <p:nvPr/>
-      </p:nvGrpSpPr>
-      <p:grpSpPr>
-        <a:xfrm>
-          <a:off x="0" y="0"/>
-          <a:ext cx="0" cy="0"/>
-          <a:chOff x="0" y="0"/>
-          <a:chExt cx="0" cy="0"/>
-        </a:xfrm>
-      </p:grpSpPr>
-      <p:sp>
-        <p:nvSpPr>
-          <p:cNvPr id="2" name="Title 1"/>
-          <p:cNvSpPr>
-            <a:spLocks noGrp="1"/>
-          </p:cNvSpPr>
-          <p:nvPr>
-            <p:ph type="title"/>
-          </p:nvPr>
-        </p:nvSpPr>
-        <p:spPr/>
-        <p:txBody>
-          <a:bodyPr/>
-          <a:lstStyle/>
-          <a:p>
-            <a:r>
-              <a:rPr lang="ru-RU" dirty="0" smtClean="0"/>
-              <a:t>Инструменты</a:t>
-            </a:r>
-            <a:endParaRPr lang="en-US" dirty="0"/>
-          </a:p>
-        </p:txBody>
-      </p:sp>
-      <p:sp>
-        <p:nvSpPr>
-          <p:cNvPr id="3" name="Content Placeholder 2"/>
-          <p:cNvSpPr>
-            <a:spLocks noGrp="1"/>
-          </p:cNvSpPr>
-          <p:nvPr>
-            <p:ph idx="1"/>
-          </p:nvPr>
-        </p:nvSpPr>
-        <p:spPr/>
-        <p:txBody>
-          <a:bodyPr/>
-          <a:lstStyle/>
-          <a:p>
-            <a:r>
-              <a:rPr lang="en-US" dirty="0" smtClean="0"/>
-              <a:t>Microsoft IDE: VS2015, VS2017, VS for mac</a:t>
-            </a:r>
-          </a:p>
-          <a:p>
-            <a:endParaRPr lang="en-US" dirty="0"/>
-          </a:p>
-          <a:p>
-            <a:r>
-              <a:rPr lang="en-US" dirty="0" err="1" smtClean="0"/>
-              <a:t>Jetbrains</a:t>
-            </a:r>
-            <a:r>
-              <a:rPr lang="en-US" dirty="0" smtClean="0"/>
-              <a:t> Rider</a:t>
-            </a:r>
-          </a:p>
-          <a:p>
-            <a:endParaRPr lang="en-US" dirty="0"/>
-          </a:p>
-          <a:p>
-            <a:r>
-              <a:rPr lang="en-US" dirty="0" smtClean="0"/>
-              <a:t>Editors: vs code, atom, etc. + </a:t>
-            </a:r>
-            <a:r>
-              <a:rPr lang="en-US" dirty="0" err="1" smtClean="0"/>
-              <a:t>OmniSharp</a:t>
-            </a:r>
-            <a:endParaRPr lang="en-US" dirty="0"/>
-          </a:p>
-        </p:txBody>
-      </p:sp>
-    </p:spTree>
-    <p:extLst>
-      <p:ext uri="{BB962C8B-B14F-4D97-AF65-F5344CB8AC3E}">
-        <p14:creationId xmlns:p14="http://schemas.microsoft.com/office/powerpoint/2010/main" val="151910089"/>
-      </p:ext>
-    </p:extLst>
-  </p:cSld>
-  <p:clrMapOvr>
-    <a:masterClrMapping/>
-  </p:clrMapOvr>
-  <p:timing>
-    <p:tnLst>
-      <p:par>
-        <p:cTn id="1" dur="indefinite" restart="never" nodeType="tmRoot">
-          <p:childTnLst>
-            <p:seq concurrent="1" nextAc="seek">
-              <p:cTn id="2" dur="indefinite" nodeType="mainSeq">
-                <p:childTnLst>
-                  <p:par>
-                    <p:cTn id="3" fill="hold">
-                      <p:stCondLst>
-                        <p:cond delay="indefinite"/>
-                      </p:stCondLst>
-                      <p:childTnLst>
-                        <p:par>
-                          <p:cTn id="4" fill="hold">
-                            <p:stCondLst>
-                              <p:cond delay="0"/>
-                            </p:stCondLst>
-                            <p:childTnLst>
-                              <p:par>
-                                <p:cTn id="5" presetID="1" presetClass="entr" presetSubtype="0" fill="hold" grpId="0" nodeType="clickEffect">
-                                  <p:stCondLst>
-                                    <p:cond delay="0"/>
-                                  </p:stCondLst>
-                                  <p:childTnLst>
-                                    <p:set>
-                                      <p:cBhvr>
-                                        <p:cTn id="6" dur="1" fill="hold">
-                                          <p:stCondLst>
-                                            <p:cond delay="0"/>
-                                          </p:stCondLst>
-                                        </p:cTn>
-                                        <p:tgtEl>
-                                          <p:spTgt spid="3">
-                                            <p:txEl>
-                                              <p:pRg st="0" end="0"/>
-                                            </p:txEl>
-                                          </p:spTgt>
-                                        </p:tgtEl>
-                                        <p:attrNameLst>
-                                          <p:attrName>style.visibility</p:attrName>
-                                        </p:attrNameLst>
-                                      </p:cBhvr>
-                                      <p:to>
-                                        <p:strVal val="visible"/>
-                                      </p:to>
-                                    </p:set>
-                                  </p:childTnLst>
-                                </p:cTn>
-                              </p:par>
-                            </p:childTnLst>
-                          </p:cTn>
-                        </p:par>
-                      </p:childTnLst>
-                    </p:cTn>
-                  </p:par>
-                  <p:par>
-                    <p:cTn id="7" fill="hold">
-                      <p:stCondLst>
-                        <p:cond delay="indefinite"/>
-                      </p:stCondLst>
-                      <p:childTnLst>
-                        <p:par>
-                          <p:cTn id="8" fill="hold">
-                            <p:stCondLst>
-                              <p:cond delay="0"/>
-                            </p:stCondLst>
-                            <p:childTnLst>
-                              <p:par>
-                                <p:cTn id="9" presetID="1" presetClass="entr" presetSubtype="0" fill="hold" grpId="0" nodeType="clickEffect">
-                                  <p:stCondLst>
-                                    <p:cond delay="0"/>
-                                  </p:stCondLst>
-                                  <p:childTnLst>
-                                    <p:set>
-                                      <p:cBhvr>
-                                        <p:cTn id="10" dur="1" fill="hold">
-                                          <p:stCondLst>
-                                            <p:cond delay="0"/>
-                                          </p:stCondLst>
-                                        </p:cTn>
-                                        <p:tgtEl>
-                                          <p:spTgt spid="3">
-                                            <p:txEl>
-                                              <p:pRg st="2" end="2"/>
-                                            </p:txEl>
-                                          </p:spTgt>
-                                        </p:tgtEl>
-                                        <p:attrNameLst>
-                                          <p:attrName>style.visibility</p:attrName>
-                                        </p:attrNameLst>
-                                      </p:cBhvr>
-                                      <p:to>
-                                        <p:strVal val="visible"/>
-                                      </p:to>
-                                    </p:set>
-                                  </p:childTnLst>
-                                </p:cTn>
-                              </p:par>
-                            </p:childTnLst>
-                          </p:cTn>
-                        </p:par>
-                      </p:childTnLst>
-                    </p:cTn>
-                  </p:par>
-                  <p:par>
-                    <p:cTn id="11" fill="hold">
-                      <p:stCondLst>
-                        <p:cond delay="indefinite"/>
-                      </p:stCondLst>
-                      <p:childTnLst>
-                        <p:par>
-                          <p:cTn id="12" fill="hold">
-                            <p:stCondLst>
-                              <p:cond delay="0"/>
-                            </p:stCondLst>
-                            <p:childTnLst>
-                              <p:par>
-                                <p:cTn id="13" presetID="1" presetClass="entr" presetSubtype="0" fill="hold" grpId="0" nodeType="clickEffect">
-                                  <p:stCondLst>
-                                    <p:cond delay="0"/>
-                                  </p:stCondLst>
-                                  <p:childTnLst>
-                                    <p:set>
-                                      <p:cBhvr>
-                                        <p:cTn id="14" dur="1" fill="hold">
-                                          <p:stCondLst>
-                                            <p:cond delay="0"/>
-                                          </p:stCondLst>
-                                        </p:cTn>
-                                        <p:tgtEl>
-                                          <p:spTgt spid="3">
-                                            <p:txEl>
-                                              <p:pRg st="4" end="4"/>
-                                            </p:txEl>
-                                          </p:spTgt>
-                                        </p:tgtEl>
-                                        <p:attrNameLst>
-                                          <p:attrName>style.visibility</p:attrName>
-                                        </p:attrNameLst>
-                                      </p:cBhvr>
-                                      <p:to>
-                                        <p:strVal val="visible"/>
-                                      </p:to>
-                                    </p:set>
-                                  </p:childTnLst>
-                                </p:cTn>
-                              </p:par>
-                            </p:childTnLst>
-                          </p:cTn>
-                        </p:par>
-                      </p:childTnLst>
-                    </p:cTn>
-                  </p:par>
-                </p:childTnLst>
-              </p:cTn>
-              <p:prevCondLst>
-                <p:cond evt="onPrev" delay="0">
-                  <p:tgtEl>
-                    <p:sldTgt/>
-                  </p:tgtEl>
-                </p:cond>
-              </p:prevCondLst>
-              <p:nextCondLst>
-                <p:cond evt="onNext" delay="0">
-                  <p:tgtEl>
-                    <p:sldTgt/>
-                  </p:tgtEl>
-                </p:cond>
-              </p:nextCondLst>
-            </p:seq>
-          </p:childTnLst>
-        </p:cTn>
-      </p:par>
-    </p:tnLst>
-    <p:bldLst>
-      <p:bldP spid="3" grpId="0" build="p"/>
-    </p:bldLst>
-  </p:timing>
-</p:sld>
-</file>
-
 <file path=ppt/tags/tag1.xml><?xml version="1.0" encoding="utf-8"?>
 <p:tagLst xmlns:a="http://schemas.openxmlformats.org/drawingml/2006/main" xmlns:r="http://schemas.openxmlformats.org/officeDocument/2006/relationships" xmlns:p="http://schemas.openxmlformats.org/presentationml/2006/main">
-  <p:tag name="TIMING" val="|0.3|0.4|0.4|0.6"/>
+  <p:tag name="TIMING" val="|1.1|1.3|2.2|3.5"/>
 </p:tagLst>
 </file>
 
 <file path=ppt/tags/tag10.xml><?xml version="1.0" encoding="utf-8"?>
 <p:tagLst xmlns:a="http://schemas.openxmlformats.org/drawingml/2006/main" xmlns:r="http://schemas.openxmlformats.org/officeDocument/2006/relationships" xmlns:p="http://schemas.openxmlformats.org/presentationml/2006/main">
-  <p:tag name="TIMING" val="|38|3.6|6.5|2.9|11.1|11.1"/>
+  <p:tag name="TIMING" val="|4.7|11.9|13.4"/>
 </p:tagLst>
 </file>
 
 <file path=ppt/tags/tag11.xml><?xml version="1.0" encoding="utf-8"?>
 <p:tagLst xmlns:a="http://schemas.openxmlformats.org/drawingml/2006/main" xmlns:r="http://schemas.openxmlformats.org/officeDocument/2006/relationships" xmlns:p="http://schemas.openxmlformats.org/presentationml/2006/main">
+  <p:tag name="TIMING" val="|4.7|11.9|13.4"/>
+</p:tagLst>
+</file>
+
+<file path=ppt/tags/tag12.xml><?xml version="1.0" encoding="utf-8"?>
+<p:tagLst xmlns:a="http://schemas.openxmlformats.org/drawingml/2006/main" xmlns:r="http://schemas.openxmlformats.org/officeDocument/2006/relationships" xmlns:p="http://schemas.openxmlformats.org/presentationml/2006/main">
+  <p:tag name="TIMING" val="|12.5|10.2|11.3"/>
+</p:tagLst>
+</file>
+
+<file path=ppt/tags/tag13.xml><?xml version="1.0" encoding="utf-8"?>
+<p:tagLst xmlns:a="http://schemas.openxmlformats.org/drawingml/2006/main" xmlns:r="http://schemas.openxmlformats.org/officeDocument/2006/relationships" xmlns:p="http://schemas.openxmlformats.org/presentationml/2006/main">
+  <p:tag name="TIMING" val="|9.3|10.9"/>
+</p:tagLst>
+</file>
+
+<file path=ppt/tags/tag14.xml><?xml version="1.0" encoding="utf-8"?>
+<p:tagLst xmlns:a="http://schemas.openxmlformats.org/drawingml/2006/main" xmlns:r="http://schemas.openxmlformats.org/officeDocument/2006/relationships" xmlns:p="http://schemas.openxmlformats.org/presentationml/2006/main">
+  <p:tag name="TIMING" val="|38|3.6|6.5|2.9|11.1|11.1"/>
+</p:tagLst>
+</file>
+
+<file path=ppt/tags/tag15.xml><?xml version="1.0" encoding="utf-8"?>
+<p:tagLst xmlns:a="http://schemas.openxmlformats.org/drawingml/2006/main" xmlns:r="http://schemas.openxmlformats.org/officeDocument/2006/relationships" xmlns:p="http://schemas.openxmlformats.org/presentationml/2006/main">
   <p:tag name="TIMING" val="|10.5|14.7|13.8"/>
 </p:tagLst>
 </file>
 
-<file path=ppt/tags/tag12.xml><?xml version="1.0" encoding="utf-8"?>
+<file path=ppt/tags/tag16.xml><?xml version="1.0" encoding="utf-8"?>
 <p:tagLst xmlns:a="http://schemas.openxmlformats.org/drawingml/2006/main" xmlns:r="http://schemas.openxmlformats.org/officeDocument/2006/relationships" xmlns:p="http://schemas.openxmlformats.org/presentationml/2006/main">
   <p:tag name="TIMING" val="|12.1|14.6|26.2"/>
 </p:tagLst>
@@ -17845,49 +17826,49 @@
 
 <file path=ppt/tags/tag2.xml><?xml version="1.0" encoding="utf-8"?>
 <p:tagLst xmlns:a="http://schemas.openxmlformats.org/drawingml/2006/main" xmlns:r="http://schemas.openxmlformats.org/officeDocument/2006/relationships" xmlns:p="http://schemas.openxmlformats.org/presentationml/2006/main">
-  <p:tag name="TIMING" val="|1|0.8|1.7|1.1"/>
+  <p:tag name="TIMING" val="|11.8|9.8|15.3"/>
 </p:tagLst>
 </file>
 
 <file path=ppt/tags/tag3.xml><?xml version="1.0" encoding="utf-8"?>
 <p:tagLst xmlns:a="http://schemas.openxmlformats.org/drawingml/2006/main" xmlns:r="http://schemas.openxmlformats.org/officeDocument/2006/relationships" xmlns:p="http://schemas.openxmlformats.org/presentationml/2006/main">
-  <p:tag name="TIMING" val="|12.1|18.8|31.1"/>
+  <p:tag name="TIMING" val="|6|0.7|3.9"/>
 </p:tagLst>
 </file>
 
 <file path=ppt/tags/tag4.xml><?xml version="1.0" encoding="utf-8"?>
 <p:tagLst xmlns:a="http://schemas.openxmlformats.org/drawingml/2006/main" xmlns:r="http://schemas.openxmlformats.org/officeDocument/2006/relationships" xmlns:p="http://schemas.openxmlformats.org/presentationml/2006/main">
-  <p:tag name="TIMING" val="|9.3|26.2|12.4|14.6"/>
+  <p:tag name="TIMING" val="|6|7.8"/>
 </p:tagLst>
 </file>
 
 <file path=ppt/tags/tag5.xml><?xml version="1.0" encoding="utf-8"?>
 <p:tagLst xmlns:a="http://schemas.openxmlformats.org/drawingml/2006/main" xmlns:r="http://schemas.openxmlformats.org/officeDocument/2006/relationships" xmlns:p="http://schemas.openxmlformats.org/presentationml/2006/main">
-  <p:tag name="TIMING" val="|14|1.3|10.7|2.6"/>
+  <p:tag name="TIMING" val="|0.3|0.4|0.4|0.6"/>
 </p:tagLst>
 </file>
 
 <file path=ppt/tags/tag6.xml><?xml version="1.0" encoding="utf-8"?>
 <p:tagLst xmlns:a="http://schemas.openxmlformats.org/drawingml/2006/main" xmlns:r="http://schemas.openxmlformats.org/officeDocument/2006/relationships" xmlns:p="http://schemas.openxmlformats.org/presentationml/2006/main">
-  <p:tag name="TIMING" val="|4.7|11.9|13.4"/>
+  <p:tag name="TIMING" val="|1|0.8|1.7|1.1"/>
 </p:tagLst>
 </file>
 
 <file path=ppt/tags/tag7.xml><?xml version="1.0" encoding="utf-8"?>
 <p:tagLst xmlns:a="http://schemas.openxmlformats.org/drawingml/2006/main" xmlns:r="http://schemas.openxmlformats.org/officeDocument/2006/relationships" xmlns:p="http://schemas.openxmlformats.org/presentationml/2006/main">
-  <p:tag name="TIMING" val="|4.7|11.9|13.4"/>
+  <p:tag name="TIMING" val="|12.1|18.8|31.1"/>
 </p:tagLst>
 </file>
 
 <file path=ppt/tags/tag8.xml><?xml version="1.0" encoding="utf-8"?>
 <p:tagLst xmlns:a="http://schemas.openxmlformats.org/drawingml/2006/main" xmlns:r="http://schemas.openxmlformats.org/officeDocument/2006/relationships" xmlns:p="http://schemas.openxmlformats.org/presentationml/2006/main">
-  <p:tag name="TIMING" val="|12.5|10.2|11.3"/>
+  <p:tag name="TIMING" val="|9.3|26.2|12.4|14.6"/>
 </p:tagLst>
 </file>
 
 <file path=ppt/tags/tag9.xml><?xml version="1.0" encoding="utf-8"?>
 <p:tagLst xmlns:a="http://schemas.openxmlformats.org/drawingml/2006/main" xmlns:r="http://schemas.openxmlformats.org/officeDocument/2006/relationships" xmlns:p="http://schemas.openxmlformats.org/presentationml/2006/main">
-  <p:tag name="TIMING" val="|9.3|10.9"/>
+  <p:tag name="TIMING" val="|14|1.3|10.7|2.6"/>
 </p:tagLst>
 </file>
 
